--- a/20170916.ContainerDrivenDevelop/slides.pptx
+++ b/20170916.ContainerDrivenDevelop/slides.pptx
@@ -5,7 +5,7 @@
     <p:sldMasterId id="2147483660" r:id="rId1"/>
   </p:sldMasterIdLst>
   <p:notesMasterIdLst>
-    <p:notesMasterId r:id="rId48"/>
+    <p:notesMasterId r:id="rId45"/>
   </p:notesMasterIdLst>
   <p:sldIdLst>
     <p:sldId id="256" r:id="rId2"/>
@@ -40,20 +40,17 @@
     <p:sldId id="327" r:id="rId31"/>
     <p:sldId id="324" r:id="rId32"/>
     <p:sldId id="325" r:id="rId33"/>
-    <p:sldId id="300" r:id="rId34"/>
-    <p:sldId id="301" r:id="rId35"/>
-    <p:sldId id="311" r:id="rId36"/>
-    <p:sldId id="302" r:id="rId37"/>
-    <p:sldId id="310" r:id="rId38"/>
-    <p:sldId id="303" r:id="rId39"/>
-    <p:sldId id="305" r:id="rId40"/>
-    <p:sldId id="258" r:id="rId41"/>
-    <p:sldId id="306" r:id="rId42"/>
-    <p:sldId id="312" r:id="rId43"/>
-    <p:sldId id="309" r:id="rId44"/>
-    <p:sldId id="308" r:id="rId45"/>
-    <p:sldId id="259" r:id="rId46"/>
-    <p:sldId id="261" r:id="rId47"/>
+    <p:sldId id="329" r:id="rId34"/>
+    <p:sldId id="328" r:id="rId35"/>
+    <p:sldId id="300" r:id="rId36"/>
+    <p:sldId id="301" r:id="rId37"/>
+    <p:sldId id="311" r:id="rId38"/>
+    <p:sldId id="302" r:id="rId39"/>
+    <p:sldId id="310" r:id="rId40"/>
+    <p:sldId id="303" r:id="rId41"/>
+    <p:sldId id="305" r:id="rId42"/>
+    <p:sldId id="258" r:id="rId43"/>
+    <p:sldId id="306" r:id="rId44"/>
   </p:sldIdLst>
   <p:sldSz cx="12192000" cy="6858000"/>
   <p:notesSz cx="6858000" cy="9144000"/>
@@ -2960,7 +2957,7 @@
           <a:p>
             <a:fld id="{E021E510-D267-4A48-98B8-37CAB08698A1}" type="datetimeFigureOut">
               <a:rPr lang="zh-TW" altLang="en-US" smtClean="0"/>
-              <a:t>2017/8/31</a:t>
+              <a:t>2017/9/3</a:t>
             </a:fld>
             <a:endParaRPr lang="zh-TW" altLang="en-US"/>
           </a:p>
@@ -4068,7 +4065,7 @@
           <a:p>
             <a:fld id="{B07EFE10-B13D-43B6-9F5E-D0DE056FAF9A}" type="datetimeFigureOut">
               <a:rPr lang="zh-TW" altLang="en-US" smtClean="0"/>
-              <a:t>2017/8/31</a:t>
+              <a:t>2017/9/3</a:t>
             </a:fld>
             <a:endParaRPr lang="zh-TW" altLang="en-US"/>
           </a:p>
@@ -4276,7 +4273,7 @@
           <a:p>
             <a:fld id="{B07EFE10-B13D-43B6-9F5E-D0DE056FAF9A}" type="datetimeFigureOut">
               <a:rPr lang="zh-TW" altLang="en-US" smtClean="0"/>
-              <a:t>2017/8/31</a:t>
+              <a:t>2017/9/3</a:t>
             </a:fld>
             <a:endParaRPr lang="zh-TW" altLang="en-US"/>
           </a:p>
@@ -4532,7 +4529,7 @@
           <a:p>
             <a:fld id="{B07EFE10-B13D-43B6-9F5E-D0DE056FAF9A}" type="datetimeFigureOut">
               <a:rPr lang="zh-TW" altLang="en-US" smtClean="0"/>
-              <a:t>2017/8/31</a:t>
+              <a:t>2017/9/3</a:t>
             </a:fld>
             <a:endParaRPr lang="zh-TW" altLang="en-US"/>
           </a:p>
@@ -4706,7 +4703,7 @@
           <a:p>
             <a:fld id="{B07EFE10-B13D-43B6-9F5E-D0DE056FAF9A}" type="datetimeFigureOut">
               <a:rPr lang="zh-TW" altLang="en-US" smtClean="0"/>
-              <a:t>2017/8/31</a:t>
+              <a:t>2017/9/3</a:t>
             </a:fld>
             <a:endParaRPr lang="zh-TW" altLang="en-US"/>
           </a:p>
@@ -5049,7 +5046,7 @@
           <a:p>
             <a:fld id="{B07EFE10-B13D-43B6-9F5E-D0DE056FAF9A}" type="datetimeFigureOut">
               <a:rPr lang="zh-TW" altLang="en-US" smtClean="0"/>
-              <a:t>2017/8/31</a:t>
+              <a:t>2017/9/3</a:t>
             </a:fld>
             <a:endParaRPr lang="zh-TW" altLang="en-US"/>
           </a:p>
@@ -5324,7 +5321,7 @@
           <a:p>
             <a:fld id="{B07EFE10-B13D-43B6-9F5E-D0DE056FAF9A}" type="datetimeFigureOut">
               <a:rPr lang="zh-TW" altLang="en-US" smtClean="0"/>
-              <a:t>2017/8/31</a:t>
+              <a:t>2017/9/3</a:t>
             </a:fld>
             <a:endParaRPr lang="zh-TW" altLang="en-US"/>
           </a:p>
@@ -5703,7 +5700,7 @@
           <a:p>
             <a:fld id="{B07EFE10-B13D-43B6-9F5E-D0DE056FAF9A}" type="datetimeFigureOut">
               <a:rPr lang="zh-TW" altLang="en-US" smtClean="0"/>
-              <a:t>2017/8/31</a:t>
+              <a:t>2017/9/3</a:t>
             </a:fld>
             <a:endParaRPr lang="zh-TW" altLang="en-US"/>
           </a:p>
@@ -5821,7 +5818,7 @@
           <a:p>
             <a:fld id="{B07EFE10-B13D-43B6-9F5E-D0DE056FAF9A}" type="datetimeFigureOut">
               <a:rPr lang="zh-TW" altLang="en-US" smtClean="0"/>
-              <a:t>2017/8/31</a:t>
+              <a:t>2017/9/3</a:t>
             </a:fld>
             <a:endParaRPr lang="zh-TW" altLang="en-US"/>
           </a:p>
@@ -5992,7 +5989,7 @@
           <a:p>
             <a:fld id="{B07EFE10-B13D-43B6-9F5E-D0DE056FAF9A}" type="datetimeFigureOut">
               <a:rPr lang="zh-TW" altLang="en-US" smtClean="0"/>
-              <a:t>2017/8/31</a:t>
+              <a:t>2017/9/3</a:t>
             </a:fld>
             <a:endParaRPr lang="zh-TW" altLang="en-US"/>
           </a:p>
@@ -6346,7 +6343,7 @@
           <a:p>
             <a:fld id="{B07EFE10-B13D-43B6-9F5E-D0DE056FAF9A}" type="datetimeFigureOut">
               <a:rPr lang="zh-TW" altLang="en-US" smtClean="0"/>
-              <a:t>2017/8/31</a:t>
+              <a:t>2017/9/3</a:t>
             </a:fld>
             <a:endParaRPr lang="zh-TW" altLang="en-US"/>
           </a:p>
@@ -6728,7 +6725,7 @@
           <a:p>
             <a:fld id="{B07EFE10-B13D-43B6-9F5E-D0DE056FAF9A}" type="datetimeFigureOut">
               <a:rPr lang="zh-TW" altLang="en-US" smtClean="0"/>
-              <a:t>2017/8/31</a:t>
+              <a:t>2017/9/3</a:t>
             </a:fld>
             <a:endParaRPr lang="zh-TW" altLang="en-US"/>
           </a:p>
@@ -7015,7 +7012,7 @@
           <a:p>
             <a:fld id="{B07EFE10-B13D-43B6-9F5E-D0DE056FAF9A}" type="datetimeFigureOut">
               <a:rPr lang="zh-TW" altLang="en-US" smtClean="0"/>
-              <a:t>2017/8/31</a:t>
+              <a:t>2017/9/3</a:t>
             </a:fld>
             <a:endParaRPr lang="zh-TW" altLang="en-US"/>
           </a:p>
@@ -8148,11 +8145,7 @@
             </a:r>
             <a:r>
               <a:rPr lang="zh-TW" altLang="en-US" dirty="0" smtClean="0"/>
-              <a:t>容器</a:t>
-            </a:r>
-            <a:r>
-              <a:rPr lang="zh-TW" altLang="en-US" dirty="0" smtClean="0"/>
-              <a:t>化的部署</a:t>
+              <a:t>容器化的部署</a:t>
             </a:r>
             <a:endParaRPr lang="zh-TW" altLang="en-US" dirty="0"/>
           </a:p>
@@ -12075,7 +12068,7 @@
         <p:spPr>
           <a:xfrm>
             <a:off x="6910466" y="2128602"/>
-            <a:ext cx="4862037" cy="3693319"/>
+            <a:ext cx="5046638" cy="3970318"/>
           </a:xfrm>
           <a:prstGeom prst="rect">
             <a:avLst/>
@@ -12220,6 +12213,22 @@
           </a:p>
           <a:p>
             <a:r>
+              <a:rPr lang="en-US" altLang="zh-TW" b="1" dirty="0" smtClean="0"/>
+              <a:t>[</a:t>
+            </a:r>
+            <a:r>
+              <a:rPr lang="zh-TW" altLang="en-US" b="1" dirty="0" smtClean="0"/>
+              <a:t>思考</a:t>
+            </a:r>
+            <a:r>
+              <a:rPr lang="en-US" altLang="zh-TW" b="1" dirty="0" smtClean="0"/>
+              <a:t>]</a:t>
+            </a:r>
+            <a:r>
+              <a:rPr lang="zh-TW" altLang="en-US" b="1" dirty="0" smtClean="0"/>
+              <a:t> </a:t>
+            </a:r>
+            <a:r>
               <a:rPr lang="zh-TW" altLang="en-US" dirty="0" smtClean="0"/>
               <a:t>如果 </a:t>
             </a:r>
@@ -12237,14 +12246,34 @@
             </a:r>
             <a:r>
               <a:rPr lang="zh-TW" altLang="en-US" dirty="0" smtClean="0"/>
-              <a:t>只歸我用，且有專屬連線，</a:t>
-            </a:r>
-            <a:endParaRPr lang="en-US" altLang="zh-TW" dirty="0" smtClean="0"/>
-          </a:p>
-          <a:p>
+              <a:t>只歸我用，且有</a:t>
+            </a:r>
             <a:r>
               <a:rPr lang="zh-TW" altLang="en-US" dirty="0" smtClean="0"/>
-              <a:t>還需要設定 </a:t>
+              <a:t>專屬</a:t>
+            </a:r>
+            <a:r>
+              <a:rPr lang="en-US" altLang="zh-TW" dirty="0" smtClean="0"/>
+              <a:t/>
+            </a:r>
+            <a:br>
+              <a:rPr lang="en-US" altLang="zh-TW" dirty="0" smtClean="0"/>
+            </a:br>
+            <a:r>
+              <a:rPr lang="zh-TW" altLang="en-US" dirty="0" smtClean="0"/>
+              <a:t>連線，</a:t>
+            </a:r>
+            <a:r>
+              <a:rPr lang="zh-TW" altLang="en-US" dirty="0"/>
+              <a:t>那</a:t>
+            </a:r>
+            <a:r>
+              <a:rPr lang="zh-TW" altLang="en-US" dirty="0" smtClean="0"/>
+              <a:t>還</a:t>
+            </a:r>
+            <a:r>
+              <a:rPr lang="zh-TW" altLang="en-US" dirty="0" smtClean="0"/>
+              <a:t>需要設定 </a:t>
             </a:r>
             <a:r>
               <a:rPr lang="en-US" altLang="zh-TW" dirty="0" smtClean="0"/>
@@ -12272,12 +12301,32 @@
           </a:p>
           <a:p>
             <a:r>
+              <a:rPr lang="en-US" altLang="zh-TW" b="1" dirty="0"/>
+              <a:t>[</a:t>
+            </a:r>
+            <a:r>
+              <a:rPr lang="zh-TW" altLang="en-US" b="1" dirty="0"/>
+              <a:t>思考</a:t>
+            </a:r>
+            <a:r>
+              <a:rPr lang="en-US" altLang="zh-TW" b="1" dirty="0"/>
+              <a:t>]</a:t>
+            </a:r>
+            <a:r>
+              <a:rPr lang="zh-TW" altLang="en-US" b="1" dirty="0"/>
+              <a:t> </a:t>
+            </a:r>
+            <a:r>
               <a:rPr lang="en-US" altLang="zh-TW" dirty="0" smtClean="0"/>
               <a:t>OS</a:t>
             </a:r>
             <a:r>
               <a:rPr lang="zh-TW" altLang="en-US" dirty="0" smtClean="0"/>
-              <a:t> 存在的價值，除了 </a:t>
+              <a:t> </a:t>
+            </a:r>
+            <a:r>
+              <a:rPr lang="zh-TW" altLang="en-US" dirty="0" smtClean="0"/>
+              <a:t>存在的價值，除了 </a:t>
             </a:r>
             <a:r>
               <a:rPr lang="en-US" altLang="zh-TW" dirty="0" smtClean="0"/>
@@ -12293,7 +12342,22 @@
             </a:r>
             <a:r>
               <a:rPr lang="zh-TW" altLang="en-US" dirty="0" smtClean="0"/>
-              <a:t> 之外還剩</a:t>
+              <a:t> </a:t>
+            </a:r>
+            <a:r>
+              <a:rPr lang="zh-TW" altLang="en-US" dirty="0" smtClean="0"/>
+              <a:t>之外</a:t>
+            </a:r>
+            <a:r>
+              <a:rPr lang="en-US" altLang="zh-TW" dirty="0" smtClean="0"/>
+              <a:t/>
+            </a:r>
+            <a:br>
+              <a:rPr lang="en-US" altLang="zh-TW" dirty="0" smtClean="0"/>
+            </a:br>
+            <a:r>
+              <a:rPr lang="zh-TW" altLang="en-US" dirty="0" smtClean="0"/>
+              <a:t>還剩什麼功能</a:t>
             </a:r>
             <a:r>
               <a:rPr lang="en-US" altLang="zh-TW" dirty="0" smtClean="0"/>
@@ -12481,20 +12545,21 @@
             </a:r>
             <a:r>
               <a:rPr lang="zh-TW" altLang="en-US" sz="3200" dirty="0" smtClean="0"/>
-              <a:t> 必須執行上百個 </a:t>
+              <a:t> </a:t>
+            </a:r>
+            <a:r>
+              <a:rPr lang="zh-TW" altLang="en-US" sz="3200" dirty="0"/>
+              <a:t>必須執行管理上百</a:t>
+            </a:r>
+            <a:r>
+              <a:rPr lang="zh-TW" altLang="en-US" sz="3200" dirty="0" smtClean="0"/>
+              <a:t>個 </a:t>
             </a:r>
             <a:r>
               <a:rPr lang="en-US" altLang="zh-TW" sz="3200" dirty="0" smtClean="0"/>
-              <a:t>APPs.., OS </a:t>
-            </a:r>
-            <a:r>
-              <a:rPr lang="zh-TW" altLang="en-US" sz="3200" dirty="0" smtClean="0"/>
-              <a:t>是主角</a:t>
-            </a:r>
-            <a:r>
-              <a:rPr lang="en-US" altLang="zh-TW" sz="3200" dirty="0" smtClean="0"/>
-              <a:t>…</a:t>
-            </a:r>
+              <a:t>APPs …</a:t>
+            </a:r>
+            <a:endParaRPr lang="en-US" altLang="zh-TW" sz="3200" dirty="0" smtClean="0"/>
           </a:p>
           <a:p>
             <a:pPr marL="514350" indent="-514350">
@@ -12515,20 +12580,17 @@
             </a:r>
             <a:r>
               <a:rPr lang="zh-TW" altLang="en-US" sz="3200" dirty="0" smtClean="0"/>
-              <a:t> 必須執行上百份</a:t>
+              <a:t> 必須執行上百</a:t>
+            </a:r>
+            <a:r>
+              <a:rPr lang="zh-TW" altLang="en-US" sz="3200" dirty="0" smtClean="0"/>
+              <a:t>份 </a:t>
             </a:r>
             <a:r>
               <a:rPr lang="en-US" altLang="zh-TW" sz="3200" dirty="0" smtClean="0"/>
-              <a:t>, OS </a:t>
-            </a:r>
-            <a:r>
-              <a:rPr lang="zh-TW" altLang="en-US" sz="3200" dirty="0" smtClean="0"/>
-              <a:t>是配角</a:t>
-            </a:r>
-            <a:r>
-              <a:rPr lang="en-US" altLang="zh-TW" sz="3200" dirty="0" smtClean="0"/>
-              <a:t>…</a:t>
-            </a:r>
+              <a:t>instance …</a:t>
+            </a:r>
+            <a:endParaRPr lang="en-US" altLang="zh-TW" sz="3200" dirty="0" smtClean="0"/>
           </a:p>
           <a:p>
             <a:pPr marL="514350" indent="-514350">
@@ -12612,24 +12674,25 @@
             </a:r>
             <a:r>
               <a:rPr lang="en-US" altLang="zh-TW" sz="3200" dirty="0" smtClean="0"/>
-              <a:t>(OS</a:t>
-            </a:r>
-            <a:r>
-              <a:rPr lang="zh-TW" altLang="en-US" sz="3200" dirty="0" smtClean="0"/>
-              <a:t> </a:t>
+              <a:t>(</a:t>
+            </a:r>
+            <a:r>
+              <a:rPr lang="en-US" altLang="zh-TW" sz="3200" dirty="0" err="1" smtClean="0"/>
+              <a:t>nanoserver</a:t>
             </a:r>
             <a:r>
               <a:rPr lang="en-US" altLang="zh-TW" sz="3200" dirty="0" smtClean="0"/>
-              <a:t>LIB</a:t>
-            </a:r>
-            <a:r>
-              <a:rPr lang="zh-TW" altLang="en-US" sz="3200" dirty="0" smtClean="0"/>
-              <a:t> 化</a:t>
+              <a:t>, </a:t>
+            </a:r>
+            <a:r>
+              <a:rPr lang="en-US" altLang="zh-TW" sz="3200" dirty="0" err="1" smtClean="0"/>
+              <a:t>linuxkit</a:t>
             </a:r>
             <a:r>
               <a:rPr lang="en-US" altLang="zh-TW" sz="3200" dirty="0" smtClean="0"/>
               <a:t>)</a:t>
             </a:r>
+            <a:endParaRPr lang="en-US" altLang="zh-TW" sz="3200" dirty="0" smtClean="0"/>
           </a:p>
           <a:p>
             <a:pPr marL="514350" indent="-514350">
@@ -12773,7 +12836,7 @@
           <a:p>
             <a:r>
               <a:rPr lang="en-US" altLang="zh-TW" dirty="0" smtClean="0"/>
-              <a:t>Immutable Server (Before)</a:t>
+              <a:t>Deployment (using VM)</a:t>
             </a:r>
             <a:endParaRPr lang="zh-TW" altLang="en-US" dirty="0"/>
           </a:p>
@@ -12849,6 +12912,272 @@
           </a:p>
         </p:txBody>
       </p:sp>
+      <p:sp>
+        <p:nvSpPr>
+          <p:cNvPr id="6" name="矩形 5"/>
+          <p:cNvSpPr/>
+          <p:nvPr/>
+        </p:nvSpPr>
+        <p:spPr>
+          <a:xfrm>
+            <a:off x="812799" y="2665045"/>
+            <a:ext cx="1531816" cy="1016000"/>
+          </a:xfrm>
+          <a:prstGeom prst="rect">
+            <a:avLst/>
+          </a:prstGeom>
+        </p:spPr>
+        <p:style>
+          <a:lnRef idx="2">
+            <a:schemeClr val="accent4"/>
+          </a:lnRef>
+          <a:fillRef idx="1">
+            <a:schemeClr val="lt1"/>
+          </a:fillRef>
+          <a:effectRef idx="0">
+            <a:schemeClr val="accent4"/>
+          </a:effectRef>
+          <a:fontRef idx="minor">
+            <a:schemeClr val="dk1"/>
+          </a:fontRef>
+        </p:style>
+        <p:txBody>
+          <a:bodyPr rtlCol="0" anchor="ctr"/>
+          <a:lstStyle/>
+          <a:p>
+            <a:pPr algn="ctr"/>
+            <a:r>
+              <a:rPr lang="en-US" altLang="zh-TW" dirty="0" smtClean="0"/>
+              <a:t>MIS + DEV's Job</a:t>
+            </a:r>
+            <a:endParaRPr lang="zh-TW" altLang="en-US" dirty="0"/>
+          </a:p>
+        </p:txBody>
+      </p:sp>
+      <p:sp>
+        <p:nvSpPr>
+          <p:cNvPr id="8" name="矩形 7"/>
+          <p:cNvSpPr/>
+          <p:nvPr/>
+        </p:nvSpPr>
+        <p:spPr>
+          <a:xfrm>
+            <a:off x="2860430" y="2665045"/>
+            <a:ext cx="1531816" cy="1016000"/>
+          </a:xfrm>
+          <a:prstGeom prst="rect">
+            <a:avLst/>
+          </a:prstGeom>
+        </p:spPr>
+        <p:style>
+          <a:lnRef idx="2">
+            <a:schemeClr val="accent4"/>
+          </a:lnRef>
+          <a:fillRef idx="1">
+            <a:schemeClr val="lt1"/>
+          </a:fillRef>
+          <a:effectRef idx="0">
+            <a:schemeClr val="accent4"/>
+          </a:effectRef>
+          <a:fontRef idx="minor">
+            <a:schemeClr val="dk1"/>
+          </a:fontRef>
+        </p:style>
+        <p:txBody>
+          <a:bodyPr rtlCol="0" anchor="ctr"/>
+          <a:lstStyle/>
+          <a:p>
+            <a:pPr algn="ctr"/>
+            <a:r>
+              <a:rPr lang="en-US" altLang="zh-TW" dirty="0" smtClean="0"/>
+              <a:t>MIS's Job</a:t>
+            </a:r>
+            <a:endParaRPr lang="zh-TW" altLang="en-US" dirty="0"/>
+          </a:p>
+        </p:txBody>
+      </p:sp>
+      <p:sp>
+        <p:nvSpPr>
+          <p:cNvPr id="9" name="矩形 8"/>
+          <p:cNvSpPr/>
+          <p:nvPr/>
+        </p:nvSpPr>
+        <p:spPr>
+          <a:xfrm>
+            <a:off x="4923691" y="2665045"/>
+            <a:ext cx="1531816" cy="1016000"/>
+          </a:xfrm>
+          <a:prstGeom prst="rect">
+            <a:avLst/>
+          </a:prstGeom>
+        </p:spPr>
+        <p:style>
+          <a:lnRef idx="2">
+            <a:schemeClr val="accent4"/>
+          </a:lnRef>
+          <a:fillRef idx="1">
+            <a:schemeClr val="lt1"/>
+          </a:fillRef>
+          <a:effectRef idx="0">
+            <a:schemeClr val="accent4"/>
+          </a:effectRef>
+          <a:fontRef idx="minor">
+            <a:schemeClr val="dk1"/>
+          </a:fontRef>
+        </p:style>
+        <p:txBody>
+          <a:bodyPr rtlCol="0" anchor="ctr"/>
+          <a:lstStyle/>
+          <a:p>
+            <a:pPr algn="ctr"/>
+            <a:r>
+              <a:rPr lang="en-US" altLang="zh-TW" dirty="0" smtClean="0"/>
+              <a:t>???'s Job</a:t>
+            </a:r>
+            <a:endParaRPr lang="zh-TW" altLang="en-US" dirty="0"/>
+          </a:p>
+        </p:txBody>
+      </p:sp>
+      <p:sp>
+        <p:nvSpPr>
+          <p:cNvPr id="10" name="矩形 9"/>
+          <p:cNvSpPr/>
+          <p:nvPr/>
+        </p:nvSpPr>
+        <p:spPr>
+          <a:xfrm>
+            <a:off x="6979137" y="2665045"/>
+            <a:ext cx="1531816" cy="1016000"/>
+          </a:xfrm>
+          <a:prstGeom prst="rect">
+            <a:avLst/>
+          </a:prstGeom>
+        </p:spPr>
+        <p:style>
+          <a:lnRef idx="2">
+            <a:schemeClr val="accent4"/>
+          </a:lnRef>
+          <a:fillRef idx="1">
+            <a:schemeClr val="lt1"/>
+          </a:fillRef>
+          <a:effectRef idx="0">
+            <a:schemeClr val="accent4"/>
+          </a:effectRef>
+          <a:fontRef idx="minor">
+            <a:schemeClr val="dk1"/>
+          </a:fontRef>
+        </p:style>
+        <p:txBody>
+          <a:bodyPr rtlCol="0" anchor="ctr"/>
+          <a:lstStyle/>
+          <a:p>
+            <a:pPr algn="ctr"/>
+            <a:r>
+              <a:rPr lang="en-US" altLang="zh-TW" dirty="0" smtClean="0"/>
+              <a:t>???'s Job</a:t>
+            </a:r>
+            <a:endParaRPr lang="zh-TW" altLang="en-US" dirty="0"/>
+          </a:p>
+        </p:txBody>
+      </p:sp>
+      <p:sp>
+        <p:nvSpPr>
+          <p:cNvPr id="13" name="矩形 12"/>
+          <p:cNvSpPr/>
+          <p:nvPr/>
+        </p:nvSpPr>
+        <p:spPr>
+          <a:xfrm>
+            <a:off x="5126882" y="1895088"/>
+            <a:ext cx="1977294" cy="644912"/>
+          </a:xfrm>
+          <a:prstGeom prst="rect">
+            <a:avLst/>
+          </a:prstGeom>
+        </p:spPr>
+        <p:style>
+          <a:lnRef idx="2">
+            <a:schemeClr val="accent4"/>
+          </a:lnRef>
+          <a:fillRef idx="1">
+            <a:schemeClr val="lt1"/>
+          </a:fillRef>
+          <a:effectRef idx="0">
+            <a:schemeClr val="accent4"/>
+          </a:effectRef>
+          <a:fontRef idx="minor">
+            <a:schemeClr val="dk1"/>
+          </a:fontRef>
+        </p:style>
+        <p:txBody>
+          <a:bodyPr rtlCol="0" anchor="ctr"/>
+          <a:lstStyle/>
+          <a:p>
+            <a:pPr algn="ctr"/>
+            <a:r>
+              <a:rPr lang="en-US" altLang="zh-TW" dirty="0" smtClean="0"/>
+              <a:t>DEV's Job</a:t>
+            </a:r>
+          </a:p>
+          <a:p>
+            <a:pPr algn="ctr"/>
+            <a:r>
+              <a:rPr lang="en-US" altLang="zh-TW" dirty="0" smtClean="0"/>
+              <a:t>(change code)</a:t>
+            </a:r>
+            <a:endParaRPr lang="zh-TW" altLang="en-US" dirty="0"/>
+          </a:p>
+        </p:txBody>
+      </p:sp>
+      <p:sp>
+        <p:nvSpPr>
+          <p:cNvPr id="14" name="矩形 13"/>
+          <p:cNvSpPr/>
+          <p:nvPr/>
+        </p:nvSpPr>
+        <p:spPr>
+          <a:xfrm>
+            <a:off x="7522306" y="1895088"/>
+            <a:ext cx="1977294" cy="644912"/>
+          </a:xfrm>
+          <a:prstGeom prst="rect">
+            <a:avLst/>
+          </a:prstGeom>
+        </p:spPr>
+        <p:style>
+          <a:lnRef idx="2">
+            <a:schemeClr val="accent4"/>
+          </a:lnRef>
+          <a:fillRef idx="1">
+            <a:schemeClr val="lt1"/>
+          </a:fillRef>
+          <a:effectRef idx="0">
+            <a:schemeClr val="accent4"/>
+          </a:effectRef>
+          <a:fontRef idx="minor">
+            <a:schemeClr val="dk1"/>
+          </a:fontRef>
+        </p:style>
+        <p:txBody>
+          <a:bodyPr rtlCol="0" anchor="ctr"/>
+          <a:lstStyle/>
+          <a:p>
+            <a:pPr algn="ctr"/>
+            <a:r>
+              <a:rPr lang="en-US" altLang="zh-TW" dirty="0" smtClean="0"/>
+              <a:t>DEV's Job</a:t>
+            </a:r>
+          </a:p>
+          <a:p>
+            <a:pPr algn="ctr"/>
+            <a:r>
+              <a:rPr lang="en-US" altLang="zh-TW" dirty="0" smtClean="0"/>
+              <a:t>(change code)</a:t>
+            </a:r>
+            <a:endParaRPr lang="zh-TW" altLang="en-US" dirty="0"/>
+          </a:p>
+        </p:txBody>
+      </p:sp>
     </p:spTree>
     <p:extLst>
       <p:ext uri="{BB962C8B-B14F-4D97-AF65-F5344CB8AC3E}">
@@ -12862,9 +13191,412 @@
   <p:timing>
     <p:tnLst>
       <p:par>
-        <p:cTn id="1" dur="indefinite" restart="never" nodeType="tmRoot"/>
+        <p:cTn id="1" dur="indefinite" restart="never" nodeType="tmRoot">
+          <p:childTnLst>
+            <p:seq concurrent="1" nextAc="seek">
+              <p:cTn id="2" dur="indefinite" nodeType="mainSeq">
+                <p:childTnLst>
+                  <p:par>
+                    <p:cTn id="3" fill="hold">
+                      <p:stCondLst>
+                        <p:cond delay="indefinite"/>
+                      </p:stCondLst>
+                      <p:childTnLst>
+                        <p:par>
+                          <p:cTn id="4" fill="hold">
+                            <p:stCondLst>
+                              <p:cond delay="0"/>
+                            </p:stCondLst>
+                            <p:childTnLst>
+                              <p:par>
+                                <p:cTn id="5" presetID="10" presetClass="entr" presetSubtype="0" fill="hold" grpId="0" nodeType="clickEffect">
+                                  <p:stCondLst>
+                                    <p:cond delay="0"/>
+                                  </p:stCondLst>
+                                  <p:childTnLst>
+                                    <p:set>
+                                      <p:cBhvr>
+                                        <p:cTn id="6" dur="1" fill="hold">
+                                          <p:stCondLst>
+                                            <p:cond delay="0"/>
+                                          </p:stCondLst>
+                                        </p:cTn>
+                                        <p:tgtEl>
+                                          <p:spTgt spid="5"/>
+                                        </p:tgtEl>
+                                        <p:attrNameLst>
+                                          <p:attrName>style.visibility</p:attrName>
+                                        </p:attrNameLst>
+                                      </p:cBhvr>
+                                      <p:to>
+                                        <p:strVal val="visible"/>
+                                      </p:to>
+                                    </p:set>
+                                    <p:animEffect transition="in" filter="fade">
+                                      <p:cBhvr>
+                                        <p:cTn id="7" dur="500"/>
+                                        <p:tgtEl>
+                                          <p:spTgt spid="5"/>
+                                        </p:tgtEl>
+                                      </p:cBhvr>
+                                    </p:animEffect>
+                                  </p:childTnLst>
+                                </p:cTn>
+                              </p:par>
+                            </p:childTnLst>
+                          </p:cTn>
+                        </p:par>
+                      </p:childTnLst>
+                    </p:cTn>
+                  </p:par>
+                  <p:par>
+                    <p:cTn id="8" fill="hold">
+                      <p:stCondLst>
+                        <p:cond delay="indefinite"/>
+                      </p:stCondLst>
+                      <p:childTnLst>
+                        <p:par>
+                          <p:cTn id="9" fill="hold">
+                            <p:stCondLst>
+                              <p:cond delay="0"/>
+                            </p:stCondLst>
+                            <p:childTnLst>
+                              <p:par>
+                                <p:cTn id="10" presetID="10" presetClass="entr" presetSubtype="0" fill="hold" grpId="0" nodeType="clickEffect">
+                                  <p:stCondLst>
+                                    <p:cond delay="0"/>
+                                  </p:stCondLst>
+                                  <p:childTnLst>
+                                    <p:set>
+                                      <p:cBhvr>
+                                        <p:cTn id="11" dur="1" fill="hold">
+                                          <p:stCondLst>
+                                            <p:cond delay="0"/>
+                                          </p:stCondLst>
+                                        </p:cTn>
+                                        <p:tgtEl>
+                                          <p:spTgt spid="6"/>
+                                        </p:tgtEl>
+                                        <p:attrNameLst>
+                                          <p:attrName>style.visibility</p:attrName>
+                                        </p:attrNameLst>
+                                      </p:cBhvr>
+                                      <p:to>
+                                        <p:strVal val="visible"/>
+                                      </p:to>
+                                    </p:set>
+                                    <p:animEffect transition="in" filter="fade">
+                                      <p:cBhvr>
+                                        <p:cTn id="12" dur="500"/>
+                                        <p:tgtEl>
+                                          <p:spTgt spid="6"/>
+                                        </p:tgtEl>
+                                      </p:cBhvr>
+                                    </p:animEffect>
+                                  </p:childTnLst>
+                                </p:cTn>
+                              </p:par>
+                            </p:childTnLst>
+                          </p:cTn>
+                        </p:par>
+                      </p:childTnLst>
+                    </p:cTn>
+                  </p:par>
+                  <p:par>
+                    <p:cTn id="13" fill="hold">
+                      <p:stCondLst>
+                        <p:cond delay="indefinite"/>
+                      </p:stCondLst>
+                      <p:childTnLst>
+                        <p:par>
+                          <p:cTn id="14" fill="hold">
+                            <p:stCondLst>
+                              <p:cond delay="0"/>
+                            </p:stCondLst>
+                            <p:childTnLst>
+                              <p:par>
+                                <p:cTn id="15" presetID="10" presetClass="entr" presetSubtype="0" fill="hold" grpId="0" nodeType="clickEffect">
+                                  <p:stCondLst>
+                                    <p:cond delay="0"/>
+                                  </p:stCondLst>
+                                  <p:childTnLst>
+                                    <p:set>
+                                      <p:cBhvr>
+                                        <p:cTn id="16" dur="1" fill="hold">
+                                          <p:stCondLst>
+                                            <p:cond delay="0"/>
+                                          </p:stCondLst>
+                                        </p:cTn>
+                                        <p:tgtEl>
+                                          <p:spTgt spid="8"/>
+                                        </p:tgtEl>
+                                        <p:attrNameLst>
+                                          <p:attrName>style.visibility</p:attrName>
+                                        </p:attrNameLst>
+                                      </p:cBhvr>
+                                      <p:to>
+                                        <p:strVal val="visible"/>
+                                      </p:to>
+                                    </p:set>
+                                    <p:animEffect transition="in" filter="fade">
+                                      <p:cBhvr>
+                                        <p:cTn id="17" dur="500"/>
+                                        <p:tgtEl>
+                                          <p:spTgt spid="8"/>
+                                        </p:tgtEl>
+                                      </p:cBhvr>
+                                    </p:animEffect>
+                                  </p:childTnLst>
+                                </p:cTn>
+                              </p:par>
+                            </p:childTnLst>
+                          </p:cTn>
+                        </p:par>
+                      </p:childTnLst>
+                    </p:cTn>
+                  </p:par>
+                  <p:par>
+                    <p:cTn id="18" fill="hold">
+                      <p:stCondLst>
+                        <p:cond delay="indefinite"/>
+                      </p:stCondLst>
+                      <p:childTnLst>
+                        <p:par>
+                          <p:cTn id="19" fill="hold">
+                            <p:stCondLst>
+                              <p:cond delay="0"/>
+                            </p:stCondLst>
+                            <p:childTnLst>
+                              <p:par>
+                                <p:cTn id="20" presetID="10" presetClass="entr" presetSubtype="0" fill="hold" grpId="0" nodeType="clickEffect">
+                                  <p:stCondLst>
+                                    <p:cond delay="0"/>
+                                  </p:stCondLst>
+                                  <p:childTnLst>
+                                    <p:set>
+                                      <p:cBhvr>
+                                        <p:cTn id="21" dur="1" fill="hold">
+                                          <p:stCondLst>
+                                            <p:cond delay="0"/>
+                                          </p:stCondLst>
+                                        </p:cTn>
+                                        <p:tgtEl>
+                                          <p:spTgt spid="13"/>
+                                        </p:tgtEl>
+                                        <p:attrNameLst>
+                                          <p:attrName>style.visibility</p:attrName>
+                                        </p:attrNameLst>
+                                      </p:cBhvr>
+                                      <p:to>
+                                        <p:strVal val="visible"/>
+                                      </p:to>
+                                    </p:set>
+                                    <p:animEffect transition="in" filter="fade">
+                                      <p:cBhvr>
+                                        <p:cTn id="22" dur="500"/>
+                                        <p:tgtEl>
+                                          <p:spTgt spid="13"/>
+                                        </p:tgtEl>
+                                      </p:cBhvr>
+                                    </p:animEffect>
+                                  </p:childTnLst>
+                                </p:cTn>
+                              </p:par>
+                            </p:childTnLst>
+                          </p:cTn>
+                        </p:par>
+                      </p:childTnLst>
+                    </p:cTn>
+                  </p:par>
+                  <p:par>
+                    <p:cTn id="23" fill="hold">
+                      <p:stCondLst>
+                        <p:cond delay="indefinite"/>
+                      </p:stCondLst>
+                      <p:childTnLst>
+                        <p:par>
+                          <p:cTn id="24" fill="hold">
+                            <p:stCondLst>
+                              <p:cond delay="0"/>
+                            </p:stCondLst>
+                            <p:childTnLst>
+                              <p:par>
+                                <p:cTn id="25" presetID="10" presetClass="entr" presetSubtype="0" fill="hold" grpId="0" nodeType="clickEffect">
+                                  <p:stCondLst>
+                                    <p:cond delay="0"/>
+                                  </p:stCondLst>
+                                  <p:childTnLst>
+                                    <p:set>
+                                      <p:cBhvr>
+                                        <p:cTn id="26" dur="1" fill="hold">
+                                          <p:stCondLst>
+                                            <p:cond delay="0"/>
+                                          </p:stCondLst>
+                                        </p:cTn>
+                                        <p:tgtEl>
+                                          <p:spTgt spid="9"/>
+                                        </p:tgtEl>
+                                        <p:attrNameLst>
+                                          <p:attrName>style.visibility</p:attrName>
+                                        </p:attrNameLst>
+                                      </p:cBhvr>
+                                      <p:to>
+                                        <p:strVal val="visible"/>
+                                      </p:to>
+                                    </p:set>
+                                    <p:animEffect transition="in" filter="fade">
+                                      <p:cBhvr>
+                                        <p:cTn id="27" dur="500"/>
+                                        <p:tgtEl>
+                                          <p:spTgt spid="9"/>
+                                        </p:tgtEl>
+                                      </p:cBhvr>
+                                    </p:animEffect>
+                                  </p:childTnLst>
+                                </p:cTn>
+                              </p:par>
+                            </p:childTnLst>
+                          </p:cTn>
+                        </p:par>
+                      </p:childTnLst>
+                    </p:cTn>
+                  </p:par>
+                  <p:par>
+                    <p:cTn id="28" fill="hold">
+                      <p:stCondLst>
+                        <p:cond delay="indefinite"/>
+                      </p:stCondLst>
+                      <p:childTnLst>
+                        <p:par>
+                          <p:cTn id="29" fill="hold">
+                            <p:stCondLst>
+                              <p:cond delay="0"/>
+                            </p:stCondLst>
+                            <p:childTnLst>
+                              <p:par>
+                                <p:cTn id="30" presetID="10" presetClass="entr" presetSubtype="0" fill="hold" grpId="0" nodeType="clickEffect">
+                                  <p:stCondLst>
+                                    <p:cond delay="0"/>
+                                  </p:stCondLst>
+                                  <p:childTnLst>
+                                    <p:set>
+                                      <p:cBhvr>
+                                        <p:cTn id="31" dur="1" fill="hold">
+                                          <p:stCondLst>
+                                            <p:cond delay="0"/>
+                                          </p:stCondLst>
+                                        </p:cTn>
+                                        <p:tgtEl>
+                                          <p:spTgt spid="14"/>
+                                        </p:tgtEl>
+                                        <p:attrNameLst>
+                                          <p:attrName>style.visibility</p:attrName>
+                                        </p:attrNameLst>
+                                      </p:cBhvr>
+                                      <p:to>
+                                        <p:strVal val="visible"/>
+                                      </p:to>
+                                    </p:set>
+                                    <p:animEffect transition="in" filter="fade">
+                                      <p:cBhvr>
+                                        <p:cTn id="32" dur="500"/>
+                                        <p:tgtEl>
+                                          <p:spTgt spid="14"/>
+                                        </p:tgtEl>
+                                      </p:cBhvr>
+                                    </p:animEffect>
+                                  </p:childTnLst>
+                                </p:cTn>
+                              </p:par>
+                            </p:childTnLst>
+                          </p:cTn>
+                        </p:par>
+                      </p:childTnLst>
+                    </p:cTn>
+                  </p:par>
+                  <p:par>
+                    <p:cTn id="33" fill="hold">
+                      <p:stCondLst>
+                        <p:cond delay="indefinite"/>
+                      </p:stCondLst>
+                      <p:childTnLst>
+                        <p:par>
+                          <p:cTn id="34" fill="hold">
+                            <p:stCondLst>
+                              <p:cond delay="0"/>
+                            </p:stCondLst>
+                            <p:childTnLst>
+                              <p:par>
+                                <p:cTn id="35" presetID="10" presetClass="entr" presetSubtype="0" fill="hold" grpId="0" nodeType="clickEffect">
+                                  <p:stCondLst>
+                                    <p:cond delay="0"/>
+                                  </p:stCondLst>
+                                  <p:childTnLst>
+                                    <p:set>
+                                      <p:cBhvr>
+                                        <p:cTn id="36" dur="1" fill="hold">
+                                          <p:stCondLst>
+                                            <p:cond delay="0"/>
+                                          </p:stCondLst>
+                                        </p:cTn>
+                                        <p:tgtEl>
+                                          <p:spTgt spid="10"/>
+                                        </p:tgtEl>
+                                        <p:attrNameLst>
+                                          <p:attrName>style.visibility</p:attrName>
+                                        </p:attrNameLst>
+                                      </p:cBhvr>
+                                      <p:to>
+                                        <p:strVal val="visible"/>
+                                      </p:to>
+                                    </p:set>
+                                    <p:animEffect transition="in" filter="fade">
+                                      <p:cBhvr>
+                                        <p:cTn id="37" dur="500"/>
+                                        <p:tgtEl>
+                                          <p:spTgt spid="10"/>
+                                        </p:tgtEl>
+                                      </p:cBhvr>
+                                    </p:animEffect>
+                                  </p:childTnLst>
+                                </p:cTn>
+                              </p:par>
+                            </p:childTnLst>
+                          </p:cTn>
+                        </p:par>
+                      </p:childTnLst>
+                    </p:cTn>
+                  </p:par>
+                </p:childTnLst>
+              </p:cTn>
+              <p:prevCondLst>
+                <p:cond evt="onPrev" delay="0">
+                  <p:tgtEl>
+                    <p:sldTgt/>
+                  </p:tgtEl>
+                </p:cond>
+              </p:prevCondLst>
+              <p:nextCondLst>
+                <p:cond evt="onNext" delay="0">
+                  <p:tgtEl>
+                    <p:sldTgt/>
+                  </p:tgtEl>
+                </p:cond>
+              </p:nextCondLst>
+            </p:seq>
+          </p:childTnLst>
+        </p:cTn>
       </p:par>
     </p:tnLst>
+    <p:bldLst>
+      <p:bldP spid="5" grpId="0" animBg="1"/>
+      <p:bldP spid="6" grpId="0" animBg="1"/>
+      <p:bldP spid="8" grpId="0" animBg="1"/>
+      <p:bldP spid="9" grpId="0" animBg="1"/>
+      <p:bldP spid="10" grpId="0" animBg="1"/>
+      <p:bldP spid="13" grpId="0" animBg="1"/>
+      <p:bldP spid="14" grpId="0" animBg="1"/>
+    </p:bldLst>
   </p:timing>
 </p:sld>
 </file>
@@ -12944,11 +13676,11 @@
           <a:p>
             <a:r>
               <a:rPr lang="en-US" altLang="zh-TW" dirty="0"/>
-              <a:t>Immutable </a:t>
+              <a:t>Deployment(using </a:t>
             </a:r>
             <a:r>
               <a:rPr lang="en-US" altLang="zh-TW" dirty="0" smtClean="0"/>
-              <a:t>Server (After)</a:t>
+              <a:t>Container)</a:t>
             </a:r>
             <a:endParaRPr lang="zh-TW" altLang="en-US" dirty="0"/>
           </a:p>
@@ -12962,13 +13694,13 @@
         </p:nvSpPr>
         <p:spPr>
           <a:xfrm>
-            <a:off x="1097280" y="5013427"/>
+            <a:off x="1011311" y="4072516"/>
             <a:ext cx="2878250" cy="1008184"/>
           </a:xfrm>
           <a:prstGeom prst="wedgeRoundRectCallout">
             <a:avLst>
-              <a:gd name="adj1" fmla="val 58183"/>
-              <a:gd name="adj2" fmla="val -53779"/>
+              <a:gd name="adj1" fmla="val 60084"/>
+              <a:gd name="adj2" fmla="val -21221"/>
               <a:gd name="adj3" fmla="val 16667"/>
             </a:avLst>
           </a:prstGeom>
@@ -13028,6 +13760,138 @@
           </a:p>
         </p:txBody>
       </p:sp>
+      <p:sp>
+        <p:nvSpPr>
+          <p:cNvPr id="6" name="矩形 5"/>
+          <p:cNvSpPr/>
+          <p:nvPr/>
+        </p:nvSpPr>
+        <p:spPr>
+          <a:xfrm>
+            <a:off x="4545706" y="4600053"/>
+            <a:ext cx="1531816" cy="1016000"/>
+          </a:xfrm>
+          <a:prstGeom prst="rect">
+            <a:avLst/>
+          </a:prstGeom>
+        </p:spPr>
+        <p:style>
+          <a:lnRef idx="2">
+            <a:schemeClr val="accent4"/>
+          </a:lnRef>
+          <a:fillRef idx="1">
+            <a:schemeClr val="lt1"/>
+          </a:fillRef>
+          <a:effectRef idx="0">
+            <a:schemeClr val="accent4"/>
+          </a:effectRef>
+          <a:fontRef idx="minor">
+            <a:schemeClr val="dk1"/>
+          </a:fontRef>
+        </p:style>
+        <p:txBody>
+          <a:bodyPr rtlCol="0" anchor="ctr"/>
+          <a:lstStyle/>
+          <a:p>
+            <a:pPr algn="ctr"/>
+            <a:r>
+              <a:rPr lang="en-US" altLang="zh-TW" dirty="0" smtClean="0"/>
+              <a:t>CI-Tool's Job</a:t>
+            </a:r>
+          </a:p>
+        </p:txBody>
+      </p:sp>
+      <p:sp>
+        <p:nvSpPr>
+          <p:cNvPr id="7" name="矩形 6"/>
+          <p:cNvSpPr/>
+          <p:nvPr/>
+        </p:nvSpPr>
+        <p:spPr>
+          <a:xfrm>
+            <a:off x="6601448" y="4600053"/>
+            <a:ext cx="1531816" cy="1016000"/>
+          </a:xfrm>
+          <a:prstGeom prst="rect">
+            <a:avLst/>
+          </a:prstGeom>
+        </p:spPr>
+        <p:style>
+          <a:lnRef idx="2">
+            <a:schemeClr val="accent4"/>
+          </a:lnRef>
+          <a:fillRef idx="1">
+            <a:schemeClr val="lt1"/>
+          </a:fillRef>
+          <a:effectRef idx="0">
+            <a:schemeClr val="accent4"/>
+          </a:effectRef>
+          <a:fontRef idx="minor">
+            <a:schemeClr val="dk1"/>
+          </a:fontRef>
+        </p:style>
+        <p:txBody>
+          <a:bodyPr rtlCol="0" anchor="ctr"/>
+          <a:lstStyle/>
+          <a:p>
+            <a:pPr algn="ctr"/>
+            <a:r>
+              <a:rPr lang="en-US" altLang="zh-TW" dirty="0" smtClean="0"/>
+              <a:t>MIS's Job</a:t>
+            </a:r>
+            <a:endParaRPr lang="zh-TW" altLang="en-US" dirty="0"/>
+          </a:p>
+        </p:txBody>
+      </p:sp>
+      <p:sp>
+        <p:nvSpPr>
+          <p:cNvPr id="8" name="矩形 7"/>
+          <p:cNvSpPr/>
+          <p:nvPr/>
+        </p:nvSpPr>
+        <p:spPr>
+          <a:xfrm>
+            <a:off x="4100228" y="3771241"/>
+            <a:ext cx="1977294" cy="644912"/>
+          </a:xfrm>
+          <a:prstGeom prst="rect">
+            <a:avLst/>
+          </a:prstGeom>
+        </p:spPr>
+        <p:style>
+          <a:lnRef idx="2">
+            <a:schemeClr val="accent4"/>
+          </a:lnRef>
+          <a:fillRef idx="1">
+            <a:schemeClr val="lt1"/>
+          </a:fillRef>
+          <a:effectRef idx="0">
+            <a:schemeClr val="accent4"/>
+          </a:effectRef>
+          <a:fontRef idx="minor">
+            <a:schemeClr val="dk1"/>
+          </a:fontRef>
+        </p:style>
+        <p:txBody>
+          <a:bodyPr rtlCol="0" anchor="ctr"/>
+          <a:lstStyle/>
+          <a:p>
+            <a:pPr algn="ctr"/>
+            <a:r>
+              <a:rPr lang="en-US" altLang="zh-TW" dirty="0" smtClean="0"/>
+              <a:t>DEV's Job</a:t>
+            </a:r>
+          </a:p>
+          <a:p>
+            <a:pPr algn="ctr"/>
+            <a:r>
+              <a:rPr lang="en-US" altLang="zh-TW" dirty="0" smtClean="0"/>
+              <a:t>(change code)</a:t>
+            </a:r>
+            <a:endParaRPr lang="zh-TW" altLang="en-US" dirty="0"/>
+          </a:p>
+        </p:txBody>
+      </p:sp>
     </p:spTree>
     <p:extLst>
       <p:ext uri="{BB962C8B-B14F-4D97-AF65-F5344CB8AC3E}">
@@ -13041,9 +13905,250 @@
   <p:timing>
     <p:tnLst>
       <p:par>
-        <p:cTn id="1" dur="indefinite" restart="never" nodeType="tmRoot"/>
+        <p:cTn id="1" dur="indefinite" restart="never" nodeType="tmRoot">
+          <p:childTnLst>
+            <p:seq concurrent="1" nextAc="seek">
+              <p:cTn id="2" dur="indefinite" nodeType="mainSeq">
+                <p:childTnLst>
+                  <p:par>
+                    <p:cTn id="3" fill="hold">
+                      <p:stCondLst>
+                        <p:cond delay="indefinite"/>
+                      </p:stCondLst>
+                      <p:childTnLst>
+                        <p:par>
+                          <p:cTn id="4" fill="hold">
+                            <p:stCondLst>
+                              <p:cond delay="0"/>
+                            </p:stCondLst>
+                            <p:childTnLst>
+                              <p:par>
+                                <p:cTn id="5" presetID="10" presetClass="entr" presetSubtype="0" fill="hold" grpId="0" nodeType="clickEffect">
+                                  <p:stCondLst>
+                                    <p:cond delay="0"/>
+                                  </p:stCondLst>
+                                  <p:childTnLst>
+                                    <p:set>
+                                      <p:cBhvr>
+                                        <p:cTn id="6" dur="1" fill="hold">
+                                          <p:stCondLst>
+                                            <p:cond delay="0"/>
+                                          </p:stCondLst>
+                                        </p:cTn>
+                                        <p:tgtEl>
+                                          <p:spTgt spid="5"/>
+                                        </p:tgtEl>
+                                        <p:attrNameLst>
+                                          <p:attrName>style.visibility</p:attrName>
+                                        </p:attrNameLst>
+                                      </p:cBhvr>
+                                      <p:to>
+                                        <p:strVal val="visible"/>
+                                      </p:to>
+                                    </p:set>
+                                    <p:animEffect transition="in" filter="fade">
+                                      <p:cBhvr>
+                                        <p:cTn id="7" dur="500"/>
+                                        <p:tgtEl>
+                                          <p:spTgt spid="5"/>
+                                        </p:tgtEl>
+                                      </p:cBhvr>
+                                    </p:animEffect>
+                                  </p:childTnLst>
+                                </p:cTn>
+                              </p:par>
+                            </p:childTnLst>
+                          </p:cTn>
+                        </p:par>
+                      </p:childTnLst>
+                    </p:cTn>
+                  </p:par>
+                  <p:par>
+                    <p:cTn id="8" fill="hold">
+                      <p:stCondLst>
+                        <p:cond delay="indefinite"/>
+                      </p:stCondLst>
+                      <p:childTnLst>
+                        <p:par>
+                          <p:cTn id="9" fill="hold">
+                            <p:stCondLst>
+                              <p:cond delay="0"/>
+                            </p:stCondLst>
+                            <p:childTnLst>
+                              <p:par>
+                                <p:cTn id="10" presetID="10" presetClass="entr" presetSubtype="0" fill="hold" grpId="0" nodeType="clickEffect">
+                                  <p:stCondLst>
+                                    <p:cond delay="0"/>
+                                  </p:stCondLst>
+                                  <p:childTnLst>
+                                    <p:set>
+                                      <p:cBhvr>
+                                        <p:cTn id="11" dur="1" fill="hold">
+                                          <p:stCondLst>
+                                            <p:cond delay="0"/>
+                                          </p:stCondLst>
+                                        </p:cTn>
+                                        <p:tgtEl>
+                                          <p:spTgt spid="8"/>
+                                        </p:tgtEl>
+                                        <p:attrNameLst>
+                                          <p:attrName>style.visibility</p:attrName>
+                                        </p:attrNameLst>
+                                      </p:cBhvr>
+                                      <p:to>
+                                        <p:strVal val="visible"/>
+                                      </p:to>
+                                    </p:set>
+                                    <p:animEffect transition="in" filter="fade">
+                                      <p:cBhvr>
+                                        <p:cTn id="12" dur="500"/>
+                                        <p:tgtEl>
+                                          <p:spTgt spid="8"/>
+                                        </p:tgtEl>
+                                      </p:cBhvr>
+                                    </p:animEffect>
+                                  </p:childTnLst>
+                                </p:cTn>
+                              </p:par>
+                            </p:childTnLst>
+                          </p:cTn>
+                        </p:par>
+                      </p:childTnLst>
+                    </p:cTn>
+                  </p:par>
+                  <p:par>
+                    <p:cTn id="13" fill="hold">
+                      <p:stCondLst>
+                        <p:cond delay="indefinite"/>
+                      </p:stCondLst>
+                      <p:childTnLst>
+                        <p:par>
+                          <p:cTn id="14" fill="hold">
+                            <p:stCondLst>
+                              <p:cond delay="0"/>
+                            </p:stCondLst>
+                            <p:childTnLst>
+                              <p:par>
+                                <p:cTn id="15" presetID="10" presetClass="entr" presetSubtype="0" fill="hold" grpId="0" nodeType="clickEffect">
+                                  <p:stCondLst>
+                                    <p:cond delay="0"/>
+                                  </p:stCondLst>
+                                  <p:childTnLst>
+                                    <p:set>
+                                      <p:cBhvr>
+                                        <p:cTn id="16" dur="1" fill="hold">
+                                          <p:stCondLst>
+                                            <p:cond delay="0"/>
+                                          </p:stCondLst>
+                                        </p:cTn>
+                                        <p:tgtEl>
+                                          <p:spTgt spid="6"/>
+                                        </p:tgtEl>
+                                        <p:attrNameLst>
+                                          <p:attrName>style.visibility</p:attrName>
+                                        </p:attrNameLst>
+                                      </p:cBhvr>
+                                      <p:to>
+                                        <p:strVal val="visible"/>
+                                      </p:to>
+                                    </p:set>
+                                    <p:animEffect transition="in" filter="fade">
+                                      <p:cBhvr>
+                                        <p:cTn id="17" dur="500"/>
+                                        <p:tgtEl>
+                                          <p:spTgt spid="6"/>
+                                        </p:tgtEl>
+                                      </p:cBhvr>
+                                    </p:animEffect>
+                                  </p:childTnLst>
+                                </p:cTn>
+                              </p:par>
+                            </p:childTnLst>
+                          </p:cTn>
+                        </p:par>
+                      </p:childTnLst>
+                    </p:cTn>
+                  </p:par>
+                  <p:par>
+                    <p:cTn id="18" fill="hold">
+                      <p:stCondLst>
+                        <p:cond delay="indefinite"/>
+                      </p:stCondLst>
+                      <p:childTnLst>
+                        <p:par>
+                          <p:cTn id="19" fill="hold">
+                            <p:stCondLst>
+                              <p:cond delay="0"/>
+                            </p:stCondLst>
+                            <p:childTnLst>
+                              <p:par>
+                                <p:cTn id="20" presetID="10" presetClass="entr" presetSubtype="0" fill="hold" grpId="0" nodeType="clickEffect">
+                                  <p:stCondLst>
+                                    <p:cond delay="0"/>
+                                  </p:stCondLst>
+                                  <p:childTnLst>
+                                    <p:set>
+                                      <p:cBhvr>
+                                        <p:cTn id="21" dur="1" fill="hold">
+                                          <p:stCondLst>
+                                            <p:cond delay="0"/>
+                                          </p:stCondLst>
+                                        </p:cTn>
+                                        <p:tgtEl>
+                                          <p:spTgt spid="7"/>
+                                        </p:tgtEl>
+                                        <p:attrNameLst>
+                                          <p:attrName>style.visibility</p:attrName>
+                                        </p:attrNameLst>
+                                      </p:cBhvr>
+                                      <p:to>
+                                        <p:strVal val="visible"/>
+                                      </p:to>
+                                    </p:set>
+                                    <p:animEffect transition="in" filter="fade">
+                                      <p:cBhvr>
+                                        <p:cTn id="22" dur="500"/>
+                                        <p:tgtEl>
+                                          <p:spTgt spid="7"/>
+                                        </p:tgtEl>
+                                      </p:cBhvr>
+                                    </p:animEffect>
+                                  </p:childTnLst>
+                                </p:cTn>
+                              </p:par>
+                            </p:childTnLst>
+                          </p:cTn>
+                        </p:par>
+                      </p:childTnLst>
+                    </p:cTn>
+                  </p:par>
+                </p:childTnLst>
+              </p:cTn>
+              <p:prevCondLst>
+                <p:cond evt="onPrev" delay="0">
+                  <p:tgtEl>
+                    <p:sldTgt/>
+                  </p:tgtEl>
+                </p:cond>
+              </p:prevCondLst>
+              <p:nextCondLst>
+                <p:cond evt="onNext" delay="0">
+                  <p:tgtEl>
+                    <p:sldTgt/>
+                  </p:tgtEl>
+                </p:cond>
+              </p:nextCondLst>
+            </p:seq>
+          </p:childTnLst>
+        </p:cTn>
       </p:par>
     </p:tnLst>
+    <p:bldLst>
+      <p:bldP spid="5" grpId="0" animBg="1"/>
+      <p:bldP spid="6" grpId="0" animBg="1"/>
+      <p:bldP spid="7" grpId="0" animBg="1"/>
+      <p:bldP spid="8" grpId="0" animBg="1"/>
+    </p:bldLst>
   </p:timing>
 </p:sld>
 </file>
@@ -14024,6 +15129,67 @@
           </a:p>
         </p:txBody>
       </p:sp>
+      <p:sp>
+        <p:nvSpPr>
+          <p:cNvPr id="3" name="文字方塊 2"/>
+          <p:cNvSpPr txBox="1"/>
+          <p:nvPr/>
+        </p:nvSpPr>
+        <p:spPr>
+          <a:xfrm>
+            <a:off x="93785" y="6447695"/>
+            <a:ext cx="5444247" cy="646331"/>
+          </a:xfrm>
+          <a:prstGeom prst="rect">
+            <a:avLst/>
+          </a:prstGeom>
+          <a:noFill/>
+        </p:spPr>
+        <p:txBody>
+          <a:bodyPr wrap="none" rtlCol="0">
+            <a:spAutoFit/>
+          </a:bodyPr>
+          <a:lstStyle/>
+          <a:p>
+            <a:r>
+              <a:rPr lang="en-US" altLang="zh-TW" dirty="0">
+                <a:solidFill>
+                  <a:schemeClr val="bg1"/>
+                </a:solidFill>
+              </a:rPr>
+              <a:t>https</a:t>
+            </a:r>
+            <a:r>
+              <a:rPr lang="en-US" altLang="zh-TW">
+                <a:solidFill>
+                  <a:schemeClr val="bg1"/>
+                </a:solidFill>
+              </a:rPr>
+              <a:t>://</a:t>
+            </a:r>
+            <a:r>
+              <a:rPr lang="en-US" altLang="zh-TW" smtClean="0">
+                <a:solidFill>
+                  <a:schemeClr val="bg1"/>
+                </a:solidFill>
+              </a:rPr>
+              <a:t>github.com/andrew0928/IP2C.NET.Service</a:t>
+            </a:r>
+            <a:endParaRPr lang="en-US" altLang="zh-TW" dirty="0" smtClean="0">
+              <a:solidFill>
+                <a:schemeClr val="bg1"/>
+              </a:solidFill>
+            </a:endParaRPr>
+          </a:p>
+          <a:p>
+            <a:endParaRPr lang="zh-TW" altLang="en-US" dirty="0">
+              <a:solidFill>
+                <a:schemeClr val="bg1"/>
+              </a:solidFill>
+            </a:endParaRPr>
+          </a:p>
+        </p:txBody>
+      </p:sp>
     </p:spTree>
     <p:extLst>
       <p:ext uri="{BB962C8B-B14F-4D97-AF65-F5344CB8AC3E}">
@@ -14115,7 +15281,7 @@
         <p:spPr/>
         <p:txBody>
           <a:bodyPr>
-            <a:normAutofit lnSpcReduction="10000"/>
+            <a:normAutofit fontScale="77500" lnSpcReduction="20000"/>
           </a:bodyPr>
           <a:lstStyle/>
           <a:p>
@@ -14212,23 +15378,19 @@
             </a:pPr>
             <a:r>
               <a:rPr lang="zh-TW" altLang="en-US" sz="3200" dirty="0" smtClean="0"/>
-              <a:t>缺點 </a:t>
+              <a:t>缺點</a:t>
             </a:r>
             <a:r>
               <a:rPr lang="en-US" altLang="zh-TW" sz="3200" dirty="0" smtClean="0"/>
-              <a:t>(</a:t>
+              <a:t>:</a:t>
             </a:r>
             <a:r>
               <a:rPr lang="zh-TW" altLang="en-US" sz="3200" dirty="0" smtClean="0"/>
-              <a:t>暫時</a:t>
-            </a:r>
-            <a:r>
-              <a:rPr lang="en-US" altLang="zh-TW" sz="3200" dirty="0" smtClean="0"/>
-              <a:t>):</a:t>
+              <a:t> </a:t>
             </a:r>
             <a:r>
               <a:rPr lang="zh-TW" altLang="en-US" sz="3200" dirty="0" smtClean="0"/>
-              <a:t> 改一行 </a:t>
+              <a:t>改一行 </a:t>
             </a:r>
             <a:r>
               <a:rPr lang="en-US" altLang="zh-TW" sz="3200" dirty="0" smtClean="0"/>
@@ -14250,6 +15412,42 @@
               <a:rPr lang="en-US" altLang="zh-TW" sz="3200" dirty="0" smtClean="0"/>
               <a:t>…</a:t>
             </a:r>
+            <a:br>
+              <a:rPr lang="en-US" altLang="zh-TW" sz="3200" dirty="0" smtClean="0"/>
+            </a:br>
+            <a:r>
+              <a:rPr lang="en-US" altLang="zh-TW" sz="3100" dirty="0" smtClean="0"/>
+              <a:t>(</a:t>
+            </a:r>
+            <a:r>
+              <a:rPr lang="zh-TW" altLang="en-US" sz="3100" dirty="0" smtClean="0"/>
+              <a:t>除非重建</a:t>
+            </a:r>
+            <a:r>
+              <a:rPr lang="zh-TW" altLang="en-US" sz="3100" dirty="0" smtClean="0"/>
+              <a:t>與部署</a:t>
+            </a:r>
+            <a:r>
+              <a:rPr lang="zh-TW" altLang="en-US" sz="3100" dirty="0"/>
+              <a:t> </a:t>
+            </a:r>
+            <a:r>
+              <a:rPr lang="en-US" altLang="zh-TW" sz="3100" dirty="0" smtClean="0"/>
+              <a:t>image</a:t>
+            </a:r>
+            <a:r>
+              <a:rPr lang="zh-TW" altLang="en-US" sz="3100" dirty="0" smtClean="0"/>
+              <a:t> </a:t>
+            </a:r>
+            <a:r>
+              <a:rPr lang="zh-TW" altLang="en-US" sz="3100" dirty="0" smtClean="0"/>
+              <a:t>很簡單又很快速</a:t>
+            </a:r>
+            <a:r>
+              <a:rPr lang="en-US" altLang="zh-TW" sz="3100" dirty="0" smtClean="0"/>
+              <a:t>)</a:t>
+            </a:r>
+            <a:endParaRPr lang="en-US" altLang="zh-TW" sz="3200" dirty="0" smtClean="0"/>
           </a:p>
           <a:p>
             <a:pPr marL="457200" indent="-457200">
@@ -14258,7 +15456,15 @@
             </a:pPr>
             <a:r>
               <a:rPr lang="zh-TW" altLang="en-US" sz="3200" dirty="0" smtClean="0"/>
-              <a:t>需要有效率的方式重建與部署</a:t>
+              <a:t>缺點</a:t>
+            </a:r>
+            <a:r>
+              <a:rPr lang="en-US" altLang="zh-TW" sz="3200" dirty="0" smtClean="0"/>
+              <a:t>:</a:t>
+            </a:r>
+            <a:r>
+              <a:rPr lang="zh-TW" altLang="en-US" sz="3200" dirty="0" smtClean="0"/>
+              <a:t> 替換</a:t>
             </a:r>
             <a:r>
               <a:rPr lang="zh-TW" altLang="en-US" sz="3200" dirty="0"/>
@@ -14269,13 +15475,48 @@
               <a:t>image</a:t>
             </a:r>
             <a:r>
-              <a:rPr lang="zh-TW" altLang="en-US" sz="3200" dirty="0"/>
-              <a:t> </a:t>
+              <a:rPr lang="zh-TW" altLang="en-US" sz="3200" dirty="0" smtClean="0"/>
+              <a:t> 又慢又麻煩 </a:t>
             </a:r>
             <a:r>
               <a:rPr lang="en-US" altLang="zh-TW" sz="3200" dirty="0" smtClean="0"/>
               <a:t>…</a:t>
             </a:r>
+            <a:br>
+              <a:rPr lang="en-US" altLang="zh-TW" sz="3200" dirty="0" smtClean="0"/>
+            </a:br>
+            <a:r>
+              <a:rPr lang="en-US" altLang="zh-TW" sz="3200" dirty="0" smtClean="0"/>
+              <a:t>(</a:t>
+            </a:r>
+            <a:r>
+              <a:rPr lang="zh-TW" altLang="en-US" sz="3200" dirty="0" smtClean="0"/>
+              <a:t>除非 </a:t>
+            </a:r>
+            <a:r>
+              <a:rPr lang="en-US" altLang="zh-TW" sz="3200" dirty="0" smtClean="0"/>
+              <a:t>image</a:t>
+            </a:r>
+            <a:r>
+              <a:rPr lang="zh-TW" altLang="en-US" sz="3200" dirty="0" smtClean="0"/>
+              <a:t> 部署很容易</a:t>
+            </a:r>
+            <a:r>
+              <a:rPr lang="en-US" altLang="zh-TW" sz="3200" dirty="0" smtClean="0"/>
+              <a:t>,</a:t>
+            </a:r>
+            <a:r>
+              <a:rPr lang="zh-TW" altLang="en-US" sz="3200" dirty="0" smtClean="0"/>
+              <a:t> 又能只更新差異的部分</a:t>
+            </a:r>
+            <a:r>
+              <a:rPr lang="en-US" altLang="zh-TW" sz="3200" dirty="0" smtClean="0"/>
+              <a:t>)</a:t>
+            </a:r>
+            <a:br>
+              <a:rPr lang="en-US" altLang="zh-TW" sz="3200" dirty="0" smtClean="0"/>
+            </a:br>
+            <a:endParaRPr lang="en-US" altLang="zh-TW" sz="3200" dirty="0" smtClean="0"/>
           </a:p>
           <a:p>
             <a:pPr marL="457200" indent="-457200">
@@ -14454,6 +15695,14 @@
   <p:clrMapOvr>
     <a:masterClrMapping/>
   </p:clrMapOvr>
+  <mc:AlternateContent xmlns:mc="http://schemas.openxmlformats.org/markup-compatibility/2006">
+    <mc:Choice xmlns:p14="http://schemas.microsoft.com/office/powerpoint/2010/main" Requires="p14">
+      <p:transition spd="slow" p14:dur="2000"/>
+    </mc:Choice>
+    <mc:Fallback>
+      <p:transition spd="slow"/>
+    </mc:Fallback>
+  </mc:AlternateContent>
   <p:timing>
     <p:tnLst>
       <p:par>
@@ -14497,12 +15746,12 @@
           <a:lstStyle/>
           <a:p>
             <a:r>
-              <a:rPr lang="en-US" altLang="zh-TW" dirty="0" smtClean="0"/>
-              <a:t>Q: </a:t>
-            </a:r>
-            <a:r>
               <a:rPr lang="zh-TW" altLang="en-US" dirty="0" smtClean="0"/>
-              <a:t>容器如何做 </a:t>
+              <a:t>容器</a:t>
+            </a:r>
+            <a:r>
+              <a:rPr lang="zh-TW" altLang="en-US" dirty="0" smtClean="0"/>
+              <a:t>如何做 </a:t>
             </a:r>
             <a:r>
               <a:rPr lang="en-US" altLang="zh-TW" dirty="0" smtClean="0"/>
@@ -14600,6 +15849,72 @@
           </a:prstGeom>
         </p:spPr>
       </p:pic>
+      <p:sp>
+        <p:nvSpPr>
+          <p:cNvPr id="2" name="圓角矩形 1"/>
+          <p:cNvSpPr/>
+          <p:nvPr/>
+        </p:nvSpPr>
+        <p:spPr>
+          <a:xfrm>
+            <a:off x="2491991" y="3084844"/>
+            <a:ext cx="7355394" cy="1376624"/>
+          </a:xfrm>
+          <a:prstGeom prst="roundRect">
+            <a:avLst/>
+          </a:prstGeom>
+        </p:spPr>
+        <p:style>
+          <a:lnRef idx="2">
+            <a:schemeClr val="dk1"/>
+          </a:lnRef>
+          <a:fillRef idx="1">
+            <a:schemeClr val="lt1"/>
+          </a:fillRef>
+          <a:effectRef idx="0">
+            <a:schemeClr val="dk1"/>
+          </a:effectRef>
+          <a:fontRef idx="minor">
+            <a:schemeClr val="dk1"/>
+          </a:fontRef>
+        </p:style>
+        <p:txBody>
+          <a:bodyPr rtlCol="0" anchor="ctr"/>
+          <a:lstStyle/>
+          <a:p>
+            <a:pPr algn="ctr"/>
+            <a:r>
+              <a:rPr lang="zh-TW" altLang="en-US" dirty="0" smtClean="0"/>
+              <a:t>根本不用做 </a:t>
+            </a:r>
+            <a:r>
+              <a:rPr lang="en-US" altLang="zh-TW" dirty="0" smtClean="0"/>
+              <a:t>Windows Update, </a:t>
+            </a:r>
+            <a:r>
+              <a:rPr lang="zh-TW" altLang="en-US" dirty="0" smtClean="0"/>
+              <a:t>直接換新的 </a:t>
+            </a:r>
+            <a:r>
+              <a:rPr lang="en-US" altLang="zh-TW" dirty="0" smtClean="0"/>
+              <a:t>Base</a:t>
+            </a:r>
+            <a:r>
+              <a:rPr lang="zh-TW" altLang="en-US" dirty="0" smtClean="0"/>
+              <a:t> </a:t>
+            </a:r>
+            <a:r>
+              <a:rPr lang="en-US" altLang="zh-TW" dirty="0" smtClean="0"/>
+              <a:t>Image</a:t>
+            </a:r>
+            <a:r>
+              <a:rPr lang="zh-TW" altLang="en-US" dirty="0" smtClean="0"/>
+              <a:t> 即可</a:t>
+            </a:r>
+            <a:endParaRPr lang="zh-TW" altLang="en-US" dirty="0"/>
+          </a:p>
+        </p:txBody>
+      </p:sp>
     </p:spTree>
     <p:extLst>
       <p:ext uri="{BB962C8B-B14F-4D97-AF65-F5344CB8AC3E}">
@@ -14613,9 +15928,88 @@
   <p:timing>
     <p:tnLst>
       <p:par>
-        <p:cTn id="1" dur="indefinite" restart="never" nodeType="tmRoot"/>
+        <p:cTn id="1" dur="indefinite" restart="never" nodeType="tmRoot">
+          <p:childTnLst>
+            <p:seq concurrent="1" nextAc="seek">
+              <p:cTn id="2" dur="indefinite" nodeType="mainSeq">
+                <p:childTnLst>
+                  <p:par>
+                    <p:cTn id="3" fill="hold">
+                      <p:stCondLst>
+                        <p:cond delay="indefinite"/>
+                      </p:stCondLst>
+                      <p:childTnLst>
+                        <p:par>
+                          <p:cTn id="4" fill="hold">
+                            <p:stCondLst>
+                              <p:cond delay="0"/>
+                            </p:stCondLst>
+                            <p:childTnLst>
+                              <p:par>
+                                <p:cTn id="5" presetID="10" presetClass="entr" presetSubtype="0" fill="hold" grpId="0" nodeType="clickEffect">
+                                  <p:stCondLst>
+                                    <p:cond delay="0"/>
+                                  </p:stCondLst>
+                                  <p:childTnLst>
+                                    <p:set>
+                                      <p:cBhvr>
+                                        <p:cTn id="6" dur="1" fill="hold">
+                                          <p:stCondLst>
+                                            <p:cond delay="0"/>
+                                          </p:stCondLst>
+                                        </p:cTn>
+                                        <p:tgtEl>
+                                          <p:spTgt spid="2"/>
+                                        </p:tgtEl>
+                                        <p:attrNameLst>
+                                          <p:attrName>style.visibility</p:attrName>
+                                        </p:attrNameLst>
+                                      </p:cBhvr>
+                                      <p:to>
+                                        <p:strVal val="visible"/>
+                                      </p:to>
+                                    </p:set>
+                                    <p:animEffect transition="in" filter="fade">
+                                      <p:cBhvr>
+                                        <p:cTn id="7" dur="500"/>
+                                        <p:tgtEl>
+                                          <p:spTgt spid="2"/>
+                                        </p:tgtEl>
+                                      </p:cBhvr>
+                                    </p:animEffect>
+                                  </p:childTnLst>
+                                </p:cTn>
+                              </p:par>
+                            </p:childTnLst>
+                          </p:cTn>
+                        </p:par>
+                      </p:childTnLst>
+                    </p:cTn>
+                  </p:par>
+                </p:childTnLst>
+              </p:cTn>
+              <p:prevCondLst>
+                <p:cond evt="onPrev" delay="0">
+                  <p:tgtEl>
+                    <p:sldTgt/>
+                  </p:tgtEl>
+                </p:cond>
+              </p:prevCondLst>
+              <p:nextCondLst>
+                <p:cond evt="onNext" delay="0">
+                  <p:tgtEl>
+                    <p:sldTgt/>
+                  </p:tgtEl>
+                </p:cond>
+              </p:nextCondLst>
+            </p:seq>
+          </p:childTnLst>
+        </p:cTn>
       </p:par>
     </p:tnLst>
+    <p:bldLst>
+      <p:bldP spid="2" grpId="0" animBg="1"/>
+    </p:bldLst>
   </p:timing>
 </p:sld>
 </file>
@@ -14644,6 +16038,1163 @@
             <a:spLocks noGrp="1"/>
           </p:cNvSpPr>
           <p:nvPr>
+            <p:ph type="title"/>
+          </p:nvPr>
+        </p:nvSpPr>
+        <p:spPr/>
+        <p:txBody>
+          <a:bodyPr/>
+          <a:lstStyle/>
+          <a:p>
+            <a:r>
+              <a:rPr lang="zh-TW" altLang="en-US" dirty="0" smtClean="0"/>
+              <a:t>如何替你的 </a:t>
+            </a:r>
+            <a:r>
+              <a:rPr lang="en-US" altLang="zh-TW" dirty="0" smtClean="0"/>
+              <a:t>APP</a:t>
+            </a:r>
+            <a:r>
+              <a:rPr lang="zh-TW" altLang="en-US" dirty="0" smtClean="0"/>
+              <a:t> 更換 </a:t>
+            </a:r>
+            <a:r>
+              <a:rPr lang="en-US" altLang="zh-TW" dirty="0" smtClean="0"/>
+              <a:t>OS</a:t>
+            </a:r>
+            <a:r>
+              <a:rPr lang="zh-TW" altLang="en-US" dirty="0" smtClean="0"/>
+              <a:t> 版本</a:t>
+            </a:r>
+            <a:r>
+              <a:rPr lang="en-US" altLang="zh-TW" dirty="0" smtClean="0"/>
+              <a:t>?</a:t>
+            </a:r>
+            <a:endParaRPr lang="zh-TW" altLang="en-US" dirty="0"/>
+          </a:p>
+        </p:txBody>
+      </p:sp>
+      <p:sp>
+        <p:nvSpPr>
+          <p:cNvPr id="4" name="圓角矩形 3"/>
+          <p:cNvSpPr/>
+          <p:nvPr/>
+        </p:nvSpPr>
+        <p:spPr>
+          <a:xfrm>
+            <a:off x="1097280" y="1959428"/>
+            <a:ext cx="2771335" cy="3587261"/>
+          </a:xfrm>
+          <a:prstGeom prst="roundRect">
+            <a:avLst/>
+          </a:prstGeom>
+        </p:spPr>
+        <p:style>
+          <a:lnRef idx="2">
+            <a:schemeClr val="accent1"/>
+          </a:lnRef>
+          <a:fillRef idx="1">
+            <a:schemeClr val="lt1"/>
+          </a:fillRef>
+          <a:effectRef idx="0">
+            <a:schemeClr val="accent1"/>
+          </a:effectRef>
+          <a:fontRef idx="minor">
+            <a:schemeClr val="dk1"/>
+          </a:fontRef>
+        </p:style>
+        <p:txBody>
+          <a:bodyPr rtlCol="0" anchor="ctr"/>
+          <a:lstStyle/>
+          <a:p>
+            <a:pPr algn="ctr"/>
+            <a:endParaRPr lang="zh-TW" altLang="en-US"/>
+          </a:p>
+        </p:txBody>
+      </p:sp>
+      <p:sp>
+        <p:nvSpPr>
+          <p:cNvPr id="5" name="文字方塊 4"/>
+          <p:cNvSpPr txBox="1"/>
+          <p:nvPr/>
+        </p:nvSpPr>
+        <p:spPr>
+          <a:xfrm>
+            <a:off x="2158178" y="5584091"/>
+            <a:ext cx="649537" cy="369332"/>
+          </a:xfrm>
+          <a:prstGeom prst="rect">
+            <a:avLst/>
+          </a:prstGeom>
+          <a:noFill/>
+        </p:spPr>
+        <p:txBody>
+          <a:bodyPr wrap="none" rtlCol="0">
+            <a:spAutoFit/>
+          </a:bodyPr>
+          <a:lstStyle/>
+          <a:p>
+            <a:r>
+              <a:rPr lang="en-US" altLang="zh-TW" dirty="0" smtClean="0"/>
+              <a:t>V1.0</a:t>
+            </a:r>
+            <a:endParaRPr lang="zh-TW" altLang="en-US" dirty="0"/>
+          </a:p>
+        </p:txBody>
+      </p:sp>
+      <p:sp>
+        <p:nvSpPr>
+          <p:cNvPr id="6" name="圓角矩形 5"/>
+          <p:cNvSpPr/>
+          <p:nvPr/>
+        </p:nvSpPr>
+        <p:spPr>
+          <a:xfrm>
+            <a:off x="4091689" y="1959428"/>
+            <a:ext cx="2771335" cy="3587261"/>
+          </a:xfrm>
+          <a:prstGeom prst="roundRect">
+            <a:avLst/>
+          </a:prstGeom>
+        </p:spPr>
+        <p:style>
+          <a:lnRef idx="2">
+            <a:schemeClr val="accent1"/>
+          </a:lnRef>
+          <a:fillRef idx="1">
+            <a:schemeClr val="lt1"/>
+          </a:fillRef>
+          <a:effectRef idx="0">
+            <a:schemeClr val="accent1"/>
+          </a:effectRef>
+          <a:fontRef idx="minor">
+            <a:schemeClr val="dk1"/>
+          </a:fontRef>
+        </p:style>
+        <p:txBody>
+          <a:bodyPr rtlCol="0" anchor="ctr"/>
+          <a:lstStyle/>
+          <a:p>
+            <a:pPr algn="ctr"/>
+            <a:endParaRPr lang="zh-TW" altLang="en-US"/>
+          </a:p>
+        </p:txBody>
+      </p:sp>
+      <p:sp>
+        <p:nvSpPr>
+          <p:cNvPr id="7" name="文字方塊 6"/>
+          <p:cNvSpPr txBox="1"/>
+          <p:nvPr/>
+        </p:nvSpPr>
+        <p:spPr>
+          <a:xfrm>
+            <a:off x="5152587" y="5584091"/>
+            <a:ext cx="649537" cy="369332"/>
+          </a:xfrm>
+          <a:prstGeom prst="rect">
+            <a:avLst/>
+          </a:prstGeom>
+          <a:noFill/>
+        </p:spPr>
+        <p:txBody>
+          <a:bodyPr wrap="none" rtlCol="0">
+            <a:spAutoFit/>
+          </a:bodyPr>
+          <a:lstStyle/>
+          <a:p>
+            <a:r>
+              <a:rPr lang="en-US" altLang="zh-TW" dirty="0" smtClean="0"/>
+              <a:t>V1.1</a:t>
+            </a:r>
+            <a:endParaRPr lang="zh-TW" altLang="en-US" dirty="0"/>
+          </a:p>
+        </p:txBody>
+      </p:sp>
+      <p:sp>
+        <p:nvSpPr>
+          <p:cNvPr id="8" name="圓角矩形 7"/>
+          <p:cNvSpPr/>
+          <p:nvPr/>
+        </p:nvSpPr>
+        <p:spPr>
+          <a:xfrm>
+            <a:off x="8146996" y="1959428"/>
+            <a:ext cx="2771335" cy="3587261"/>
+          </a:xfrm>
+          <a:prstGeom prst="roundRect">
+            <a:avLst/>
+          </a:prstGeom>
+        </p:spPr>
+        <p:style>
+          <a:lnRef idx="2">
+            <a:schemeClr val="accent1"/>
+          </a:lnRef>
+          <a:fillRef idx="1">
+            <a:schemeClr val="lt1"/>
+          </a:fillRef>
+          <a:effectRef idx="0">
+            <a:schemeClr val="accent1"/>
+          </a:effectRef>
+          <a:fontRef idx="minor">
+            <a:schemeClr val="dk1"/>
+          </a:fontRef>
+        </p:style>
+        <p:txBody>
+          <a:bodyPr rtlCol="0" anchor="ctr"/>
+          <a:lstStyle/>
+          <a:p>
+            <a:pPr algn="ctr"/>
+            <a:endParaRPr lang="zh-TW" altLang="en-US"/>
+          </a:p>
+        </p:txBody>
+      </p:sp>
+      <p:sp>
+        <p:nvSpPr>
+          <p:cNvPr id="9" name="文字方塊 8"/>
+          <p:cNvSpPr txBox="1"/>
+          <p:nvPr/>
+        </p:nvSpPr>
+        <p:spPr>
+          <a:xfrm>
+            <a:off x="9207894" y="5584091"/>
+            <a:ext cx="649537" cy="369332"/>
+          </a:xfrm>
+          <a:prstGeom prst="rect">
+            <a:avLst/>
+          </a:prstGeom>
+          <a:noFill/>
+        </p:spPr>
+        <p:txBody>
+          <a:bodyPr wrap="none" rtlCol="0">
+            <a:spAutoFit/>
+          </a:bodyPr>
+          <a:lstStyle/>
+          <a:p>
+            <a:r>
+              <a:rPr lang="en-US" altLang="zh-TW" dirty="0" smtClean="0"/>
+              <a:t>V2.0</a:t>
+            </a:r>
+            <a:endParaRPr lang="zh-TW" altLang="en-US" dirty="0"/>
+          </a:p>
+        </p:txBody>
+      </p:sp>
+      <p:sp>
+        <p:nvSpPr>
+          <p:cNvPr id="10" name="圓角矩形 9"/>
+          <p:cNvSpPr/>
+          <p:nvPr/>
+        </p:nvSpPr>
+        <p:spPr>
+          <a:xfrm>
+            <a:off x="1266092" y="4320791"/>
+            <a:ext cx="2431701" cy="1024932"/>
+          </a:xfrm>
+          <a:prstGeom prst="roundRect">
+            <a:avLst/>
+          </a:prstGeom>
+        </p:spPr>
+        <p:style>
+          <a:lnRef idx="2">
+            <a:schemeClr val="accent6"/>
+          </a:lnRef>
+          <a:fillRef idx="1">
+            <a:schemeClr val="lt1"/>
+          </a:fillRef>
+          <a:effectRef idx="0">
+            <a:schemeClr val="accent6"/>
+          </a:effectRef>
+          <a:fontRef idx="minor">
+            <a:schemeClr val="dk1"/>
+          </a:fontRef>
+        </p:style>
+        <p:txBody>
+          <a:bodyPr rtlCol="0" anchor="ctr"/>
+          <a:lstStyle/>
+          <a:p>
+            <a:pPr algn="ctr"/>
+            <a:r>
+              <a:rPr lang="en-US" altLang="zh-TW" dirty="0" smtClean="0"/>
+              <a:t>windows server core</a:t>
+            </a:r>
+          </a:p>
+          <a:p>
+            <a:pPr algn="ctr"/>
+            <a:r>
+              <a:rPr lang="en-US" altLang="zh-TW" dirty="0" smtClean="0"/>
+              <a:t>10.0.14393.206</a:t>
+            </a:r>
+            <a:endParaRPr lang="zh-TW" altLang="en-US" dirty="0"/>
+          </a:p>
+        </p:txBody>
+      </p:sp>
+      <p:sp>
+        <p:nvSpPr>
+          <p:cNvPr id="11" name="圓角矩形 10"/>
+          <p:cNvSpPr/>
+          <p:nvPr/>
+        </p:nvSpPr>
+        <p:spPr>
+          <a:xfrm>
+            <a:off x="4261504" y="4320791"/>
+            <a:ext cx="2431701" cy="1024932"/>
+          </a:xfrm>
+          <a:prstGeom prst="roundRect">
+            <a:avLst/>
+          </a:prstGeom>
+        </p:spPr>
+        <p:style>
+          <a:lnRef idx="2">
+            <a:schemeClr val="accent6"/>
+          </a:lnRef>
+          <a:fillRef idx="1">
+            <a:schemeClr val="lt1"/>
+          </a:fillRef>
+          <a:effectRef idx="0">
+            <a:schemeClr val="accent6"/>
+          </a:effectRef>
+          <a:fontRef idx="minor">
+            <a:schemeClr val="dk1"/>
+          </a:fontRef>
+        </p:style>
+        <p:txBody>
+          <a:bodyPr rtlCol="0" anchor="ctr"/>
+          <a:lstStyle/>
+          <a:p>
+            <a:pPr algn="ctr"/>
+            <a:r>
+              <a:rPr lang="en-US" altLang="zh-TW" dirty="0" smtClean="0"/>
+              <a:t>windows server core</a:t>
+            </a:r>
+          </a:p>
+          <a:p>
+            <a:pPr algn="ctr"/>
+            <a:r>
+              <a:rPr lang="en-US" altLang="zh-TW" dirty="0" smtClean="0"/>
+              <a:t>10.0.14393.206</a:t>
+            </a:r>
+            <a:endParaRPr lang="zh-TW" altLang="en-US" dirty="0"/>
+          </a:p>
+        </p:txBody>
+      </p:sp>
+      <p:sp>
+        <p:nvSpPr>
+          <p:cNvPr id="12" name="圓角矩形 11"/>
+          <p:cNvSpPr/>
+          <p:nvPr/>
+        </p:nvSpPr>
+        <p:spPr>
+          <a:xfrm>
+            <a:off x="8316811" y="4320791"/>
+            <a:ext cx="2431701" cy="1024932"/>
+          </a:xfrm>
+          <a:prstGeom prst="roundRect">
+            <a:avLst/>
+          </a:prstGeom>
+        </p:spPr>
+        <p:style>
+          <a:lnRef idx="2">
+            <a:schemeClr val="accent6"/>
+          </a:lnRef>
+          <a:fillRef idx="1">
+            <a:schemeClr val="lt1"/>
+          </a:fillRef>
+          <a:effectRef idx="0">
+            <a:schemeClr val="accent6"/>
+          </a:effectRef>
+          <a:fontRef idx="minor">
+            <a:schemeClr val="dk1"/>
+          </a:fontRef>
+        </p:style>
+        <p:txBody>
+          <a:bodyPr rtlCol="0" anchor="ctr"/>
+          <a:lstStyle/>
+          <a:p>
+            <a:pPr algn="ctr"/>
+            <a:r>
+              <a:rPr lang="en-US" altLang="zh-TW" dirty="0" smtClean="0"/>
+              <a:t>windows server core</a:t>
+            </a:r>
+          </a:p>
+          <a:p>
+            <a:pPr algn="ctr"/>
+            <a:r>
+              <a:rPr lang="en-US" altLang="zh-TW" dirty="0" smtClean="0"/>
+              <a:t>10.0.14393.</a:t>
+            </a:r>
+            <a:r>
+              <a:rPr lang="en-US" altLang="zh-TW" b="1" dirty="0" smtClean="0">
+                <a:solidFill>
+                  <a:srgbClr val="FF0000"/>
+                </a:solidFill>
+              </a:rPr>
+              <a:t>447</a:t>
+            </a:r>
+            <a:endParaRPr lang="zh-TW" altLang="en-US" b="1" dirty="0">
+              <a:solidFill>
+                <a:srgbClr val="FF0000"/>
+              </a:solidFill>
+            </a:endParaRPr>
+          </a:p>
+        </p:txBody>
+      </p:sp>
+      <p:sp>
+        <p:nvSpPr>
+          <p:cNvPr id="13" name="圓角矩形 12"/>
+          <p:cNvSpPr/>
+          <p:nvPr/>
+        </p:nvSpPr>
+        <p:spPr>
+          <a:xfrm>
+            <a:off x="1266092" y="3218263"/>
+            <a:ext cx="2431701" cy="1024932"/>
+          </a:xfrm>
+          <a:prstGeom prst="roundRect">
+            <a:avLst/>
+          </a:prstGeom>
+        </p:spPr>
+        <p:style>
+          <a:lnRef idx="2">
+            <a:schemeClr val="accent6"/>
+          </a:lnRef>
+          <a:fillRef idx="1">
+            <a:schemeClr val="lt1"/>
+          </a:fillRef>
+          <a:effectRef idx="0">
+            <a:schemeClr val="accent6"/>
+          </a:effectRef>
+          <a:fontRef idx="minor">
+            <a:schemeClr val="dk1"/>
+          </a:fontRef>
+        </p:style>
+        <p:txBody>
+          <a:bodyPr rtlCol="0" anchor="ctr"/>
+          <a:lstStyle/>
+          <a:p>
+            <a:pPr algn="ctr"/>
+            <a:r>
+              <a:rPr lang="en-US" altLang="zh-TW" dirty="0" err="1" smtClean="0"/>
+              <a:t>MyAPP</a:t>
+            </a:r>
+            <a:r>
+              <a:rPr lang="en-US" altLang="zh-TW" dirty="0" smtClean="0"/>
+              <a:t> 1.0</a:t>
+            </a:r>
+            <a:endParaRPr lang="zh-TW" altLang="en-US" dirty="0"/>
+          </a:p>
+        </p:txBody>
+      </p:sp>
+      <p:sp>
+        <p:nvSpPr>
+          <p:cNvPr id="14" name="圓角矩形 13"/>
+          <p:cNvSpPr/>
+          <p:nvPr/>
+        </p:nvSpPr>
+        <p:spPr>
+          <a:xfrm>
+            <a:off x="4261504" y="3218263"/>
+            <a:ext cx="2431701" cy="1024932"/>
+          </a:xfrm>
+          <a:prstGeom prst="roundRect">
+            <a:avLst/>
+          </a:prstGeom>
+        </p:spPr>
+        <p:style>
+          <a:lnRef idx="2">
+            <a:schemeClr val="accent6"/>
+          </a:lnRef>
+          <a:fillRef idx="1">
+            <a:schemeClr val="lt1"/>
+          </a:fillRef>
+          <a:effectRef idx="0">
+            <a:schemeClr val="accent6"/>
+          </a:effectRef>
+          <a:fontRef idx="minor">
+            <a:schemeClr val="dk1"/>
+          </a:fontRef>
+        </p:style>
+        <p:txBody>
+          <a:bodyPr rtlCol="0" anchor="ctr"/>
+          <a:lstStyle/>
+          <a:p>
+            <a:pPr algn="ctr"/>
+            <a:r>
+              <a:rPr lang="en-US" altLang="zh-TW" dirty="0" err="1" smtClean="0"/>
+              <a:t>MyAPP</a:t>
+            </a:r>
+            <a:r>
+              <a:rPr lang="en-US" altLang="zh-TW" dirty="0" smtClean="0"/>
+              <a:t> 1.1</a:t>
+            </a:r>
+            <a:endParaRPr lang="zh-TW" altLang="en-US" dirty="0"/>
+          </a:p>
+        </p:txBody>
+      </p:sp>
+      <p:sp>
+        <p:nvSpPr>
+          <p:cNvPr id="15" name="圓角矩形 14"/>
+          <p:cNvSpPr/>
+          <p:nvPr/>
+        </p:nvSpPr>
+        <p:spPr>
+          <a:xfrm>
+            <a:off x="8316810" y="3218263"/>
+            <a:ext cx="2431701" cy="1024932"/>
+          </a:xfrm>
+          <a:prstGeom prst="roundRect">
+            <a:avLst/>
+          </a:prstGeom>
+        </p:spPr>
+        <p:style>
+          <a:lnRef idx="2">
+            <a:schemeClr val="accent6"/>
+          </a:lnRef>
+          <a:fillRef idx="1">
+            <a:schemeClr val="lt1"/>
+          </a:fillRef>
+          <a:effectRef idx="0">
+            <a:schemeClr val="accent6"/>
+          </a:effectRef>
+          <a:fontRef idx="minor">
+            <a:schemeClr val="dk1"/>
+          </a:fontRef>
+        </p:style>
+        <p:txBody>
+          <a:bodyPr rtlCol="0" anchor="ctr"/>
+          <a:lstStyle/>
+          <a:p>
+            <a:pPr algn="ctr"/>
+            <a:r>
+              <a:rPr lang="en-US" altLang="zh-TW" dirty="0" err="1" smtClean="0"/>
+              <a:t>MyAPP</a:t>
+            </a:r>
+            <a:r>
+              <a:rPr lang="en-US" altLang="zh-TW" dirty="0" smtClean="0"/>
+              <a:t> 2.0</a:t>
+            </a:r>
+            <a:endParaRPr lang="zh-TW" altLang="en-US" dirty="0"/>
+          </a:p>
+        </p:txBody>
+      </p:sp>
+      <p:sp>
+        <p:nvSpPr>
+          <p:cNvPr id="16" name="圓角矩形 15"/>
+          <p:cNvSpPr/>
+          <p:nvPr/>
+        </p:nvSpPr>
+        <p:spPr>
+          <a:xfrm>
+            <a:off x="4261503" y="4320791"/>
+            <a:ext cx="2431701" cy="1024932"/>
+          </a:xfrm>
+          <a:prstGeom prst="roundRect">
+            <a:avLst/>
+          </a:prstGeom>
+          <a:ln w="76200"/>
+        </p:spPr>
+        <p:style>
+          <a:lnRef idx="2">
+            <a:schemeClr val="accent1"/>
+          </a:lnRef>
+          <a:fillRef idx="1">
+            <a:schemeClr val="lt1"/>
+          </a:fillRef>
+          <a:effectRef idx="0">
+            <a:schemeClr val="accent1"/>
+          </a:effectRef>
+          <a:fontRef idx="minor">
+            <a:schemeClr val="dk1"/>
+          </a:fontRef>
+        </p:style>
+        <p:txBody>
+          <a:bodyPr rtlCol="0" anchor="ctr"/>
+          <a:lstStyle/>
+          <a:p>
+            <a:pPr algn="ctr"/>
+            <a:r>
+              <a:rPr lang="en-US" altLang="zh-TW" dirty="0" smtClean="0"/>
+              <a:t>windows server core</a:t>
+            </a:r>
+          </a:p>
+          <a:p>
+            <a:pPr algn="ctr"/>
+            <a:r>
+              <a:rPr lang="en-US" altLang="zh-TW" dirty="0" smtClean="0"/>
+              <a:t>10.0.14393.</a:t>
+            </a:r>
+            <a:r>
+              <a:rPr lang="en-US" altLang="zh-TW" b="1" dirty="0" smtClean="0">
+                <a:solidFill>
+                  <a:srgbClr val="FF0000"/>
+                </a:solidFill>
+              </a:rPr>
+              <a:t>447</a:t>
+            </a:r>
+            <a:endParaRPr lang="zh-TW" altLang="en-US" b="1" dirty="0">
+              <a:solidFill>
+                <a:srgbClr val="FF0000"/>
+              </a:solidFill>
+            </a:endParaRPr>
+          </a:p>
+        </p:txBody>
+      </p:sp>
+      <p:sp>
+        <p:nvSpPr>
+          <p:cNvPr id="17" name="文字方塊 16"/>
+          <p:cNvSpPr txBox="1"/>
+          <p:nvPr/>
+        </p:nvSpPr>
+        <p:spPr>
+          <a:xfrm>
+            <a:off x="5152587" y="5584091"/>
+            <a:ext cx="1418978" cy="369332"/>
+          </a:xfrm>
+          <a:prstGeom prst="rect">
+            <a:avLst/>
+          </a:prstGeom>
+          <a:noFill/>
+        </p:spPr>
+        <p:txBody>
+          <a:bodyPr wrap="none" rtlCol="0">
+            <a:spAutoFit/>
+          </a:bodyPr>
+          <a:lstStyle/>
+          <a:p>
+            <a:r>
+              <a:rPr lang="en-US" altLang="zh-TW" dirty="0" smtClean="0"/>
+              <a:t>V1.1</a:t>
+            </a:r>
+            <a:r>
+              <a:rPr lang="en-US" altLang="zh-TW" b="1" dirty="0" smtClean="0">
+                <a:solidFill>
+                  <a:srgbClr val="FF0000"/>
+                </a:solidFill>
+              </a:rPr>
+              <a:t>-OS447</a:t>
+            </a:r>
+            <a:endParaRPr lang="zh-TW" altLang="en-US" b="1" dirty="0">
+              <a:solidFill>
+                <a:srgbClr val="FF0000"/>
+              </a:solidFill>
+            </a:endParaRPr>
+          </a:p>
+        </p:txBody>
+      </p:sp>
+      <p:sp>
+        <p:nvSpPr>
+          <p:cNvPr id="18" name="圓角矩形圖說文字 17"/>
+          <p:cNvSpPr/>
+          <p:nvPr/>
+        </p:nvSpPr>
+        <p:spPr>
+          <a:xfrm>
+            <a:off x="10047725" y="4976446"/>
+            <a:ext cx="2144275" cy="1218082"/>
+          </a:xfrm>
+          <a:prstGeom prst="wedgeRoundRectCallout">
+            <a:avLst>
+              <a:gd name="adj1" fmla="val -37993"/>
+              <a:gd name="adj2" fmla="val -72789"/>
+              <a:gd name="adj3" fmla="val 16667"/>
+            </a:avLst>
+          </a:prstGeom>
+        </p:spPr>
+        <p:style>
+          <a:lnRef idx="2">
+            <a:schemeClr val="accent5"/>
+          </a:lnRef>
+          <a:fillRef idx="1">
+            <a:schemeClr val="lt1"/>
+          </a:fillRef>
+          <a:effectRef idx="0">
+            <a:schemeClr val="accent5"/>
+          </a:effectRef>
+          <a:fontRef idx="minor">
+            <a:schemeClr val="dk1"/>
+          </a:fontRef>
+        </p:style>
+        <p:txBody>
+          <a:bodyPr rtlCol="0" anchor="ctr"/>
+          <a:lstStyle/>
+          <a:p>
+            <a:pPr algn="ctr"/>
+            <a:r>
+              <a:rPr lang="zh-TW" altLang="en-US" dirty="0" smtClean="0"/>
+              <a:t>改變 </a:t>
+            </a:r>
+            <a:r>
+              <a:rPr lang="en-US" altLang="zh-TW" dirty="0" err="1" smtClean="0"/>
+              <a:t>dockerfile</a:t>
+            </a:r>
+            <a:r>
+              <a:rPr lang="en-US" altLang="zh-TW" dirty="0" smtClean="0"/>
+              <a:t> </a:t>
+            </a:r>
+            <a:r>
+              <a:rPr lang="zh-TW" altLang="en-US" dirty="0" smtClean="0"/>
+              <a:t>即可升級 </a:t>
+            </a:r>
+            <a:r>
+              <a:rPr lang="en-US" altLang="zh-TW" dirty="0" smtClean="0"/>
+              <a:t>OS</a:t>
+            </a:r>
+            <a:endParaRPr lang="zh-TW" altLang="en-US" dirty="0"/>
+          </a:p>
+        </p:txBody>
+      </p:sp>
+      <p:sp>
+        <p:nvSpPr>
+          <p:cNvPr id="19" name="圓角矩形圖說文字 18"/>
+          <p:cNvSpPr/>
+          <p:nvPr/>
+        </p:nvSpPr>
+        <p:spPr>
+          <a:xfrm>
+            <a:off x="6283875" y="4976446"/>
+            <a:ext cx="2154577" cy="1218082"/>
+          </a:xfrm>
+          <a:prstGeom prst="wedgeRoundRectCallout">
+            <a:avLst>
+              <a:gd name="adj1" fmla="val -37993"/>
+              <a:gd name="adj2" fmla="val -72789"/>
+              <a:gd name="adj3" fmla="val 16667"/>
+            </a:avLst>
+          </a:prstGeom>
+        </p:spPr>
+        <p:style>
+          <a:lnRef idx="2">
+            <a:schemeClr val="accent5"/>
+          </a:lnRef>
+          <a:fillRef idx="1">
+            <a:schemeClr val="lt1"/>
+          </a:fillRef>
+          <a:effectRef idx="0">
+            <a:schemeClr val="accent5"/>
+          </a:effectRef>
+          <a:fontRef idx="minor">
+            <a:schemeClr val="dk1"/>
+          </a:fontRef>
+        </p:style>
+        <p:txBody>
+          <a:bodyPr rtlCol="0" anchor="ctr"/>
+          <a:lstStyle/>
+          <a:p>
+            <a:pPr algn="ctr"/>
+            <a:r>
+              <a:rPr lang="en-US" altLang="zh-TW" dirty="0" smtClean="0"/>
+              <a:t>(</a:t>
+            </a:r>
+            <a:r>
+              <a:rPr lang="zh-TW" altLang="en-US" dirty="0" smtClean="0"/>
+              <a:t>用 </a:t>
+            </a:r>
+            <a:r>
+              <a:rPr lang="en-US" altLang="zh-TW" dirty="0" smtClean="0"/>
+              <a:t>hotfix </a:t>
+            </a:r>
+            <a:r>
+              <a:rPr lang="zh-TW" altLang="en-US" dirty="0" smtClean="0"/>
+              <a:t>的流程</a:t>
+            </a:r>
+            <a:r>
+              <a:rPr lang="en-US" altLang="zh-TW" dirty="0" smtClean="0"/>
+              <a:t>)</a:t>
+            </a:r>
+            <a:r>
+              <a:rPr lang="zh-TW" altLang="en-US" dirty="0" smtClean="0"/>
+              <a:t>改變 </a:t>
+            </a:r>
+            <a:r>
+              <a:rPr lang="en-US" altLang="zh-TW" dirty="0" err="1" smtClean="0"/>
+              <a:t>dockerfile</a:t>
+            </a:r>
+            <a:r>
+              <a:rPr lang="en-US" altLang="zh-TW" dirty="0" smtClean="0"/>
+              <a:t>,</a:t>
+            </a:r>
+            <a:r>
+              <a:rPr lang="zh-TW" altLang="en-US" dirty="0" smtClean="0"/>
+              <a:t> 即可升級 </a:t>
+            </a:r>
+            <a:r>
+              <a:rPr lang="en-US" altLang="zh-TW" dirty="0" smtClean="0"/>
+              <a:t>OS</a:t>
+            </a:r>
+            <a:endParaRPr lang="zh-TW" altLang="en-US" dirty="0"/>
+          </a:p>
+        </p:txBody>
+      </p:sp>
+    </p:spTree>
+    <p:extLst>
+      <p:ext uri="{BB962C8B-B14F-4D97-AF65-F5344CB8AC3E}">
+        <p14:creationId xmlns:p14="http://schemas.microsoft.com/office/powerpoint/2010/main" val="1719094443"/>
+      </p:ext>
+    </p:extLst>
+  </p:cSld>
+  <p:clrMapOvr>
+    <a:masterClrMapping/>
+  </p:clrMapOvr>
+  <p:timing>
+    <p:tnLst>
+      <p:par>
+        <p:cTn id="1" dur="indefinite" restart="never" nodeType="tmRoot">
+          <p:childTnLst>
+            <p:seq concurrent="1" nextAc="seek">
+              <p:cTn id="2" dur="indefinite" nodeType="mainSeq">
+                <p:childTnLst>
+                  <p:par>
+                    <p:cTn id="3" fill="hold">
+                      <p:stCondLst>
+                        <p:cond delay="indefinite"/>
+                      </p:stCondLst>
+                      <p:childTnLst>
+                        <p:par>
+                          <p:cTn id="4" fill="hold">
+                            <p:stCondLst>
+                              <p:cond delay="0"/>
+                            </p:stCondLst>
+                            <p:childTnLst>
+                              <p:par>
+                                <p:cTn id="5" presetID="10" presetClass="entr" presetSubtype="0" fill="hold" grpId="0" nodeType="clickEffect">
+                                  <p:stCondLst>
+                                    <p:cond delay="0"/>
+                                  </p:stCondLst>
+                                  <p:childTnLst>
+                                    <p:set>
+                                      <p:cBhvr>
+                                        <p:cTn id="6" dur="1" fill="hold">
+                                          <p:stCondLst>
+                                            <p:cond delay="0"/>
+                                          </p:stCondLst>
+                                        </p:cTn>
+                                        <p:tgtEl>
+                                          <p:spTgt spid="18"/>
+                                        </p:tgtEl>
+                                        <p:attrNameLst>
+                                          <p:attrName>style.visibility</p:attrName>
+                                        </p:attrNameLst>
+                                      </p:cBhvr>
+                                      <p:to>
+                                        <p:strVal val="visible"/>
+                                      </p:to>
+                                    </p:set>
+                                    <p:animEffect transition="in" filter="fade">
+                                      <p:cBhvr>
+                                        <p:cTn id="7" dur="500"/>
+                                        <p:tgtEl>
+                                          <p:spTgt spid="18"/>
+                                        </p:tgtEl>
+                                      </p:cBhvr>
+                                    </p:animEffect>
+                                  </p:childTnLst>
+                                </p:cTn>
+                              </p:par>
+                            </p:childTnLst>
+                          </p:cTn>
+                        </p:par>
+                      </p:childTnLst>
+                    </p:cTn>
+                  </p:par>
+                  <p:par>
+                    <p:cTn id="8" fill="hold">
+                      <p:stCondLst>
+                        <p:cond delay="indefinite"/>
+                      </p:stCondLst>
+                      <p:childTnLst>
+                        <p:par>
+                          <p:cTn id="9" fill="hold">
+                            <p:stCondLst>
+                              <p:cond delay="0"/>
+                            </p:stCondLst>
+                            <p:childTnLst>
+                              <p:par>
+                                <p:cTn id="10" presetID="10" presetClass="entr" presetSubtype="0" fill="hold" grpId="0" nodeType="clickEffect">
+                                  <p:stCondLst>
+                                    <p:cond delay="0"/>
+                                  </p:stCondLst>
+                                  <p:childTnLst>
+                                    <p:set>
+                                      <p:cBhvr>
+                                        <p:cTn id="11" dur="1" fill="hold">
+                                          <p:stCondLst>
+                                            <p:cond delay="0"/>
+                                          </p:stCondLst>
+                                        </p:cTn>
+                                        <p:tgtEl>
+                                          <p:spTgt spid="16"/>
+                                        </p:tgtEl>
+                                        <p:attrNameLst>
+                                          <p:attrName>style.visibility</p:attrName>
+                                        </p:attrNameLst>
+                                      </p:cBhvr>
+                                      <p:to>
+                                        <p:strVal val="visible"/>
+                                      </p:to>
+                                    </p:set>
+                                    <p:animEffect transition="in" filter="fade">
+                                      <p:cBhvr>
+                                        <p:cTn id="12" dur="500"/>
+                                        <p:tgtEl>
+                                          <p:spTgt spid="16"/>
+                                        </p:tgtEl>
+                                      </p:cBhvr>
+                                    </p:animEffect>
+                                  </p:childTnLst>
+                                </p:cTn>
+                              </p:par>
+                            </p:childTnLst>
+                          </p:cTn>
+                        </p:par>
+                      </p:childTnLst>
+                    </p:cTn>
+                  </p:par>
+                  <p:par>
+                    <p:cTn id="13" fill="hold">
+                      <p:stCondLst>
+                        <p:cond delay="indefinite"/>
+                      </p:stCondLst>
+                      <p:childTnLst>
+                        <p:par>
+                          <p:cTn id="14" fill="hold">
+                            <p:stCondLst>
+                              <p:cond delay="0"/>
+                            </p:stCondLst>
+                            <p:childTnLst>
+                              <p:par>
+                                <p:cTn id="15" presetID="10" presetClass="entr" presetSubtype="0" fill="hold" grpId="0" nodeType="clickEffect">
+                                  <p:stCondLst>
+                                    <p:cond delay="0"/>
+                                  </p:stCondLst>
+                                  <p:childTnLst>
+                                    <p:set>
+                                      <p:cBhvr>
+                                        <p:cTn id="16" dur="1" fill="hold">
+                                          <p:stCondLst>
+                                            <p:cond delay="0"/>
+                                          </p:stCondLst>
+                                        </p:cTn>
+                                        <p:tgtEl>
+                                          <p:spTgt spid="17"/>
+                                        </p:tgtEl>
+                                        <p:attrNameLst>
+                                          <p:attrName>style.visibility</p:attrName>
+                                        </p:attrNameLst>
+                                      </p:cBhvr>
+                                      <p:to>
+                                        <p:strVal val="visible"/>
+                                      </p:to>
+                                    </p:set>
+                                    <p:animEffect transition="in" filter="fade">
+                                      <p:cBhvr>
+                                        <p:cTn id="17" dur="500"/>
+                                        <p:tgtEl>
+                                          <p:spTgt spid="17"/>
+                                        </p:tgtEl>
+                                      </p:cBhvr>
+                                    </p:animEffect>
+                                  </p:childTnLst>
+                                </p:cTn>
+                              </p:par>
+                            </p:childTnLst>
+                          </p:cTn>
+                        </p:par>
+                      </p:childTnLst>
+                    </p:cTn>
+                  </p:par>
+                  <p:par>
+                    <p:cTn id="18" fill="hold">
+                      <p:stCondLst>
+                        <p:cond delay="indefinite"/>
+                      </p:stCondLst>
+                      <p:childTnLst>
+                        <p:par>
+                          <p:cTn id="19" fill="hold">
+                            <p:stCondLst>
+                              <p:cond delay="0"/>
+                            </p:stCondLst>
+                            <p:childTnLst>
+                              <p:par>
+                                <p:cTn id="20" presetID="10" presetClass="entr" presetSubtype="0" fill="hold" grpId="0" nodeType="clickEffect">
+                                  <p:stCondLst>
+                                    <p:cond delay="0"/>
+                                  </p:stCondLst>
+                                  <p:childTnLst>
+                                    <p:set>
+                                      <p:cBhvr>
+                                        <p:cTn id="21" dur="1" fill="hold">
+                                          <p:stCondLst>
+                                            <p:cond delay="0"/>
+                                          </p:stCondLst>
+                                        </p:cTn>
+                                        <p:tgtEl>
+                                          <p:spTgt spid="19"/>
+                                        </p:tgtEl>
+                                        <p:attrNameLst>
+                                          <p:attrName>style.visibility</p:attrName>
+                                        </p:attrNameLst>
+                                      </p:cBhvr>
+                                      <p:to>
+                                        <p:strVal val="visible"/>
+                                      </p:to>
+                                    </p:set>
+                                    <p:animEffect transition="in" filter="fade">
+                                      <p:cBhvr>
+                                        <p:cTn id="22" dur="500"/>
+                                        <p:tgtEl>
+                                          <p:spTgt spid="19"/>
+                                        </p:tgtEl>
+                                      </p:cBhvr>
+                                    </p:animEffect>
+                                  </p:childTnLst>
+                                </p:cTn>
+                              </p:par>
+                            </p:childTnLst>
+                          </p:cTn>
+                        </p:par>
+                      </p:childTnLst>
+                    </p:cTn>
+                  </p:par>
+                </p:childTnLst>
+              </p:cTn>
+              <p:prevCondLst>
+                <p:cond evt="onPrev" delay="0">
+                  <p:tgtEl>
+                    <p:sldTgt/>
+                  </p:tgtEl>
+                </p:cond>
+              </p:prevCondLst>
+              <p:nextCondLst>
+                <p:cond evt="onNext" delay="0">
+                  <p:tgtEl>
+                    <p:sldTgt/>
+                  </p:tgtEl>
+                </p:cond>
+              </p:nextCondLst>
+            </p:seq>
+          </p:childTnLst>
+        </p:cTn>
+      </p:par>
+    </p:tnLst>
+    <p:bldLst>
+      <p:bldP spid="16" grpId="0" animBg="1"/>
+      <p:bldP spid="17" grpId="0"/>
+      <p:bldP spid="18" grpId="0" animBg="1"/>
+      <p:bldP spid="19" grpId="0" animBg="1"/>
+    </p:bldLst>
+  </p:timing>
+</p:sld>
+</file>
+
+<file path=ppt/slides/slide34.xml><?xml version="1.0" encoding="utf-8"?>
+<p:sld xmlns:a="http://schemas.openxmlformats.org/drawingml/2006/main" xmlns:r="http://schemas.openxmlformats.org/officeDocument/2006/relationships" xmlns:p="http://schemas.openxmlformats.org/presentationml/2006/main">
+  <p:cSld>
+    <p:spTree>
+      <p:nvGrpSpPr>
+        <p:cNvPr id="1" name=""/>
+        <p:cNvGrpSpPr/>
+        <p:nvPr/>
+      </p:nvGrpSpPr>
+      <p:grpSpPr>
+        <a:xfrm>
+          <a:off x="0" y="0"/>
+          <a:ext cx="0" cy="0"/>
+          <a:chOff x="0" y="0"/>
+          <a:chExt cx="0" cy="0"/>
+        </a:xfrm>
+      </p:grpSpPr>
+      <p:sp>
+        <p:nvSpPr>
+          <p:cNvPr id="4" name="標題 3"/>
+          <p:cNvSpPr>
+            <a:spLocks noGrp="1"/>
+          </p:cNvSpPr>
+          <p:nvPr>
+            <p:ph type="ctrTitle"/>
+          </p:nvPr>
+        </p:nvSpPr>
+        <p:spPr/>
+        <p:txBody>
+          <a:bodyPr/>
+          <a:lstStyle/>
+          <a:p>
+            <a:r>
+              <a:rPr lang="en-US" altLang="zh-TW" dirty="0" smtClean="0"/>
+              <a:t>DEMO: OS /</a:t>
+            </a:r>
+            <a:r>
+              <a:rPr lang="zh-TW" altLang="en-US" dirty="0" smtClean="0"/>
+              <a:t> </a:t>
+            </a:r>
+            <a:r>
+              <a:rPr lang="en-US" altLang="zh-TW" dirty="0" smtClean="0"/>
+              <a:t>Framework Update?</a:t>
+            </a:r>
+            <a:endParaRPr lang="zh-TW" altLang="en-US" dirty="0"/>
+          </a:p>
+        </p:txBody>
+      </p:sp>
+      <p:sp>
+        <p:nvSpPr>
+          <p:cNvPr id="5" name="副標題 4"/>
+          <p:cNvSpPr>
+            <a:spLocks noGrp="1"/>
+          </p:cNvSpPr>
+          <p:nvPr>
+            <p:ph type="subTitle" idx="1"/>
+          </p:nvPr>
+        </p:nvSpPr>
+        <p:spPr/>
+        <p:txBody>
+          <a:bodyPr/>
+          <a:lstStyle/>
+          <a:p>
+            <a:endParaRPr lang="zh-TW" altLang="en-US"/>
+          </a:p>
+        </p:txBody>
+      </p:sp>
+    </p:spTree>
+    <p:extLst>
+      <p:ext uri="{BB962C8B-B14F-4D97-AF65-F5344CB8AC3E}">
+        <p14:creationId xmlns:p14="http://schemas.microsoft.com/office/powerpoint/2010/main" val="645550656"/>
+      </p:ext>
+    </p:extLst>
+  </p:cSld>
+  <p:clrMapOvr>
+    <a:masterClrMapping/>
+  </p:clrMapOvr>
+  <p:timing>
+    <p:tnLst>
+      <p:par>
+        <p:cTn id="1" dur="indefinite" restart="never" nodeType="tmRoot"/>
+      </p:par>
+    </p:tnLst>
+  </p:timing>
+</p:sld>
+</file>
+
+<file path=ppt/slides/slide35.xml><?xml version="1.0" encoding="utf-8"?>
+<p:sld xmlns:a="http://schemas.openxmlformats.org/drawingml/2006/main" xmlns:r="http://schemas.openxmlformats.org/officeDocument/2006/relationships" xmlns:p="http://schemas.openxmlformats.org/presentationml/2006/main">
+  <p:cSld>
+    <p:spTree>
+      <p:nvGrpSpPr>
+        <p:cNvPr id="1" name=""/>
+        <p:cNvGrpSpPr/>
+        <p:nvPr/>
+      </p:nvGrpSpPr>
+      <p:grpSpPr>
+        <a:xfrm>
+          <a:off x="0" y="0"/>
+          <a:ext cx="0" cy="0"/>
+          <a:chOff x="0" y="0"/>
+          <a:chExt cx="0" cy="0"/>
+        </a:xfrm>
+      </p:grpSpPr>
+      <p:sp>
+        <p:nvSpPr>
+          <p:cNvPr id="2" name="標題 1"/>
+          <p:cNvSpPr>
+            <a:spLocks noGrp="1"/>
+          </p:cNvSpPr>
+          <p:nvPr>
             <p:ph type="ctrTitle"/>
           </p:nvPr>
         </p:nvSpPr>
@@ -14725,7 +17276,7 @@
 </p:sld>
 </file>
 
-<file path=ppt/slides/slide34.xml><?xml version="1.0" encoding="utf-8"?>
+<file path=ppt/slides/slide36.xml><?xml version="1.0" encoding="utf-8"?>
 <p:sld xmlns:a="http://schemas.openxmlformats.org/drawingml/2006/main" xmlns:r="http://schemas.openxmlformats.org/officeDocument/2006/relationships" xmlns:p="http://schemas.openxmlformats.org/presentationml/2006/main">
   <p:cSld>
     <p:spTree>
@@ -14865,7 +17416,7 @@
 </p:sld>
 </file>
 
-<file path=ppt/slides/slide35.xml><?xml version="1.0" encoding="utf-8"?>
+<file path=ppt/slides/slide37.xml><?xml version="1.0" encoding="utf-8"?>
 <p:sld xmlns:a="http://schemas.openxmlformats.org/drawingml/2006/main" xmlns:r="http://schemas.openxmlformats.org/officeDocument/2006/relationships" xmlns:p="http://schemas.openxmlformats.org/presentationml/2006/main">
   <p:cSld>
     <p:spTree>
@@ -15108,6 +17659,230 @@
               <a:t>Linux Kit</a:t>
             </a:r>
             <a:endParaRPr lang="zh-TW" altLang="en-US" dirty="0"/>
+          </a:p>
+        </p:txBody>
+      </p:sp>
+      <p:sp>
+        <p:nvSpPr>
+          <p:cNvPr id="5" name="圓角矩形 4"/>
+          <p:cNvSpPr/>
+          <p:nvPr/>
+        </p:nvSpPr>
+        <p:spPr>
+          <a:xfrm>
+            <a:off x="6099349" y="1818752"/>
+            <a:ext cx="1082989" cy="1477107"/>
+          </a:xfrm>
+          <a:prstGeom prst="roundRect">
+            <a:avLst>
+              <a:gd name="adj" fmla="val 6191"/>
+            </a:avLst>
+          </a:prstGeom>
+          <a:solidFill>
+            <a:srgbClr val="6FAE45"/>
+          </a:solidFill>
+        </p:spPr>
+        <p:style>
+          <a:lnRef idx="2">
+            <a:schemeClr val="accent1">
+              <a:shade val="50000"/>
+            </a:schemeClr>
+          </a:lnRef>
+          <a:fillRef idx="1">
+            <a:schemeClr val="accent1"/>
+          </a:fillRef>
+          <a:effectRef idx="0">
+            <a:schemeClr val="accent1"/>
+          </a:effectRef>
+          <a:fontRef idx="minor">
+            <a:schemeClr val="lt1"/>
+          </a:fontRef>
+        </p:style>
+        <p:txBody>
+          <a:bodyPr rtlCol="0" anchor="ctr"/>
+          <a:lstStyle/>
+          <a:p>
+            <a:pPr algn="ctr"/>
+            <a:r>
+              <a:rPr lang="en-US" altLang="zh-TW" dirty="0" smtClean="0"/>
+              <a:t>IP2C.</a:t>
+            </a:r>
+            <a:br>
+              <a:rPr lang="en-US" altLang="zh-TW" dirty="0" smtClean="0"/>
+            </a:br>
+            <a:r>
+              <a:rPr lang="en-US" altLang="zh-TW" dirty="0" smtClean="0"/>
+              <a:t>Worker</a:t>
+            </a:r>
+            <a:endParaRPr lang="zh-TW" altLang="en-US" dirty="0"/>
+          </a:p>
+        </p:txBody>
+      </p:sp>
+      <p:sp>
+        <p:nvSpPr>
+          <p:cNvPr id="9" name="圓角矩形 8"/>
+          <p:cNvSpPr/>
+          <p:nvPr/>
+        </p:nvSpPr>
+        <p:spPr>
+          <a:xfrm>
+            <a:off x="4919227" y="1818752"/>
+            <a:ext cx="1082989" cy="1477107"/>
+          </a:xfrm>
+          <a:prstGeom prst="roundRect">
+            <a:avLst>
+              <a:gd name="adj" fmla="val 6191"/>
+            </a:avLst>
+          </a:prstGeom>
+          <a:solidFill>
+            <a:srgbClr val="6FAE45"/>
+          </a:solidFill>
+        </p:spPr>
+        <p:style>
+          <a:lnRef idx="2">
+            <a:schemeClr val="accent1">
+              <a:shade val="50000"/>
+            </a:schemeClr>
+          </a:lnRef>
+          <a:fillRef idx="1">
+            <a:schemeClr val="accent1"/>
+          </a:fillRef>
+          <a:effectRef idx="0">
+            <a:schemeClr val="accent1"/>
+          </a:effectRef>
+          <a:fontRef idx="minor">
+            <a:schemeClr val="lt1"/>
+          </a:fontRef>
+        </p:style>
+        <p:txBody>
+          <a:bodyPr rtlCol="0" anchor="ctr"/>
+          <a:lstStyle/>
+          <a:p>
+            <a:pPr algn="ctr"/>
+            <a:r>
+              <a:rPr lang="en-US" altLang="zh-TW" dirty="0" smtClean="0"/>
+              <a:t>IP2C.</a:t>
+            </a:r>
+            <a:br>
+              <a:rPr lang="en-US" altLang="zh-TW" dirty="0" smtClean="0"/>
+            </a:br>
+            <a:r>
+              <a:rPr lang="en-US" altLang="zh-TW" dirty="0" err="1" smtClean="0"/>
+              <a:t>WebAPI</a:t>
+            </a:r>
+            <a:endParaRPr lang="zh-TW" altLang="en-US" dirty="0"/>
+          </a:p>
+        </p:txBody>
+      </p:sp>
+      <p:sp>
+        <p:nvSpPr>
+          <p:cNvPr id="10" name="圓角矩形 9"/>
+          <p:cNvSpPr/>
+          <p:nvPr/>
+        </p:nvSpPr>
+        <p:spPr>
+          <a:xfrm>
+            <a:off x="3739105" y="1818752"/>
+            <a:ext cx="1082989" cy="1477107"/>
+          </a:xfrm>
+          <a:prstGeom prst="roundRect">
+            <a:avLst>
+              <a:gd name="adj" fmla="val 6191"/>
+            </a:avLst>
+          </a:prstGeom>
+          <a:solidFill>
+            <a:srgbClr val="6FAE45"/>
+          </a:solidFill>
+        </p:spPr>
+        <p:style>
+          <a:lnRef idx="2">
+            <a:schemeClr val="accent1">
+              <a:shade val="50000"/>
+            </a:schemeClr>
+          </a:lnRef>
+          <a:fillRef idx="1">
+            <a:schemeClr val="accent1"/>
+          </a:fillRef>
+          <a:effectRef idx="0">
+            <a:schemeClr val="accent1"/>
+          </a:effectRef>
+          <a:fontRef idx="minor">
+            <a:schemeClr val="lt1"/>
+          </a:fontRef>
+        </p:style>
+        <p:txBody>
+          <a:bodyPr rtlCol="0" anchor="ctr"/>
+          <a:lstStyle/>
+          <a:p>
+            <a:pPr algn="ctr"/>
+            <a:r>
+              <a:rPr lang="en-US" altLang="zh-TW" dirty="0" smtClean="0"/>
+              <a:t>IP2C.</a:t>
+            </a:r>
+            <a:br>
+              <a:rPr lang="en-US" altLang="zh-TW" dirty="0" smtClean="0"/>
+            </a:br>
+            <a:r>
+              <a:rPr lang="en-US" altLang="zh-TW" dirty="0" err="1" smtClean="0"/>
+              <a:t>WebAPI</a:t>
+            </a:r>
+            <a:endParaRPr lang="zh-TW" altLang="en-US" dirty="0"/>
+          </a:p>
+        </p:txBody>
+      </p:sp>
+      <p:sp>
+        <p:nvSpPr>
+          <p:cNvPr id="11" name="圓角矩形 10"/>
+          <p:cNvSpPr/>
+          <p:nvPr/>
+        </p:nvSpPr>
+        <p:spPr>
+          <a:xfrm>
+            <a:off x="9745784" y="1818752"/>
+            <a:ext cx="1082989" cy="1477107"/>
+          </a:xfrm>
+          <a:prstGeom prst="roundRect">
+            <a:avLst>
+              <a:gd name="adj" fmla="val 6191"/>
+            </a:avLst>
+          </a:prstGeom>
+          <a:solidFill>
+            <a:srgbClr val="6FAE45"/>
+          </a:solidFill>
+        </p:spPr>
+        <p:style>
+          <a:lnRef idx="2">
+            <a:schemeClr val="accent1">
+              <a:shade val="50000"/>
+            </a:schemeClr>
+          </a:lnRef>
+          <a:fillRef idx="1">
+            <a:schemeClr val="accent1"/>
+          </a:fillRef>
+          <a:effectRef idx="0">
+            <a:schemeClr val="accent1"/>
+          </a:effectRef>
+          <a:fontRef idx="minor">
+            <a:schemeClr val="lt1"/>
+          </a:fontRef>
+        </p:style>
+        <p:txBody>
+          <a:bodyPr rtlCol="0" anchor="ctr"/>
+          <a:lstStyle/>
+          <a:p>
+            <a:pPr algn="ctr"/>
+            <a:r>
+              <a:rPr lang="en-US" altLang="zh-TW" sz="1600" dirty="0" smtClean="0"/>
+              <a:t>IP2C.</a:t>
+            </a:r>
+            <a:br>
+              <a:rPr lang="en-US" altLang="zh-TW" sz="1600" dirty="0" smtClean="0"/>
+            </a:br>
+            <a:r>
+              <a:rPr lang="en-US" altLang="zh-TW" sz="1600" dirty="0" err="1" smtClean="0"/>
+              <a:t>RevProxy</a:t>
+            </a:r>
+            <a:endParaRPr lang="zh-TW" altLang="en-US" sz="1600" dirty="0"/>
           </a:p>
         </p:txBody>
       </p:sp>
@@ -15288,6 +18063,182 @@
                       </p:childTnLst>
                     </p:cTn>
                   </p:par>
+                  <p:par>
+                    <p:cTn id="18" fill="hold">
+                      <p:stCondLst>
+                        <p:cond delay="indefinite"/>
+                      </p:stCondLst>
+                      <p:childTnLst>
+                        <p:par>
+                          <p:cTn id="19" fill="hold">
+                            <p:stCondLst>
+                              <p:cond delay="0"/>
+                            </p:stCondLst>
+                            <p:childTnLst>
+                              <p:par>
+                                <p:cTn id="20" presetID="10" presetClass="entr" presetSubtype="0" fill="hold" grpId="0" nodeType="clickEffect">
+                                  <p:stCondLst>
+                                    <p:cond delay="0"/>
+                                  </p:stCondLst>
+                                  <p:childTnLst>
+                                    <p:set>
+                                      <p:cBhvr>
+                                        <p:cTn id="21" dur="1" fill="hold">
+                                          <p:stCondLst>
+                                            <p:cond delay="0"/>
+                                          </p:stCondLst>
+                                        </p:cTn>
+                                        <p:tgtEl>
+                                          <p:spTgt spid="10"/>
+                                        </p:tgtEl>
+                                        <p:attrNameLst>
+                                          <p:attrName>style.visibility</p:attrName>
+                                        </p:attrNameLst>
+                                      </p:cBhvr>
+                                      <p:to>
+                                        <p:strVal val="visible"/>
+                                      </p:to>
+                                    </p:set>
+                                    <p:animEffect transition="in" filter="fade">
+                                      <p:cBhvr>
+                                        <p:cTn id="22" dur="500"/>
+                                        <p:tgtEl>
+                                          <p:spTgt spid="10"/>
+                                        </p:tgtEl>
+                                      </p:cBhvr>
+                                    </p:animEffect>
+                                  </p:childTnLst>
+                                </p:cTn>
+                              </p:par>
+                              <p:par>
+                                <p:cTn id="23" presetID="10" presetClass="entr" presetSubtype="0" fill="hold" grpId="0" nodeType="withEffect">
+                                  <p:stCondLst>
+                                    <p:cond delay="0"/>
+                                  </p:stCondLst>
+                                  <p:childTnLst>
+                                    <p:set>
+                                      <p:cBhvr>
+                                        <p:cTn id="24" dur="1" fill="hold">
+                                          <p:stCondLst>
+                                            <p:cond delay="0"/>
+                                          </p:stCondLst>
+                                        </p:cTn>
+                                        <p:tgtEl>
+                                          <p:spTgt spid="9"/>
+                                        </p:tgtEl>
+                                        <p:attrNameLst>
+                                          <p:attrName>style.visibility</p:attrName>
+                                        </p:attrNameLst>
+                                      </p:cBhvr>
+                                      <p:to>
+                                        <p:strVal val="visible"/>
+                                      </p:to>
+                                    </p:set>
+                                    <p:animEffect transition="in" filter="fade">
+                                      <p:cBhvr>
+                                        <p:cTn id="25" dur="500"/>
+                                        <p:tgtEl>
+                                          <p:spTgt spid="9"/>
+                                        </p:tgtEl>
+                                      </p:cBhvr>
+                                    </p:animEffect>
+                                  </p:childTnLst>
+                                </p:cTn>
+                              </p:par>
+                              <p:par>
+                                <p:cTn id="26" presetID="10" presetClass="entr" presetSubtype="0" fill="hold" grpId="0" nodeType="withEffect">
+                                  <p:stCondLst>
+                                    <p:cond delay="0"/>
+                                  </p:stCondLst>
+                                  <p:childTnLst>
+                                    <p:set>
+                                      <p:cBhvr>
+                                        <p:cTn id="27" dur="1" fill="hold">
+                                          <p:stCondLst>
+                                            <p:cond delay="0"/>
+                                          </p:stCondLst>
+                                        </p:cTn>
+                                        <p:tgtEl>
+                                          <p:spTgt spid="5"/>
+                                        </p:tgtEl>
+                                        <p:attrNameLst>
+                                          <p:attrName>style.visibility</p:attrName>
+                                        </p:attrNameLst>
+                                      </p:cBhvr>
+                                      <p:to>
+                                        <p:strVal val="visible"/>
+                                      </p:to>
+                                    </p:set>
+                                    <p:animEffect transition="in" filter="fade">
+                                      <p:cBhvr>
+                                        <p:cTn id="28" dur="500"/>
+                                        <p:tgtEl>
+                                          <p:spTgt spid="5"/>
+                                        </p:tgtEl>
+                                      </p:cBhvr>
+                                    </p:animEffect>
+                                  </p:childTnLst>
+                                </p:cTn>
+                              </p:par>
+                            </p:childTnLst>
+                          </p:cTn>
+                        </p:par>
+                      </p:childTnLst>
+                    </p:cTn>
+                  </p:par>
+                  <p:par>
+                    <p:cTn id="29" fill="hold">
+                      <p:stCondLst>
+                        <p:cond delay="indefinite"/>
+                      </p:stCondLst>
+                      <p:childTnLst>
+                        <p:par>
+                          <p:cTn id="30" fill="hold">
+                            <p:stCondLst>
+                              <p:cond delay="0"/>
+                            </p:stCondLst>
+                            <p:childTnLst>
+                              <p:par>
+                                <p:cTn id="31" presetID="10" presetClass="entr" presetSubtype="0" fill="hold" grpId="0" nodeType="clickEffect">
+                                  <p:stCondLst>
+                                    <p:cond delay="0"/>
+                                  </p:stCondLst>
+                                  <p:childTnLst>
+                                    <p:set>
+                                      <p:cBhvr>
+                                        <p:cTn id="32" dur="1" fill="hold">
+                                          <p:stCondLst>
+                                            <p:cond delay="0"/>
+                                          </p:stCondLst>
+                                        </p:cTn>
+                                        <p:tgtEl>
+                                          <p:spTgt spid="11"/>
+                                        </p:tgtEl>
+                                        <p:attrNameLst>
+                                          <p:attrName>style.visibility</p:attrName>
+                                        </p:attrNameLst>
+                                      </p:cBhvr>
+                                      <p:to>
+                                        <p:strVal val="visible"/>
+                                      </p:to>
+                                    </p:set>
+                                    <p:animEffect transition="in" filter="fade">
+                                      <p:cBhvr>
+                                        <p:cTn id="33" dur="500"/>
+                                        <p:tgtEl>
+                                          <p:spTgt spid="11"/>
+                                        </p:tgtEl>
+                                      </p:cBhvr>
+                                    </p:animEffect>
+                                  </p:childTnLst>
+                                </p:cTn>
+                              </p:par>
+                            </p:childTnLst>
+                          </p:cTn>
+                        </p:par>
+                      </p:childTnLst>
+                    </p:cTn>
+                  </p:par>
                 </p:childTnLst>
               </p:cTn>
               <p:prevCondLst>
@@ -15313,12 +18264,16 @@
       <p:bldP spid="4" grpId="0" animBg="1"/>
       <p:bldP spid="6" grpId="0" animBg="1"/>
       <p:bldP spid="7" grpId="0" animBg="1"/>
+      <p:bldP spid="5" grpId="0" animBg="1"/>
+      <p:bldP spid="9" grpId="0" animBg="1"/>
+      <p:bldP spid="10" grpId="0" animBg="1"/>
+      <p:bldP spid="11" grpId="0" animBg="1"/>
     </p:bldLst>
   </p:timing>
 </p:sld>
 </file>
 
-<file path=ppt/slides/slide36.xml><?xml version="1.0" encoding="utf-8"?>
+<file path=ppt/slides/slide38.xml><?xml version="1.0" encoding="utf-8"?>
 <p:sld xmlns:a="http://schemas.openxmlformats.org/drawingml/2006/main" xmlns:r="http://schemas.openxmlformats.org/officeDocument/2006/relationships" xmlns:p="http://schemas.openxmlformats.org/presentationml/2006/main">
   <p:cSld>
     <p:spTree>
@@ -15560,7 +18515,7 @@
 </p:sld>
 </file>
 
-<file path=ppt/slides/slide37.xml><?xml version="1.0" encoding="utf-8"?>
+<file path=ppt/slides/slide39.xml><?xml version="1.0" encoding="utf-8"?>
 <p:sld xmlns:a="http://schemas.openxmlformats.org/drawingml/2006/main" xmlns:r="http://schemas.openxmlformats.org/officeDocument/2006/relationships" xmlns:p="http://schemas.openxmlformats.org/presentationml/2006/main">
   <p:cSld>
     <p:spTree>
@@ -17083,219 +20038,6 @@
 </p:sld>
 </file>
 
-<file path=ppt/slides/slide38.xml><?xml version="1.0" encoding="utf-8"?>
-<p:sld xmlns:a="http://schemas.openxmlformats.org/drawingml/2006/main" xmlns:r="http://schemas.openxmlformats.org/officeDocument/2006/relationships" xmlns:p="http://schemas.openxmlformats.org/presentationml/2006/main">
-  <p:cSld>
-    <p:spTree>
-      <p:nvGrpSpPr>
-        <p:cNvPr id="1" name=""/>
-        <p:cNvGrpSpPr/>
-        <p:nvPr/>
-      </p:nvGrpSpPr>
-      <p:grpSpPr>
-        <a:xfrm>
-          <a:off x="0" y="0"/>
-          <a:ext cx="0" cy="0"/>
-          <a:chOff x="0" y="0"/>
-          <a:chExt cx="0" cy="0"/>
-        </a:xfrm>
-      </p:grpSpPr>
-      <p:sp>
-        <p:nvSpPr>
-          <p:cNvPr id="2" name="標題 1"/>
-          <p:cNvSpPr>
-            <a:spLocks noGrp="1"/>
-          </p:cNvSpPr>
-          <p:nvPr>
-            <p:ph type="title"/>
-          </p:nvPr>
-        </p:nvSpPr>
-        <p:spPr/>
-        <p:txBody>
-          <a:bodyPr/>
-          <a:lstStyle/>
-          <a:p>
-            <a:endParaRPr lang="zh-TW" altLang="en-US"/>
-          </a:p>
-        </p:txBody>
-      </p:sp>
-      <p:sp>
-        <p:nvSpPr>
-          <p:cNvPr id="3" name="內容版面配置區 2"/>
-          <p:cNvSpPr>
-            <a:spLocks noGrp="1"/>
-          </p:cNvSpPr>
-          <p:nvPr>
-            <p:ph idx="1"/>
-          </p:nvPr>
-        </p:nvSpPr>
-        <p:spPr/>
-        <p:txBody>
-          <a:bodyPr/>
-          <a:lstStyle/>
-          <a:p>
-            <a:endParaRPr lang="zh-TW" altLang="en-US"/>
-          </a:p>
-        </p:txBody>
-      </p:sp>
-      <p:pic>
-        <p:nvPicPr>
-          <p:cNvPr id="4" name="圖片 3"/>
-          <p:cNvPicPr>
-            <a:picLocks noChangeAspect="1"/>
-          </p:cNvPicPr>
-          <p:nvPr/>
-        </p:nvPicPr>
-        <p:blipFill>
-          <a:blip r:embed="rId2"/>
-          <a:stretch>
-            <a:fillRect/>
-          </a:stretch>
-        </p:blipFill>
-        <p:spPr>
-          <a:xfrm>
-            <a:off x="1097280" y="729390"/>
-            <a:ext cx="10388600" cy="10279408"/>
-          </a:xfrm>
-          <a:prstGeom prst="rect">
-            <a:avLst/>
-          </a:prstGeom>
-        </p:spPr>
-      </p:pic>
-      <p:sp>
-        <p:nvSpPr>
-          <p:cNvPr id="5" name="文字方塊 4"/>
-          <p:cNvSpPr txBox="1"/>
-          <p:nvPr/>
-        </p:nvSpPr>
-        <p:spPr>
-          <a:xfrm>
-            <a:off x="0" y="6534834"/>
-            <a:ext cx="7760458" cy="646331"/>
-          </a:xfrm>
-          <a:prstGeom prst="rect">
-            <a:avLst/>
-          </a:prstGeom>
-          <a:noFill/>
-        </p:spPr>
-        <p:txBody>
-          <a:bodyPr wrap="none" rtlCol="0">
-            <a:spAutoFit/>
-          </a:bodyPr>
-          <a:lstStyle/>
-          <a:p>
-            <a:r>
-              <a:rPr lang="en-US" altLang="zh-TW" dirty="0" smtClean="0">
-                <a:hlinkClick r:id="rId3"/>
-              </a:rPr>
-              <a:t>http://columns.chicken-house.net/2017/08/05/what-cicd-do-you-need/</a:t>
-            </a:r>
-            <a:endParaRPr lang="en-US" altLang="zh-TW" dirty="0" smtClean="0"/>
-          </a:p>
-          <a:p>
-            <a:endParaRPr lang="zh-TW" altLang="en-US" dirty="0"/>
-          </a:p>
-        </p:txBody>
-      </p:sp>
-    </p:spTree>
-    <p:extLst>
-      <p:ext uri="{BB962C8B-B14F-4D97-AF65-F5344CB8AC3E}">
-        <p14:creationId xmlns:p14="http://schemas.microsoft.com/office/powerpoint/2010/main" val="2225939960"/>
-      </p:ext>
-    </p:extLst>
-  </p:cSld>
-  <p:clrMapOvr>
-    <a:masterClrMapping/>
-  </p:clrMapOvr>
-  <p:timing>
-    <p:tnLst>
-      <p:par>
-        <p:cTn id="1" dur="indefinite" restart="never" nodeType="tmRoot"/>
-      </p:par>
-    </p:tnLst>
-  </p:timing>
-</p:sld>
-</file>
-
-<file path=ppt/slides/slide39.xml><?xml version="1.0" encoding="utf-8"?>
-<p:sld xmlns:a="http://schemas.openxmlformats.org/drawingml/2006/main" xmlns:r="http://schemas.openxmlformats.org/officeDocument/2006/relationships" xmlns:p="http://schemas.openxmlformats.org/presentationml/2006/main">
-  <p:cSld>
-    <p:spTree>
-      <p:nvGrpSpPr>
-        <p:cNvPr id="1" name=""/>
-        <p:cNvGrpSpPr/>
-        <p:nvPr/>
-      </p:nvGrpSpPr>
-      <p:grpSpPr>
-        <a:xfrm>
-          <a:off x="0" y="0"/>
-          <a:ext cx="0" cy="0"/>
-          <a:chOff x="0" y="0"/>
-          <a:chExt cx="0" cy="0"/>
-        </a:xfrm>
-      </p:grpSpPr>
-      <p:sp>
-        <p:nvSpPr>
-          <p:cNvPr id="4" name="標題 3"/>
-          <p:cNvSpPr>
-            <a:spLocks noGrp="1"/>
-          </p:cNvSpPr>
-          <p:nvPr>
-            <p:ph type="ctrTitle"/>
-          </p:nvPr>
-        </p:nvSpPr>
-        <p:spPr/>
-        <p:txBody>
-          <a:bodyPr/>
-          <a:lstStyle/>
-          <a:p>
-            <a:r>
-              <a:rPr lang="en-US" altLang="zh-TW" dirty="0" smtClean="0"/>
-              <a:t>Q &amp; A</a:t>
-            </a:r>
-            <a:endParaRPr lang="zh-TW" altLang="en-US" dirty="0"/>
-          </a:p>
-        </p:txBody>
-      </p:sp>
-      <p:sp>
-        <p:nvSpPr>
-          <p:cNvPr id="5" name="副標題 4"/>
-          <p:cNvSpPr>
-            <a:spLocks noGrp="1"/>
-          </p:cNvSpPr>
-          <p:nvPr>
-            <p:ph type="subTitle" idx="1"/>
-          </p:nvPr>
-        </p:nvSpPr>
-        <p:spPr/>
-        <p:txBody>
-          <a:bodyPr/>
-          <a:lstStyle/>
-          <a:p>
-            <a:endParaRPr lang="zh-TW" altLang="en-US"/>
-          </a:p>
-        </p:txBody>
-      </p:sp>
-    </p:spTree>
-    <p:extLst>
-      <p:ext uri="{BB962C8B-B14F-4D97-AF65-F5344CB8AC3E}">
-        <p14:creationId xmlns:p14="http://schemas.microsoft.com/office/powerpoint/2010/main" val="3814471096"/>
-      </p:ext>
-    </p:extLst>
-  </p:cSld>
-  <p:clrMapOvr>
-    <a:masterClrMapping/>
-  </p:clrMapOvr>
-  <p:timing>
-    <p:tnLst>
-      <p:par>
-        <p:cTn id="1" dur="indefinite" restart="never" nodeType="tmRoot"/>
-      </p:par>
-    </p:tnLst>
-  </p:timing>
-</p:sld>
-</file>
-
 <file path=ppt/slides/slide4.xml><?xml version="1.0" encoding="utf-8"?>
 <p:sld xmlns:a="http://schemas.openxmlformats.org/drawingml/2006/main" xmlns:r="http://schemas.openxmlformats.org/officeDocument/2006/relationships" xmlns:p="http://schemas.openxmlformats.org/presentationml/2006/main">
   <p:cSld>
@@ -18138,6 +20880,180 @@
           <a:chExt cx="0" cy="0"/>
         </a:xfrm>
       </p:grpSpPr>
+      <p:pic>
+        <p:nvPicPr>
+          <p:cNvPr id="6" name="圖片 5"/>
+          <p:cNvPicPr>
+            <a:picLocks noChangeAspect="1"/>
+          </p:cNvPicPr>
+          <p:nvPr/>
+        </p:nvPicPr>
+        <p:blipFill rotWithShape="1">
+          <a:blip r:embed="rId2"/>
+          <a:srcRect b="9147"/>
+          <a:stretch/>
+        </p:blipFill>
+        <p:spPr>
+          <a:xfrm>
+            <a:off x="2117969" y="155292"/>
+            <a:ext cx="7956062" cy="6158218"/>
+          </a:xfrm>
+          <a:prstGeom prst="rect">
+            <a:avLst/>
+          </a:prstGeom>
+        </p:spPr>
+      </p:pic>
+      <p:sp>
+        <p:nvSpPr>
+          <p:cNvPr id="5" name="文字方塊 4"/>
+          <p:cNvSpPr txBox="1"/>
+          <p:nvPr/>
+        </p:nvSpPr>
+        <p:spPr>
+          <a:xfrm>
+            <a:off x="0" y="6534834"/>
+            <a:ext cx="7760458" cy="646331"/>
+          </a:xfrm>
+          <a:prstGeom prst="rect">
+            <a:avLst/>
+          </a:prstGeom>
+          <a:noFill/>
+        </p:spPr>
+        <p:txBody>
+          <a:bodyPr wrap="none" rtlCol="0">
+            <a:spAutoFit/>
+          </a:bodyPr>
+          <a:lstStyle/>
+          <a:p>
+            <a:r>
+              <a:rPr lang="en-US" altLang="zh-TW" dirty="0" smtClean="0">
+                <a:hlinkClick r:id="rId3"/>
+              </a:rPr>
+              <a:t>http://columns.chicken-house.net/2017/08/05/what-cicd-do-you-need/</a:t>
+            </a:r>
+            <a:endParaRPr lang="en-US" altLang="zh-TW" dirty="0" smtClean="0"/>
+          </a:p>
+          <a:p>
+            <a:endParaRPr lang="zh-TW" altLang="en-US" dirty="0"/>
+          </a:p>
+        </p:txBody>
+      </p:sp>
+    </p:spTree>
+    <p:extLst>
+      <p:ext uri="{BB962C8B-B14F-4D97-AF65-F5344CB8AC3E}">
+        <p14:creationId xmlns:p14="http://schemas.microsoft.com/office/powerpoint/2010/main" val="2225939960"/>
+      </p:ext>
+    </p:extLst>
+  </p:cSld>
+  <p:clrMapOvr>
+    <a:masterClrMapping/>
+  </p:clrMapOvr>
+  <p:timing>
+    <p:tnLst>
+      <p:par>
+        <p:cTn id="1" dur="indefinite" restart="never" nodeType="tmRoot"/>
+      </p:par>
+    </p:tnLst>
+  </p:timing>
+</p:sld>
+</file>
+
+<file path=ppt/slides/slide41.xml><?xml version="1.0" encoding="utf-8"?>
+<p:sld xmlns:a="http://schemas.openxmlformats.org/drawingml/2006/main" xmlns:r="http://schemas.openxmlformats.org/officeDocument/2006/relationships" xmlns:p="http://schemas.openxmlformats.org/presentationml/2006/main">
+  <p:cSld>
+    <p:spTree>
+      <p:nvGrpSpPr>
+        <p:cNvPr id="1" name=""/>
+        <p:cNvGrpSpPr/>
+        <p:nvPr/>
+      </p:nvGrpSpPr>
+      <p:grpSpPr>
+        <a:xfrm>
+          <a:off x="0" y="0"/>
+          <a:ext cx="0" cy="0"/>
+          <a:chOff x="0" y="0"/>
+          <a:chExt cx="0" cy="0"/>
+        </a:xfrm>
+      </p:grpSpPr>
+      <p:sp>
+        <p:nvSpPr>
+          <p:cNvPr id="4" name="標題 3"/>
+          <p:cNvSpPr>
+            <a:spLocks noGrp="1"/>
+          </p:cNvSpPr>
+          <p:nvPr>
+            <p:ph type="ctrTitle"/>
+          </p:nvPr>
+        </p:nvSpPr>
+        <p:spPr/>
+        <p:txBody>
+          <a:bodyPr/>
+          <a:lstStyle/>
+          <a:p>
+            <a:r>
+              <a:rPr lang="en-US" altLang="zh-TW" dirty="0" smtClean="0"/>
+              <a:t>Q &amp; A</a:t>
+            </a:r>
+            <a:endParaRPr lang="zh-TW" altLang="en-US" dirty="0"/>
+          </a:p>
+        </p:txBody>
+      </p:sp>
+      <p:sp>
+        <p:nvSpPr>
+          <p:cNvPr id="5" name="副標題 4"/>
+          <p:cNvSpPr>
+            <a:spLocks noGrp="1"/>
+          </p:cNvSpPr>
+          <p:nvPr>
+            <p:ph type="subTitle" idx="1"/>
+          </p:nvPr>
+        </p:nvSpPr>
+        <p:spPr/>
+        <p:txBody>
+          <a:bodyPr/>
+          <a:lstStyle/>
+          <a:p>
+            <a:endParaRPr lang="zh-TW" altLang="en-US"/>
+          </a:p>
+        </p:txBody>
+      </p:sp>
+    </p:spTree>
+    <p:extLst>
+      <p:ext uri="{BB962C8B-B14F-4D97-AF65-F5344CB8AC3E}">
+        <p14:creationId xmlns:p14="http://schemas.microsoft.com/office/powerpoint/2010/main" val="3814471096"/>
+      </p:ext>
+    </p:extLst>
+  </p:cSld>
+  <p:clrMapOvr>
+    <a:masterClrMapping/>
+  </p:clrMapOvr>
+  <p:timing>
+    <p:tnLst>
+      <p:par>
+        <p:cTn id="1" dur="indefinite" restart="never" nodeType="tmRoot"/>
+      </p:par>
+    </p:tnLst>
+  </p:timing>
+</p:sld>
+</file>
+
+<file path=ppt/slides/slide42.xml><?xml version="1.0" encoding="utf-8"?>
+<p:sld xmlns:a="http://schemas.openxmlformats.org/drawingml/2006/main" xmlns:r="http://schemas.openxmlformats.org/officeDocument/2006/relationships" xmlns:p="http://schemas.openxmlformats.org/presentationml/2006/main">
+  <p:cSld>
+    <p:spTree>
+      <p:nvGrpSpPr>
+        <p:cNvPr id="1" name=""/>
+        <p:cNvGrpSpPr/>
+        <p:nvPr/>
+      </p:nvGrpSpPr>
+      <p:grpSpPr>
+        <a:xfrm>
+          <a:off x="0" y="0"/>
+          <a:ext cx="0" cy="0"/>
+          <a:chOff x="0" y="0"/>
+          <a:chExt cx="0" cy="0"/>
+        </a:xfrm>
+      </p:grpSpPr>
       <p:sp>
         <p:nvSpPr>
           <p:cNvPr id="2" name="標題 1"/>
@@ -18327,7 +21243,7 @@
 </p:sld>
 </file>
 
-<file path=ppt/slides/slide41.xml><?xml version="1.0" encoding="utf-8"?>
+<file path=ppt/slides/slide43.xml><?xml version="1.0" encoding="utf-8"?>
 <p:sld xmlns:a="http://schemas.openxmlformats.org/drawingml/2006/main" xmlns:r="http://schemas.openxmlformats.org/officeDocument/2006/relationships" xmlns:p="http://schemas.openxmlformats.org/presentationml/2006/main">
   <p:cSld>
     <p:spTree>
@@ -18504,585 +21420,6 @@
 </p:sld>
 </file>
 
-<file path=ppt/slides/slide42.xml><?xml version="1.0" encoding="utf-8"?>
-<p:sld xmlns:a="http://schemas.openxmlformats.org/drawingml/2006/main" xmlns:r="http://schemas.openxmlformats.org/officeDocument/2006/relationships" xmlns:p="http://schemas.openxmlformats.org/presentationml/2006/main">
-  <p:cSld>
-    <p:spTree>
-      <p:nvGrpSpPr>
-        <p:cNvPr id="1" name=""/>
-        <p:cNvGrpSpPr/>
-        <p:nvPr/>
-      </p:nvGrpSpPr>
-      <p:grpSpPr>
-        <a:xfrm>
-          <a:off x="0" y="0"/>
-          <a:ext cx="0" cy="0"/>
-          <a:chOff x="0" y="0"/>
-          <a:chExt cx="0" cy="0"/>
-        </a:xfrm>
-      </p:grpSpPr>
-      <p:sp>
-        <p:nvSpPr>
-          <p:cNvPr id="2" name="標題 1"/>
-          <p:cNvSpPr>
-            <a:spLocks noGrp="1"/>
-          </p:cNvSpPr>
-          <p:nvPr>
-            <p:ph type="title"/>
-          </p:nvPr>
-        </p:nvSpPr>
-        <p:spPr/>
-        <p:txBody>
-          <a:bodyPr/>
-          <a:lstStyle/>
-          <a:p>
-            <a:endParaRPr lang="zh-TW" altLang="en-US"/>
-          </a:p>
-        </p:txBody>
-      </p:sp>
-      <p:sp>
-        <p:nvSpPr>
-          <p:cNvPr id="3" name="內容版面配置區 2"/>
-          <p:cNvSpPr>
-            <a:spLocks noGrp="1"/>
-          </p:cNvSpPr>
-          <p:nvPr>
-            <p:ph idx="1"/>
-          </p:nvPr>
-        </p:nvSpPr>
-        <p:spPr/>
-        <p:txBody>
-          <a:bodyPr/>
-          <a:lstStyle/>
-          <a:p>
-            <a:endParaRPr lang="zh-TW" altLang="en-US"/>
-          </a:p>
-        </p:txBody>
-      </p:sp>
-    </p:spTree>
-    <p:extLst>
-      <p:ext uri="{BB962C8B-B14F-4D97-AF65-F5344CB8AC3E}">
-        <p14:creationId xmlns:p14="http://schemas.microsoft.com/office/powerpoint/2010/main" val="4138365025"/>
-      </p:ext>
-    </p:extLst>
-  </p:cSld>
-  <p:clrMapOvr>
-    <a:masterClrMapping/>
-  </p:clrMapOvr>
-  <p:timing>
-    <p:tnLst>
-      <p:par>
-        <p:cTn id="1" dur="indefinite" restart="never" nodeType="tmRoot"/>
-      </p:par>
-    </p:tnLst>
-  </p:timing>
-</p:sld>
-</file>
-
-<file path=ppt/slides/slide43.xml><?xml version="1.0" encoding="utf-8"?>
-<p:sld xmlns:a="http://schemas.openxmlformats.org/drawingml/2006/main" xmlns:r="http://schemas.openxmlformats.org/officeDocument/2006/relationships" xmlns:p="http://schemas.openxmlformats.org/presentationml/2006/main">
-  <p:cSld>
-    <p:spTree>
-      <p:nvGrpSpPr>
-        <p:cNvPr id="1" name=""/>
-        <p:cNvGrpSpPr/>
-        <p:nvPr/>
-      </p:nvGrpSpPr>
-      <p:grpSpPr>
-        <a:xfrm>
-          <a:off x="0" y="0"/>
-          <a:ext cx="0" cy="0"/>
-          <a:chOff x="0" y="0"/>
-          <a:chExt cx="0" cy="0"/>
-        </a:xfrm>
-      </p:grpSpPr>
-      <p:pic>
-        <p:nvPicPr>
-          <p:cNvPr id="1026" name="Picture 2" descr="「docker image layer」的圖片搜尋結果"/>
-          <p:cNvPicPr>
-            <a:picLocks noChangeAspect="1" noChangeArrowheads="1"/>
-          </p:cNvPicPr>
-          <p:nvPr/>
-        </p:nvPicPr>
-        <p:blipFill>
-          <a:blip r:embed="rId2">
-            <a:extLst>
-              <a:ext uri="{28A0092B-C50C-407E-A947-70E740481C1C}">
-                <a14:useLocalDpi xmlns:a14="http://schemas.microsoft.com/office/drawing/2010/main" val="0"/>
-              </a:ext>
-            </a:extLst>
-          </a:blip>
-          <a:srcRect/>
-          <a:stretch>
-            <a:fillRect/>
-          </a:stretch>
-        </p:blipFill>
-        <p:spPr bwMode="auto">
-          <a:xfrm>
-            <a:off x="2812511" y="446385"/>
-            <a:ext cx="8298312" cy="5765791"/>
-          </a:xfrm>
-          <a:prstGeom prst="rect">
-            <a:avLst/>
-          </a:prstGeom>
-          <a:noFill/>
-          <a:extLst>
-            <a:ext uri="{909E8E84-426E-40DD-AFC4-6F175D3DCCD1}">
-              <a14:hiddenFill xmlns:a14="http://schemas.microsoft.com/office/drawing/2010/main">
-                <a:solidFill>
-                  <a:srgbClr val="FFFFFF"/>
-                </a:solidFill>
-              </a14:hiddenFill>
-            </a:ext>
-          </a:extLst>
-        </p:spPr>
-      </p:pic>
-      <p:sp>
-        <p:nvSpPr>
-          <p:cNvPr id="4" name="文字方塊 3"/>
-          <p:cNvSpPr txBox="1"/>
-          <p:nvPr/>
-        </p:nvSpPr>
-        <p:spPr>
-          <a:xfrm>
-            <a:off x="3381554" y="5842844"/>
-            <a:ext cx="4938275" cy="369332"/>
-          </a:xfrm>
-          <a:prstGeom prst="rect">
-            <a:avLst/>
-          </a:prstGeom>
-          <a:solidFill>
-            <a:schemeClr val="bg1"/>
-          </a:solidFill>
-        </p:spPr>
-        <p:txBody>
-          <a:bodyPr wrap="none" rtlCol="0">
-            <a:spAutoFit/>
-          </a:bodyPr>
-          <a:lstStyle/>
-          <a:p>
-            <a:r>
-              <a:rPr lang="en-US" altLang="zh-TW" dirty="0" smtClean="0"/>
-              <a:t>Based on windows server core with ASP.NET image</a:t>
-            </a:r>
-            <a:endParaRPr lang="zh-TW" altLang="en-US" dirty="0"/>
-          </a:p>
-        </p:txBody>
-      </p:sp>
-      <p:sp>
-        <p:nvSpPr>
-          <p:cNvPr id="5" name="文字方塊 4"/>
-          <p:cNvSpPr txBox="1"/>
-          <p:nvPr/>
-        </p:nvSpPr>
-        <p:spPr>
-          <a:xfrm>
-            <a:off x="4468482" y="4934310"/>
-            <a:ext cx="2219005" cy="369332"/>
-          </a:xfrm>
-          <a:prstGeom prst="rect">
-            <a:avLst/>
-          </a:prstGeom>
-          <a:solidFill>
-            <a:schemeClr val="bg1">
-              <a:lumMod val="95000"/>
-            </a:schemeClr>
-          </a:solidFill>
-        </p:spPr>
-        <p:txBody>
-          <a:bodyPr wrap="none" rtlCol="0">
-            <a:spAutoFit/>
-          </a:bodyPr>
-          <a:lstStyle/>
-          <a:p>
-            <a:r>
-              <a:rPr lang="en-US" altLang="zh-TW" dirty="0" smtClean="0"/>
-              <a:t>Windows server 2016</a:t>
-            </a:r>
-            <a:endParaRPr lang="zh-TW" altLang="en-US" dirty="0"/>
-          </a:p>
-        </p:txBody>
-      </p:sp>
-    </p:spTree>
-    <p:extLst>
-      <p:ext uri="{BB962C8B-B14F-4D97-AF65-F5344CB8AC3E}">
-        <p14:creationId xmlns:p14="http://schemas.microsoft.com/office/powerpoint/2010/main" val="722136092"/>
-      </p:ext>
-    </p:extLst>
-  </p:cSld>
-  <p:clrMapOvr>
-    <a:masterClrMapping/>
-  </p:clrMapOvr>
-  <p:timing>
-    <p:tnLst>
-      <p:par>
-        <p:cTn id="1" dur="indefinite" restart="never" nodeType="tmRoot"/>
-      </p:par>
-    </p:tnLst>
-  </p:timing>
-</p:sld>
-</file>
-
-<file path=ppt/slides/slide44.xml><?xml version="1.0" encoding="utf-8"?>
-<p:sld xmlns:a="http://schemas.openxmlformats.org/drawingml/2006/main" xmlns:r="http://schemas.openxmlformats.org/officeDocument/2006/relationships" xmlns:p="http://schemas.openxmlformats.org/presentationml/2006/main">
-  <p:cSld>
-    <p:spTree>
-      <p:nvGrpSpPr>
-        <p:cNvPr id="1" name=""/>
-        <p:cNvGrpSpPr/>
-        <p:nvPr/>
-      </p:nvGrpSpPr>
-      <p:grpSpPr>
-        <a:xfrm>
-          <a:off x="0" y="0"/>
-          <a:ext cx="0" cy="0"/>
-          <a:chOff x="0" y="0"/>
-          <a:chExt cx="0" cy="0"/>
-        </a:xfrm>
-      </p:grpSpPr>
-      <p:sp>
-        <p:nvSpPr>
-          <p:cNvPr id="2" name="標題 1"/>
-          <p:cNvSpPr>
-            <a:spLocks noGrp="1"/>
-          </p:cNvSpPr>
-          <p:nvPr>
-            <p:ph type="title"/>
-          </p:nvPr>
-        </p:nvSpPr>
-        <p:spPr/>
-        <p:txBody>
-          <a:bodyPr/>
-          <a:lstStyle/>
-          <a:p>
-            <a:endParaRPr lang="en-US"/>
-          </a:p>
-        </p:txBody>
-      </p:sp>
-      <p:sp>
-        <p:nvSpPr>
-          <p:cNvPr id="4" name="文字方塊 3"/>
-          <p:cNvSpPr txBox="1"/>
-          <p:nvPr/>
-        </p:nvSpPr>
-        <p:spPr>
-          <a:xfrm>
-            <a:off x="201168" y="6528816"/>
-            <a:ext cx="7199279" cy="369332"/>
-          </a:xfrm>
-          <a:prstGeom prst="rect">
-            <a:avLst/>
-          </a:prstGeom>
-          <a:noFill/>
-        </p:spPr>
-        <p:txBody>
-          <a:bodyPr wrap="none" rtlCol="0">
-            <a:spAutoFit/>
-          </a:bodyPr>
-          <a:lstStyle/>
-          <a:p>
-            <a:r>
-              <a:rPr lang="en-US" dirty="0"/>
-              <a:t>https://stefanscherer.github.io/keep-your-windows-containers-up-to-date/</a:t>
-            </a:r>
-          </a:p>
-        </p:txBody>
-      </p:sp>
-      <p:sp>
-        <p:nvSpPr>
-          <p:cNvPr id="5" name="內容版面配置區 4"/>
-          <p:cNvSpPr>
-            <a:spLocks noGrp="1"/>
-          </p:cNvSpPr>
-          <p:nvPr>
-            <p:ph idx="1"/>
-          </p:nvPr>
-        </p:nvSpPr>
-        <p:spPr/>
-        <p:txBody>
-          <a:bodyPr/>
-          <a:lstStyle/>
-          <a:p>
-            <a:endParaRPr lang="en-US"/>
-          </a:p>
-        </p:txBody>
-      </p:sp>
-      <p:pic>
-        <p:nvPicPr>
-          <p:cNvPr id="6" name="圖片 5"/>
-          <p:cNvPicPr>
-            <a:picLocks noChangeAspect="1"/>
-          </p:cNvPicPr>
-          <p:nvPr/>
-        </p:nvPicPr>
-        <p:blipFill>
-          <a:blip r:embed="rId2"/>
-          <a:stretch>
-            <a:fillRect/>
-          </a:stretch>
-        </p:blipFill>
-        <p:spPr>
-          <a:xfrm>
-            <a:off x="838201" y="303425"/>
-            <a:ext cx="10515598" cy="6251150"/>
-          </a:xfrm>
-          <a:prstGeom prst="rect">
-            <a:avLst/>
-          </a:prstGeom>
-        </p:spPr>
-      </p:pic>
-    </p:spTree>
-    <p:extLst>
-      <p:ext uri="{BB962C8B-B14F-4D97-AF65-F5344CB8AC3E}">
-        <p14:creationId xmlns:p14="http://schemas.microsoft.com/office/powerpoint/2010/main" val="1741816862"/>
-      </p:ext>
-    </p:extLst>
-  </p:cSld>
-  <p:clrMapOvr>
-    <a:masterClrMapping/>
-  </p:clrMapOvr>
-  <p:timing>
-    <p:tnLst>
-      <p:par>
-        <p:cTn id="1" dur="indefinite" restart="never" nodeType="tmRoot"/>
-      </p:par>
-    </p:tnLst>
-  </p:timing>
-</p:sld>
-</file>
-
-<file path=ppt/slides/slide45.xml><?xml version="1.0" encoding="utf-8"?>
-<p:sld xmlns:a="http://schemas.openxmlformats.org/drawingml/2006/main" xmlns:r="http://schemas.openxmlformats.org/officeDocument/2006/relationships" xmlns:p="http://schemas.openxmlformats.org/presentationml/2006/main">
-  <p:cSld>
-    <p:spTree>
-      <p:nvGrpSpPr>
-        <p:cNvPr id="1" name=""/>
-        <p:cNvGrpSpPr/>
-        <p:nvPr/>
-      </p:nvGrpSpPr>
-      <p:grpSpPr>
-        <a:xfrm>
-          <a:off x="0" y="0"/>
-          <a:ext cx="0" cy="0"/>
-          <a:chOff x="0" y="0"/>
-          <a:chExt cx="0" cy="0"/>
-        </a:xfrm>
-      </p:grpSpPr>
-      <p:sp>
-        <p:nvSpPr>
-          <p:cNvPr id="2" name="標題 1"/>
-          <p:cNvSpPr>
-            <a:spLocks noGrp="1"/>
-          </p:cNvSpPr>
-          <p:nvPr>
-            <p:ph type="title"/>
-          </p:nvPr>
-        </p:nvSpPr>
-        <p:spPr/>
-        <p:txBody>
-          <a:bodyPr/>
-          <a:lstStyle/>
-          <a:p>
-            <a:endParaRPr lang="zh-TW" altLang="en-US"/>
-          </a:p>
-        </p:txBody>
-      </p:sp>
-      <p:sp>
-        <p:nvSpPr>
-          <p:cNvPr id="3" name="內容版面配置區 2"/>
-          <p:cNvSpPr>
-            <a:spLocks noGrp="1"/>
-          </p:cNvSpPr>
-          <p:nvPr>
-            <p:ph idx="1"/>
-          </p:nvPr>
-        </p:nvSpPr>
-        <p:spPr/>
-        <p:txBody>
-          <a:bodyPr/>
-          <a:lstStyle/>
-          <a:p>
-            <a:endParaRPr lang="zh-TW" altLang="en-US"/>
-          </a:p>
-        </p:txBody>
-      </p:sp>
-      <p:pic>
-        <p:nvPicPr>
-          <p:cNvPr id="1026" name="Picture 2" descr="相關圖片"/>
-          <p:cNvPicPr>
-            <a:picLocks noChangeAspect="1" noChangeArrowheads="1"/>
-          </p:cNvPicPr>
-          <p:nvPr/>
-        </p:nvPicPr>
-        <p:blipFill>
-          <a:blip r:embed="rId2">
-            <a:extLst>
-              <a:ext uri="{28A0092B-C50C-407E-A947-70E740481C1C}">
-                <a14:useLocalDpi xmlns:a14="http://schemas.microsoft.com/office/drawing/2010/main" val="0"/>
-              </a:ext>
-            </a:extLst>
-          </a:blip>
-          <a:srcRect/>
-          <a:stretch>
-            <a:fillRect/>
-          </a:stretch>
-        </p:blipFill>
-        <p:spPr bwMode="auto">
-          <a:xfrm>
-            <a:off x="499958" y="961901"/>
-            <a:ext cx="11233249" cy="5062043"/>
-          </a:xfrm>
-          <a:prstGeom prst="rect">
-            <a:avLst/>
-          </a:prstGeom>
-          <a:noFill/>
-          <a:extLst>
-            <a:ext uri="{909E8E84-426E-40DD-AFC4-6F175D3DCCD1}">
-              <a14:hiddenFill xmlns:a14="http://schemas.microsoft.com/office/drawing/2010/main">
-                <a:solidFill>
-                  <a:srgbClr val="FFFFFF"/>
-                </a:solidFill>
-              </a14:hiddenFill>
-            </a:ext>
-          </a:extLst>
-        </p:spPr>
-      </p:pic>
-    </p:spTree>
-    <p:extLst>
-      <p:ext uri="{BB962C8B-B14F-4D97-AF65-F5344CB8AC3E}">
-        <p14:creationId xmlns:p14="http://schemas.microsoft.com/office/powerpoint/2010/main" val="2872297786"/>
-      </p:ext>
-    </p:extLst>
-  </p:cSld>
-  <p:clrMapOvr>
-    <a:masterClrMapping/>
-  </p:clrMapOvr>
-  <p:timing>
-    <p:tnLst>
-      <p:par>
-        <p:cTn id="1" dur="indefinite" restart="never" nodeType="tmRoot"/>
-      </p:par>
-    </p:tnLst>
-  </p:timing>
-</p:sld>
-</file>
-
-<file path=ppt/slides/slide46.xml><?xml version="1.0" encoding="utf-8"?>
-<p:sld xmlns:a="http://schemas.openxmlformats.org/drawingml/2006/main" xmlns:r="http://schemas.openxmlformats.org/officeDocument/2006/relationships" xmlns:p="http://schemas.openxmlformats.org/presentationml/2006/main">
-  <p:cSld>
-    <p:spTree>
-      <p:nvGrpSpPr>
-        <p:cNvPr id="1" name=""/>
-        <p:cNvGrpSpPr/>
-        <p:nvPr/>
-      </p:nvGrpSpPr>
-      <p:grpSpPr>
-        <a:xfrm>
-          <a:off x="0" y="0"/>
-          <a:ext cx="0" cy="0"/>
-          <a:chOff x="0" y="0"/>
-          <a:chExt cx="0" cy="0"/>
-        </a:xfrm>
-      </p:grpSpPr>
-      <p:sp>
-        <p:nvSpPr>
-          <p:cNvPr id="2" name="標題 1"/>
-          <p:cNvSpPr>
-            <a:spLocks noGrp="1"/>
-          </p:cNvSpPr>
-          <p:nvPr>
-            <p:ph type="title"/>
-          </p:nvPr>
-        </p:nvSpPr>
-        <p:spPr/>
-        <p:txBody>
-          <a:bodyPr/>
-          <a:lstStyle/>
-          <a:p>
-            <a:endParaRPr lang="zh-TW" altLang="en-US"/>
-          </a:p>
-        </p:txBody>
-      </p:sp>
-      <p:sp>
-        <p:nvSpPr>
-          <p:cNvPr id="3" name="內容版面配置區 2"/>
-          <p:cNvSpPr>
-            <a:spLocks noGrp="1"/>
-          </p:cNvSpPr>
-          <p:nvPr>
-            <p:ph idx="1"/>
-          </p:nvPr>
-        </p:nvSpPr>
-        <p:spPr/>
-        <p:txBody>
-          <a:bodyPr/>
-          <a:lstStyle/>
-          <a:p>
-            <a:endParaRPr lang="zh-TW" altLang="en-US"/>
-          </a:p>
-        </p:txBody>
-      </p:sp>
-      <p:pic>
-        <p:nvPicPr>
-          <p:cNvPr id="3074" name="Picture 2" descr="相關圖片"/>
-          <p:cNvPicPr>
-            <a:picLocks noChangeAspect="1" noChangeArrowheads="1"/>
-          </p:cNvPicPr>
-          <p:nvPr/>
-        </p:nvPicPr>
-        <p:blipFill>
-          <a:blip r:embed="rId2">
-            <a:extLst>
-              <a:ext uri="{28A0092B-C50C-407E-A947-70E740481C1C}">
-                <a14:useLocalDpi xmlns:a14="http://schemas.microsoft.com/office/drawing/2010/main" val="0"/>
-              </a:ext>
-            </a:extLst>
-          </a:blip>
-          <a:srcRect/>
-          <a:stretch>
-            <a:fillRect/>
-          </a:stretch>
-        </p:blipFill>
-        <p:spPr bwMode="auto">
-          <a:xfrm>
-            <a:off x="0" y="0"/>
-            <a:ext cx="12192000" cy="6860388"/>
-          </a:xfrm>
-          <a:prstGeom prst="rect">
-            <a:avLst/>
-          </a:prstGeom>
-          <a:noFill/>
-          <a:extLst>
-            <a:ext uri="{909E8E84-426E-40DD-AFC4-6F175D3DCCD1}">
-              <a14:hiddenFill xmlns:a14="http://schemas.microsoft.com/office/drawing/2010/main">
-                <a:solidFill>
-                  <a:srgbClr val="FFFFFF"/>
-                </a:solidFill>
-              </a14:hiddenFill>
-            </a:ext>
-          </a:extLst>
-        </p:spPr>
-      </p:pic>
-    </p:spTree>
-    <p:extLst>
-      <p:ext uri="{BB962C8B-B14F-4D97-AF65-F5344CB8AC3E}">
-        <p14:creationId xmlns:p14="http://schemas.microsoft.com/office/powerpoint/2010/main" val="3356235984"/>
-      </p:ext>
-    </p:extLst>
-  </p:cSld>
-  <p:clrMapOvr>
-    <a:masterClrMapping/>
-  </p:clrMapOvr>
-  <p:timing>
-    <p:tnLst>
-      <p:par>
-        <p:cTn id="1" dur="indefinite" restart="never" nodeType="tmRoot"/>
-      </p:par>
-    </p:tnLst>
-  </p:timing>
-</p:sld>
-</file>
-
 <file path=ppt/slides/slide5.xml><?xml version="1.0" encoding="utf-8"?>
 <p:sld xmlns:a="http://schemas.openxmlformats.org/drawingml/2006/main" xmlns:r="http://schemas.openxmlformats.org/officeDocument/2006/relationships" xmlns:p="http://schemas.openxmlformats.org/presentationml/2006/main">
   <p:cSld>
@@ -19140,7 +21477,7 @@
         <p:spPr/>
         <p:txBody>
           <a:bodyPr>
-            <a:normAutofit/>
+            <a:normAutofit fontScale="92500" lnSpcReduction="20000"/>
           </a:bodyPr>
           <a:lstStyle/>
           <a:p>
@@ -19200,7 +21537,15 @@
             </a:r>
             <a:r>
               <a:rPr lang="zh-TW" altLang="en-US" sz="3200" dirty="0" smtClean="0"/>
-              <a:t> 的建置測試環境</a:t>
+              <a:t> 的</a:t>
+            </a:r>
+            <a:r>
+              <a:rPr lang="zh-TW" altLang="en-US" sz="3200" dirty="0" smtClean="0"/>
+              <a:t>建置本機測試</a:t>
+            </a:r>
+            <a:r>
+              <a:rPr lang="zh-TW" altLang="en-US" sz="3200" dirty="0" smtClean="0"/>
+              <a:t>環境</a:t>
             </a:r>
             <a:r>
               <a:rPr lang="en-US" altLang="zh-TW" sz="3200" dirty="0" smtClean="0"/>
@@ -19234,12 +21579,17 @@
             </a:r>
             <a:r>
               <a:rPr lang="zh-TW" altLang="en-US" sz="3200" dirty="0" smtClean="0"/>
-              <a:t> 的部署到正式環境</a:t>
+              <a:t> 的</a:t>
+            </a:r>
+            <a:r>
+              <a:rPr lang="zh-TW" altLang="en-US" sz="3200" dirty="0" smtClean="0"/>
+              <a:t>部署及更新</a:t>
             </a:r>
             <a:r>
               <a:rPr lang="en-US" altLang="zh-TW" sz="3200" dirty="0" smtClean="0"/>
               <a:t>?</a:t>
             </a:r>
+            <a:endParaRPr lang="en-US" altLang="zh-TW" sz="3200" dirty="0" smtClean="0"/>
           </a:p>
           <a:p>
             <a:pPr marL="514350" indent="-514350">
@@ -19248,37 +21598,12 @@
             </a:pPr>
             <a:r>
               <a:rPr lang="zh-TW" altLang="en-US" sz="3200" dirty="0" smtClean="0"/>
-              <a:t>我該將 </a:t>
-            </a:r>
-            <a:r>
-              <a:rPr lang="en-US" altLang="zh-TW" sz="3200" dirty="0" smtClean="0"/>
-              <a:t>Worker </a:t>
-            </a:r>
-            <a:r>
-              <a:rPr lang="zh-TW" altLang="en-US" sz="3200" dirty="0" smtClean="0"/>
-              <a:t>開發成 </a:t>
-            </a:r>
-            <a:r>
-              <a:rPr lang="en-US" altLang="zh-TW" sz="3200" dirty="0" smtClean="0"/>
-              <a:t>Windows</a:t>
-            </a:r>
-            <a:r>
-              <a:rPr lang="zh-TW" altLang="en-US" sz="3200" dirty="0" smtClean="0"/>
-              <a:t> </a:t>
-            </a:r>
-            <a:r>
-              <a:rPr lang="en-US" altLang="zh-TW" sz="3200" dirty="0" smtClean="0"/>
-              <a:t>Service</a:t>
-            </a:r>
-            <a:r>
-              <a:rPr lang="zh-TW" altLang="en-US" sz="3200" dirty="0" smtClean="0"/>
-              <a:t> 嗎</a:t>
+              <a:t>實際執行的規模，會影響我的開發架構嗎</a:t>
             </a:r>
             <a:r>
               <a:rPr lang="en-US" altLang="zh-TW" sz="3200" dirty="0" smtClean="0"/>
               <a:t>?</a:t>
             </a:r>
-            <a:endParaRPr lang="en-US" altLang="zh-TW" sz="3200" dirty="0"/>
           </a:p>
           <a:p>
             <a:pPr marL="514350" indent="-514350">
@@ -19287,12 +21612,41 @@
             </a:pPr>
             <a:r>
               <a:rPr lang="zh-TW" altLang="en-US" sz="3200" dirty="0" smtClean="0"/>
-              <a:t>我該怎麼處理 </a:t>
+              <a:t>我</a:t>
+            </a:r>
+            <a:r>
+              <a:rPr lang="zh-TW" altLang="en-US" sz="3200" dirty="0" smtClean="0"/>
+              <a:t>該將 </a:t>
             </a:r>
             <a:r>
               <a:rPr lang="en-US" altLang="zh-TW" sz="3200" dirty="0" smtClean="0"/>
-              <a:t>Logs?</a:t>
-            </a:r>
+              <a:t>Worker </a:t>
+            </a:r>
+            <a:r>
+              <a:rPr lang="zh-TW" altLang="en-US" sz="3200" dirty="0" smtClean="0"/>
+              <a:t>開發成 </a:t>
+            </a:r>
+            <a:r>
+              <a:rPr lang="en-US" altLang="zh-TW" sz="3200" dirty="0" smtClean="0"/>
+              <a:t>Windows</a:t>
+            </a:r>
+            <a:r>
+              <a:rPr lang="zh-TW" altLang="en-US" sz="3200" dirty="0" smtClean="0"/>
+              <a:t> </a:t>
+            </a:r>
+            <a:r>
+              <a:rPr lang="en-US" altLang="zh-TW" sz="3200" dirty="0" smtClean="0"/>
+              <a:t>Service</a:t>
+            </a:r>
+            <a:r>
+              <a:rPr lang="zh-TW" altLang="en-US" sz="3200" dirty="0" smtClean="0"/>
+              <a:t> 嗎</a:t>
+            </a:r>
+            <a:r>
+              <a:rPr lang="en-US" altLang="zh-TW" sz="3200" dirty="0" smtClean="0"/>
+              <a:t>?</a:t>
+            </a:r>
+            <a:endParaRPr lang="en-US" altLang="zh-TW" sz="3200" dirty="0"/>
           </a:p>
           <a:p>
             <a:pPr marL="514350" indent="-514350">
@@ -19301,18 +21655,14 @@
             </a:pPr>
             <a:r>
               <a:rPr lang="zh-TW" altLang="en-US" sz="3200" dirty="0" smtClean="0"/>
-              <a:t>我該怎麼處理</a:t>
-            </a:r>
-            <a:r>
-              <a:rPr lang="zh-TW" altLang="en-US" sz="3200" dirty="0"/>
-              <a:t> </a:t>
+              <a:t>我該怎麼處理 </a:t>
             </a:r>
             <a:r>
               <a:rPr lang="en-US" altLang="zh-TW" sz="3200" dirty="0" smtClean="0"/>
               <a:t>Load</a:t>
             </a:r>
             <a:r>
-              <a:rPr lang="zh-TW" altLang="en-US" sz="3200" dirty="0"/>
+              <a:rPr lang="zh-TW" altLang="en-US" sz="3200" dirty="0" smtClean="0"/>
               <a:t> </a:t>
             </a:r>
             <a:r>
@@ -19324,9 +21674,44 @@
               <a:t> 的問題</a:t>
             </a:r>
             <a:r>
-              <a:rPr lang="en-US" altLang="zh-TW" sz="3200" dirty="0"/>
+              <a:rPr lang="en-US" altLang="zh-TW" sz="3200" dirty="0" smtClean="0"/>
               <a:t>?</a:t>
             </a:r>
+          </a:p>
+          <a:p>
+            <a:pPr marL="514350" indent="-514350">
+              <a:buFont typeface="+mj-lt"/>
+              <a:buAutoNum type="arabicPeriod"/>
+            </a:pPr>
+            <a:r>
+              <a:rPr lang="zh-TW" altLang="en-US" sz="3200" dirty="0" smtClean="0"/>
+              <a:t>我</a:t>
+            </a:r>
+            <a:r>
+              <a:rPr lang="zh-TW" altLang="en-US" sz="3200" dirty="0" smtClean="0"/>
+              <a:t>該怎麼處理 </a:t>
+            </a:r>
+            <a:r>
+              <a:rPr lang="en-US" altLang="zh-TW" sz="3200" dirty="0" smtClean="0"/>
+              <a:t>Logs?</a:t>
+            </a:r>
+          </a:p>
+          <a:p>
+            <a:pPr marL="514350" indent="-514350">
+              <a:buFont typeface="+mj-lt"/>
+              <a:buAutoNum type="arabicPeriod"/>
+            </a:pPr>
+            <a:r>
+              <a:rPr lang="en-US" altLang="zh-TW" sz="3200" dirty="0" smtClean="0"/>
+              <a:t>…</a:t>
+            </a:r>
+            <a:endParaRPr lang="en-US" altLang="zh-TW" sz="3200" dirty="0" smtClean="0"/>
+          </a:p>
+          <a:p>
+            <a:pPr marL="514350" indent="-514350">
+              <a:buFont typeface="+mj-lt"/>
+              <a:buAutoNum type="arabicPeriod"/>
+            </a:pPr>
             <a:endParaRPr lang="en-US" altLang="zh-TW" sz="3200" dirty="0" smtClean="0"/>
           </a:p>
         </p:txBody>
@@ -19507,11 +21892,11 @@
   <p:clrMapOvr>
     <a:masterClrMapping/>
   </p:clrMapOvr>
-  <mc:AlternateContent xmlns:mc="http://schemas.openxmlformats.org/markup-compatibility/2006">
-    <mc:Choice xmlns:p14="http://schemas.microsoft.com/office/powerpoint/2010/main" Requires="p14">
+  <mc:AlternateContent xmlns:mc="http://schemas.openxmlformats.org/markup-compatibility/2006" xmlns:p14="http://schemas.microsoft.com/office/powerpoint/2010/main">
+    <mc:Choice Requires="p14">
       <p:transition spd="slow" p14:dur="2000"/>
     </mc:Choice>
-    <mc:Fallback>
+    <mc:Fallback xmlns="">
       <p:transition spd="slow"/>
     </mc:Fallback>
   </mc:AlternateContent>
@@ -19563,11 +21948,7 @@
             </a:r>
             <a:r>
               <a:rPr lang="zh-TW" altLang="en-US" dirty="0" smtClean="0"/>
-              <a:t>容器</a:t>
-            </a:r>
-            <a:r>
-              <a:rPr lang="zh-TW" altLang="en-US" dirty="0" smtClean="0"/>
-              <a:t>化的</a:t>
+              <a:t>容器化的</a:t>
             </a:r>
             <a:r>
               <a:rPr lang="zh-TW" altLang="en-US" dirty="0"/>
@@ -19748,7 +22129,19 @@
           <a:p>
             <a:r>
               <a:rPr lang="en-US" altLang="zh-TW" dirty="0" smtClean="0"/>
-              <a:t>Virtual Machine</a:t>
+              <a:t>Virtual </a:t>
+            </a:r>
+            <a:r>
+              <a:rPr lang="en-US" altLang="zh-TW" dirty="0" smtClean="0"/>
+              <a:t>Machine (Manual or </a:t>
+            </a:r>
+            <a:r>
+              <a:rPr lang="en-US" altLang="zh-TW" dirty="0" err="1" smtClean="0"/>
+              <a:t>powershell</a:t>
+            </a:r>
+            <a:r>
+              <a:rPr lang="en-US" altLang="zh-TW" dirty="0" smtClean="0"/>
+              <a:t>)</a:t>
             </a:r>
             <a:endParaRPr lang="zh-TW" altLang="en-US" dirty="0"/>
           </a:p>
@@ -20344,6 +22737,324 @@
               <a:solidFill>
                 <a:schemeClr val="bg1"/>
               </a:solidFill>
+            </a:endParaRPr>
+          </a:p>
+        </p:txBody>
+      </p:sp>
+      <p:sp>
+        <p:nvSpPr>
+          <p:cNvPr id="3" name="矩形 2"/>
+          <p:cNvSpPr/>
+          <p:nvPr/>
+        </p:nvSpPr>
+        <p:spPr>
+          <a:xfrm>
+            <a:off x="950027" y="1923802"/>
+            <a:ext cx="4405744" cy="4239492"/>
+          </a:xfrm>
+          <a:prstGeom prst="rect">
+            <a:avLst/>
+          </a:prstGeom>
+          <a:solidFill>
+            <a:schemeClr val="tx1">
+              <a:lumMod val="95000"/>
+              <a:lumOff val="5000"/>
+              <a:alpha val="50000"/>
+            </a:schemeClr>
+          </a:solidFill>
+          <a:ln>
+            <a:noFill/>
+          </a:ln>
+        </p:spPr>
+        <p:style>
+          <a:lnRef idx="0">
+            <a:scrgbClr r="0" g="0" b="0"/>
+          </a:lnRef>
+          <a:fillRef idx="0">
+            <a:scrgbClr r="0" g="0" b="0"/>
+          </a:fillRef>
+          <a:effectRef idx="0">
+            <a:scrgbClr r="0" g="0" b="0"/>
+          </a:effectRef>
+          <a:fontRef idx="minor">
+            <a:schemeClr val="lt1"/>
+          </a:fontRef>
+        </p:style>
+        <p:txBody>
+          <a:bodyPr rtlCol="0" anchor="ctr"/>
+          <a:lstStyle/>
+          <a:p>
+            <a:pPr algn="ctr"/>
+            <a:r>
+              <a:rPr lang="zh-TW" altLang="en-US" sz="2400" dirty="0" smtClean="0">
+                <a:latin typeface="+mj-ea"/>
+                <a:ea typeface="+mj-ea"/>
+              </a:rPr>
+              <a:t>執行速度慢</a:t>
+            </a:r>
+            <a:endParaRPr lang="en-US" altLang="zh-TW" sz="2400" dirty="0" smtClean="0">
+              <a:latin typeface="+mj-ea"/>
+              <a:ea typeface="+mj-ea"/>
+            </a:endParaRPr>
+          </a:p>
+          <a:p>
+            <a:pPr algn="ctr"/>
+            <a:r>
+              <a:rPr lang="en-US" altLang="zh-TW" sz="2400" dirty="0" smtClean="0">
+                <a:latin typeface="+mj-ea"/>
+                <a:ea typeface="+mj-ea"/>
+              </a:rPr>
+              <a:t>(</a:t>
+            </a:r>
+            <a:r>
+              <a:rPr lang="zh-TW" altLang="en-US" sz="2400" dirty="0" smtClean="0">
+                <a:latin typeface="+mj-ea"/>
+                <a:ea typeface="+mj-ea"/>
+              </a:rPr>
+              <a:t>分鐘 </a:t>
+            </a:r>
+            <a:r>
+              <a:rPr lang="en-US" altLang="zh-TW" sz="2400" dirty="0" smtClean="0">
+                <a:latin typeface="+mj-ea"/>
+                <a:ea typeface="+mj-ea"/>
+              </a:rPr>
+              <a:t>~</a:t>
+            </a:r>
+            <a:r>
+              <a:rPr lang="zh-TW" altLang="en-US" sz="2400" dirty="0" smtClean="0">
+                <a:latin typeface="+mj-ea"/>
+                <a:ea typeface="+mj-ea"/>
+              </a:rPr>
+              <a:t> 小時等級</a:t>
+            </a:r>
+            <a:r>
+              <a:rPr lang="en-US" altLang="zh-TW" sz="2400" dirty="0" smtClean="0">
+                <a:latin typeface="+mj-ea"/>
+                <a:ea typeface="+mj-ea"/>
+              </a:rPr>
+              <a:t>)</a:t>
+            </a:r>
+          </a:p>
+          <a:p>
+            <a:pPr algn="ctr"/>
+            <a:endParaRPr lang="en-US" altLang="zh-TW" sz="2400" dirty="0" smtClean="0">
+              <a:latin typeface="+mj-ea"/>
+              <a:ea typeface="+mj-ea"/>
+            </a:endParaRPr>
+          </a:p>
+          <a:p>
+            <a:pPr algn="ctr"/>
+            <a:r>
+              <a:rPr lang="zh-TW" altLang="en-US" sz="2400" dirty="0" smtClean="0">
+                <a:latin typeface="+mj-ea"/>
+                <a:ea typeface="+mj-ea"/>
+              </a:rPr>
+              <a:t>難以自動化</a:t>
+            </a:r>
+            <a:endParaRPr lang="en-US" altLang="zh-TW" sz="2400" dirty="0" smtClean="0">
+              <a:latin typeface="+mj-ea"/>
+              <a:ea typeface="+mj-ea"/>
+            </a:endParaRPr>
+          </a:p>
+          <a:p>
+            <a:pPr algn="ctr"/>
+            <a:r>
+              <a:rPr lang="en-US" altLang="zh-TW" sz="2400" dirty="0" smtClean="0">
+                <a:latin typeface="+mj-ea"/>
+                <a:ea typeface="+mj-ea"/>
+              </a:rPr>
+              <a:t>(</a:t>
+            </a:r>
+            <a:r>
+              <a:rPr lang="zh-TW" altLang="en-US" sz="2400" dirty="0" smtClean="0">
+                <a:latin typeface="+mj-ea"/>
+                <a:ea typeface="+mj-ea"/>
+              </a:rPr>
+              <a:t>需要寫複雜的</a:t>
+            </a:r>
+            <a:r>
+              <a:rPr lang="zh-TW" altLang="en-US" sz="2400" dirty="0">
+                <a:latin typeface="+mj-ea"/>
+                <a:ea typeface="+mj-ea"/>
+              </a:rPr>
+              <a:t> </a:t>
+            </a:r>
+            <a:r>
+              <a:rPr lang="en-US" altLang="zh-TW" sz="2400" dirty="0" smtClean="0">
+                <a:latin typeface="+mj-ea"/>
+                <a:ea typeface="+mj-ea"/>
+              </a:rPr>
+              <a:t>script,</a:t>
+            </a:r>
+            <a:r>
+              <a:rPr lang="zh-TW" altLang="en-US" sz="2400" dirty="0" smtClean="0">
+                <a:latin typeface="+mj-ea"/>
+                <a:ea typeface="+mj-ea"/>
+              </a:rPr>
+              <a:t> 或是乾脆人工操作</a:t>
+            </a:r>
+            <a:r>
+              <a:rPr lang="en-US" altLang="zh-TW" sz="2400" dirty="0">
+                <a:latin typeface="+mj-ea"/>
+                <a:ea typeface="+mj-ea"/>
+              </a:rPr>
+              <a:t>)</a:t>
+            </a:r>
+            <a:endParaRPr lang="zh-TW" altLang="en-US" sz="2400" dirty="0">
+              <a:latin typeface="+mj-ea"/>
+              <a:ea typeface="+mj-ea"/>
+            </a:endParaRPr>
+          </a:p>
+        </p:txBody>
+      </p:sp>
+      <p:sp>
+        <p:nvSpPr>
+          <p:cNvPr id="15" name="矩形 14"/>
+          <p:cNvSpPr/>
+          <p:nvPr/>
+        </p:nvSpPr>
+        <p:spPr>
+          <a:xfrm>
+            <a:off x="7137073" y="3633848"/>
+            <a:ext cx="4405744" cy="2529445"/>
+          </a:xfrm>
+          <a:prstGeom prst="rect">
+            <a:avLst/>
+          </a:prstGeom>
+          <a:solidFill>
+            <a:schemeClr val="tx1">
+              <a:lumMod val="95000"/>
+              <a:lumOff val="5000"/>
+              <a:alpha val="50000"/>
+            </a:schemeClr>
+          </a:solidFill>
+          <a:ln>
+            <a:noFill/>
+          </a:ln>
+        </p:spPr>
+        <p:style>
+          <a:lnRef idx="0">
+            <a:scrgbClr r="0" g="0" b="0"/>
+          </a:lnRef>
+          <a:fillRef idx="0">
+            <a:scrgbClr r="0" g="0" b="0"/>
+          </a:fillRef>
+          <a:effectRef idx="0">
+            <a:scrgbClr r="0" g="0" b="0"/>
+          </a:effectRef>
+          <a:fontRef idx="minor">
+            <a:schemeClr val="lt1"/>
+          </a:fontRef>
+        </p:style>
+        <p:txBody>
+          <a:bodyPr rtlCol="0" anchor="ctr"/>
+          <a:lstStyle/>
+          <a:p>
+            <a:pPr algn="ctr"/>
+            <a:r>
+              <a:rPr lang="zh-TW" altLang="en-US" sz="2400" dirty="0" smtClean="0">
+                <a:latin typeface="+mj-ea"/>
+                <a:ea typeface="+mj-ea"/>
+              </a:rPr>
+              <a:t>執行速度快</a:t>
+            </a:r>
+            <a:endParaRPr lang="en-US" altLang="zh-TW" sz="2400" dirty="0" smtClean="0">
+              <a:latin typeface="+mj-ea"/>
+              <a:ea typeface="+mj-ea"/>
+            </a:endParaRPr>
+          </a:p>
+          <a:p>
+            <a:pPr algn="ctr"/>
+            <a:r>
+              <a:rPr lang="en-US" altLang="zh-TW" sz="2400" dirty="0" smtClean="0">
+                <a:latin typeface="+mj-ea"/>
+                <a:ea typeface="+mj-ea"/>
+              </a:rPr>
+              <a:t>(</a:t>
+            </a:r>
+            <a:r>
+              <a:rPr lang="zh-TW" altLang="en-US" sz="2400" dirty="0" smtClean="0">
+                <a:latin typeface="+mj-ea"/>
+                <a:ea typeface="+mj-ea"/>
+              </a:rPr>
+              <a:t>秒 </a:t>
+            </a:r>
+            <a:r>
+              <a:rPr lang="en-US" altLang="zh-TW" sz="2400" dirty="0" smtClean="0">
+                <a:latin typeface="+mj-ea"/>
+                <a:ea typeface="+mj-ea"/>
+              </a:rPr>
+              <a:t>~</a:t>
+            </a:r>
+            <a:r>
+              <a:rPr lang="zh-TW" altLang="en-US" sz="2400" dirty="0" smtClean="0">
+                <a:latin typeface="+mj-ea"/>
+                <a:ea typeface="+mj-ea"/>
+              </a:rPr>
+              <a:t> 分鐘等級</a:t>
+            </a:r>
+            <a:r>
+              <a:rPr lang="en-US" altLang="zh-TW" sz="2400" dirty="0" smtClean="0">
+                <a:latin typeface="+mj-ea"/>
+                <a:ea typeface="+mj-ea"/>
+              </a:rPr>
+              <a:t>)</a:t>
+            </a:r>
+          </a:p>
+          <a:p>
+            <a:pPr algn="ctr"/>
+            <a:endParaRPr lang="en-US" altLang="zh-TW" sz="2400" dirty="0" smtClean="0">
+              <a:latin typeface="+mj-ea"/>
+              <a:ea typeface="+mj-ea"/>
+            </a:endParaRPr>
+          </a:p>
+          <a:p>
+            <a:pPr algn="ctr"/>
+            <a:r>
+              <a:rPr lang="zh-TW" altLang="en-US" sz="2400" dirty="0" smtClean="0">
+                <a:latin typeface="+mj-ea"/>
+                <a:ea typeface="+mj-ea"/>
+              </a:rPr>
+              <a:t>自動化非常容易</a:t>
+            </a:r>
+            <a:endParaRPr lang="en-US" altLang="zh-TW" sz="2400" dirty="0" smtClean="0">
+              <a:latin typeface="+mj-ea"/>
+              <a:ea typeface="+mj-ea"/>
+            </a:endParaRPr>
+          </a:p>
+          <a:p>
+            <a:pPr algn="ctr"/>
+            <a:r>
+              <a:rPr lang="en-US" altLang="zh-TW" sz="2400" dirty="0" smtClean="0">
+                <a:latin typeface="+mj-ea"/>
+                <a:ea typeface="+mj-ea"/>
+              </a:rPr>
+              <a:t>(</a:t>
+            </a:r>
+            <a:r>
+              <a:rPr lang="zh-TW" altLang="en-US" sz="2400" dirty="0" smtClean="0">
+                <a:latin typeface="+mj-ea"/>
+                <a:ea typeface="+mj-ea"/>
+              </a:rPr>
+              <a:t>定義 </a:t>
+            </a:r>
+            <a:r>
+              <a:rPr lang="en-US" altLang="zh-TW" sz="2400" dirty="0" err="1" smtClean="0">
+                <a:latin typeface="+mj-ea"/>
+                <a:ea typeface="+mj-ea"/>
+              </a:rPr>
+              <a:t>dockerfile</a:t>
+            </a:r>
+            <a:r>
+              <a:rPr lang="en-US" altLang="zh-TW" sz="2400" dirty="0" smtClean="0">
+                <a:latin typeface="+mj-ea"/>
+                <a:ea typeface="+mj-ea"/>
+              </a:rPr>
+              <a:t>)</a:t>
+            </a:r>
+            <a:endParaRPr lang="zh-TW" altLang="en-US" sz="2400" dirty="0">
+              <a:latin typeface="+mj-ea"/>
+              <a:ea typeface="+mj-ea"/>
             </a:endParaRPr>
           </a:p>
         </p:txBody>
@@ -20604,7 +23315,7 @@
                                           </p:stCondLst>
                                         </p:cTn>
                                         <p:tgtEl>
-                                          <p:spTgt spid="9"/>
+                                          <p:spTgt spid="14"/>
                                         </p:tgtEl>
                                         <p:attrNameLst>
                                           <p:attrName>style.visibility</p:attrName>
@@ -20618,7 +23329,7 @@
                                       <p:cBhvr>
                                         <p:cTn id="27" dur="500"/>
                                         <p:tgtEl>
-                                          <p:spTgt spid="9"/>
+                                          <p:spTgt spid="14"/>
                                         </p:tgtEl>
                                       </p:cBhvr>
                                     </p:animEffect>
@@ -20657,7 +23368,7 @@
                                           </p:stCondLst>
                                         </p:cTn>
                                         <p:tgtEl>
-                                          <p:spTgt spid="10"/>
+                                          <p:spTgt spid="9"/>
                                         </p:tgtEl>
                                         <p:attrNameLst>
                                           <p:attrName>style.visibility</p:attrName>
@@ -20671,7 +23382,7 @@
                                       <p:cBhvr>
                                         <p:cTn id="32" dur="500"/>
                                         <p:tgtEl>
-                                          <p:spTgt spid="10"/>
+                                          <p:spTgt spid="9"/>
                                         </p:tgtEl>
                                       </p:cBhvr>
                                     </p:animEffect>
@@ -20710,7 +23421,7 @@
                                           </p:stCondLst>
                                         </p:cTn>
                                         <p:tgtEl>
-                                          <p:spTgt spid="12"/>
+                                          <p:spTgt spid="10"/>
                                         </p:tgtEl>
                                         <p:attrNameLst>
                                           <p:attrName>style.visibility</p:attrName>
@@ -20724,7 +23435,166 @@
                                       <p:cBhvr>
                                         <p:cTn id="37" dur="500"/>
                                         <p:tgtEl>
+                                          <p:spTgt spid="10"/>
+                                        </p:tgtEl>
+                                      </p:cBhvr>
+                                    </p:animEffect>
+                                  </p:childTnLst>
+                                </p:cTn>
+                              </p:par>
+                            </p:childTnLst>
+                          </p:cTn>
+                        </p:par>
+                      </p:childTnLst>
+                    </p:cTn>
+                  </p:par>
+                  <p:par>
+                    <p:cTn id="38" fill="hold">
+                      <p:stCondLst>
+                        <p:cond delay="indefinite"/>
+                      </p:stCondLst>
+                      <p:childTnLst>
+                        <p:par>
+                          <p:cTn id="39" fill="hold">
+                            <p:stCondLst>
+                              <p:cond delay="0"/>
+                            </p:stCondLst>
+                            <p:childTnLst>
+                              <p:par>
+                                <p:cTn id="40" presetID="10" presetClass="entr" presetSubtype="0" fill="hold" grpId="0" nodeType="clickEffect">
+                                  <p:stCondLst>
+                                    <p:cond delay="0"/>
+                                  </p:stCondLst>
+                                  <p:childTnLst>
+                                    <p:set>
+                                      <p:cBhvr>
+                                        <p:cTn id="41" dur="1" fill="hold">
+                                          <p:stCondLst>
+                                            <p:cond delay="0"/>
+                                          </p:stCondLst>
+                                        </p:cTn>
+                                        <p:tgtEl>
                                           <p:spTgt spid="12"/>
+                                        </p:tgtEl>
+                                        <p:attrNameLst>
+                                          <p:attrName>style.visibility</p:attrName>
+                                        </p:attrNameLst>
+                                      </p:cBhvr>
+                                      <p:to>
+                                        <p:strVal val="visible"/>
+                                      </p:to>
+                                    </p:set>
+                                    <p:animEffect transition="in" filter="fade">
+                                      <p:cBhvr>
+                                        <p:cTn id="42" dur="500"/>
+                                        <p:tgtEl>
+                                          <p:spTgt spid="12"/>
+                                        </p:tgtEl>
+                                      </p:cBhvr>
+                                    </p:animEffect>
+                                  </p:childTnLst>
+                                </p:cTn>
+                              </p:par>
+                            </p:childTnLst>
+                          </p:cTn>
+                        </p:par>
+                      </p:childTnLst>
+                    </p:cTn>
+                  </p:par>
+                  <p:par>
+                    <p:cTn id="43" fill="hold">
+                      <p:stCondLst>
+                        <p:cond delay="indefinite"/>
+                      </p:stCondLst>
+                      <p:childTnLst>
+                        <p:par>
+                          <p:cTn id="44" fill="hold">
+                            <p:stCondLst>
+                              <p:cond delay="0"/>
+                            </p:stCondLst>
+                            <p:childTnLst>
+                              <p:par>
+                                <p:cTn id="45" presetID="10" presetClass="entr" presetSubtype="0" fill="hold" grpId="0" nodeType="clickEffect">
+                                  <p:stCondLst>
+                                    <p:cond delay="0"/>
+                                  </p:stCondLst>
+                                  <p:childTnLst>
+                                    <p:set>
+                                      <p:cBhvr>
+                                        <p:cTn id="46" dur="1" fill="hold">
+                                          <p:stCondLst>
+                                            <p:cond delay="0"/>
+                                          </p:stCondLst>
+                                        </p:cTn>
+                                        <p:tgtEl>
+                                          <p:spTgt spid="3"/>
+                                        </p:tgtEl>
+                                        <p:attrNameLst>
+                                          <p:attrName>style.visibility</p:attrName>
+                                        </p:attrNameLst>
+                                      </p:cBhvr>
+                                      <p:to>
+                                        <p:strVal val="visible"/>
+                                      </p:to>
+                                    </p:set>
+                                    <p:animEffect transition="in" filter="fade">
+                                      <p:cBhvr>
+                                        <p:cTn id="47" dur="500"/>
+                                        <p:tgtEl>
+                                          <p:spTgt spid="3"/>
+                                        </p:tgtEl>
+                                      </p:cBhvr>
+                                    </p:animEffect>
+                                  </p:childTnLst>
+                                </p:cTn>
+                              </p:par>
+                            </p:childTnLst>
+                          </p:cTn>
+                        </p:par>
+                      </p:childTnLst>
+                    </p:cTn>
+                  </p:par>
+                  <p:par>
+                    <p:cTn id="48" fill="hold">
+                      <p:stCondLst>
+                        <p:cond delay="indefinite"/>
+                      </p:stCondLst>
+                      <p:childTnLst>
+                        <p:par>
+                          <p:cTn id="49" fill="hold">
+                            <p:stCondLst>
+                              <p:cond delay="0"/>
+                            </p:stCondLst>
+                            <p:childTnLst>
+                              <p:par>
+                                <p:cTn id="50" presetID="10" presetClass="entr" presetSubtype="0" fill="hold" grpId="0" nodeType="clickEffect">
+                                  <p:stCondLst>
+                                    <p:cond delay="0"/>
+                                  </p:stCondLst>
+                                  <p:childTnLst>
+                                    <p:set>
+                                      <p:cBhvr>
+                                        <p:cTn id="51" dur="1" fill="hold">
+                                          <p:stCondLst>
+                                            <p:cond delay="0"/>
+                                          </p:stCondLst>
+                                        </p:cTn>
+                                        <p:tgtEl>
+                                          <p:spTgt spid="15"/>
+                                        </p:tgtEl>
+                                        <p:attrNameLst>
+                                          <p:attrName>style.visibility</p:attrName>
+                                        </p:attrNameLst>
+                                      </p:cBhvr>
+                                      <p:to>
+                                        <p:strVal val="visible"/>
+                                      </p:to>
+                                    </p:set>
+                                    <p:animEffect transition="in" filter="fade">
+                                      <p:cBhvr>
+                                        <p:cTn id="52" dur="500"/>
+                                        <p:tgtEl>
+                                          <p:spTgt spid="15"/>
                                         </p:tgtEl>
                                       </p:cBhvr>
                                     </p:animEffect>
@@ -20766,6 +23636,9 @@
       <p:bldP spid="9" grpId="0" animBg="1"/>
       <p:bldP spid="10" grpId="0" animBg="1"/>
       <p:bldP spid="12" grpId="0" animBg="1"/>
+      <p:bldP spid="14" grpId="0"/>
+      <p:bldP spid="3" grpId="0" animBg="1"/>
+      <p:bldP spid="15" grpId="0" animBg="1"/>
     </p:bldLst>
   </p:timing>
 </p:sld>

--- a/20170916.ContainerDrivenDevelop/slides.pptx
+++ b/20170916.ContainerDrivenDevelop/slides.pptx
@@ -5,7 +5,7 @@
     <p:sldMasterId id="2147483660" r:id="rId1"/>
   </p:sldMasterIdLst>
   <p:notesMasterIdLst>
-    <p:notesMasterId r:id="rId45"/>
+    <p:notesMasterId r:id="rId50"/>
   </p:notesMasterIdLst>
   <p:sldIdLst>
     <p:sldId id="256" r:id="rId2"/>
@@ -13,44 +13,49 @@
     <p:sldId id="265" r:id="rId4"/>
     <p:sldId id="266" r:id="rId5"/>
     <p:sldId id="267" r:id="rId6"/>
-    <p:sldId id="283" r:id="rId7"/>
-    <p:sldId id="296" r:id="rId8"/>
-    <p:sldId id="297" r:id="rId9"/>
-    <p:sldId id="298" r:id="rId10"/>
-    <p:sldId id="299" r:id="rId11"/>
-    <p:sldId id="304" r:id="rId12"/>
-    <p:sldId id="278" r:id="rId13"/>
-    <p:sldId id="285" r:id="rId14"/>
-    <p:sldId id="284" r:id="rId15"/>
-    <p:sldId id="279" r:id="rId16"/>
-    <p:sldId id="313" r:id="rId17"/>
-    <p:sldId id="280" r:id="rId18"/>
-    <p:sldId id="314" r:id="rId19"/>
-    <p:sldId id="294" r:id="rId20"/>
-    <p:sldId id="295" r:id="rId21"/>
-    <p:sldId id="315" r:id="rId22"/>
-    <p:sldId id="316" r:id="rId23"/>
-    <p:sldId id="322" r:id="rId24"/>
-    <p:sldId id="323" r:id="rId25"/>
-    <p:sldId id="321" r:id="rId26"/>
-    <p:sldId id="317" r:id="rId27"/>
-    <p:sldId id="318" r:id="rId28"/>
-    <p:sldId id="319" r:id="rId29"/>
-    <p:sldId id="326" r:id="rId30"/>
-    <p:sldId id="327" r:id="rId31"/>
-    <p:sldId id="324" r:id="rId32"/>
-    <p:sldId id="325" r:id="rId33"/>
-    <p:sldId id="329" r:id="rId34"/>
-    <p:sldId id="328" r:id="rId35"/>
-    <p:sldId id="300" r:id="rId36"/>
-    <p:sldId id="301" r:id="rId37"/>
-    <p:sldId id="311" r:id="rId38"/>
-    <p:sldId id="302" r:id="rId39"/>
-    <p:sldId id="310" r:id="rId40"/>
-    <p:sldId id="303" r:id="rId41"/>
-    <p:sldId id="305" r:id="rId42"/>
-    <p:sldId id="258" r:id="rId43"/>
-    <p:sldId id="306" r:id="rId44"/>
+    <p:sldId id="296" r:id="rId7"/>
+    <p:sldId id="297" r:id="rId8"/>
+    <p:sldId id="298" r:id="rId9"/>
+    <p:sldId id="299" r:id="rId10"/>
+    <p:sldId id="304" r:id="rId11"/>
+    <p:sldId id="278" r:id="rId12"/>
+    <p:sldId id="285" r:id="rId13"/>
+    <p:sldId id="284" r:id="rId14"/>
+    <p:sldId id="279" r:id="rId15"/>
+    <p:sldId id="313" r:id="rId16"/>
+    <p:sldId id="280" r:id="rId17"/>
+    <p:sldId id="314" r:id="rId18"/>
+    <p:sldId id="294" r:id="rId19"/>
+    <p:sldId id="295" r:id="rId20"/>
+    <p:sldId id="315" r:id="rId21"/>
+    <p:sldId id="316" r:id="rId22"/>
+    <p:sldId id="322" r:id="rId23"/>
+    <p:sldId id="323" r:id="rId24"/>
+    <p:sldId id="321" r:id="rId25"/>
+    <p:sldId id="317" r:id="rId26"/>
+    <p:sldId id="318" r:id="rId27"/>
+    <p:sldId id="319" r:id="rId28"/>
+    <p:sldId id="326" r:id="rId29"/>
+    <p:sldId id="327" r:id="rId30"/>
+    <p:sldId id="324" r:id="rId31"/>
+    <p:sldId id="325" r:id="rId32"/>
+    <p:sldId id="329" r:id="rId33"/>
+    <p:sldId id="328" r:id="rId34"/>
+    <p:sldId id="333" r:id="rId35"/>
+    <p:sldId id="334" r:id="rId36"/>
+    <p:sldId id="335" r:id="rId37"/>
+    <p:sldId id="336" r:id="rId38"/>
+    <p:sldId id="331" r:id="rId39"/>
+    <p:sldId id="332" r:id="rId40"/>
+    <p:sldId id="300" r:id="rId41"/>
+    <p:sldId id="301" r:id="rId42"/>
+    <p:sldId id="311" r:id="rId43"/>
+    <p:sldId id="302" r:id="rId44"/>
+    <p:sldId id="310" r:id="rId45"/>
+    <p:sldId id="303" r:id="rId46"/>
+    <p:sldId id="305" r:id="rId47"/>
+    <p:sldId id="258" r:id="rId48"/>
+    <p:sldId id="306" r:id="rId49"/>
   </p:sldIdLst>
   <p:sldSz cx="12192000" cy="6858000"/>
   <p:notesSz cx="6858000" cy="9144000"/>
@@ -2957,7 +2962,7 @@
           <a:p>
             <a:fld id="{E021E510-D267-4A48-98B8-37CAB08698A1}" type="datetimeFigureOut">
               <a:rPr lang="zh-TW" altLang="en-US" smtClean="0"/>
-              <a:t>2017/9/3</a:t>
+              <a:t>2017/9/13</a:t>
             </a:fld>
             <a:endParaRPr lang="zh-TW" altLang="en-US"/>
           </a:p>
@@ -3484,7 +3489,7 @@
           <a:p>
             <a:fld id="{B36A2BE5-B099-4B85-9B69-4F3B354C7FEE}" type="slidenum">
               <a:rPr lang="zh-TW" altLang="en-US" smtClean="0"/>
-              <a:t>8</a:t>
+              <a:t>7</a:t>
             </a:fld>
             <a:endParaRPr lang="zh-TW" altLang="en-US"/>
           </a:p>
@@ -3568,7 +3573,7 @@
           <a:p>
             <a:fld id="{CBE1ABE5-D858-48A3-BD52-D48ED13BE262}" type="slidenum">
               <a:rPr lang="zh-TW" altLang="en-US" smtClean="0"/>
-              <a:t>23</a:t>
+              <a:t>22</a:t>
             </a:fld>
             <a:endParaRPr lang="zh-TW" altLang="en-US"/>
           </a:p>
@@ -3652,7 +3657,7 @@
           <a:p>
             <a:fld id="{CBE1ABE5-D858-48A3-BD52-D48ED13BE262}" type="slidenum">
               <a:rPr lang="zh-TW" altLang="en-US" smtClean="0"/>
-              <a:t>24</a:t>
+              <a:t>23</a:t>
             </a:fld>
             <a:endParaRPr lang="zh-TW" altLang="en-US"/>
           </a:p>
@@ -3736,7 +3741,7 @@
           <a:p>
             <a:fld id="{CBE1ABE5-D858-48A3-BD52-D48ED13BE262}" type="slidenum">
               <a:rPr lang="zh-TW" altLang="en-US" smtClean="0"/>
-              <a:t>26</a:t>
+              <a:t>25</a:t>
             </a:fld>
             <a:endParaRPr lang="zh-TW" altLang="en-US"/>
           </a:p>
@@ -3820,7 +3825,7 @@
           <a:p>
             <a:fld id="{CBE1ABE5-D858-48A3-BD52-D48ED13BE262}" type="slidenum">
               <a:rPr lang="zh-TW" altLang="en-US" smtClean="0"/>
-              <a:t>27</a:t>
+              <a:t>26</a:t>
             </a:fld>
             <a:endParaRPr lang="zh-TW" altLang="en-US"/>
           </a:p>
@@ -4065,7 +4070,7 @@
           <a:p>
             <a:fld id="{B07EFE10-B13D-43B6-9F5E-D0DE056FAF9A}" type="datetimeFigureOut">
               <a:rPr lang="zh-TW" altLang="en-US" smtClean="0"/>
-              <a:t>2017/9/3</a:t>
+              <a:t>2017/9/13</a:t>
             </a:fld>
             <a:endParaRPr lang="zh-TW" altLang="en-US"/>
           </a:p>
@@ -4273,7 +4278,7 @@
           <a:p>
             <a:fld id="{B07EFE10-B13D-43B6-9F5E-D0DE056FAF9A}" type="datetimeFigureOut">
               <a:rPr lang="zh-TW" altLang="en-US" smtClean="0"/>
-              <a:t>2017/9/3</a:t>
+              <a:t>2017/9/13</a:t>
             </a:fld>
             <a:endParaRPr lang="zh-TW" altLang="en-US"/>
           </a:p>
@@ -4529,7 +4534,7 @@
           <a:p>
             <a:fld id="{B07EFE10-B13D-43B6-9F5E-D0DE056FAF9A}" type="datetimeFigureOut">
               <a:rPr lang="zh-TW" altLang="en-US" smtClean="0"/>
-              <a:t>2017/9/3</a:t>
+              <a:t>2017/9/13</a:t>
             </a:fld>
             <a:endParaRPr lang="zh-TW" altLang="en-US"/>
           </a:p>
@@ -4703,7 +4708,7 @@
           <a:p>
             <a:fld id="{B07EFE10-B13D-43B6-9F5E-D0DE056FAF9A}" type="datetimeFigureOut">
               <a:rPr lang="zh-TW" altLang="en-US" smtClean="0"/>
-              <a:t>2017/9/3</a:t>
+              <a:t>2017/9/13</a:t>
             </a:fld>
             <a:endParaRPr lang="zh-TW" altLang="en-US"/>
           </a:p>
@@ -5046,7 +5051,7 @@
           <a:p>
             <a:fld id="{B07EFE10-B13D-43B6-9F5E-D0DE056FAF9A}" type="datetimeFigureOut">
               <a:rPr lang="zh-TW" altLang="en-US" smtClean="0"/>
-              <a:t>2017/9/3</a:t>
+              <a:t>2017/9/13</a:t>
             </a:fld>
             <a:endParaRPr lang="zh-TW" altLang="en-US"/>
           </a:p>
@@ -5321,7 +5326,7 @@
           <a:p>
             <a:fld id="{B07EFE10-B13D-43B6-9F5E-D0DE056FAF9A}" type="datetimeFigureOut">
               <a:rPr lang="zh-TW" altLang="en-US" smtClean="0"/>
-              <a:t>2017/9/3</a:t>
+              <a:t>2017/9/13</a:t>
             </a:fld>
             <a:endParaRPr lang="zh-TW" altLang="en-US"/>
           </a:p>
@@ -5700,7 +5705,7 @@
           <a:p>
             <a:fld id="{B07EFE10-B13D-43B6-9F5E-D0DE056FAF9A}" type="datetimeFigureOut">
               <a:rPr lang="zh-TW" altLang="en-US" smtClean="0"/>
-              <a:t>2017/9/3</a:t>
+              <a:t>2017/9/13</a:t>
             </a:fld>
             <a:endParaRPr lang="zh-TW" altLang="en-US"/>
           </a:p>
@@ -5818,7 +5823,7 @@
           <a:p>
             <a:fld id="{B07EFE10-B13D-43B6-9F5E-D0DE056FAF9A}" type="datetimeFigureOut">
               <a:rPr lang="zh-TW" altLang="en-US" smtClean="0"/>
-              <a:t>2017/9/3</a:t>
+              <a:t>2017/9/13</a:t>
             </a:fld>
             <a:endParaRPr lang="zh-TW" altLang="en-US"/>
           </a:p>
@@ -5989,7 +5994,7 @@
           <a:p>
             <a:fld id="{B07EFE10-B13D-43B6-9F5E-D0DE056FAF9A}" type="datetimeFigureOut">
               <a:rPr lang="zh-TW" altLang="en-US" smtClean="0"/>
-              <a:t>2017/9/3</a:t>
+              <a:t>2017/9/13</a:t>
             </a:fld>
             <a:endParaRPr lang="zh-TW" altLang="en-US"/>
           </a:p>
@@ -6343,7 +6348,7 @@
           <a:p>
             <a:fld id="{B07EFE10-B13D-43B6-9F5E-D0DE056FAF9A}" type="datetimeFigureOut">
               <a:rPr lang="zh-TW" altLang="en-US" smtClean="0"/>
-              <a:t>2017/9/3</a:t>
+              <a:t>2017/9/13</a:t>
             </a:fld>
             <a:endParaRPr lang="zh-TW" altLang="en-US"/>
           </a:p>
@@ -6725,7 +6730,7 @@
           <a:p>
             <a:fld id="{B07EFE10-B13D-43B6-9F5E-D0DE056FAF9A}" type="datetimeFigureOut">
               <a:rPr lang="zh-TW" altLang="en-US" smtClean="0"/>
-              <a:t>2017/9/3</a:t>
+              <a:t>2017/9/13</a:t>
             </a:fld>
             <a:endParaRPr lang="zh-TW" altLang="en-US"/>
           </a:p>
@@ -7012,7 +7017,7 @@
           <a:p>
             <a:fld id="{B07EFE10-B13D-43B6-9F5E-D0DE056FAF9A}" type="datetimeFigureOut">
               <a:rPr lang="zh-TW" altLang="en-US" smtClean="0"/>
-              <a:t>2017/9/3</a:t>
+              <a:t>2017/9/13</a:t>
             </a:fld>
             <a:endParaRPr lang="zh-TW" altLang="en-US"/>
           </a:p>
@@ -7788,12 +7793,12 @@
           <a:lstStyle/>
           <a:p>
             <a:r>
-              <a:rPr lang="zh-TW" altLang="en-US" dirty="0" smtClean="0"/>
-              <a:t>如何封裝 </a:t>
+              <a:rPr lang="en-US" altLang="zh-TW" dirty="0" err="1" smtClean="0"/>
+              <a:t>Dockerfile</a:t>
             </a:r>
             <a:r>
               <a:rPr lang="en-US" altLang="zh-TW" dirty="0" smtClean="0"/>
-              <a:t>Job / Windows Service?</a:t>
+              <a:t> Sample: IP2C.Worker</a:t>
             </a:r>
             <a:endParaRPr lang="zh-TW" altLang="en-US" dirty="0"/>
           </a:p>
@@ -7811,133 +7816,87 @@
         </p:nvSpPr>
         <p:spPr/>
         <p:txBody>
-          <a:bodyPr>
-            <a:normAutofit/>
-          </a:bodyPr>
-          <a:lstStyle/>
-          <a:p>
-            <a:pPr marL="514350" indent="-514350">
-              <a:buFont typeface="+mj-lt"/>
-              <a:buAutoNum type="arabicPeriod"/>
-            </a:pPr>
-            <a:r>
-              <a:rPr lang="zh-TW" altLang="en-US" sz="2800" dirty="0" smtClean="0"/>
-              <a:t>開發階段，直接簡化成 </a:t>
-            </a:r>
-            <a:r>
-              <a:rPr lang="en-US" altLang="zh-TW" sz="2800" dirty="0" smtClean="0"/>
-              <a:t>Console Application </a:t>
-            </a:r>
-            <a:r>
-              <a:rPr lang="zh-TW" altLang="en-US" sz="2800" dirty="0" smtClean="0"/>
-              <a:t>即可。</a:t>
-            </a:r>
-            <a:endParaRPr lang="en-US" altLang="zh-TW" sz="2800" dirty="0" smtClean="0"/>
-          </a:p>
-          <a:p>
-            <a:pPr marL="514350" indent="-514350">
-              <a:buFont typeface="+mj-lt"/>
-              <a:buAutoNum type="arabicPeriod"/>
-            </a:pPr>
-            <a:r>
-              <a:rPr lang="zh-TW" altLang="en-US" sz="2800" dirty="0" smtClean="0"/>
-              <a:t>透過 </a:t>
-            </a:r>
-            <a:r>
-              <a:rPr lang="en-US" altLang="zh-TW" sz="2800" dirty="0" smtClean="0"/>
-              <a:t>container </a:t>
-            </a:r>
-            <a:r>
-              <a:rPr lang="zh-TW" altLang="en-US" sz="2800" dirty="0" smtClean="0"/>
-              <a:t>的封裝，</a:t>
-            </a:r>
-            <a:r>
-              <a:rPr lang="en-US" altLang="zh-TW" sz="2800" dirty="0" smtClean="0"/>
-              <a:t>container</a:t>
-            </a:r>
-            <a:r>
-              <a:rPr lang="zh-TW" altLang="en-US" sz="2800" dirty="0"/>
-              <a:t> </a:t>
-            </a:r>
-            <a:r>
-              <a:rPr lang="zh-TW" altLang="en-US" sz="2800" dirty="0" smtClean="0"/>
-              <a:t>已經直接提供</a:t>
-            </a:r>
-            <a:r>
-              <a:rPr lang="zh-TW" altLang="en-US" sz="2800" dirty="0"/>
-              <a:t> </a:t>
-            </a:r>
-            <a:r>
-              <a:rPr lang="en-US" altLang="zh-TW" sz="2800" dirty="0" smtClean="0"/>
-              <a:t>start | stop | continue | pause | restart </a:t>
-            </a:r>
-            <a:r>
-              <a:rPr lang="zh-TW" altLang="en-US" sz="2800" dirty="0" smtClean="0"/>
-              <a:t>等等控制機制。</a:t>
-            </a:r>
-            <a:endParaRPr lang="en-US" altLang="zh-TW" sz="2800" dirty="0" smtClean="0"/>
-          </a:p>
-          <a:p>
-            <a:pPr marL="514350" indent="-514350">
-              <a:buFont typeface="+mj-lt"/>
-              <a:buAutoNum type="arabicPeriod"/>
-            </a:pPr>
-            <a:r>
-              <a:rPr lang="en-US" altLang="zh-TW" sz="2800" dirty="0" smtClean="0"/>
-              <a:t>Console </a:t>
-            </a:r>
-            <a:r>
-              <a:rPr lang="zh-TW" altLang="en-US" sz="2800" dirty="0" smtClean="0"/>
-              <a:t>的 </a:t>
-            </a:r>
-            <a:r>
-              <a:rPr lang="en-US" altLang="zh-TW" sz="2800" dirty="0" smtClean="0"/>
-              <a:t>STDOUT, </a:t>
-            </a:r>
-            <a:r>
-              <a:rPr lang="zh-TW" altLang="en-US" sz="2800" dirty="0" smtClean="0"/>
-              <a:t>已經被 </a:t>
-            </a:r>
-            <a:r>
-              <a:rPr lang="en-US" altLang="zh-TW" sz="2800" dirty="0" smtClean="0"/>
-              <a:t>container</a:t>
-            </a:r>
-            <a:r>
-              <a:rPr lang="zh-TW" altLang="en-US" sz="2800" dirty="0" smtClean="0"/>
-              <a:t> </a:t>
-            </a:r>
-            <a:r>
-              <a:rPr lang="en-US" altLang="zh-TW" sz="2800" dirty="0" smtClean="0"/>
-              <a:t>engine</a:t>
-            </a:r>
-            <a:r>
-              <a:rPr lang="zh-TW" altLang="en-US" sz="2800" dirty="0" smtClean="0"/>
-              <a:t> 統一管理。日誌型態的訊息直接輸出到 </a:t>
-            </a:r>
-            <a:r>
-              <a:rPr lang="en-US" altLang="zh-TW" sz="2800" dirty="0" smtClean="0"/>
-              <a:t>console</a:t>
-            </a:r>
-            <a:r>
-              <a:rPr lang="zh-TW" altLang="en-US" sz="2800" dirty="0" smtClean="0"/>
-              <a:t> 即可，不須額外定義其他的 </a:t>
-            </a:r>
-            <a:r>
-              <a:rPr lang="en-US" altLang="zh-TW" sz="2800" dirty="0" smtClean="0"/>
-              <a:t>log</a:t>
-            </a:r>
-            <a:r>
-              <a:rPr lang="zh-TW" altLang="en-US" sz="2800" dirty="0" smtClean="0"/>
-              <a:t> 機制。</a:t>
-            </a:r>
-            <a:endParaRPr lang="zh-TW" altLang="en-US" sz="2800" dirty="0"/>
+          <a:bodyPr/>
+          <a:lstStyle/>
+          <a:p>
+            <a:endParaRPr lang="zh-TW" altLang="en-US"/>
+          </a:p>
+        </p:txBody>
+      </p:sp>
+      <p:pic>
+        <p:nvPicPr>
+          <p:cNvPr id="5" name="圖片 4"/>
+          <p:cNvPicPr>
+            <a:picLocks noChangeAspect="1"/>
+          </p:cNvPicPr>
+          <p:nvPr/>
+        </p:nvPicPr>
+        <p:blipFill>
+          <a:blip r:embed="rId2"/>
+          <a:stretch>
+            <a:fillRect/>
+          </a:stretch>
+        </p:blipFill>
+        <p:spPr>
+          <a:xfrm>
+            <a:off x="697699" y="1845734"/>
+            <a:ext cx="10857561" cy="4023360"/>
+          </a:xfrm>
+          <a:prstGeom prst="rect">
+            <a:avLst/>
+          </a:prstGeom>
+        </p:spPr>
+      </p:pic>
+      <p:sp>
+        <p:nvSpPr>
+          <p:cNvPr id="4" name="矩形 3"/>
+          <p:cNvSpPr/>
+          <p:nvPr/>
+        </p:nvSpPr>
+        <p:spPr>
+          <a:xfrm>
+            <a:off x="1203569" y="4806462"/>
+            <a:ext cx="6369539" cy="414215"/>
+          </a:xfrm>
+          <a:prstGeom prst="rect">
+            <a:avLst/>
+          </a:prstGeom>
+          <a:solidFill>
+            <a:srgbClr val="1E1E1E"/>
+          </a:solidFill>
+          <a:ln>
+            <a:noFill/>
+          </a:ln>
+        </p:spPr>
+        <p:style>
+          <a:lnRef idx="2">
+            <a:schemeClr val="accent1">
+              <a:shade val="50000"/>
+            </a:schemeClr>
+          </a:lnRef>
+          <a:fillRef idx="1">
+            <a:schemeClr val="accent1"/>
+          </a:fillRef>
+          <a:effectRef idx="0">
+            <a:schemeClr val="accent1"/>
+          </a:effectRef>
+          <a:fontRef idx="minor">
+            <a:schemeClr val="lt1"/>
+          </a:fontRef>
+        </p:style>
+        <p:txBody>
+          <a:bodyPr rtlCol="0" anchor="ctr"/>
+          <a:lstStyle/>
+          <a:p>
+            <a:pPr algn="ctr"/>
+            <a:endParaRPr lang="zh-TW" altLang="en-US"/>
           </a:p>
         </p:txBody>
       </p:sp>
     </p:spTree>
     <p:extLst>
       <p:ext uri="{BB962C8B-B14F-4D97-AF65-F5344CB8AC3E}">
-        <p14:creationId xmlns:p14="http://schemas.microsoft.com/office/powerpoint/2010/main" val="1149563496"/>
+        <p14:creationId xmlns:p14="http://schemas.microsoft.com/office/powerpoint/2010/main" val="1464046724"/>
       </p:ext>
     </p:extLst>
   </p:cSld>
@@ -7973,159 +7932,6 @@
       </p:grpSpPr>
       <p:sp>
         <p:nvSpPr>
-          <p:cNvPr id="2" name="標題 1"/>
-          <p:cNvSpPr>
-            <a:spLocks noGrp="1"/>
-          </p:cNvSpPr>
-          <p:nvPr>
-            <p:ph type="title"/>
-          </p:nvPr>
-        </p:nvSpPr>
-        <p:spPr/>
-        <p:txBody>
-          <a:bodyPr/>
-          <a:lstStyle/>
-          <a:p>
-            <a:r>
-              <a:rPr lang="en-US" altLang="zh-TW" dirty="0" err="1" smtClean="0"/>
-              <a:t>Dockerfile</a:t>
-            </a:r>
-            <a:r>
-              <a:rPr lang="en-US" altLang="zh-TW" dirty="0" smtClean="0"/>
-              <a:t> Sample: IP2C.Worker</a:t>
-            </a:r>
-            <a:endParaRPr lang="zh-TW" altLang="en-US" dirty="0"/>
-          </a:p>
-        </p:txBody>
-      </p:sp>
-      <p:sp>
-        <p:nvSpPr>
-          <p:cNvPr id="3" name="內容版面配置區 2"/>
-          <p:cNvSpPr>
-            <a:spLocks noGrp="1"/>
-          </p:cNvSpPr>
-          <p:nvPr>
-            <p:ph idx="1"/>
-          </p:nvPr>
-        </p:nvSpPr>
-        <p:spPr/>
-        <p:txBody>
-          <a:bodyPr/>
-          <a:lstStyle/>
-          <a:p>
-            <a:endParaRPr lang="zh-TW" altLang="en-US"/>
-          </a:p>
-        </p:txBody>
-      </p:sp>
-      <p:pic>
-        <p:nvPicPr>
-          <p:cNvPr id="5" name="圖片 4"/>
-          <p:cNvPicPr>
-            <a:picLocks noChangeAspect="1"/>
-          </p:cNvPicPr>
-          <p:nvPr/>
-        </p:nvPicPr>
-        <p:blipFill>
-          <a:blip r:embed="rId2"/>
-          <a:stretch>
-            <a:fillRect/>
-          </a:stretch>
-        </p:blipFill>
-        <p:spPr>
-          <a:xfrm>
-            <a:off x="697699" y="1845734"/>
-            <a:ext cx="10857561" cy="4023360"/>
-          </a:xfrm>
-          <a:prstGeom prst="rect">
-            <a:avLst/>
-          </a:prstGeom>
-        </p:spPr>
-      </p:pic>
-      <p:sp>
-        <p:nvSpPr>
-          <p:cNvPr id="4" name="矩形 3"/>
-          <p:cNvSpPr/>
-          <p:nvPr/>
-        </p:nvSpPr>
-        <p:spPr>
-          <a:xfrm>
-            <a:off x="1203569" y="4806462"/>
-            <a:ext cx="6369539" cy="414215"/>
-          </a:xfrm>
-          <a:prstGeom prst="rect">
-            <a:avLst/>
-          </a:prstGeom>
-          <a:solidFill>
-            <a:srgbClr val="1E1E1E"/>
-          </a:solidFill>
-          <a:ln>
-            <a:noFill/>
-          </a:ln>
-        </p:spPr>
-        <p:style>
-          <a:lnRef idx="2">
-            <a:schemeClr val="accent1">
-              <a:shade val="50000"/>
-            </a:schemeClr>
-          </a:lnRef>
-          <a:fillRef idx="1">
-            <a:schemeClr val="accent1"/>
-          </a:fillRef>
-          <a:effectRef idx="0">
-            <a:schemeClr val="accent1"/>
-          </a:effectRef>
-          <a:fontRef idx="minor">
-            <a:schemeClr val="lt1"/>
-          </a:fontRef>
-        </p:style>
-        <p:txBody>
-          <a:bodyPr rtlCol="0" anchor="ctr"/>
-          <a:lstStyle/>
-          <a:p>
-            <a:pPr algn="ctr"/>
-            <a:endParaRPr lang="zh-TW" altLang="en-US"/>
-          </a:p>
-        </p:txBody>
-      </p:sp>
-    </p:spTree>
-    <p:extLst>
-      <p:ext uri="{BB962C8B-B14F-4D97-AF65-F5344CB8AC3E}">
-        <p14:creationId xmlns:p14="http://schemas.microsoft.com/office/powerpoint/2010/main" val="1464046724"/>
-      </p:ext>
-    </p:extLst>
-  </p:cSld>
-  <p:clrMapOvr>
-    <a:masterClrMapping/>
-  </p:clrMapOvr>
-  <p:timing>
-    <p:tnLst>
-      <p:par>
-        <p:cTn id="1" dur="indefinite" restart="never" nodeType="tmRoot"/>
-      </p:par>
-    </p:tnLst>
-  </p:timing>
-</p:sld>
-</file>
-
-<file path=ppt/slides/slide12.xml><?xml version="1.0" encoding="utf-8"?>
-<p:sld xmlns:a="http://schemas.openxmlformats.org/drawingml/2006/main" xmlns:r="http://schemas.openxmlformats.org/officeDocument/2006/relationships" xmlns:p="http://schemas.openxmlformats.org/presentationml/2006/main">
-  <p:cSld>
-    <p:spTree>
-      <p:nvGrpSpPr>
-        <p:cNvPr id="1" name=""/>
-        <p:cNvGrpSpPr/>
-        <p:nvPr/>
-      </p:nvGrpSpPr>
-      <p:grpSpPr>
-        <a:xfrm>
-          <a:off x="0" y="0"/>
-          <a:ext cx="0" cy="0"/>
-          <a:chOff x="0" y="0"/>
-          <a:chExt cx="0" cy="0"/>
-        </a:xfrm>
-      </p:grpSpPr>
-      <p:sp>
-        <p:nvSpPr>
           <p:cNvPr id="4" name="標題 3"/>
           <p:cNvSpPr>
             <a:spLocks noGrp="1"/>
@@ -8190,7 +7996,7 @@
 </p:sld>
 </file>
 
-<file path=ppt/slides/slide13.xml><?xml version="1.0" encoding="utf-8"?>
+<file path=ppt/slides/slide12.xml><?xml version="1.0" encoding="utf-8"?>
 <p:sld xmlns:a="http://schemas.openxmlformats.org/drawingml/2006/main" xmlns:r="http://schemas.openxmlformats.org/officeDocument/2006/relationships" xmlns:p="http://schemas.openxmlformats.org/presentationml/2006/main">
   <p:cSld>
     <p:spTree>
@@ -8306,7 +8112,7 @@
 </p:sld>
 </file>
 
-<file path=ppt/slides/slide14.xml><?xml version="1.0" encoding="utf-8"?>
+<file path=ppt/slides/slide13.xml><?xml version="1.0" encoding="utf-8"?>
 <p:sld xmlns:a="http://schemas.openxmlformats.org/drawingml/2006/main" xmlns:r="http://schemas.openxmlformats.org/officeDocument/2006/relationships" xmlns:p="http://schemas.openxmlformats.org/presentationml/2006/main">
   <p:cSld>
     <p:spTree>
@@ -8816,7 +8622,7 @@
 </p:sld>
 </file>
 
-<file path=ppt/slides/slide15.xml><?xml version="1.0" encoding="utf-8"?>
+<file path=ppt/slides/slide14.xml><?xml version="1.0" encoding="utf-8"?>
 <p:sld xmlns:a="http://schemas.openxmlformats.org/drawingml/2006/main" xmlns:r="http://schemas.openxmlformats.org/officeDocument/2006/relationships" xmlns:p="http://schemas.openxmlformats.org/presentationml/2006/main">
   <p:cSld>
     <p:spTree>
@@ -8990,7 +8796,7 @@
 </p:sld>
 </file>
 
-<file path=ppt/slides/slide16.xml><?xml version="1.0" encoding="utf-8"?>
+<file path=ppt/slides/slide15.xml><?xml version="1.0" encoding="utf-8"?>
 <p:sld xmlns:a="http://schemas.openxmlformats.org/drawingml/2006/main" xmlns:r="http://schemas.openxmlformats.org/officeDocument/2006/relationships" xmlns:p="http://schemas.openxmlformats.org/presentationml/2006/main">
   <p:cSld>
     <p:spTree>
@@ -9069,7 +8875,7 @@
 </p:sld>
 </file>
 
-<file path=ppt/slides/slide17.xml><?xml version="1.0" encoding="utf-8"?>
+<file path=ppt/slides/slide16.xml><?xml version="1.0" encoding="utf-8"?>
 <p:sld xmlns:a="http://schemas.openxmlformats.org/drawingml/2006/main" xmlns:r="http://schemas.openxmlformats.org/officeDocument/2006/relationships" xmlns:p="http://schemas.openxmlformats.org/presentationml/2006/main">
   <p:cSld>
     <p:spTree>
@@ -10059,7 +9865,7 @@
 </p:sld>
 </file>
 
-<file path=ppt/slides/slide18.xml><?xml version="1.0" encoding="utf-8"?>
+<file path=ppt/slides/slide17.xml><?xml version="1.0" encoding="utf-8"?>
 <p:sld xmlns:a="http://schemas.openxmlformats.org/drawingml/2006/main" xmlns:r="http://schemas.openxmlformats.org/officeDocument/2006/relationships" xmlns:p="http://schemas.openxmlformats.org/presentationml/2006/main">
   <p:cSld>
     <p:spTree>
@@ -10138,7 +9944,7 @@
 </p:sld>
 </file>
 
-<file path=ppt/slides/slide19.xml><?xml version="1.0" encoding="utf-8"?>
+<file path=ppt/slides/slide18.xml><?xml version="1.0" encoding="utf-8"?>
 <p:sld xmlns:a="http://schemas.openxmlformats.org/drawingml/2006/main" xmlns:r="http://schemas.openxmlformats.org/officeDocument/2006/relationships" xmlns:p="http://schemas.openxmlformats.org/presentationml/2006/main">
   <p:cSld>
     <p:spTree>
@@ -10254,216 +10060,7 @@
 </p:sld>
 </file>
 
-<file path=ppt/slides/slide2.xml><?xml version="1.0" encoding="utf-8"?>
-<p:sld xmlns:a="http://schemas.openxmlformats.org/drawingml/2006/main" xmlns:r="http://schemas.openxmlformats.org/officeDocument/2006/relationships" xmlns:p="http://schemas.openxmlformats.org/presentationml/2006/main">
-  <p:cSld>
-    <p:spTree>
-      <p:nvGrpSpPr>
-        <p:cNvPr id="1" name=""/>
-        <p:cNvGrpSpPr/>
-        <p:nvPr/>
-      </p:nvGrpSpPr>
-      <p:grpSpPr>
-        <a:xfrm>
-          <a:off x="0" y="0"/>
-          <a:ext cx="0" cy="0"/>
-          <a:chOff x="0" y="0"/>
-          <a:chExt cx="0" cy="0"/>
-        </a:xfrm>
-      </p:grpSpPr>
-      <p:sp>
-        <p:nvSpPr>
-          <p:cNvPr id="2" name="標題 1"/>
-          <p:cNvSpPr>
-            <a:spLocks noGrp="1"/>
-          </p:cNvSpPr>
-          <p:nvPr>
-            <p:ph type="title"/>
-          </p:nvPr>
-        </p:nvSpPr>
-        <p:spPr/>
-        <p:txBody>
-          <a:bodyPr/>
-          <a:lstStyle/>
-          <a:p>
-            <a:r>
-              <a:rPr lang="zh-TW" altLang="en-US" dirty="0" smtClean="0"/>
-              <a:t>安德魯是誰</a:t>
-            </a:r>
-            <a:r>
-              <a:rPr lang="en-US" altLang="zh-TW" dirty="0" smtClean="0"/>
-              <a:t>?</a:t>
-            </a:r>
-            <a:endParaRPr lang="zh-TW" altLang="en-US" dirty="0"/>
-          </a:p>
-        </p:txBody>
-      </p:sp>
-      <p:sp>
-        <p:nvSpPr>
-          <p:cNvPr id="3" name="內容版面配置區 2"/>
-          <p:cNvSpPr>
-            <a:spLocks noGrp="1"/>
-          </p:cNvSpPr>
-          <p:nvPr>
-            <p:ph idx="1"/>
-          </p:nvPr>
-        </p:nvSpPr>
-        <p:spPr/>
-        <p:txBody>
-          <a:bodyPr>
-            <a:normAutofit/>
-          </a:bodyPr>
-          <a:lstStyle/>
-          <a:p>
-            <a:pPr marL="514350" indent="-514350">
-              <a:buFont typeface="+mj-lt"/>
-              <a:buAutoNum type="arabicPeriod"/>
-            </a:pPr>
-            <a:r>
-              <a:rPr lang="zh-TW" altLang="en-US" sz="3200" b="1" dirty="0" smtClean="0"/>
-              <a:t>現任 </a:t>
-            </a:r>
-            <a:r>
-              <a:rPr lang="en-US" altLang="zh-TW" sz="3200" b="1" dirty="0" smtClean="0"/>
-              <a:t>Microsoft MVP, </a:t>
-            </a:r>
-            <a:r>
-              <a:rPr lang="zh-TW" altLang="en-US" sz="3200" b="1" dirty="0" smtClean="0"/>
-              <a:t>微軟最有價值專家</a:t>
-            </a:r>
-            <a:endParaRPr lang="en-US" altLang="zh-TW" sz="3200" b="1" dirty="0" smtClean="0"/>
-          </a:p>
-          <a:p>
-            <a:pPr marL="514350" indent="-514350">
-              <a:buFont typeface="+mj-lt"/>
-              <a:buAutoNum type="arabicPeriod"/>
-            </a:pPr>
-            <a:r>
-              <a:rPr lang="zh-TW" altLang="en-US" sz="3200" b="1" dirty="0" smtClean="0"/>
-              <a:t>經營 安德魯的部落格</a:t>
-            </a:r>
-            <a:r>
-              <a:rPr lang="en-US" altLang="zh-TW" sz="3200" dirty="0" smtClean="0"/>
-              <a:t/>
-            </a:r>
-            <a:br>
-              <a:rPr lang="en-US" altLang="zh-TW" sz="3200" dirty="0" smtClean="0"/>
-            </a:br>
-            <a:r>
-              <a:rPr lang="zh-TW" altLang="en-US" sz="2200" dirty="0" smtClean="0"/>
-              <a:t>談論各種軟體開發與設計的大小事，想做個優秀的系統架構師。主題以 </a:t>
-            </a:r>
-            <a:r>
-              <a:rPr lang="en-US" altLang="zh-TW" sz="2200" dirty="0" smtClean="0"/>
-              <a:t>.NET / C#</a:t>
-            </a:r>
-            <a:r>
-              <a:rPr lang="zh-TW" altLang="en-US" sz="2200" dirty="0" smtClean="0"/>
-              <a:t> </a:t>
-            </a:r>
-            <a:r>
-              <a:rPr lang="en-US" altLang="zh-TW" sz="2200" dirty="0" smtClean="0"/>
-              <a:t>/ OOP / Container</a:t>
-            </a:r>
-            <a:r>
-              <a:rPr lang="zh-TW" altLang="en-US" sz="2200" dirty="0" smtClean="0"/>
-              <a:t> </a:t>
-            </a:r>
-            <a:r>
-              <a:rPr lang="en-US" altLang="zh-TW" sz="2200" dirty="0" smtClean="0"/>
-              <a:t>/ </a:t>
-            </a:r>
-            <a:r>
-              <a:rPr lang="en-US" altLang="zh-TW" sz="2200" dirty="0" err="1" smtClean="0"/>
-              <a:t>Microservices</a:t>
-            </a:r>
-            <a:r>
-              <a:rPr lang="en-US" altLang="zh-TW" sz="2200" dirty="0" smtClean="0"/>
-              <a:t> / Architect /</a:t>
-            </a:r>
-            <a:r>
-              <a:rPr lang="zh-TW" altLang="en-US" sz="2200" dirty="0" smtClean="0"/>
-              <a:t> </a:t>
-            </a:r>
-            <a:r>
-              <a:rPr lang="en-US" altLang="zh-TW" sz="2200" dirty="0" smtClean="0"/>
-              <a:t>Azure </a:t>
-            </a:r>
-            <a:r>
-              <a:rPr lang="zh-TW" altLang="en-US" sz="2200" dirty="0" smtClean="0"/>
-              <a:t>與雲端服務設計</a:t>
-            </a:r>
-            <a:r>
-              <a:rPr lang="en-US" altLang="zh-TW" sz="2200" dirty="0" smtClean="0"/>
-              <a:t> </a:t>
-            </a:r>
-            <a:r>
-              <a:rPr lang="zh-TW" altLang="en-US" sz="2200" dirty="0" smtClean="0"/>
-              <a:t>為主。</a:t>
-            </a:r>
-            <a:r>
-              <a:rPr lang="en-US" altLang="zh-TW" sz="2200" dirty="0" smtClean="0"/>
-              <a:t/>
-            </a:r>
-            <a:br>
-              <a:rPr lang="en-US" altLang="zh-TW" sz="2200" dirty="0" smtClean="0"/>
-            </a:br>
-            <a:r>
-              <a:rPr lang="en-US" altLang="zh-TW" sz="2000" dirty="0">
-                <a:hlinkClick r:id="rId3"/>
-              </a:rPr>
-              <a:t>https://</a:t>
-            </a:r>
-            <a:r>
-              <a:rPr lang="en-US" altLang="zh-TW" sz="2000" dirty="0" smtClean="0">
-                <a:hlinkClick r:id="rId3"/>
-              </a:rPr>
-              <a:t>www.facebook.com/andrew.blog.0928</a:t>
-            </a:r>
-            <a:endParaRPr lang="en-US" altLang="zh-TW" sz="3200" dirty="0" smtClean="0"/>
-          </a:p>
-          <a:p>
-            <a:pPr marL="514350" indent="-514350">
-              <a:buFont typeface="+mj-lt"/>
-              <a:buAutoNum type="arabicPeriod"/>
-            </a:pPr>
-            <a:r>
-              <a:rPr lang="zh-TW" altLang="en-US" sz="3200" b="1" dirty="0" smtClean="0"/>
-              <a:t>多年技術顧問、專任講師、專欄作家、研討會</a:t>
-            </a:r>
-            <a:r>
-              <a:rPr lang="en-US" altLang="zh-TW" sz="3200" b="1" dirty="0" smtClean="0"/>
-              <a:t>SPEAKER</a:t>
-            </a:r>
-            <a:r>
-              <a:rPr lang="zh-TW" altLang="en-US" sz="3200" b="1" dirty="0" smtClean="0"/>
-              <a:t> 等經驗。</a:t>
-            </a:r>
-            <a:endParaRPr lang="en-US" altLang="zh-TW" sz="3200" b="1" dirty="0"/>
-          </a:p>
-        </p:txBody>
-      </p:sp>
-    </p:spTree>
-    <p:extLst>
-      <p:ext uri="{BB962C8B-B14F-4D97-AF65-F5344CB8AC3E}">
-        <p14:creationId xmlns:p14="http://schemas.microsoft.com/office/powerpoint/2010/main" val="3578116476"/>
-      </p:ext>
-    </p:extLst>
-  </p:cSld>
-  <p:clrMapOvr>
-    <a:masterClrMapping/>
-  </p:clrMapOvr>
-  <p:timing>
-    <p:tnLst>
-      <p:par>
-        <p:cTn id="1" dur="indefinite" restart="never" nodeType="tmRoot"/>
-      </p:par>
-    </p:tnLst>
-  </p:timing>
-</p:sld>
-</file>
-
-<file path=ppt/slides/slide20.xml><?xml version="1.0" encoding="utf-8"?>
+<file path=ppt/slides/slide19.xml><?xml version="1.0" encoding="utf-8"?>
 <p:sld xmlns:a="http://schemas.openxmlformats.org/drawingml/2006/main" xmlns:r="http://schemas.openxmlformats.org/officeDocument/2006/relationships" xmlns:p="http://schemas.openxmlformats.org/presentationml/2006/main">
   <p:cSld>
     <p:spTree>
@@ -11219,7 +10816,216 @@
 </p:sld>
 </file>
 
-<file path=ppt/slides/slide21.xml><?xml version="1.0" encoding="utf-8"?>
+<file path=ppt/slides/slide2.xml><?xml version="1.0" encoding="utf-8"?>
+<p:sld xmlns:a="http://schemas.openxmlformats.org/drawingml/2006/main" xmlns:r="http://schemas.openxmlformats.org/officeDocument/2006/relationships" xmlns:p="http://schemas.openxmlformats.org/presentationml/2006/main">
+  <p:cSld>
+    <p:spTree>
+      <p:nvGrpSpPr>
+        <p:cNvPr id="1" name=""/>
+        <p:cNvGrpSpPr/>
+        <p:nvPr/>
+      </p:nvGrpSpPr>
+      <p:grpSpPr>
+        <a:xfrm>
+          <a:off x="0" y="0"/>
+          <a:ext cx="0" cy="0"/>
+          <a:chOff x="0" y="0"/>
+          <a:chExt cx="0" cy="0"/>
+        </a:xfrm>
+      </p:grpSpPr>
+      <p:sp>
+        <p:nvSpPr>
+          <p:cNvPr id="2" name="標題 1"/>
+          <p:cNvSpPr>
+            <a:spLocks noGrp="1"/>
+          </p:cNvSpPr>
+          <p:nvPr>
+            <p:ph type="title"/>
+          </p:nvPr>
+        </p:nvSpPr>
+        <p:spPr/>
+        <p:txBody>
+          <a:bodyPr/>
+          <a:lstStyle/>
+          <a:p>
+            <a:r>
+              <a:rPr lang="zh-TW" altLang="en-US" dirty="0" smtClean="0"/>
+              <a:t>安德魯是誰</a:t>
+            </a:r>
+            <a:r>
+              <a:rPr lang="en-US" altLang="zh-TW" dirty="0" smtClean="0"/>
+              <a:t>?</a:t>
+            </a:r>
+            <a:endParaRPr lang="zh-TW" altLang="en-US" dirty="0"/>
+          </a:p>
+        </p:txBody>
+      </p:sp>
+      <p:sp>
+        <p:nvSpPr>
+          <p:cNvPr id="3" name="內容版面配置區 2"/>
+          <p:cNvSpPr>
+            <a:spLocks noGrp="1"/>
+          </p:cNvSpPr>
+          <p:nvPr>
+            <p:ph idx="1"/>
+          </p:nvPr>
+        </p:nvSpPr>
+        <p:spPr/>
+        <p:txBody>
+          <a:bodyPr>
+            <a:normAutofit/>
+          </a:bodyPr>
+          <a:lstStyle/>
+          <a:p>
+            <a:pPr marL="514350" indent="-514350">
+              <a:buFont typeface="+mj-lt"/>
+              <a:buAutoNum type="arabicPeriod"/>
+            </a:pPr>
+            <a:r>
+              <a:rPr lang="zh-TW" altLang="en-US" sz="3200" b="1" dirty="0" smtClean="0"/>
+              <a:t>現任 </a:t>
+            </a:r>
+            <a:r>
+              <a:rPr lang="en-US" altLang="zh-TW" sz="3200" b="1" dirty="0" smtClean="0"/>
+              <a:t>Microsoft MVP, </a:t>
+            </a:r>
+            <a:r>
+              <a:rPr lang="zh-TW" altLang="en-US" sz="3200" b="1" dirty="0" smtClean="0"/>
+              <a:t>微軟最有價值專家</a:t>
+            </a:r>
+            <a:endParaRPr lang="en-US" altLang="zh-TW" sz="3200" b="1" dirty="0" smtClean="0"/>
+          </a:p>
+          <a:p>
+            <a:pPr marL="514350" indent="-514350">
+              <a:buFont typeface="+mj-lt"/>
+              <a:buAutoNum type="arabicPeriod"/>
+            </a:pPr>
+            <a:r>
+              <a:rPr lang="zh-TW" altLang="en-US" sz="3200" b="1" dirty="0" smtClean="0"/>
+              <a:t>經營 安德魯的部落格</a:t>
+            </a:r>
+            <a:r>
+              <a:rPr lang="en-US" altLang="zh-TW" sz="3200" dirty="0" smtClean="0"/>
+              <a:t/>
+            </a:r>
+            <a:br>
+              <a:rPr lang="en-US" altLang="zh-TW" sz="3200" dirty="0" smtClean="0"/>
+            </a:br>
+            <a:r>
+              <a:rPr lang="zh-TW" altLang="en-US" sz="2200" dirty="0" smtClean="0"/>
+              <a:t>談論各種軟體開發與設計的大小事，想做個優秀的系統架構師。主題以 </a:t>
+            </a:r>
+            <a:r>
+              <a:rPr lang="en-US" altLang="zh-TW" sz="2200" dirty="0" smtClean="0"/>
+              <a:t>.NET / C#</a:t>
+            </a:r>
+            <a:r>
+              <a:rPr lang="zh-TW" altLang="en-US" sz="2200" dirty="0" smtClean="0"/>
+              <a:t> </a:t>
+            </a:r>
+            <a:r>
+              <a:rPr lang="en-US" altLang="zh-TW" sz="2200" dirty="0" smtClean="0"/>
+              <a:t>/ OOP / Container</a:t>
+            </a:r>
+            <a:r>
+              <a:rPr lang="zh-TW" altLang="en-US" sz="2200" dirty="0" smtClean="0"/>
+              <a:t> </a:t>
+            </a:r>
+            <a:r>
+              <a:rPr lang="en-US" altLang="zh-TW" sz="2200" dirty="0" smtClean="0"/>
+              <a:t>/ </a:t>
+            </a:r>
+            <a:r>
+              <a:rPr lang="en-US" altLang="zh-TW" sz="2200" dirty="0" err="1" smtClean="0"/>
+              <a:t>Microservices</a:t>
+            </a:r>
+            <a:r>
+              <a:rPr lang="en-US" altLang="zh-TW" sz="2200" dirty="0" smtClean="0"/>
+              <a:t> / Architect /</a:t>
+            </a:r>
+            <a:r>
+              <a:rPr lang="zh-TW" altLang="en-US" sz="2200" dirty="0" smtClean="0"/>
+              <a:t> </a:t>
+            </a:r>
+            <a:r>
+              <a:rPr lang="en-US" altLang="zh-TW" sz="2200" dirty="0" smtClean="0"/>
+              <a:t>Azure </a:t>
+            </a:r>
+            <a:r>
+              <a:rPr lang="zh-TW" altLang="en-US" sz="2200" dirty="0" smtClean="0"/>
+              <a:t>與雲端服務設計</a:t>
+            </a:r>
+            <a:r>
+              <a:rPr lang="en-US" altLang="zh-TW" sz="2200" dirty="0" smtClean="0"/>
+              <a:t> </a:t>
+            </a:r>
+            <a:r>
+              <a:rPr lang="zh-TW" altLang="en-US" sz="2200" dirty="0" smtClean="0"/>
+              <a:t>為主。</a:t>
+            </a:r>
+            <a:r>
+              <a:rPr lang="en-US" altLang="zh-TW" sz="2200" dirty="0" smtClean="0"/>
+              <a:t/>
+            </a:r>
+            <a:br>
+              <a:rPr lang="en-US" altLang="zh-TW" sz="2200" dirty="0" smtClean="0"/>
+            </a:br>
+            <a:r>
+              <a:rPr lang="en-US" altLang="zh-TW" sz="2000" dirty="0">
+                <a:hlinkClick r:id="rId3"/>
+              </a:rPr>
+              <a:t>https://</a:t>
+            </a:r>
+            <a:r>
+              <a:rPr lang="en-US" altLang="zh-TW" sz="2000" dirty="0" smtClean="0">
+                <a:hlinkClick r:id="rId3"/>
+              </a:rPr>
+              <a:t>www.facebook.com/andrew.blog.0928</a:t>
+            </a:r>
+            <a:endParaRPr lang="en-US" altLang="zh-TW" sz="3200" dirty="0" smtClean="0"/>
+          </a:p>
+          <a:p>
+            <a:pPr marL="514350" indent="-514350">
+              <a:buFont typeface="+mj-lt"/>
+              <a:buAutoNum type="arabicPeriod"/>
+            </a:pPr>
+            <a:r>
+              <a:rPr lang="zh-TW" altLang="en-US" sz="3200" b="1" dirty="0" smtClean="0"/>
+              <a:t>多年技術顧問、專任講師、專欄作家、研討會</a:t>
+            </a:r>
+            <a:r>
+              <a:rPr lang="en-US" altLang="zh-TW" sz="3200" b="1" dirty="0" smtClean="0"/>
+              <a:t>SPEAKER</a:t>
+            </a:r>
+            <a:r>
+              <a:rPr lang="zh-TW" altLang="en-US" sz="3200" b="1" dirty="0" smtClean="0"/>
+              <a:t> 等經驗。</a:t>
+            </a:r>
+            <a:endParaRPr lang="en-US" altLang="zh-TW" sz="3200" b="1" dirty="0"/>
+          </a:p>
+        </p:txBody>
+      </p:sp>
+    </p:spTree>
+    <p:extLst>
+      <p:ext uri="{BB962C8B-B14F-4D97-AF65-F5344CB8AC3E}">
+        <p14:creationId xmlns:p14="http://schemas.microsoft.com/office/powerpoint/2010/main" val="3578116476"/>
+      </p:ext>
+    </p:extLst>
+  </p:cSld>
+  <p:clrMapOvr>
+    <a:masterClrMapping/>
+  </p:clrMapOvr>
+  <p:timing>
+    <p:tnLst>
+      <p:par>
+        <p:cTn id="1" dur="indefinite" restart="never" nodeType="tmRoot"/>
+      </p:par>
+    </p:tnLst>
+  </p:timing>
+</p:sld>
+</file>
+
+<file path=ppt/slides/slide20.xml><?xml version="1.0" encoding="utf-8"?>
 <p:sld xmlns:a="http://schemas.openxmlformats.org/drawingml/2006/main" xmlns:r="http://schemas.openxmlformats.org/officeDocument/2006/relationships" xmlns:p="http://schemas.openxmlformats.org/presentationml/2006/main">
   <p:cSld>
     <p:spTree>
@@ -11310,7 +11116,7 @@
 </p:sld>
 </file>
 
-<file path=ppt/slides/slide22.xml><?xml version="1.0" encoding="utf-8"?>
+<file path=ppt/slides/slide21.xml><?xml version="1.0" encoding="utf-8"?>
 <p:sld xmlns:a="http://schemas.openxmlformats.org/drawingml/2006/main" xmlns:r="http://schemas.openxmlformats.org/officeDocument/2006/relationships" xmlns:p="http://schemas.openxmlformats.org/presentationml/2006/main">
   <p:cSld>
     <p:spTree>
@@ -11731,7 +11537,7 @@
 </p:sld>
 </file>
 
-<file path=ppt/slides/slide23.xml><?xml version="1.0" encoding="utf-8"?>
+<file path=ppt/slides/slide22.xml><?xml version="1.0" encoding="utf-8"?>
 <p:sld xmlns:a="http://schemas.openxmlformats.org/drawingml/2006/main" xmlns:r="http://schemas.openxmlformats.org/officeDocument/2006/relationships" xmlns:p="http://schemas.openxmlformats.org/presentationml/2006/main">
   <p:cSld>
     <p:spTree>
@@ -11934,7 +11740,7 @@
 </p:sld>
 </file>
 
-<file path=ppt/slides/slide24.xml><?xml version="1.0" encoding="utf-8"?>
+<file path=ppt/slides/slide23.xml><?xml version="1.0" encoding="utf-8"?>
 <p:sld xmlns:a="http://schemas.openxmlformats.org/drawingml/2006/main" xmlns:r="http://schemas.openxmlformats.org/officeDocument/2006/relationships" xmlns:p="http://schemas.openxmlformats.org/presentationml/2006/main">
   <p:cSld>
     <p:spTree>
@@ -12246,11 +12052,7 @@
             </a:r>
             <a:r>
               <a:rPr lang="zh-TW" altLang="en-US" dirty="0" smtClean="0"/>
-              <a:t>只歸我用，且有</a:t>
-            </a:r>
-            <a:r>
-              <a:rPr lang="zh-TW" altLang="en-US" dirty="0" smtClean="0"/>
-              <a:t>專屬</a:t>
+              <a:t>只歸我用，且有專屬</a:t>
             </a:r>
             <a:r>
               <a:rPr lang="en-US" altLang="zh-TW" dirty="0" smtClean="0"/>
@@ -12269,11 +12071,7 @@
             </a:r>
             <a:r>
               <a:rPr lang="zh-TW" altLang="en-US" dirty="0" smtClean="0"/>
-              <a:t>還</a:t>
-            </a:r>
-            <a:r>
-              <a:rPr lang="zh-TW" altLang="en-US" dirty="0" smtClean="0"/>
-              <a:t>需要設定 </a:t>
+              <a:t>還需要設定 </a:t>
             </a:r>
             <a:r>
               <a:rPr lang="en-US" altLang="zh-TW" dirty="0" smtClean="0"/>
@@ -12322,11 +12120,7 @@
             </a:r>
             <a:r>
               <a:rPr lang="zh-TW" altLang="en-US" dirty="0" smtClean="0"/>
-              <a:t> </a:t>
-            </a:r>
-            <a:r>
-              <a:rPr lang="zh-TW" altLang="en-US" dirty="0" smtClean="0"/>
-              <a:t>存在的價值，除了 </a:t>
+              <a:t> 存在的價值，除了 </a:t>
             </a:r>
             <a:r>
               <a:rPr lang="en-US" altLang="zh-TW" dirty="0" smtClean="0"/>
@@ -12342,11 +12136,7 @@
             </a:r>
             <a:r>
               <a:rPr lang="zh-TW" altLang="en-US" dirty="0" smtClean="0"/>
-              <a:t> </a:t>
-            </a:r>
-            <a:r>
-              <a:rPr lang="zh-TW" altLang="en-US" dirty="0" smtClean="0"/>
-              <a:t>之外</a:t>
+              <a:t> 之外</a:t>
             </a:r>
             <a:r>
               <a:rPr lang="en-US" altLang="zh-TW" dirty="0" smtClean="0"/>
@@ -12466,7 +12256,7 @@
 </p:sld>
 </file>
 
-<file path=ppt/slides/slide25.xml><?xml version="1.0" encoding="utf-8"?>
+<file path=ppt/slides/slide24.xml><?xml version="1.0" encoding="utf-8"?>
 <p:sld xmlns:a="http://schemas.openxmlformats.org/drawingml/2006/main" xmlns:r="http://schemas.openxmlformats.org/officeDocument/2006/relationships" xmlns:p="http://schemas.openxmlformats.org/presentationml/2006/main">
   <p:cSld>
     <p:spTree>
@@ -12559,7 +12349,6 @@
               <a:rPr lang="en-US" altLang="zh-TW" sz="3200" dirty="0" smtClean="0"/>
               <a:t>APPs …</a:t>
             </a:r>
-            <a:endParaRPr lang="en-US" altLang="zh-TW" sz="3200" dirty="0" smtClean="0"/>
           </a:p>
           <a:p>
             <a:pPr marL="514350" indent="-514350">
@@ -12580,17 +12369,12 @@
             </a:r>
             <a:r>
               <a:rPr lang="zh-TW" altLang="en-US" sz="3200" dirty="0" smtClean="0"/>
-              <a:t> 必須執行上百</a:t>
-            </a:r>
-            <a:r>
-              <a:rPr lang="zh-TW" altLang="en-US" sz="3200" dirty="0" smtClean="0"/>
-              <a:t>份 </a:t>
+              <a:t> 必須執行上百份 </a:t>
             </a:r>
             <a:r>
               <a:rPr lang="en-US" altLang="zh-TW" sz="3200" dirty="0" smtClean="0"/>
               <a:t>instance …</a:t>
             </a:r>
-            <a:endParaRPr lang="en-US" altLang="zh-TW" sz="3200" dirty="0" smtClean="0"/>
           </a:p>
           <a:p>
             <a:pPr marL="514350" indent="-514350">
@@ -12692,7 +12476,6 @@
               <a:rPr lang="en-US" altLang="zh-TW" sz="3200" dirty="0" smtClean="0"/>
               <a:t>)</a:t>
             </a:r>
-            <a:endParaRPr lang="en-US" altLang="zh-TW" sz="3200" dirty="0" smtClean="0"/>
           </a:p>
           <a:p>
             <a:pPr marL="514350" indent="-514350">
@@ -12723,7 +12506,7 @@
 </p:sld>
 </file>
 
-<file path=ppt/slides/slide26.xml><?xml version="1.0" encoding="utf-8"?>
+<file path=ppt/slides/slide25.xml><?xml version="1.0" encoding="utf-8"?>
 <p:sld xmlns:a="http://schemas.openxmlformats.org/drawingml/2006/main" xmlns:r="http://schemas.openxmlformats.org/officeDocument/2006/relationships" xmlns:p="http://schemas.openxmlformats.org/presentationml/2006/main">
   <p:cSld>
     <p:spTree>
@@ -13601,7 +13384,7 @@
 </p:sld>
 </file>
 
-<file path=ppt/slides/slide27.xml><?xml version="1.0" encoding="utf-8"?>
+<file path=ppt/slides/slide26.xml><?xml version="1.0" encoding="utf-8"?>
 <p:sld xmlns:a="http://schemas.openxmlformats.org/drawingml/2006/main" xmlns:r="http://schemas.openxmlformats.org/officeDocument/2006/relationships" xmlns:p="http://schemas.openxmlformats.org/presentationml/2006/main">
   <p:cSld>
     <p:spTree>
@@ -14153,6 +13936,184 @@
 </p:sld>
 </file>
 
+<file path=ppt/slides/slide27.xml><?xml version="1.0" encoding="utf-8"?>
+<p:sld xmlns:a="http://schemas.openxmlformats.org/drawingml/2006/main" xmlns:r="http://schemas.openxmlformats.org/officeDocument/2006/relationships" xmlns:p="http://schemas.openxmlformats.org/presentationml/2006/main">
+  <p:cSld>
+    <p:spTree>
+      <p:nvGrpSpPr>
+        <p:cNvPr id="1" name=""/>
+        <p:cNvGrpSpPr/>
+        <p:nvPr/>
+      </p:nvGrpSpPr>
+      <p:grpSpPr>
+        <a:xfrm>
+          <a:off x="0" y="0"/>
+          <a:ext cx="0" cy="0"/>
+          <a:chOff x="0" y="0"/>
+          <a:chExt cx="0" cy="0"/>
+        </a:xfrm>
+      </p:grpSpPr>
+      <p:sp>
+        <p:nvSpPr>
+          <p:cNvPr id="2" name="標題 1"/>
+          <p:cNvSpPr>
+            <a:spLocks noGrp="1"/>
+          </p:cNvSpPr>
+          <p:nvPr>
+            <p:ph type="title"/>
+          </p:nvPr>
+        </p:nvSpPr>
+        <p:spPr/>
+        <p:txBody>
+          <a:bodyPr/>
+          <a:lstStyle/>
+          <a:p>
+            <a:r>
+              <a:rPr lang="zh-TW" altLang="en-US" dirty="0" smtClean="0"/>
+              <a:t>如果容器能用過即丟</a:t>
+            </a:r>
+            <a:r>
+              <a:rPr lang="en-US" altLang="zh-TW" dirty="0" smtClean="0"/>
+              <a:t>…</a:t>
+            </a:r>
+            <a:endParaRPr lang="zh-TW" altLang="en-US" dirty="0"/>
+          </a:p>
+        </p:txBody>
+      </p:sp>
+      <p:sp>
+        <p:nvSpPr>
+          <p:cNvPr id="3" name="內容版面配置區 2"/>
+          <p:cNvSpPr>
+            <a:spLocks noGrp="1"/>
+          </p:cNvSpPr>
+          <p:nvPr>
+            <p:ph idx="1"/>
+          </p:nvPr>
+        </p:nvSpPr>
+        <p:spPr/>
+        <p:txBody>
+          <a:bodyPr>
+            <a:normAutofit/>
+          </a:bodyPr>
+          <a:lstStyle/>
+          <a:p>
+            <a:pPr marL="514350" indent="-514350">
+              <a:buFont typeface="+mj-lt"/>
+              <a:buAutoNum type="arabicPeriod"/>
+            </a:pPr>
+            <a:r>
+              <a:rPr lang="zh-TW" altLang="en-US" sz="3200" dirty="0" smtClean="0"/>
+              <a:t>既然不需要改變，就不需要包含相關的管理工具</a:t>
+            </a:r>
+            <a:r>
+              <a:rPr lang="en-US" altLang="zh-TW" sz="3200" dirty="0" smtClean="0"/>
+              <a:t>…</a:t>
+            </a:r>
+          </a:p>
+          <a:p>
+            <a:pPr marL="514350" indent="-514350">
+              <a:buFont typeface="+mj-lt"/>
+              <a:buAutoNum type="arabicPeriod"/>
+            </a:pPr>
+            <a:r>
+              <a:rPr lang="zh-TW" altLang="en-US" sz="3200" dirty="0" smtClean="0"/>
+              <a:t>既然不需要管理工具，就不需要任何遠端管理服務</a:t>
+            </a:r>
+            <a:r>
+              <a:rPr lang="en-US" altLang="zh-TW" sz="3200" dirty="0" smtClean="0"/>
+              <a:t>…</a:t>
+            </a:r>
+          </a:p>
+          <a:p>
+            <a:pPr marL="514350" indent="-514350">
+              <a:buFont typeface="+mj-lt"/>
+              <a:buAutoNum type="arabicPeriod"/>
+            </a:pPr>
+            <a:r>
+              <a:rPr lang="zh-TW" altLang="en-US" sz="3200" dirty="0" smtClean="0"/>
+              <a:t>既然不需要遠端管理，就不需要過多的安全管控</a:t>
+            </a:r>
+            <a:r>
+              <a:rPr lang="en-US" altLang="zh-TW" sz="3200" dirty="0" smtClean="0"/>
+              <a:t>…</a:t>
+            </a:r>
+          </a:p>
+          <a:p>
+            <a:pPr marL="0" indent="0">
+              <a:buNone/>
+            </a:pPr>
+            <a:endParaRPr lang="en-US" altLang="zh-TW" sz="3200" dirty="0" smtClean="0"/>
+          </a:p>
+          <a:p>
+            <a:pPr marL="0" indent="0">
+              <a:buNone/>
+            </a:pPr>
+            <a:r>
+              <a:rPr lang="zh-TW" altLang="en-US" sz="3200" dirty="0" smtClean="0"/>
+              <a:t>容器化的部署，一個容器只執行一個 </a:t>
+            </a:r>
+            <a:r>
+              <a:rPr lang="en-US" altLang="zh-TW" sz="3200" dirty="0" smtClean="0"/>
+              <a:t>APP</a:t>
+            </a:r>
+            <a:r>
+              <a:rPr lang="zh-TW" altLang="en-US" sz="3200" dirty="0" smtClean="0"/>
+              <a:t> 的話</a:t>
+            </a:r>
+            <a:r>
+              <a:rPr lang="en-US" altLang="zh-TW" sz="3200" dirty="0" smtClean="0"/>
+              <a:t>:</a:t>
+            </a:r>
+          </a:p>
+          <a:p>
+            <a:pPr marL="514350" indent="-514350">
+              <a:buFont typeface="+mj-lt"/>
+              <a:buAutoNum type="arabicPeriod"/>
+            </a:pPr>
+            <a:r>
+              <a:rPr lang="zh-TW" altLang="en-US" sz="3200" dirty="0" smtClean="0"/>
+              <a:t>只有一個</a:t>
+            </a:r>
+            <a:r>
+              <a:rPr lang="zh-TW" altLang="en-US" sz="3200" dirty="0"/>
+              <a:t> </a:t>
+            </a:r>
+            <a:r>
+              <a:rPr lang="en-US" altLang="zh-TW" sz="3200" dirty="0" smtClean="0"/>
+              <a:t>APP</a:t>
+            </a:r>
+            <a:r>
+              <a:rPr lang="zh-TW" altLang="en-US" sz="3200" dirty="0" smtClean="0"/>
+              <a:t> 要執行，就不需要過多的安全機制</a:t>
+            </a:r>
+            <a:r>
+              <a:rPr lang="en-US" altLang="zh-TW" sz="3200" dirty="0" smtClean="0"/>
+              <a:t>…</a:t>
+            </a:r>
+            <a:endParaRPr lang="en-US" altLang="zh-TW" sz="3200" dirty="0"/>
+          </a:p>
+        </p:txBody>
+      </p:sp>
+    </p:spTree>
+    <p:extLst>
+      <p:ext uri="{BB962C8B-B14F-4D97-AF65-F5344CB8AC3E}">
+        <p14:creationId xmlns:p14="http://schemas.microsoft.com/office/powerpoint/2010/main" val="2898484225"/>
+      </p:ext>
+    </p:extLst>
+  </p:cSld>
+  <p:clrMapOvr>
+    <a:masterClrMapping/>
+  </p:clrMapOvr>
+  <p:timing>
+    <p:tnLst>
+      <p:par>
+        <p:cTn id="1" dur="indefinite" restart="never" nodeType="tmRoot"/>
+      </p:par>
+    </p:tnLst>
+  </p:timing>
+</p:sld>
+</file>
+
 <file path=ppt/slides/slide28.xml><?xml version="1.0" encoding="utf-8"?>
 <p:sld xmlns:a="http://schemas.openxmlformats.org/drawingml/2006/main" xmlns:r="http://schemas.openxmlformats.org/officeDocument/2006/relationships" xmlns:p="http://schemas.openxmlformats.org/presentationml/2006/main">
   <p:cSld>
@@ -14172,12 +14133,12 @@
       </p:grpSpPr>
       <p:sp>
         <p:nvSpPr>
-          <p:cNvPr id="2" name="標題 1"/>
+          <p:cNvPr id="4" name="標題 3"/>
           <p:cNvSpPr>
             <a:spLocks noGrp="1"/>
           </p:cNvSpPr>
           <p:nvPr>
-            <p:ph type="title"/>
+            <p:ph type="ctrTitle"/>
           </p:nvPr>
         </p:nvSpPr>
         <p:spPr/>
@@ -14186,12 +14147,8 @@
           <a:lstStyle/>
           <a:p>
             <a:r>
-              <a:rPr lang="zh-TW" altLang="en-US" dirty="0" smtClean="0"/>
-              <a:t>如果容器能用過即丟</a:t>
-            </a:r>
-            <a:r>
               <a:rPr lang="en-US" altLang="zh-TW" dirty="0" smtClean="0"/>
-              <a:t>…</a:t>
+              <a:t>Build / Ship / Run</a:t>
             </a:r>
             <a:endParaRPr lang="zh-TW" altLang="en-US" dirty="0"/>
           </a:p>
@@ -14199,122 +14156,54 @@
       </p:sp>
       <p:sp>
         <p:nvSpPr>
-          <p:cNvPr id="3" name="內容版面配置區 2"/>
+          <p:cNvPr id="5" name="副標題 4"/>
           <p:cNvSpPr>
             <a:spLocks noGrp="1"/>
           </p:cNvSpPr>
           <p:nvPr>
-            <p:ph idx="1"/>
+            <p:ph type="subTitle" idx="1"/>
           </p:nvPr>
         </p:nvSpPr>
         <p:spPr/>
         <p:txBody>
-          <a:bodyPr>
-            <a:normAutofit/>
-          </a:bodyPr>
-          <a:lstStyle/>
-          <a:p>
-            <a:pPr marL="514350" indent="-514350">
-              <a:buFont typeface="+mj-lt"/>
-              <a:buAutoNum type="arabicPeriod"/>
-            </a:pPr>
-            <a:r>
-              <a:rPr lang="zh-TW" altLang="en-US" sz="3200" dirty="0" smtClean="0"/>
-              <a:t>既然不需要改變，就不需要包含相關的管理工具</a:t>
-            </a:r>
-            <a:r>
-              <a:rPr lang="en-US" altLang="zh-TW" sz="3200" dirty="0" smtClean="0"/>
-              <a:t>…</a:t>
-            </a:r>
-          </a:p>
-          <a:p>
-            <a:pPr marL="514350" indent="-514350">
-              <a:buFont typeface="+mj-lt"/>
-              <a:buAutoNum type="arabicPeriod"/>
-            </a:pPr>
-            <a:r>
-              <a:rPr lang="zh-TW" altLang="en-US" sz="3200" dirty="0" smtClean="0"/>
-              <a:t>既然不需要管理工具，就不需要任何遠端管理服務</a:t>
-            </a:r>
-            <a:r>
-              <a:rPr lang="en-US" altLang="zh-TW" sz="3200" dirty="0" smtClean="0"/>
-              <a:t>…</a:t>
-            </a:r>
-          </a:p>
-          <a:p>
-            <a:pPr marL="514350" indent="-514350">
-              <a:buFont typeface="+mj-lt"/>
-              <a:buAutoNum type="arabicPeriod"/>
-            </a:pPr>
-            <a:r>
-              <a:rPr lang="zh-TW" altLang="en-US" sz="3200" dirty="0" smtClean="0"/>
-              <a:t>既然不需要遠端管理，就不需要過多的安全管控</a:t>
-            </a:r>
-            <a:r>
-              <a:rPr lang="en-US" altLang="zh-TW" sz="3200" dirty="0" smtClean="0"/>
-              <a:t>…</a:t>
-            </a:r>
-          </a:p>
-          <a:p>
-            <a:pPr marL="0" indent="0">
-              <a:buNone/>
-            </a:pPr>
-            <a:endParaRPr lang="en-US" altLang="zh-TW" sz="3200" dirty="0" smtClean="0"/>
-          </a:p>
-          <a:p>
-            <a:pPr marL="0" indent="0">
-              <a:buNone/>
-            </a:pPr>
-            <a:r>
-              <a:rPr lang="zh-TW" altLang="en-US" sz="3200" dirty="0" smtClean="0"/>
-              <a:t>容器化的部署，一個容器只執行一個 </a:t>
-            </a:r>
-            <a:r>
-              <a:rPr lang="en-US" altLang="zh-TW" sz="3200" dirty="0" smtClean="0"/>
-              <a:t>APP</a:t>
-            </a:r>
-            <a:r>
-              <a:rPr lang="zh-TW" altLang="en-US" sz="3200" dirty="0" smtClean="0"/>
-              <a:t> 的話</a:t>
-            </a:r>
-            <a:r>
-              <a:rPr lang="en-US" altLang="zh-TW" sz="3200" dirty="0" smtClean="0"/>
+          <a:bodyPr/>
+          <a:lstStyle/>
+          <a:p>
+            <a:r>
+              <a:rPr lang="zh-TW" altLang="en-US" dirty="0"/>
+              <a:t>思考</a:t>
+            </a:r>
+            <a:r>
+              <a:rPr lang="en-US" altLang="zh-TW" dirty="0"/>
               <a:t>:</a:t>
             </a:r>
-          </a:p>
-          <a:p>
-            <a:pPr marL="514350" indent="-514350">
-              <a:buFont typeface="+mj-lt"/>
-              <a:buAutoNum type="arabicPeriod"/>
-            </a:pPr>
-            <a:r>
-              <a:rPr lang="zh-TW" altLang="en-US" sz="3200" dirty="0" smtClean="0"/>
-              <a:t>只有一個</a:t>
-            </a:r>
-            <a:r>
-              <a:rPr lang="zh-TW" altLang="en-US" sz="3200" dirty="0"/>
-              <a:t> </a:t>
-            </a:r>
-            <a:r>
-              <a:rPr lang="en-US" altLang="zh-TW" sz="3200" dirty="0" smtClean="0"/>
-              <a:t>APP</a:t>
-            </a:r>
-            <a:r>
-              <a:rPr lang="zh-TW" altLang="en-US" sz="3200" dirty="0" smtClean="0"/>
-              <a:t> 要執行，就不需要過多的安全機制</a:t>
-            </a:r>
-            <a:r>
-              <a:rPr lang="en-US" altLang="zh-TW" sz="3200" dirty="0" smtClean="0"/>
-              <a:t>…</a:t>
-            </a:r>
-            <a:endParaRPr lang="en-US" altLang="zh-TW" sz="3200" dirty="0"/>
+            <a:r>
+              <a:rPr lang="zh-TW" altLang="en-US" dirty="0"/>
+              <a:t> 只改一行 </a:t>
+            </a:r>
+            <a:r>
+              <a:rPr lang="en-US" altLang="zh-TW" dirty="0"/>
+              <a:t>CODE</a:t>
+            </a:r>
+            <a:r>
+              <a:rPr lang="zh-TW" altLang="en-US" dirty="0"/>
+              <a:t>，就把整個容器換掉，是好是壞</a:t>
+            </a:r>
+            <a:r>
+              <a:rPr lang="en-US" altLang="zh-TW" dirty="0"/>
+              <a:t>?</a:t>
+            </a:r>
+            <a:endParaRPr lang="zh-TW" altLang="en-US" dirty="0"/>
+          </a:p>
+          <a:p>
+            <a:endParaRPr lang="zh-TW" altLang="en-US" dirty="0"/>
           </a:p>
         </p:txBody>
       </p:sp>
     </p:spTree>
     <p:extLst>
       <p:ext uri="{BB962C8B-B14F-4D97-AF65-F5344CB8AC3E}">
-        <p14:creationId xmlns:p14="http://schemas.microsoft.com/office/powerpoint/2010/main" val="2898484225"/>
+        <p14:creationId xmlns:p14="http://schemas.microsoft.com/office/powerpoint/2010/main" val="1306191852"/>
       </p:ext>
     </p:extLst>
   </p:cSld>
@@ -14350,22 +14239,40 @@
       </p:grpSpPr>
       <p:sp>
         <p:nvSpPr>
-          <p:cNvPr id="4" name="標題 3"/>
+          <p:cNvPr id="2" name="標題 1"/>
           <p:cNvSpPr>
             <a:spLocks noGrp="1"/>
           </p:cNvSpPr>
           <p:nvPr>
-            <p:ph type="ctrTitle"/>
+            <p:ph type="title"/>
           </p:nvPr>
         </p:nvSpPr>
         <p:spPr/>
         <p:txBody>
-          <a:bodyPr/>
-          <a:lstStyle/>
-          <a:p>
-            <a:r>
-              <a:rPr lang="en-US" altLang="zh-TW" dirty="0" smtClean="0"/>
-              <a:t>Build / Ship / Run</a:t>
+          <a:bodyPr>
+            <a:normAutofit/>
+          </a:bodyPr>
+          <a:lstStyle/>
+          <a:p>
+            <a:r>
+              <a:rPr lang="zh-TW" altLang="en-US" dirty="0" smtClean="0"/>
+              <a:t>只</a:t>
+            </a:r>
+            <a:r>
+              <a:rPr lang="zh-TW" altLang="en-US" dirty="0"/>
+              <a:t>改一行 </a:t>
+            </a:r>
+            <a:r>
+              <a:rPr lang="en-US" altLang="zh-TW" dirty="0"/>
+              <a:t>CODE</a:t>
+            </a:r>
+            <a:r>
+              <a:rPr lang="zh-TW" altLang="en-US" dirty="0"/>
+              <a:t>，就把整個容器</a:t>
+            </a:r>
+            <a:r>
+              <a:rPr lang="zh-TW" altLang="en-US" dirty="0" smtClean="0"/>
+              <a:t>換掉</a:t>
             </a:r>
             <a:endParaRPr lang="zh-TW" altLang="en-US" dirty="0"/>
           </a:p>
@@ -14373,54 +14280,269 @@
       </p:sp>
       <p:sp>
         <p:nvSpPr>
-          <p:cNvPr id="5" name="副標題 4"/>
+          <p:cNvPr id="3" name="內容版面配置區 2"/>
           <p:cNvSpPr>
             <a:spLocks noGrp="1"/>
           </p:cNvSpPr>
           <p:nvPr>
-            <p:ph type="subTitle" idx="1"/>
+            <p:ph idx="1"/>
           </p:nvPr>
         </p:nvSpPr>
         <p:spPr/>
         <p:txBody>
-          <a:bodyPr/>
-          <a:lstStyle/>
-          <a:p>
-            <a:r>
-              <a:rPr lang="zh-TW" altLang="en-US" dirty="0"/>
-              <a:t>思考</a:t>
-            </a:r>
-            <a:r>
-              <a:rPr lang="en-US" altLang="zh-TW" dirty="0"/>
+          <a:bodyPr>
+            <a:normAutofit fontScale="77500" lnSpcReduction="20000"/>
+          </a:bodyPr>
+          <a:lstStyle/>
+          <a:p>
+            <a:pPr marL="457200" indent="-457200">
+              <a:buFont typeface="+mj-lt"/>
+              <a:buAutoNum type="arabicPeriod"/>
+            </a:pPr>
+            <a:r>
+              <a:rPr lang="zh-TW" altLang="en-US" sz="3200" dirty="0" smtClean="0"/>
+              <a:t>優點</a:t>
+            </a:r>
+            <a:r>
+              <a:rPr lang="en-US" altLang="zh-TW" sz="3200" dirty="0" smtClean="0"/>
               <a:t>:</a:t>
             </a:r>
             <a:r>
-              <a:rPr lang="zh-TW" altLang="en-US" dirty="0"/>
-              <a:t> 只改一行 </a:t>
-            </a:r>
-            <a:r>
-              <a:rPr lang="en-US" altLang="zh-TW" dirty="0"/>
-              <a:t>CODE</a:t>
-            </a:r>
-            <a:r>
-              <a:rPr lang="zh-TW" altLang="en-US" dirty="0"/>
-              <a:t>，就把整個容器換掉，是好是壞</a:t>
-            </a:r>
-            <a:r>
-              <a:rPr lang="en-US" altLang="zh-TW" dirty="0"/>
-              <a:t>?</a:t>
-            </a:r>
-            <a:endParaRPr lang="zh-TW" altLang="en-US" dirty="0"/>
-          </a:p>
-          <a:p>
-            <a:endParaRPr lang="zh-TW" altLang="en-US" dirty="0"/>
+              <a:rPr lang="zh-TW" altLang="en-US" sz="3200" dirty="0" smtClean="0"/>
+              <a:t> 流程大幅簡化，</a:t>
+            </a:r>
+            <a:r>
+              <a:rPr lang="en-US" altLang="zh-TW" sz="3200" dirty="0" smtClean="0"/>
+              <a:t>MIS</a:t>
+            </a:r>
+            <a:r>
+              <a:rPr lang="zh-TW" altLang="en-US" sz="3200" dirty="0" smtClean="0"/>
+              <a:t> 只管替換新的 </a:t>
+            </a:r>
+            <a:r>
+              <a:rPr lang="en-US" altLang="zh-TW" sz="3200" dirty="0" smtClean="0"/>
+              <a:t>Images</a:t>
+            </a:r>
+          </a:p>
+          <a:p>
+            <a:pPr marL="457200" indent="-457200">
+              <a:buFont typeface="+mj-lt"/>
+              <a:buAutoNum type="arabicPeriod"/>
+            </a:pPr>
+            <a:r>
+              <a:rPr lang="zh-TW" altLang="en-US" sz="3200" dirty="0" smtClean="0"/>
+              <a:t>優點</a:t>
+            </a:r>
+            <a:r>
+              <a:rPr lang="en-US" altLang="zh-TW" sz="3200" dirty="0" smtClean="0"/>
+              <a:t>:</a:t>
+            </a:r>
+            <a:r>
+              <a:rPr lang="zh-TW" altLang="en-US" sz="3200" dirty="0" smtClean="0"/>
+              <a:t> 流程簡化就容易自動</a:t>
+            </a:r>
+            <a:r>
+              <a:rPr lang="zh-TW" altLang="en-US" sz="3200" dirty="0"/>
+              <a:t>化</a:t>
+            </a:r>
+            <a:endParaRPr lang="en-US" altLang="zh-TW" sz="3200" dirty="0" smtClean="0"/>
+          </a:p>
+          <a:p>
+            <a:pPr marL="457200" indent="-457200">
+              <a:buFont typeface="+mj-lt"/>
+              <a:buAutoNum type="arabicPeriod"/>
+            </a:pPr>
+            <a:r>
+              <a:rPr lang="zh-TW" altLang="en-US" sz="3200" dirty="0" smtClean="0"/>
+              <a:t>優點</a:t>
+            </a:r>
+            <a:r>
+              <a:rPr lang="en-US" altLang="zh-TW" sz="3200" dirty="0" smtClean="0"/>
+              <a:t>:</a:t>
+            </a:r>
+            <a:r>
+              <a:rPr lang="zh-TW" altLang="en-US" sz="3200" dirty="0"/>
+              <a:t> </a:t>
+            </a:r>
+            <a:r>
+              <a:rPr lang="en-US" altLang="zh-TW" sz="3200" dirty="0" smtClean="0"/>
+              <a:t>OS</a:t>
+            </a:r>
+            <a:r>
+              <a:rPr lang="zh-TW" altLang="en-US" sz="3200" dirty="0" smtClean="0"/>
+              <a:t> 可以大幅瘦身</a:t>
+            </a:r>
+            <a:endParaRPr lang="en-US" altLang="zh-TW" sz="3200" dirty="0" smtClean="0"/>
+          </a:p>
+          <a:p>
+            <a:pPr marL="457200" indent="-457200">
+              <a:buFont typeface="+mj-lt"/>
+              <a:buAutoNum type="arabicPeriod"/>
+            </a:pPr>
+            <a:endParaRPr lang="en-US" altLang="zh-TW" sz="3200" dirty="0"/>
+          </a:p>
+          <a:p>
+            <a:pPr marL="457200" indent="-457200">
+              <a:buFont typeface="+mj-lt"/>
+              <a:buAutoNum type="arabicPeriod"/>
+            </a:pPr>
+            <a:r>
+              <a:rPr lang="zh-TW" altLang="en-US" sz="3200" dirty="0" smtClean="0"/>
+              <a:t>缺點</a:t>
+            </a:r>
+            <a:r>
+              <a:rPr lang="en-US" altLang="zh-TW" sz="3200" dirty="0" smtClean="0"/>
+              <a:t>:</a:t>
+            </a:r>
+            <a:r>
+              <a:rPr lang="zh-TW" altLang="en-US" sz="3200" dirty="0" smtClean="0"/>
+              <a:t> 改一行 </a:t>
+            </a:r>
+            <a:r>
+              <a:rPr lang="en-US" altLang="zh-TW" sz="3200" dirty="0" smtClean="0"/>
+              <a:t>Code</a:t>
+            </a:r>
+            <a:r>
+              <a:rPr lang="zh-TW" altLang="en-US" sz="3200" dirty="0" smtClean="0"/>
+              <a:t> 就得重建一次 </a:t>
+            </a:r>
+            <a:r>
+              <a:rPr lang="en-US" altLang="zh-TW" sz="3200" dirty="0" smtClean="0"/>
+              <a:t>image</a:t>
+            </a:r>
+            <a:r>
+              <a:rPr lang="zh-TW" altLang="en-US" sz="3200" dirty="0" smtClean="0"/>
+              <a:t> </a:t>
+            </a:r>
+            <a:r>
+              <a:rPr lang="en-US" altLang="zh-TW" sz="3200" dirty="0" smtClean="0"/>
+              <a:t>…</a:t>
+            </a:r>
+            <a:br>
+              <a:rPr lang="en-US" altLang="zh-TW" sz="3200" dirty="0" smtClean="0"/>
+            </a:br>
+            <a:r>
+              <a:rPr lang="en-US" altLang="zh-TW" sz="3100" dirty="0" smtClean="0"/>
+              <a:t>(</a:t>
+            </a:r>
+            <a:r>
+              <a:rPr lang="zh-TW" altLang="en-US" sz="3100" dirty="0" smtClean="0"/>
+              <a:t>除非重建與部署</a:t>
+            </a:r>
+            <a:r>
+              <a:rPr lang="zh-TW" altLang="en-US" sz="3100" dirty="0"/>
+              <a:t> </a:t>
+            </a:r>
+            <a:r>
+              <a:rPr lang="en-US" altLang="zh-TW" sz="3100" dirty="0" smtClean="0"/>
+              <a:t>image</a:t>
+            </a:r>
+            <a:r>
+              <a:rPr lang="zh-TW" altLang="en-US" sz="3100" dirty="0" smtClean="0"/>
+              <a:t> 很簡單又很快速</a:t>
+            </a:r>
+            <a:r>
+              <a:rPr lang="en-US" altLang="zh-TW" sz="3100" dirty="0" smtClean="0"/>
+              <a:t>)</a:t>
+            </a:r>
+            <a:endParaRPr lang="en-US" altLang="zh-TW" sz="3200" dirty="0" smtClean="0"/>
+          </a:p>
+          <a:p>
+            <a:pPr marL="457200" indent="-457200">
+              <a:buFont typeface="+mj-lt"/>
+              <a:buAutoNum type="arabicPeriod"/>
+            </a:pPr>
+            <a:r>
+              <a:rPr lang="zh-TW" altLang="en-US" sz="3200" dirty="0" smtClean="0"/>
+              <a:t>缺點</a:t>
+            </a:r>
+            <a:r>
+              <a:rPr lang="en-US" altLang="zh-TW" sz="3200" dirty="0" smtClean="0"/>
+              <a:t>:</a:t>
+            </a:r>
+            <a:r>
+              <a:rPr lang="zh-TW" altLang="en-US" sz="3200" dirty="0" smtClean="0"/>
+              <a:t> 替換</a:t>
+            </a:r>
+            <a:r>
+              <a:rPr lang="zh-TW" altLang="en-US" sz="3200" dirty="0"/>
+              <a:t> </a:t>
+            </a:r>
+            <a:r>
+              <a:rPr lang="en-US" altLang="zh-TW" sz="3200" dirty="0" smtClean="0"/>
+              <a:t>image</a:t>
+            </a:r>
+            <a:r>
+              <a:rPr lang="zh-TW" altLang="en-US" sz="3200" dirty="0" smtClean="0"/>
+              <a:t> 又慢又麻煩 </a:t>
+            </a:r>
+            <a:r>
+              <a:rPr lang="en-US" altLang="zh-TW" sz="3200" dirty="0" smtClean="0"/>
+              <a:t>…</a:t>
+            </a:r>
+            <a:br>
+              <a:rPr lang="en-US" altLang="zh-TW" sz="3200" dirty="0" smtClean="0"/>
+            </a:br>
+            <a:r>
+              <a:rPr lang="en-US" altLang="zh-TW" sz="3200" dirty="0" smtClean="0"/>
+              <a:t>(</a:t>
+            </a:r>
+            <a:r>
+              <a:rPr lang="zh-TW" altLang="en-US" sz="3200" dirty="0" smtClean="0"/>
+              <a:t>除非 </a:t>
+            </a:r>
+            <a:r>
+              <a:rPr lang="en-US" altLang="zh-TW" sz="3200" dirty="0" smtClean="0"/>
+              <a:t>image</a:t>
+            </a:r>
+            <a:r>
+              <a:rPr lang="zh-TW" altLang="en-US" sz="3200" dirty="0" smtClean="0"/>
+              <a:t> 部署很容易</a:t>
+            </a:r>
+            <a:r>
+              <a:rPr lang="en-US" altLang="zh-TW" sz="3200" dirty="0" smtClean="0"/>
+              <a:t>,</a:t>
+            </a:r>
+            <a:r>
+              <a:rPr lang="zh-TW" altLang="en-US" sz="3200" dirty="0" smtClean="0"/>
+              <a:t> 又能只更新差異的部分</a:t>
+            </a:r>
+            <a:r>
+              <a:rPr lang="en-US" altLang="zh-TW" sz="3200" dirty="0" smtClean="0"/>
+              <a:t>)</a:t>
+            </a:r>
+            <a:br>
+              <a:rPr lang="en-US" altLang="zh-TW" sz="3200" dirty="0" smtClean="0"/>
+            </a:br>
+            <a:endParaRPr lang="en-US" altLang="zh-TW" sz="3200" dirty="0" smtClean="0"/>
+          </a:p>
+          <a:p>
+            <a:pPr marL="457200" indent="-457200">
+              <a:buFont typeface="+mj-lt"/>
+              <a:buAutoNum type="arabicPeriod"/>
+            </a:pPr>
+            <a:r>
+              <a:rPr lang="zh-TW" altLang="en-US" sz="3200" dirty="0" smtClean="0"/>
+              <a:t>自動化的 </a:t>
+            </a:r>
+            <a:r>
+              <a:rPr lang="en-US" altLang="zh-TW" sz="3200" dirty="0" smtClean="0"/>
+              <a:t>Build / Ship / Run</a:t>
+            </a:r>
+          </a:p>
+          <a:p>
+            <a:pPr marL="457200" indent="-457200">
+              <a:buFont typeface="+mj-lt"/>
+              <a:buAutoNum type="arabicPeriod"/>
+            </a:pPr>
+            <a:endParaRPr lang="zh-TW" altLang="en-US" sz="3200" dirty="0"/>
           </a:p>
         </p:txBody>
       </p:sp>
     </p:spTree>
     <p:extLst>
       <p:ext uri="{BB962C8B-B14F-4D97-AF65-F5344CB8AC3E}">
-        <p14:creationId xmlns:p14="http://schemas.microsoft.com/office/powerpoint/2010/main" val="1306191852"/>
+        <p14:creationId xmlns:p14="http://schemas.microsoft.com/office/powerpoint/2010/main" val="2507310265"/>
       </p:ext>
     </p:extLst>
   </p:cSld>
@@ -15227,357 +15349,6 @@
           <a:chExt cx="0" cy="0"/>
         </a:xfrm>
       </p:grpSpPr>
-      <p:sp>
-        <p:nvSpPr>
-          <p:cNvPr id="2" name="標題 1"/>
-          <p:cNvSpPr>
-            <a:spLocks noGrp="1"/>
-          </p:cNvSpPr>
-          <p:nvPr>
-            <p:ph type="title"/>
-          </p:nvPr>
-        </p:nvSpPr>
-        <p:spPr/>
-        <p:txBody>
-          <a:bodyPr>
-            <a:normAutofit/>
-          </a:bodyPr>
-          <a:lstStyle/>
-          <a:p>
-            <a:r>
-              <a:rPr lang="zh-TW" altLang="en-US" dirty="0" smtClean="0"/>
-              <a:t>只</a:t>
-            </a:r>
-            <a:r>
-              <a:rPr lang="zh-TW" altLang="en-US" dirty="0"/>
-              <a:t>改一行 </a:t>
-            </a:r>
-            <a:r>
-              <a:rPr lang="en-US" altLang="zh-TW" dirty="0"/>
-              <a:t>CODE</a:t>
-            </a:r>
-            <a:r>
-              <a:rPr lang="zh-TW" altLang="en-US" dirty="0"/>
-              <a:t>，就把整個容器</a:t>
-            </a:r>
-            <a:r>
-              <a:rPr lang="zh-TW" altLang="en-US" dirty="0" smtClean="0"/>
-              <a:t>換掉</a:t>
-            </a:r>
-            <a:endParaRPr lang="zh-TW" altLang="en-US" dirty="0"/>
-          </a:p>
-        </p:txBody>
-      </p:sp>
-      <p:sp>
-        <p:nvSpPr>
-          <p:cNvPr id="3" name="內容版面配置區 2"/>
-          <p:cNvSpPr>
-            <a:spLocks noGrp="1"/>
-          </p:cNvSpPr>
-          <p:nvPr>
-            <p:ph idx="1"/>
-          </p:nvPr>
-        </p:nvSpPr>
-        <p:spPr/>
-        <p:txBody>
-          <a:bodyPr>
-            <a:normAutofit fontScale="77500" lnSpcReduction="20000"/>
-          </a:bodyPr>
-          <a:lstStyle/>
-          <a:p>
-            <a:pPr marL="457200" indent="-457200">
-              <a:buFont typeface="+mj-lt"/>
-              <a:buAutoNum type="arabicPeriod"/>
-            </a:pPr>
-            <a:r>
-              <a:rPr lang="zh-TW" altLang="en-US" sz="3200" dirty="0" smtClean="0"/>
-              <a:t>優點</a:t>
-            </a:r>
-            <a:r>
-              <a:rPr lang="en-US" altLang="zh-TW" sz="3200" dirty="0" smtClean="0"/>
-              <a:t>:</a:t>
-            </a:r>
-            <a:r>
-              <a:rPr lang="zh-TW" altLang="en-US" sz="3200" dirty="0" smtClean="0"/>
-              <a:t> 流程大幅簡化，</a:t>
-            </a:r>
-            <a:r>
-              <a:rPr lang="en-US" altLang="zh-TW" sz="3200" dirty="0" smtClean="0"/>
-              <a:t>MIS</a:t>
-            </a:r>
-            <a:r>
-              <a:rPr lang="zh-TW" altLang="en-US" sz="3200" dirty="0" smtClean="0"/>
-              <a:t> 只管替換新的 </a:t>
-            </a:r>
-            <a:r>
-              <a:rPr lang="en-US" altLang="zh-TW" sz="3200" dirty="0" smtClean="0"/>
-              <a:t>Images</a:t>
-            </a:r>
-          </a:p>
-          <a:p>
-            <a:pPr marL="457200" indent="-457200">
-              <a:buFont typeface="+mj-lt"/>
-              <a:buAutoNum type="arabicPeriod"/>
-            </a:pPr>
-            <a:r>
-              <a:rPr lang="zh-TW" altLang="en-US" sz="3200" dirty="0" smtClean="0"/>
-              <a:t>優點</a:t>
-            </a:r>
-            <a:r>
-              <a:rPr lang="en-US" altLang="zh-TW" sz="3200" dirty="0" smtClean="0"/>
-              <a:t>:</a:t>
-            </a:r>
-            <a:r>
-              <a:rPr lang="zh-TW" altLang="en-US" sz="3200" dirty="0" smtClean="0"/>
-              <a:t> 流程簡化就容易自動</a:t>
-            </a:r>
-            <a:r>
-              <a:rPr lang="zh-TW" altLang="en-US" sz="3200" dirty="0"/>
-              <a:t>化</a:t>
-            </a:r>
-            <a:endParaRPr lang="en-US" altLang="zh-TW" sz="3200" dirty="0" smtClean="0"/>
-          </a:p>
-          <a:p>
-            <a:pPr marL="457200" indent="-457200">
-              <a:buFont typeface="+mj-lt"/>
-              <a:buAutoNum type="arabicPeriod"/>
-            </a:pPr>
-            <a:r>
-              <a:rPr lang="zh-TW" altLang="en-US" sz="3200" dirty="0" smtClean="0"/>
-              <a:t>優點</a:t>
-            </a:r>
-            <a:r>
-              <a:rPr lang="en-US" altLang="zh-TW" sz="3200" dirty="0" smtClean="0"/>
-              <a:t>:</a:t>
-            </a:r>
-            <a:r>
-              <a:rPr lang="zh-TW" altLang="en-US" sz="3200" dirty="0"/>
-              <a:t> </a:t>
-            </a:r>
-            <a:r>
-              <a:rPr lang="en-US" altLang="zh-TW" sz="3200" dirty="0" smtClean="0"/>
-              <a:t>OS</a:t>
-            </a:r>
-            <a:r>
-              <a:rPr lang="zh-TW" altLang="en-US" sz="3200" dirty="0" smtClean="0"/>
-              <a:t> 可以大幅瘦身</a:t>
-            </a:r>
-            <a:endParaRPr lang="en-US" altLang="zh-TW" sz="3200" dirty="0" smtClean="0"/>
-          </a:p>
-          <a:p>
-            <a:pPr marL="457200" indent="-457200">
-              <a:buFont typeface="+mj-lt"/>
-              <a:buAutoNum type="arabicPeriod"/>
-            </a:pPr>
-            <a:endParaRPr lang="en-US" altLang="zh-TW" sz="3200" dirty="0"/>
-          </a:p>
-          <a:p>
-            <a:pPr marL="457200" indent="-457200">
-              <a:buFont typeface="+mj-lt"/>
-              <a:buAutoNum type="arabicPeriod"/>
-            </a:pPr>
-            <a:r>
-              <a:rPr lang="zh-TW" altLang="en-US" sz="3200" dirty="0" smtClean="0"/>
-              <a:t>缺點</a:t>
-            </a:r>
-            <a:r>
-              <a:rPr lang="en-US" altLang="zh-TW" sz="3200" dirty="0" smtClean="0"/>
-              <a:t>:</a:t>
-            </a:r>
-            <a:r>
-              <a:rPr lang="zh-TW" altLang="en-US" sz="3200" dirty="0" smtClean="0"/>
-              <a:t> </a:t>
-            </a:r>
-            <a:r>
-              <a:rPr lang="zh-TW" altLang="en-US" sz="3200" dirty="0" smtClean="0"/>
-              <a:t>改一行 </a:t>
-            </a:r>
-            <a:r>
-              <a:rPr lang="en-US" altLang="zh-TW" sz="3200" dirty="0" smtClean="0"/>
-              <a:t>Code</a:t>
-            </a:r>
-            <a:r>
-              <a:rPr lang="zh-TW" altLang="en-US" sz="3200" dirty="0" smtClean="0"/>
-              <a:t> 就得重建一次 </a:t>
-            </a:r>
-            <a:r>
-              <a:rPr lang="en-US" altLang="zh-TW" sz="3200" dirty="0" smtClean="0"/>
-              <a:t>image</a:t>
-            </a:r>
-            <a:r>
-              <a:rPr lang="zh-TW" altLang="en-US" sz="3200" dirty="0" smtClean="0"/>
-              <a:t> </a:t>
-            </a:r>
-            <a:r>
-              <a:rPr lang="en-US" altLang="zh-TW" sz="3200" dirty="0" smtClean="0"/>
-              <a:t>…</a:t>
-            </a:r>
-            <a:br>
-              <a:rPr lang="en-US" altLang="zh-TW" sz="3200" dirty="0" smtClean="0"/>
-            </a:br>
-            <a:r>
-              <a:rPr lang="en-US" altLang="zh-TW" sz="3100" dirty="0" smtClean="0"/>
-              <a:t>(</a:t>
-            </a:r>
-            <a:r>
-              <a:rPr lang="zh-TW" altLang="en-US" sz="3100" dirty="0" smtClean="0"/>
-              <a:t>除非重建</a:t>
-            </a:r>
-            <a:r>
-              <a:rPr lang="zh-TW" altLang="en-US" sz="3100" dirty="0" smtClean="0"/>
-              <a:t>與部署</a:t>
-            </a:r>
-            <a:r>
-              <a:rPr lang="zh-TW" altLang="en-US" sz="3100" dirty="0"/>
-              <a:t> </a:t>
-            </a:r>
-            <a:r>
-              <a:rPr lang="en-US" altLang="zh-TW" sz="3100" dirty="0" smtClean="0"/>
-              <a:t>image</a:t>
-            </a:r>
-            <a:r>
-              <a:rPr lang="zh-TW" altLang="en-US" sz="3100" dirty="0" smtClean="0"/>
-              <a:t> </a:t>
-            </a:r>
-            <a:r>
-              <a:rPr lang="zh-TW" altLang="en-US" sz="3100" dirty="0" smtClean="0"/>
-              <a:t>很簡單又很快速</a:t>
-            </a:r>
-            <a:r>
-              <a:rPr lang="en-US" altLang="zh-TW" sz="3100" dirty="0" smtClean="0"/>
-              <a:t>)</a:t>
-            </a:r>
-            <a:endParaRPr lang="en-US" altLang="zh-TW" sz="3200" dirty="0" smtClean="0"/>
-          </a:p>
-          <a:p>
-            <a:pPr marL="457200" indent="-457200">
-              <a:buFont typeface="+mj-lt"/>
-              <a:buAutoNum type="arabicPeriod"/>
-            </a:pPr>
-            <a:r>
-              <a:rPr lang="zh-TW" altLang="en-US" sz="3200" dirty="0" smtClean="0"/>
-              <a:t>缺點</a:t>
-            </a:r>
-            <a:r>
-              <a:rPr lang="en-US" altLang="zh-TW" sz="3200" dirty="0" smtClean="0"/>
-              <a:t>:</a:t>
-            </a:r>
-            <a:r>
-              <a:rPr lang="zh-TW" altLang="en-US" sz="3200" dirty="0" smtClean="0"/>
-              <a:t> 替換</a:t>
-            </a:r>
-            <a:r>
-              <a:rPr lang="zh-TW" altLang="en-US" sz="3200" dirty="0"/>
-              <a:t> </a:t>
-            </a:r>
-            <a:r>
-              <a:rPr lang="en-US" altLang="zh-TW" sz="3200" dirty="0" smtClean="0"/>
-              <a:t>image</a:t>
-            </a:r>
-            <a:r>
-              <a:rPr lang="zh-TW" altLang="en-US" sz="3200" dirty="0" smtClean="0"/>
-              <a:t> 又慢又麻煩 </a:t>
-            </a:r>
-            <a:r>
-              <a:rPr lang="en-US" altLang="zh-TW" sz="3200" dirty="0" smtClean="0"/>
-              <a:t>…</a:t>
-            </a:r>
-            <a:br>
-              <a:rPr lang="en-US" altLang="zh-TW" sz="3200" dirty="0" smtClean="0"/>
-            </a:br>
-            <a:r>
-              <a:rPr lang="en-US" altLang="zh-TW" sz="3200" dirty="0" smtClean="0"/>
-              <a:t>(</a:t>
-            </a:r>
-            <a:r>
-              <a:rPr lang="zh-TW" altLang="en-US" sz="3200" dirty="0" smtClean="0"/>
-              <a:t>除非 </a:t>
-            </a:r>
-            <a:r>
-              <a:rPr lang="en-US" altLang="zh-TW" sz="3200" dirty="0" smtClean="0"/>
-              <a:t>image</a:t>
-            </a:r>
-            <a:r>
-              <a:rPr lang="zh-TW" altLang="en-US" sz="3200" dirty="0" smtClean="0"/>
-              <a:t> 部署很容易</a:t>
-            </a:r>
-            <a:r>
-              <a:rPr lang="en-US" altLang="zh-TW" sz="3200" dirty="0" smtClean="0"/>
-              <a:t>,</a:t>
-            </a:r>
-            <a:r>
-              <a:rPr lang="zh-TW" altLang="en-US" sz="3200" dirty="0" smtClean="0"/>
-              <a:t> 又能只更新差異的部分</a:t>
-            </a:r>
-            <a:r>
-              <a:rPr lang="en-US" altLang="zh-TW" sz="3200" dirty="0" smtClean="0"/>
-              <a:t>)</a:t>
-            </a:r>
-            <a:br>
-              <a:rPr lang="en-US" altLang="zh-TW" sz="3200" dirty="0" smtClean="0"/>
-            </a:br>
-            <a:endParaRPr lang="en-US" altLang="zh-TW" sz="3200" dirty="0" smtClean="0"/>
-          </a:p>
-          <a:p>
-            <a:pPr marL="457200" indent="-457200">
-              <a:buFont typeface="+mj-lt"/>
-              <a:buAutoNum type="arabicPeriod"/>
-            </a:pPr>
-            <a:r>
-              <a:rPr lang="zh-TW" altLang="en-US" sz="3200" dirty="0" smtClean="0"/>
-              <a:t>自動化的 </a:t>
-            </a:r>
-            <a:r>
-              <a:rPr lang="en-US" altLang="zh-TW" sz="3200" dirty="0" smtClean="0"/>
-              <a:t>Build / Ship / Run</a:t>
-            </a:r>
-          </a:p>
-          <a:p>
-            <a:pPr marL="457200" indent="-457200">
-              <a:buFont typeface="+mj-lt"/>
-              <a:buAutoNum type="arabicPeriod"/>
-            </a:pPr>
-            <a:endParaRPr lang="zh-TW" altLang="en-US" sz="3200" dirty="0"/>
-          </a:p>
-        </p:txBody>
-      </p:sp>
-    </p:spTree>
-    <p:extLst>
-      <p:ext uri="{BB962C8B-B14F-4D97-AF65-F5344CB8AC3E}">
-        <p14:creationId xmlns:p14="http://schemas.microsoft.com/office/powerpoint/2010/main" val="2507310265"/>
-      </p:ext>
-    </p:extLst>
-  </p:cSld>
-  <p:clrMapOvr>
-    <a:masterClrMapping/>
-  </p:clrMapOvr>
-  <p:timing>
-    <p:tnLst>
-      <p:par>
-        <p:cTn id="1" dur="indefinite" restart="never" nodeType="tmRoot"/>
-      </p:par>
-    </p:tnLst>
-  </p:timing>
-</p:sld>
-</file>
-
-<file path=ppt/slides/slide31.xml><?xml version="1.0" encoding="utf-8"?>
-<p:sld xmlns:a="http://schemas.openxmlformats.org/drawingml/2006/main" xmlns:r="http://schemas.openxmlformats.org/officeDocument/2006/relationships" xmlns:p="http://schemas.openxmlformats.org/presentationml/2006/main">
-  <p:cSld>
-    <p:spTree>
-      <p:nvGrpSpPr>
-        <p:cNvPr id="1" name=""/>
-        <p:cNvGrpSpPr/>
-        <p:nvPr/>
-      </p:nvGrpSpPr>
-      <p:grpSpPr>
-        <a:xfrm>
-          <a:off x="0" y="0"/>
-          <a:ext cx="0" cy="0"/>
-          <a:chOff x="0" y="0"/>
-          <a:chExt cx="0" cy="0"/>
-        </a:xfrm>
-      </p:grpSpPr>
       <p:pic>
         <p:nvPicPr>
           <p:cNvPr id="1026" name="Picture 2" descr="「docker image layer」的圖片搜尋結果"/>
@@ -15695,11 +15466,11 @@
   <p:clrMapOvr>
     <a:masterClrMapping/>
   </p:clrMapOvr>
-  <mc:AlternateContent xmlns:mc="http://schemas.openxmlformats.org/markup-compatibility/2006">
-    <mc:Choice xmlns:p14="http://schemas.microsoft.com/office/powerpoint/2010/main" Requires="p14">
+  <mc:AlternateContent xmlns:mc="http://schemas.openxmlformats.org/markup-compatibility/2006" xmlns:p14="http://schemas.microsoft.com/office/powerpoint/2010/main">
+    <mc:Choice Requires="p14">
       <p:transition spd="slow" p14:dur="2000"/>
     </mc:Choice>
-    <mc:Fallback>
+    <mc:Fallback xmlns="">
       <p:transition spd="slow"/>
     </mc:Fallback>
   </mc:AlternateContent>
@@ -15713,7 +15484,7 @@
 </p:sld>
 </file>
 
-<file path=ppt/slides/slide32.xml><?xml version="1.0" encoding="utf-8"?>
+<file path=ppt/slides/slide31.xml><?xml version="1.0" encoding="utf-8"?>
 <p:sld xmlns:a="http://schemas.openxmlformats.org/drawingml/2006/main" xmlns:r="http://schemas.openxmlformats.org/officeDocument/2006/relationships" xmlns:p="http://schemas.openxmlformats.org/presentationml/2006/main">
   <p:cSld>
     <p:spTree>
@@ -15747,11 +15518,7 @@
           <a:p>
             <a:r>
               <a:rPr lang="zh-TW" altLang="en-US" dirty="0" smtClean="0"/>
-              <a:t>容器</a:t>
-            </a:r>
-            <a:r>
-              <a:rPr lang="zh-TW" altLang="en-US" dirty="0" smtClean="0"/>
-              <a:t>如何做 </a:t>
+              <a:t>容器如何做 </a:t>
             </a:r>
             <a:r>
               <a:rPr lang="en-US" altLang="zh-TW" dirty="0" smtClean="0"/>
@@ -16014,7 +15781,7 @@
 </p:sld>
 </file>
 
-<file path=ppt/slides/slide33.xml><?xml version="1.0" encoding="utf-8"?>
+<file path=ppt/slides/slide32.xml><?xml version="1.0" encoding="utf-8"?>
 <p:sld xmlns:a="http://schemas.openxmlformats.org/drawingml/2006/main" xmlns:r="http://schemas.openxmlformats.org/officeDocument/2006/relationships" xmlns:p="http://schemas.openxmlformats.org/presentationml/2006/main">
   <p:cSld>
     <p:spTree>
@@ -17084,6 +16851,93 @@
 </p:sld>
 </file>
 
+<file path=ppt/slides/slide33.xml><?xml version="1.0" encoding="utf-8"?>
+<p:sld xmlns:a="http://schemas.openxmlformats.org/drawingml/2006/main" xmlns:r="http://schemas.openxmlformats.org/officeDocument/2006/relationships" xmlns:p="http://schemas.openxmlformats.org/presentationml/2006/main">
+  <p:cSld>
+    <p:spTree>
+      <p:nvGrpSpPr>
+        <p:cNvPr id="1" name=""/>
+        <p:cNvGrpSpPr/>
+        <p:nvPr/>
+      </p:nvGrpSpPr>
+      <p:grpSpPr>
+        <a:xfrm>
+          <a:off x="0" y="0"/>
+          <a:ext cx="0" cy="0"/>
+          <a:chOff x="0" y="0"/>
+          <a:chExt cx="0" cy="0"/>
+        </a:xfrm>
+      </p:grpSpPr>
+      <p:sp>
+        <p:nvSpPr>
+          <p:cNvPr id="4" name="標題 3"/>
+          <p:cNvSpPr>
+            <a:spLocks noGrp="1"/>
+          </p:cNvSpPr>
+          <p:nvPr>
+            <p:ph type="ctrTitle"/>
+          </p:nvPr>
+        </p:nvSpPr>
+        <p:spPr/>
+        <p:txBody>
+          <a:bodyPr/>
+          <a:lstStyle/>
+          <a:p>
+            <a:r>
+              <a:rPr lang="en-US" altLang="zh-TW" dirty="0" smtClean="0"/>
+              <a:t>DEMO: OS /</a:t>
+            </a:r>
+            <a:r>
+              <a:rPr lang="zh-TW" altLang="en-US" dirty="0" smtClean="0"/>
+              <a:t> </a:t>
+            </a:r>
+            <a:r>
+              <a:rPr lang="en-US" altLang="zh-TW" dirty="0" smtClean="0"/>
+              <a:t>Framework Update?</a:t>
+            </a:r>
+            <a:endParaRPr lang="zh-TW" altLang="en-US" dirty="0"/>
+          </a:p>
+        </p:txBody>
+      </p:sp>
+      <p:sp>
+        <p:nvSpPr>
+          <p:cNvPr id="5" name="副標題 4"/>
+          <p:cNvSpPr>
+            <a:spLocks noGrp="1"/>
+          </p:cNvSpPr>
+          <p:nvPr>
+            <p:ph type="subTitle" idx="1"/>
+          </p:nvPr>
+        </p:nvSpPr>
+        <p:spPr/>
+        <p:txBody>
+          <a:bodyPr/>
+          <a:lstStyle/>
+          <a:p>
+            <a:endParaRPr lang="zh-TW" altLang="en-US"/>
+          </a:p>
+        </p:txBody>
+      </p:sp>
+    </p:spTree>
+    <p:extLst>
+      <p:ext uri="{BB962C8B-B14F-4D97-AF65-F5344CB8AC3E}">
+        <p14:creationId xmlns:p14="http://schemas.microsoft.com/office/powerpoint/2010/main" val="645550656"/>
+      </p:ext>
+    </p:extLst>
+  </p:cSld>
+  <p:clrMapOvr>
+    <a:masterClrMapping/>
+  </p:clrMapOvr>
+  <p:timing>
+    <p:tnLst>
+      <p:par>
+        <p:cTn id="1" dur="indefinite" restart="never" nodeType="tmRoot"/>
+      </p:par>
+    </p:tnLst>
+  </p:timing>
+</p:sld>
+</file>
+
 <file path=ppt/slides/slide34.xml><?xml version="1.0" encoding="utf-8"?>
 <p:sld xmlns:a="http://schemas.openxmlformats.org/drawingml/2006/main" xmlns:r="http://schemas.openxmlformats.org/officeDocument/2006/relationships" xmlns:p="http://schemas.openxmlformats.org/presentationml/2006/main">
   <p:cSld>
@@ -17103,7 +16957,7 @@
       </p:grpSpPr>
       <p:sp>
         <p:nvSpPr>
-          <p:cNvPr id="4" name="標題 3"/>
+          <p:cNvPr id="2" name="標題 1"/>
           <p:cNvSpPr>
             <a:spLocks noGrp="1"/>
           </p:cNvSpPr>
@@ -17118,15 +16972,11 @@
           <a:p>
             <a:r>
               <a:rPr lang="en-US" altLang="zh-TW" dirty="0" smtClean="0"/>
-              <a:t>DEMO: OS /</a:t>
+              <a:t>#4. </a:t>
             </a:r>
             <a:r>
               <a:rPr lang="zh-TW" altLang="en-US" dirty="0" smtClean="0"/>
-              <a:t> </a:t>
-            </a:r>
-            <a:r>
-              <a:rPr lang="en-US" altLang="zh-TW" dirty="0" smtClean="0"/>
-              <a:t>Framework Update?</a:t>
+              <a:t>跨版本的單元測試</a:t>
             </a:r>
             <a:endParaRPr lang="zh-TW" altLang="en-US" dirty="0"/>
           </a:p>
@@ -17134,7 +16984,7 @@
       </p:sp>
       <p:sp>
         <p:nvSpPr>
-          <p:cNvPr id="5" name="副標題 4"/>
+          <p:cNvPr id="3" name="內容版面配置區 2"/>
           <p:cNvSpPr>
             <a:spLocks noGrp="1"/>
           </p:cNvSpPr>
@@ -17144,17 +16994,19 @@
         </p:nvSpPr>
         <p:spPr/>
         <p:txBody>
-          <a:bodyPr/>
-          <a:lstStyle/>
-          <a:p>
-            <a:endParaRPr lang="zh-TW" altLang="en-US"/>
+          <a:bodyPr>
+            <a:normAutofit/>
+          </a:bodyPr>
+          <a:lstStyle/>
+          <a:p>
+            <a:endParaRPr lang="en-US" altLang="zh-TW" sz="2800" dirty="0"/>
           </a:p>
         </p:txBody>
       </p:sp>
     </p:spTree>
     <p:extLst>
       <p:ext uri="{BB962C8B-B14F-4D97-AF65-F5344CB8AC3E}">
-        <p14:creationId xmlns:p14="http://schemas.microsoft.com/office/powerpoint/2010/main" val="645550656"/>
+        <p14:creationId xmlns:p14="http://schemas.microsoft.com/office/powerpoint/2010/main" val="3065480469"/>
       </p:ext>
     </p:extLst>
   </p:cSld>
@@ -17195,6 +17047,3485 @@
             <a:spLocks noGrp="1"/>
           </p:cNvSpPr>
           <p:nvPr>
+            <p:ph type="title"/>
+          </p:nvPr>
+        </p:nvSpPr>
+        <p:spPr/>
+        <p:txBody>
+          <a:bodyPr/>
+          <a:lstStyle/>
+          <a:p>
+            <a:endParaRPr lang="zh-TW" altLang="en-US"/>
+          </a:p>
+        </p:txBody>
+      </p:sp>
+      <p:sp>
+        <p:nvSpPr>
+          <p:cNvPr id="3" name="內容版面配置區 2"/>
+          <p:cNvSpPr>
+            <a:spLocks noGrp="1"/>
+          </p:cNvSpPr>
+          <p:nvPr>
+            <p:ph idx="1"/>
+          </p:nvPr>
+        </p:nvSpPr>
+        <p:spPr/>
+        <p:txBody>
+          <a:bodyPr/>
+          <a:lstStyle/>
+          <a:p>
+            <a:endParaRPr lang="zh-TW" altLang="en-US"/>
+          </a:p>
+        </p:txBody>
+      </p:sp>
+      <p:sp>
+        <p:nvSpPr>
+          <p:cNvPr id="4" name="文字方塊 3"/>
+          <p:cNvSpPr txBox="1"/>
+          <p:nvPr/>
+        </p:nvSpPr>
+        <p:spPr>
+          <a:xfrm>
+            <a:off x="93785" y="6463323"/>
+            <a:ext cx="8856912" cy="369332"/>
+          </a:xfrm>
+          <a:prstGeom prst="rect">
+            <a:avLst/>
+          </a:prstGeom>
+          <a:noFill/>
+        </p:spPr>
+        <p:txBody>
+          <a:bodyPr wrap="none" rtlCol="0">
+            <a:spAutoFit/>
+          </a:bodyPr>
+          <a:lstStyle/>
+          <a:p>
+            <a:r>
+              <a:rPr lang="en-US" altLang="zh-TW" dirty="0">
+                <a:solidFill>
+                  <a:schemeClr val="bg1"/>
+                </a:solidFill>
+              </a:rPr>
+              <a:t>https://blog.chmouel.com/2014/11/10/use-cases-for-docker-driven-development/</a:t>
+            </a:r>
+            <a:endParaRPr lang="zh-TW" altLang="en-US" dirty="0">
+              <a:solidFill>
+                <a:schemeClr val="bg1"/>
+              </a:solidFill>
+            </a:endParaRPr>
+          </a:p>
+        </p:txBody>
+      </p:sp>
+      <p:grpSp>
+        <p:nvGrpSpPr>
+          <p:cNvPr id="7" name="群組 6"/>
+          <p:cNvGrpSpPr/>
+          <p:nvPr/>
+        </p:nvGrpSpPr>
+        <p:grpSpPr>
+          <a:xfrm>
+            <a:off x="1097280" y="743803"/>
+            <a:ext cx="10286071" cy="31542258"/>
+            <a:chOff x="1060646" y="-12480647"/>
+            <a:chExt cx="10286071" cy="31542258"/>
+          </a:xfrm>
+        </p:grpSpPr>
+        <p:pic>
+          <p:nvPicPr>
+            <p:cNvPr id="5" name="圖片 4"/>
+            <p:cNvPicPr>
+              <a:picLocks noChangeAspect="1"/>
+            </p:cNvPicPr>
+            <p:nvPr/>
+          </p:nvPicPr>
+          <p:blipFill>
+            <a:blip r:embed="rId2"/>
+            <a:stretch>
+              <a:fillRect/>
+            </a:stretch>
+          </p:blipFill>
+          <p:spPr>
+            <a:xfrm>
+              <a:off x="1060646" y="-12480647"/>
+              <a:ext cx="10001250" cy="16002000"/>
+            </a:xfrm>
+            <a:prstGeom prst="rect">
+              <a:avLst/>
+            </a:prstGeom>
+          </p:spPr>
+        </p:pic>
+        <p:pic>
+          <p:nvPicPr>
+            <p:cNvPr id="6" name="圖片 5"/>
+            <p:cNvPicPr>
+              <a:picLocks noChangeAspect="1"/>
+            </p:cNvPicPr>
+            <p:nvPr/>
+          </p:nvPicPr>
+          <p:blipFill rotWithShape="1">
+            <a:blip r:embed="rId3"/>
+            <a:srcRect t="4030" b="-1"/>
+            <a:stretch/>
+          </p:blipFill>
+          <p:spPr>
+            <a:xfrm>
+              <a:off x="1345467" y="3704493"/>
+              <a:ext cx="10001250" cy="15357118"/>
+            </a:xfrm>
+            <a:prstGeom prst="rect">
+              <a:avLst/>
+            </a:prstGeom>
+          </p:spPr>
+        </p:pic>
+      </p:grpSp>
+    </p:spTree>
+    <p:extLst>
+      <p:ext uri="{BB962C8B-B14F-4D97-AF65-F5344CB8AC3E}">
+        <p14:creationId xmlns:p14="http://schemas.microsoft.com/office/powerpoint/2010/main" val="286406794"/>
+      </p:ext>
+    </p:extLst>
+  </p:cSld>
+  <p:clrMapOvr>
+    <a:masterClrMapping/>
+  </p:clrMapOvr>
+  <p:timing>
+    <p:tnLst>
+      <p:par>
+        <p:cTn id="1" dur="indefinite" restart="never" nodeType="tmRoot">
+          <p:childTnLst>
+            <p:seq concurrent="1" nextAc="seek">
+              <p:cTn id="2" dur="indefinite" nodeType="mainSeq">
+                <p:childTnLst>
+                  <p:par>
+                    <p:cTn id="3" fill="hold">
+                      <p:stCondLst>
+                        <p:cond delay="indefinite"/>
+                      </p:stCondLst>
+                      <p:childTnLst>
+                        <p:par>
+                          <p:cTn id="4" fill="hold">
+                            <p:stCondLst>
+                              <p:cond delay="0"/>
+                            </p:stCondLst>
+                            <p:childTnLst>
+                              <p:par>
+                                <p:cTn id="5" presetID="42" presetClass="path" presetSubtype="0" accel="50000" decel="50000" fill="hold" nodeType="clickEffect">
+                                  <p:stCondLst>
+                                    <p:cond delay="0"/>
+                                  </p:stCondLst>
+                                  <p:childTnLst>
+                                    <p:animMotion origin="layout" path="M 1.04167E-6 -1.85185E-6 L 1.04167E-6 -1.11643 " pathEditMode="relative" rAng="0" ptsTypes="AA">
+                                      <p:cBhvr>
+                                        <p:cTn id="6" dur="2000" fill="hold"/>
+                                        <p:tgtEl>
+                                          <p:spTgt spid="7"/>
+                                        </p:tgtEl>
+                                        <p:attrNameLst>
+                                          <p:attrName>ppt_x</p:attrName>
+                                          <p:attrName>ppt_y</p:attrName>
+                                        </p:attrNameLst>
+                                      </p:cBhvr>
+                                      <p:rCtr x="0" y="-55833"/>
+                                    </p:animMotion>
+                                  </p:childTnLst>
+                                </p:cTn>
+                              </p:par>
+                            </p:childTnLst>
+                          </p:cTn>
+                        </p:par>
+                      </p:childTnLst>
+                    </p:cTn>
+                  </p:par>
+                  <p:par>
+                    <p:cTn id="7" fill="hold">
+                      <p:stCondLst>
+                        <p:cond delay="indefinite"/>
+                      </p:stCondLst>
+                      <p:childTnLst>
+                        <p:par>
+                          <p:cTn id="8" fill="hold">
+                            <p:stCondLst>
+                              <p:cond delay="0"/>
+                            </p:stCondLst>
+                            <p:childTnLst>
+                              <p:par>
+                                <p:cTn id="9" presetID="42" presetClass="path" presetSubtype="0" accel="50000" decel="50000" fill="hold" nodeType="clickEffect">
+                                  <p:stCondLst>
+                                    <p:cond delay="0"/>
+                                  </p:stCondLst>
+                                  <p:childTnLst>
+                                    <p:animMotion origin="layout" path="M 1.04167E-6 -1.11643 L 1.04167E-6 -2.67477 " pathEditMode="relative" rAng="0" ptsTypes="AA">
+                                      <p:cBhvr>
+                                        <p:cTn id="10" dur="2000" fill="hold"/>
+                                        <p:tgtEl>
+                                          <p:spTgt spid="7"/>
+                                        </p:tgtEl>
+                                        <p:attrNameLst>
+                                          <p:attrName>ppt_x</p:attrName>
+                                          <p:attrName>ppt_y</p:attrName>
+                                        </p:attrNameLst>
+                                      </p:cBhvr>
+                                      <p:rCtr x="0" y="-77778"/>
+                                    </p:animMotion>
+                                  </p:childTnLst>
+                                </p:cTn>
+                              </p:par>
+                            </p:childTnLst>
+                          </p:cTn>
+                        </p:par>
+                      </p:childTnLst>
+                    </p:cTn>
+                  </p:par>
+                </p:childTnLst>
+              </p:cTn>
+              <p:prevCondLst>
+                <p:cond evt="onPrev" delay="0">
+                  <p:tgtEl>
+                    <p:sldTgt/>
+                  </p:tgtEl>
+                </p:cond>
+              </p:prevCondLst>
+              <p:nextCondLst>
+                <p:cond evt="onNext" delay="0">
+                  <p:tgtEl>
+                    <p:sldTgt/>
+                  </p:tgtEl>
+                </p:cond>
+              </p:nextCondLst>
+            </p:seq>
+          </p:childTnLst>
+        </p:cTn>
+      </p:par>
+    </p:tnLst>
+  </p:timing>
+</p:sld>
+</file>
+
+<file path=ppt/slides/slide36.xml><?xml version="1.0" encoding="utf-8"?>
+<p:sld xmlns:a="http://schemas.openxmlformats.org/drawingml/2006/main" xmlns:r="http://schemas.openxmlformats.org/officeDocument/2006/relationships" xmlns:p="http://schemas.openxmlformats.org/presentationml/2006/main">
+  <p:cSld>
+    <p:spTree>
+      <p:nvGrpSpPr>
+        <p:cNvPr id="1" name=""/>
+        <p:cNvGrpSpPr/>
+        <p:nvPr/>
+      </p:nvGrpSpPr>
+      <p:grpSpPr>
+        <a:xfrm>
+          <a:off x="0" y="0"/>
+          <a:ext cx="0" cy="0"/>
+          <a:chOff x="0" y="0"/>
+          <a:chExt cx="0" cy="0"/>
+        </a:xfrm>
+      </p:grpSpPr>
+      <p:sp>
+        <p:nvSpPr>
+          <p:cNvPr id="2" name="標題 1"/>
+          <p:cNvSpPr>
+            <a:spLocks noGrp="1"/>
+          </p:cNvSpPr>
+          <p:nvPr>
+            <p:ph type="title"/>
+          </p:nvPr>
+        </p:nvSpPr>
+        <p:spPr/>
+        <p:txBody>
+          <a:bodyPr/>
+          <a:lstStyle/>
+          <a:p>
+            <a:endParaRPr lang="zh-TW" altLang="en-US"/>
+          </a:p>
+        </p:txBody>
+      </p:sp>
+      <p:sp>
+        <p:nvSpPr>
+          <p:cNvPr id="3" name="內容版面配置區 2"/>
+          <p:cNvSpPr>
+            <a:spLocks noGrp="1"/>
+          </p:cNvSpPr>
+          <p:nvPr>
+            <p:ph idx="1"/>
+          </p:nvPr>
+        </p:nvSpPr>
+        <p:spPr/>
+        <p:txBody>
+          <a:bodyPr/>
+          <a:lstStyle/>
+          <a:p>
+            <a:endParaRPr lang="zh-TW" altLang="en-US"/>
+          </a:p>
+        </p:txBody>
+      </p:sp>
+      <p:pic>
+        <p:nvPicPr>
+          <p:cNvPr id="4" name="圖片 3"/>
+          <p:cNvPicPr>
+            <a:picLocks noChangeAspect="1"/>
+          </p:cNvPicPr>
+          <p:nvPr/>
+        </p:nvPicPr>
+        <p:blipFill>
+          <a:blip r:embed="rId2"/>
+          <a:stretch>
+            <a:fillRect/>
+          </a:stretch>
+        </p:blipFill>
+        <p:spPr>
+          <a:xfrm>
+            <a:off x="2244132" y="201758"/>
+            <a:ext cx="7583156" cy="6092744"/>
+          </a:xfrm>
+          <a:prstGeom prst="rect">
+            <a:avLst/>
+          </a:prstGeom>
+        </p:spPr>
+      </p:pic>
+      <p:sp>
+        <p:nvSpPr>
+          <p:cNvPr id="5" name="文字方塊 4"/>
+          <p:cNvSpPr txBox="1"/>
+          <p:nvPr/>
+        </p:nvSpPr>
+        <p:spPr>
+          <a:xfrm>
+            <a:off x="70338" y="6451044"/>
+            <a:ext cx="6800260" cy="369332"/>
+          </a:xfrm>
+          <a:prstGeom prst="rect">
+            <a:avLst/>
+          </a:prstGeom>
+          <a:noFill/>
+        </p:spPr>
+        <p:txBody>
+          <a:bodyPr wrap="none" rtlCol="0">
+            <a:spAutoFit/>
+          </a:bodyPr>
+          <a:lstStyle/>
+          <a:p>
+            <a:r>
+              <a:rPr lang="en-US" altLang="zh-TW" dirty="0">
+                <a:solidFill>
+                  <a:schemeClr val="bg1"/>
+                </a:solidFill>
+              </a:rPr>
+              <a:t>http://columns.chicken-house.net/2016/10/31/microservice5/</a:t>
+            </a:r>
+            <a:endParaRPr lang="zh-TW" altLang="en-US" dirty="0">
+              <a:solidFill>
+                <a:schemeClr val="bg1"/>
+              </a:solidFill>
+            </a:endParaRPr>
+          </a:p>
+        </p:txBody>
+      </p:sp>
+    </p:spTree>
+    <p:extLst>
+      <p:ext uri="{BB962C8B-B14F-4D97-AF65-F5344CB8AC3E}">
+        <p14:creationId xmlns:p14="http://schemas.microsoft.com/office/powerpoint/2010/main" val="3051696305"/>
+      </p:ext>
+    </p:extLst>
+  </p:cSld>
+  <p:clrMapOvr>
+    <a:masterClrMapping/>
+  </p:clrMapOvr>
+  <p:timing>
+    <p:tnLst>
+      <p:par>
+        <p:cTn id="1" dur="indefinite" restart="never" nodeType="tmRoot"/>
+      </p:par>
+    </p:tnLst>
+  </p:timing>
+</p:sld>
+</file>
+
+<file path=ppt/slides/slide37.xml><?xml version="1.0" encoding="utf-8"?>
+<p:sld xmlns:a="http://schemas.openxmlformats.org/drawingml/2006/main" xmlns:r="http://schemas.openxmlformats.org/officeDocument/2006/relationships" xmlns:p="http://schemas.openxmlformats.org/presentationml/2006/main">
+  <p:cSld>
+    <p:spTree>
+      <p:nvGrpSpPr>
+        <p:cNvPr id="1" name=""/>
+        <p:cNvGrpSpPr/>
+        <p:nvPr/>
+      </p:nvGrpSpPr>
+      <p:grpSpPr>
+        <a:xfrm>
+          <a:off x="0" y="0"/>
+          <a:ext cx="0" cy="0"/>
+          <a:chOff x="0" y="0"/>
+          <a:chExt cx="0" cy="0"/>
+        </a:xfrm>
+      </p:grpSpPr>
+      <p:sp>
+        <p:nvSpPr>
+          <p:cNvPr id="2" name="標題 1"/>
+          <p:cNvSpPr>
+            <a:spLocks noGrp="1"/>
+          </p:cNvSpPr>
+          <p:nvPr>
+            <p:ph type="title"/>
+          </p:nvPr>
+        </p:nvSpPr>
+        <p:spPr/>
+        <p:txBody>
+          <a:bodyPr/>
+          <a:lstStyle/>
+          <a:p>
+            <a:r>
+              <a:rPr lang="en-US" altLang="zh-TW" dirty="0" smtClean="0"/>
+              <a:t>Unit Test Web API </a:t>
+            </a:r>
+            <a:r>
+              <a:rPr lang="zh-TW" altLang="en-US" dirty="0" smtClean="0"/>
+              <a:t>的困擾</a:t>
+            </a:r>
+            <a:r>
+              <a:rPr lang="en-US" altLang="zh-TW" dirty="0" smtClean="0"/>
+              <a:t>…</a:t>
+            </a:r>
+            <a:endParaRPr lang="zh-TW" altLang="en-US" dirty="0"/>
+          </a:p>
+        </p:txBody>
+      </p:sp>
+      <p:sp>
+        <p:nvSpPr>
+          <p:cNvPr id="3" name="內容版面配置區 2"/>
+          <p:cNvSpPr>
+            <a:spLocks noGrp="1"/>
+          </p:cNvSpPr>
+          <p:nvPr>
+            <p:ph idx="1"/>
+          </p:nvPr>
+        </p:nvSpPr>
+        <p:spPr/>
+        <p:txBody>
+          <a:bodyPr/>
+          <a:lstStyle/>
+          <a:p>
+            <a:endParaRPr lang="zh-TW" altLang="en-US"/>
+          </a:p>
+        </p:txBody>
+      </p:sp>
+      <p:pic>
+        <p:nvPicPr>
+          <p:cNvPr id="4" name="圖片 3"/>
+          <p:cNvPicPr>
+            <a:picLocks noChangeAspect="1"/>
+          </p:cNvPicPr>
+          <p:nvPr/>
+        </p:nvPicPr>
+        <p:blipFill>
+          <a:blip r:embed="rId2"/>
+          <a:stretch>
+            <a:fillRect/>
+          </a:stretch>
+        </p:blipFill>
+        <p:spPr>
+          <a:xfrm>
+            <a:off x="681643" y="1845734"/>
+            <a:ext cx="10737264" cy="4023360"/>
+          </a:xfrm>
+          <a:prstGeom prst="rect">
+            <a:avLst/>
+          </a:prstGeom>
+        </p:spPr>
+      </p:pic>
+      <p:sp>
+        <p:nvSpPr>
+          <p:cNvPr id="5" name="雲朵形圖說文字 4"/>
+          <p:cNvSpPr/>
+          <p:nvPr/>
+        </p:nvSpPr>
+        <p:spPr>
+          <a:xfrm>
+            <a:off x="3075994" y="1617783"/>
+            <a:ext cx="8495323" cy="2984673"/>
+          </a:xfrm>
+          <a:prstGeom prst="cloudCallout">
+            <a:avLst>
+              <a:gd name="adj1" fmla="val 20791"/>
+              <a:gd name="adj2" fmla="val 61411"/>
+            </a:avLst>
+          </a:prstGeom>
+        </p:spPr>
+        <p:style>
+          <a:lnRef idx="2">
+            <a:schemeClr val="dk1"/>
+          </a:lnRef>
+          <a:fillRef idx="1">
+            <a:schemeClr val="lt1"/>
+          </a:fillRef>
+          <a:effectRef idx="0">
+            <a:schemeClr val="dk1"/>
+          </a:effectRef>
+          <a:fontRef idx="minor">
+            <a:schemeClr val="dk1"/>
+          </a:fontRef>
+        </p:style>
+        <p:txBody>
+          <a:bodyPr rtlCol="0" anchor="ctr"/>
+          <a:lstStyle/>
+          <a:p>
+            <a:r>
+              <a:rPr lang="zh-TW" altLang="en-US" sz="3200" dirty="0" smtClean="0"/>
+              <a:t>該怎麼測試 </a:t>
+            </a:r>
+            <a:r>
+              <a:rPr lang="en-US" altLang="zh-TW" sz="3200" dirty="0" smtClean="0"/>
+              <a:t>Load Balance </a:t>
+            </a:r>
+            <a:r>
+              <a:rPr lang="zh-TW" altLang="en-US" sz="3200" dirty="0" smtClean="0"/>
+              <a:t>的組</a:t>
+            </a:r>
+            <a:r>
+              <a:rPr lang="zh-TW" altLang="en-US" sz="3200" dirty="0" smtClean="0"/>
+              <a:t>態</a:t>
+            </a:r>
+            <a:r>
+              <a:rPr lang="en-US" altLang="zh-TW" sz="3200" dirty="0" smtClean="0"/>
+              <a:t>?</a:t>
+            </a:r>
+          </a:p>
+          <a:p>
+            <a:r>
+              <a:rPr lang="zh-TW" altLang="en-US" sz="3200" dirty="0" smtClean="0"/>
+              <a:t>該如何測試不同版本 </a:t>
+            </a:r>
+            <a:r>
+              <a:rPr lang="en-US" altLang="zh-TW" sz="3200" dirty="0" smtClean="0"/>
+              <a:t>API</a:t>
+            </a:r>
+            <a:r>
+              <a:rPr lang="zh-TW" altLang="en-US" sz="3200" dirty="0" smtClean="0"/>
+              <a:t> </a:t>
+            </a:r>
+            <a:r>
+              <a:rPr lang="en-US" altLang="zh-TW" sz="3200" dirty="0" smtClean="0"/>
+              <a:t>/ SDK </a:t>
+            </a:r>
+            <a:r>
+              <a:rPr lang="zh-TW" altLang="en-US" sz="3200" dirty="0" smtClean="0"/>
+              <a:t>的相容性</a:t>
+            </a:r>
+            <a:r>
+              <a:rPr lang="en-US" altLang="zh-TW" sz="3200" dirty="0"/>
+              <a:t>?</a:t>
+            </a:r>
+            <a:endParaRPr lang="en-US" altLang="zh-TW" sz="3200" dirty="0" smtClean="0"/>
+          </a:p>
+        </p:txBody>
+      </p:sp>
+    </p:spTree>
+    <p:extLst>
+      <p:ext uri="{BB962C8B-B14F-4D97-AF65-F5344CB8AC3E}">
+        <p14:creationId xmlns:p14="http://schemas.microsoft.com/office/powerpoint/2010/main" val="996412590"/>
+      </p:ext>
+    </p:extLst>
+  </p:cSld>
+  <p:clrMapOvr>
+    <a:masterClrMapping/>
+  </p:clrMapOvr>
+  <mc:AlternateContent xmlns:mc="http://schemas.openxmlformats.org/markup-compatibility/2006">
+    <mc:Choice xmlns:p14="http://schemas.microsoft.com/office/powerpoint/2010/main" Requires="p14">
+      <p:transition spd="slow" p14:dur="2000"/>
+    </mc:Choice>
+    <mc:Fallback>
+      <p:transition spd="slow"/>
+    </mc:Fallback>
+  </mc:AlternateContent>
+  <p:timing>
+    <p:tnLst>
+      <p:par>
+        <p:cTn id="1" dur="indefinite" restart="never" nodeType="tmRoot"/>
+      </p:par>
+    </p:tnLst>
+  </p:timing>
+</p:sld>
+</file>
+
+<file path=ppt/slides/slide38.xml><?xml version="1.0" encoding="utf-8"?>
+<p:sld xmlns:a="http://schemas.openxmlformats.org/drawingml/2006/main" xmlns:r="http://schemas.openxmlformats.org/officeDocument/2006/relationships" xmlns:p="http://schemas.openxmlformats.org/presentationml/2006/main">
+  <p:cSld>
+    <p:spTree>
+      <p:nvGrpSpPr>
+        <p:cNvPr id="1" name=""/>
+        <p:cNvGrpSpPr/>
+        <p:nvPr/>
+      </p:nvGrpSpPr>
+      <p:grpSpPr>
+        <a:xfrm>
+          <a:off x="0" y="0"/>
+          <a:ext cx="0" cy="0"/>
+          <a:chOff x="0" y="0"/>
+          <a:chExt cx="0" cy="0"/>
+        </a:xfrm>
+      </p:grpSpPr>
+      <p:sp>
+        <p:nvSpPr>
+          <p:cNvPr id="2" name="標題 1"/>
+          <p:cNvSpPr>
+            <a:spLocks noGrp="1"/>
+          </p:cNvSpPr>
+          <p:nvPr>
+            <p:ph type="title"/>
+          </p:nvPr>
+        </p:nvSpPr>
+        <p:spPr/>
+        <p:txBody>
+          <a:bodyPr/>
+          <a:lstStyle/>
+          <a:p>
+            <a:r>
+              <a:rPr lang="zh-TW" altLang="en-US" dirty="0" smtClean="0"/>
+              <a:t>單元測試 </a:t>
+            </a:r>
+            <a:r>
+              <a:rPr lang="en-US" altLang="zh-TW" dirty="0" smtClean="0"/>
+              <a:t>–</a:t>
+            </a:r>
+            <a:r>
+              <a:rPr lang="zh-TW" altLang="en-US" dirty="0" smtClean="0"/>
+              <a:t> 確保跨版本相容性的做法</a:t>
+            </a:r>
+            <a:endParaRPr lang="zh-TW" altLang="en-US" dirty="0"/>
+          </a:p>
+        </p:txBody>
+      </p:sp>
+      <p:sp>
+        <p:nvSpPr>
+          <p:cNvPr id="3" name="內容版面配置區 2"/>
+          <p:cNvSpPr>
+            <a:spLocks noGrp="1"/>
+          </p:cNvSpPr>
+          <p:nvPr>
+            <p:ph idx="1"/>
+          </p:nvPr>
+        </p:nvSpPr>
+        <p:spPr/>
+        <p:txBody>
+          <a:bodyPr>
+            <a:normAutofit/>
+          </a:bodyPr>
+          <a:lstStyle/>
+          <a:p>
+            <a:endParaRPr lang="en-US" altLang="zh-TW" sz="2800" dirty="0" smtClean="0"/>
+          </a:p>
+          <a:p>
+            <a:r>
+              <a:rPr lang="zh-TW" altLang="en-US" sz="2800" dirty="0" smtClean="0"/>
+              <a:t>問題</a:t>
+            </a:r>
+            <a:r>
+              <a:rPr lang="en-US" altLang="zh-TW" sz="2800" dirty="0" smtClean="0"/>
+              <a:t>:</a:t>
+            </a:r>
+            <a:r>
+              <a:rPr lang="zh-TW" altLang="en-US" sz="2800" dirty="0" smtClean="0"/>
+              <a:t> 如果 </a:t>
+            </a:r>
+            <a:r>
+              <a:rPr lang="en-US" altLang="zh-TW" sz="2800" dirty="0" smtClean="0"/>
+              <a:t>API</a:t>
+            </a:r>
+            <a:r>
+              <a:rPr lang="zh-TW" altLang="en-US" sz="2800" dirty="0" smtClean="0"/>
+              <a:t> 推出新版，測試程式也會改版。</a:t>
+            </a:r>
+            <a:endParaRPr lang="en-US" altLang="zh-TW" sz="2800" dirty="0" smtClean="0"/>
+          </a:p>
+          <a:p>
+            <a:r>
+              <a:rPr lang="zh-TW" altLang="en-US" sz="2800" dirty="0" smtClean="0"/>
+              <a:t>該如何透過單元測試，確保新的 </a:t>
+            </a:r>
+            <a:r>
+              <a:rPr lang="en-US" altLang="zh-TW" sz="2800" dirty="0" smtClean="0"/>
+              <a:t>API</a:t>
+            </a:r>
+            <a:r>
+              <a:rPr lang="zh-TW" altLang="en-US" sz="2800" dirty="0" smtClean="0"/>
+              <a:t> 能跟舊的 </a:t>
+            </a:r>
+            <a:r>
+              <a:rPr lang="en-US" altLang="zh-TW" sz="2800" dirty="0" smtClean="0"/>
+              <a:t>SDK</a:t>
+            </a:r>
+            <a:r>
+              <a:rPr lang="zh-TW" altLang="en-US" sz="2800" dirty="0" smtClean="0"/>
+              <a:t> 相容</a:t>
+            </a:r>
+            <a:r>
+              <a:rPr lang="en-US" altLang="zh-TW" sz="2800" dirty="0" smtClean="0"/>
+              <a:t>?</a:t>
+            </a:r>
+          </a:p>
+          <a:p>
+            <a:endParaRPr lang="en-US" altLang="zh-TW" sz="2800" dirty="0"/>
+          </a:p>
+          <a:p>
+            <a:r>
+              <a:rPr lang="zh-TW" altLang="en-US" sz="2800" dirty="0" smtClean="0"/>
+              <a:t>解法</a:t>
+            </a:r>
+            <a:r>
+              <a:rPr lang="en-US" altLang="zh-TW" sz="2800" dirty="0" smtClean="0"/>
+              <a:t>:</a:t>
+            </a:r>
+            <a:r>
+              <a:rPr lang="zh-TW" altLang="en-US" sz="2800" dirty="0" smtClean="0"/>
+              <a:t> 跨版本進行測試。</a:t>
+            </a:r>
+            <a:r>
+              <a:rPr lang="en-US" altLang="zh-TW" sz="2800" dirty="0" smtClean="0"/>
+              <a:t/>
+            </a:r>
+            <a:br>
+              <a:rPr lang="en-US" altLang="zh-TW" sz="2800" dirty="0" smtClean="0"/>
+            </a:br>
+            <a:r>
+              <a:rPr lang="zh-TW" altLang="en-US" sz="2800" dirty="0" smtClean="0"/>
+              <a:t>拿</a:t>
+            </a:r>
+            <a:r>
+              <a:rPr lang="zh-TW" altLang="en-US" sz="2800" b="1" dirty="0" smtClean="0">
+                <a:solidFill>
+                  <a:srgbClr val="FF0000"/>
+                </a:solidFill>
+              </a:rPr>
+              <a:t>舊版</a:t>
+            </a:r>
+            <a:r>
+              <a:rPr lang="zh-TW" altLang="en-US" sz="2800" dirty="0" smtClean="0"/>
+              <a:t>的單元測試，驗證</a:t>
+            </a:r>
+            <a:r>
+              <a:rPr lang="zh-TW" altLang="en-US" sz="2800" b="1" dirty="0" smtClean="0">
+                <a:solidFill>
+                  <a:srgbClr val="FF0000"/>
+                </a:solidFill>
+              </a:rPr>
+              <a:t>新版</a:t>
+            </a:r>
+            <a:r>
+              <a:rPr lang="zh-TW" altLang="en-US" sz="2800" dirty="0" smtClean="0"/>
+              <a:t>的 </a:t>
+            </a:r>
+            <a:r>
+              <a:rPr lang="en-US" altLang="zh-TW" sz="2800" dirty="0" smtClean="0"/>
+              <a:t>API</a:t>
+            </a:r>
+            <a:r>
+              <a:rPr lang="zh-TW" altLang="en-US" sz="2800" dirty="0" smtClean="0"/>
+              <a:t> </a:t>
+            </a:r>
+            <a:r>
+              <a:rPr lang="en-US" altLang="zh-TW" sz="2800" dirty="0" smtClean="0"/>
+              <a:t>..</a:t>
+            </a:r>
+            <a:endParaRPr lang="zh-TW" altLang="en-US" sz="2800" dirty="0"/>
+          </a:p>
+        </p:txBody>
+      </p:sp>
+      <p:pic>
+        <p:nvPicPr>
+          <p:cNvPr id="4" name="Picture 2" descr="「清朝的劍斬明朝的官」的圖片搜尋結果"/>
+          <p:cNvPicPr>
+            <a:picLocks noChangeAspect="1" noChangeArrowheads="1"/>
+          </p:cNvPicPr>
+          <p:nvPr/>
+        </p:nvPicPr>
+        <p:blipFill>
+          <a:blip r:embed="rId2">
+            <a:extLst>
+              <a:ext uri="{28A0092B-C50C-407E-A947-70E740481C1C}">
+                <a14:useLocalDpi xmlns:a14="http://schemas.microsoft.com/office/drawing/2010/main" val="0"/>
+              </a:ext>
+            </a:extLst>
+          </a:blip>
+          <a:srcRect/>
+          <a:stretch>
+            <a:fillRect/>
+          </a:stretch>
+        </p:blipFill>
+        <p:spPr bwMode="auto">
+          <a:xfrm>
+            <a:off x="1097280" y="630936"/>
+            <a:ext cx="10058400" cy="5532120"/>
+          </a:xfrm>
+          <a:prstGeom prst="rect">
+            <a:avLst/>
+          </a:prstGeom>
+          <a:noFill/>
+          <a:extLst>
+            <a:ext uri="{909E8E84-426E-40DD-AFC4-6F175D3DCCD1}">
+              <a14:hiddenFill xmlns:a14="http://schemas.microsoft.com/office/drawing/2010/main">
+                <a:solidFill>
+                  <a:srgbClr val="FFFFFF"/>
+                </a:solidFill>
+              </a14:hiddenFill>
+            </a:ext>
+          </a:extLst>
+        </p:spPr>
+      </p:pic>
+    </p:spTree>
+    <p:extLst>
+      <p:ext uri="{BB962C8B-B14F-4D97-AF65-F5344CB8AC3E}">
+        <p14:creationId xmlns:p14="http://schemas.microsoft.com/office/powerpoint/2010/main" val="3941077968"/>
+      </p:ext>
+    </p:extLst>
+  </p:cSld>
+  <p:clrMapOvr>
+    <a:masterClrMapping/>
+  </p:clrMapOvr>
+  <p:timing>
+    <p:tnLst>
+      <p:par>
+        <p:cTn id="1" dur="indefinite" restart="never" nodeType="tmRoot">
+          <p:childTnLst>
+            <p:seq concurrent="1" nextAc="seek">
+              <p:cTn id="2" dur="indefinite" nodeType="mainSeq">
+                <p:childTnLst>
+                  <p:par>
+                    <p:cTn id="3" fill="hold">
+                      <p:stCondLst>
+                        <p:cond delay="indefinite"/>
+                      </p:stCondLst>
+                      <p:childTnLst>
+                        <p:par>
+                          <p:cTn id="4" fill="hold">
+                            <p:stCondLst>
+                              <p:cond delay="0"/>
+                            </p:stCondLst>
+                            <p:childTnLst>
+                              <p:par>
+                                <p:cTn id="5" presetID="10" presetClass="entr" presetSubtype="0" fill="hold" nodeType="clickEffect">
+                                  <p:stCondLst>
+                                    <p:cond delay="0"/>
+                                  </p:stCondLst>
+                                  <p:childTnLst>
+                                    <p:set>
+                                      <p:cBhvr>
+                                        <p:cTn id="6" dur="1" fill="hold">
+                                          <p:stCondLst>
+                                            <p:cond delay="0"/>
+                                          </p:stCondLst>
+                                        </p:cTn>
+                                        <p:tgtEl>
+                                          <p:spTgt spid="4"/>
+                                        </p:tgtEl>
+                                        <p:attrNameLst>
+                                          <p:attrName>style.visibility</p:attrName>
+                                        </p:attrNameLst>
+                                      </p:cBhvr>
+                                      <p:to>
+                                        <p:strVal val="visible"/>
+                                      </p:to>
+                                    </p:set>
+                                    <p:animEffect transition="in" filter="fade">
+                                      <p:cBhvr>
+                                        <p:cTn id="7" dur="500"/>
+                                        <p:tgtEl>
+                                          <p:spTgt spid="4"/>
+                                        </p:tgtEl>
+                                      </p:cBhvr>
+                                    </p:animEffect>
+                                  </p:childTnLst>
+                                </p:cTn>
+                              </p:par>
+                            </p:childTnLst>
+                          </p:cTn>
+                        </p:par>
+                      </p:childTnLst>
+                    </p:cTn>
+                  </p:par>
+                </p:childTnLst>
+              </p:cTn>
+              <p:prevCondLst>
+                <p:cond evt="onPrev" delay="0">
+                  <p:tgtEl>
+                    <p:sldTgt/>
+                  </p:tgtEl>
+                </p:cond>
+              </p:prevCondLst>
+              <p:nextCondLst>
+                <p:cond evt="onNext" delay="0">
+                  <p:tgtEl>
+                    <p:sldTgt/>
+                  </p:tgtEl>
+                </p:cond>
+              </p:nextCondLst>
+            </p:seq>
+          </p:childTnLst>
+        </p:cTn>
+      </p:par>
+    </p:tnLst>
+  </p:timing>
+</p:sld>
+</file>
+
+<file path=ppt/slides/slide39.xml><?xml version="1.0" encoding="utf-8"?>
+<p:sld xmlns:a="http://schemas.openxmlformats.org/drawingml/2006/main" xmlns:r="http://schemas.openxmlformats.org/officeDocument/2006/relationships" xmlns:p="http://schemas.openxmlformats.org/presentationml/2006/main">
+  <p:cSld>
+    <p:spTree>
+      <p:nvGrpSpPr>
+        <p:cNvPr id="1" name=""/>
+        <p:cNvGrpSpPr/>
+        <p:nvPr/>
+      </p:nvGrpSpPr>
+      <p:grpSpPr>
+        <a:xfrm>
+          <a:off x="0" y="0"/>
+          <a:ext cx="0" cy="0"/>
+          <a:chOff x="0" y="0"/>
+          <a:chExt cx="0" cy="0"/>
+        </a:xfrm>
+      </p:grpSpPr>
+      <p:sp>
+        <p:nvSpPr>
+          <p:cNvPr id="2" name="標題 1"/>
+          <p:cNvSpPr>
+            <a:spLocks noGrp="1"/>
+          </p:cNvSpPr>
+          <p:nvPr>
+            <p:ph type="title"/>
+          </p:nvPr>
+        </p:nvSpPr>
+        <p:spPr/>
+        <p:txBody>
+          <a:bodyPr/>
+          <a:lstStyle/>
+          <a:p>
+            <a:r>
+              <a:rPr lang="zh-TW" altLang="en-US" dirty="0" smtClean="0"/>
+              <a:t>跨越版本的單元測</a:t>
+            </a:r>
+            <a:r>
+              <a:rPr lang="zh-TW" altLang="en-US" dirty="0"/>
+              <a:t>試</a:t>
+            </a:r>
+          </a:p>
+        </p:txBody>
+      </p:sp>
+      <p:sp>
+        <p:nvSpPr>
+          <p:cNvPr id="4" name="矩形 3"/>
+          <p:cNvSpPr/>
+          <p:nvPr/>
+        </p:nvSpPr>
+        <p:spPr>
+          <a:xfrm>
+            <a:off x="542925" y="5087977"/>
+            <a:ext cx="11049000" cy="251738"/>
+          </a:xfrm>
+          <a:prstGeom prst="rect">
+            <a:avLst/>
+          </a:prstGeom>
+        </p:spPr>
+        <p:style>
+          <a:lnRef idx="2">
+            <a:schemeClr val="accent1"/>
+          </a:lnRef>
+          <a:fillRef idx="1">
+            <a:schemeClr val="lt1"/>
+          </a:fillRef>
+          <a:effectRef idx="0">
+            <a:schemeClr val="accent1"/>
+          </a:effectRef>
+          <a:fontRef idx="minor">
+            <a:schemeClr val="dk1"/>
+          </a:fontRef>
+        </p:style>
+        <p:txBody>
+          <a:bodyPr rtlCol="0" anchor="ctr"/>
+          <a:lstStyle/>
+          <a:p>
+            <a:pPr algn="ctr"/>
+            <a:endParaRPr lang="zh-TW" altLang="en-US"/>
+          </a:p>
+        </p:txBody>
+      </p:sp>
+      <p:sp>
+        <p:nvSpPr>
+          <p:cNvPr id="5" name="文字方塊 4"/>
+          <p:cNvSpPr txBox="1"/>
+          <p:nvPr/>
+        </p:nvSpPr>
+        <p:spPr>
+          <a:xfrm>
+            <a:off x="282361" y="5279627"/>
+            <a:ext cx="836832" cy="369332"/>
+          </a:xfrm>
+          <a:prstGeom prst="rect">
+            <a:avLst/>
+          </a:prstGeom>
+          <a:noFill/>
+        </p:spPr>
+        <p:txBody>
+          <a:bodyPr wrap="none" rtlCol="0">
+            <a:spAutoFit/>
+          </a:bodyPr>
+          <a:lstStyle/>
+          <a:p>
+            <a:r>
+              <a:rPr lang="en-US" altLang="zh-TW" dirty="0" smtClean="0"/>
+              <a:t>master</a:t>
+            </a:r>
+            <a:endParaRPr lang="zh-TW" altLang="en-US" dirty="0"/>
+          </a:p>
+        </p:txBody>
+      </p:sp>
+      <p:sp>
+        <p:nvSpPr>
+          <p:cNvPr id="6" name="文字方塊 5"/>
+          <p:cNvSpPr txBox="1"/>
+          <p:nvPr/>
+        </p:nvSpPr>
+        <p:spPr>
+          <a:xfrm>
+            <a:off x="5179800" y="5279627"/>
+            <a:ext cx="1063112" cy="369332"/>
+          </a:xfrm>
+          <a:prstGeom prst="rect">
+            <a:avLst/>
+          </a:prstGeom>
+          <a:noFill/>
+        </p:spPr>
+        <p:txBody>
+          <a:bodyPr wrap="none" rtlCol="0">
+            <a:spAutoFit/>
+          </a:bodyPr>
+          <a:lstStyle/>
+          <a:p>
+            <a:r>
+              <a:rPr lang="en-US" altLang="zh-TW" dirty="0" smtClean="0"/>
+              <a:t>V2.1.2.0</a:t>
+            </a:r>
+            <a:endParaRPr lang="zh-TW" altLang="en-US" dirty="0"/>
+          </a:p>
+        </p:txBody>
+      </p:sp>
+      <p:sp>
+        <p:nvSpPr>
+          <p:cNvPr id="7" name="文字方塊 6"/>
+          <p:cNvSpPr txBox="1"/>
+          <p:nvPr/>
+        </p:nvSpPr>
+        <p:spPr>
+          <a:xfrm>
+            <a:off x="7816047" y="5279627"/>
+            <a:ext cx="1063112" cy="369332"/>
+          </a:xfrm>
+          <a:prstGeom prst="rect">
+            <a:avLst/>
+          </a:prstGeom>
+          <a:noFill/>
+        </p:spPr>
+        <p:txBody>
+          <a:bodyPr wrap="none" rtlCol="0">
+            <a:spAutoFit/>
+          </a:bodyPr>
+          <a:lstStyle/>
+          <a:p>
+            <a:r>
+              <a:rPr lang="en-US" altLang="zh-TW" dirty="0" smtClean="0"/>
+              <a:t>V3.0.0.0</a:t>
+            </a:r>
+            <a:endParaRPr lang="zh-TW" altLang="en-US" dirty="0"/>
+          </a:p>
+        </p:txBody>
+      </p:sp>
+      <p:sp>
+        <p:nvSpPr>
+          <p:cNvPr id="8" name="文字方塊 7"/>
+          <p:cNvSpPr txBox="1"/>
+          <p:nvPr/>
+        </p:nvSpPr>
+        <p:spPr>
+          <a:xfrm>
+            <a:off x="9441278" y="5279627"/>
+            <a:ext cx="856325" cy="369332"/>
+          </a:xfrm>
+          <a:prstGeom prst="rect">
+            <a:avLst/>
+          </a:prstGeom>
+          <a:noFill/>
+        </p:spPr>
+        <p:txBody>
+          <a:bodyPr wrap="none" rtlCol="0">
+            <a:spAutoFit/>
+          </a:bodyPr>
+          <a:lstStyle/>
+          <a:p>
+            <a:r>
+              <a:rPr lang="en-US" altLang="zh-TW" dirty="0" smtClean="0"/>
+              <a:t>V3.1.0</a:t>
+            </a:r>
+            <a:endParaRPr lang="zh-TW" altLang="en-US" dirty="0"/>
+          </a:p>
+        </p:txBody>
+      </p:sp>
+      <p:sp>
+        <p:nvSpPr>
+          <p:cNvPr id="10" name="橢圓 9"/>
+          <p:cNvSpPr/>
+          <p:nvPr/>
+        </p:nvSpPr>
+        <p:spPr>
+          <a:xfrm>
+            <a:off x="5302496" y="4972051"/>
+            <a:ext cx="536330" cy="506728"/>
+          </a:xfrm>
+          <a:prstGeom prst="ellipse">
+            <a:avLst/>
+          </a:prstGeom>
+          <a:solidFill>
+            <a:srgbClr val="7F7F7F">
+              <a:alpha val="10196"/>
+            </a:srgbClr>
+          </a:solidFill>
+        </p:spPr>
+        <p:style>
+          <a:lnRef idx="2">
+            <a:schemeClr val="accent5"/>
+          </a:lnRef>
+          <a:fillRef idx="1">
+            <a:schemeClr val="lt1"/>
+          </a:fillRef>
+          <a:effectRef idx="0">
+            <a:schemeClr val="accent5"/>
+          </a:effectRef>
+          <a:fontRef idx="minor">
+            <a:schemeClr val="dk1"/>
+          </a:fontRef>
+        </p:style>
+        <p:txBody>
+          <a:bodyPr rtlCol="0" anchor="ctr"/>
+          <a:lstStyle/>
+          <a:p>
+            <a:pPr algn="ctr"/>
+            <a:endParaRPr lang="zh-TW" altLang="en-US"/>
+          </a:p>
+        </p:txBody>
+      </p:sp>
+      <p:sp>
+        <p:nvSpPr>
+          <p:cNvPr id="11" name="橢圓 10"/>
+          <p:cNvSpPr/>
+          <p:nvPr/>
+        </p:nvSpPr>
+        <p:spPr>
+          <a:xfrm>
+            <a:off x="7902821" y="4972051"/>
+            <a:ext cx="536330" cy="506728"/>
+          </a:xfrm>
+          <a:prstGeom prst="ellipse">
+            <a:avLst/>
+          </a:prstGeom>
+          <a:solidFill>
+            <a:srgbClr val="7F7F7F">
+              <a:alpha val="10196"/>
+            </a:srgbClr>
+          </a:solidFill>
+        </p:spPr>
+        <p:style>
+          <a:lnRef idx="2">
+            <a:schemeClr val="accent5"/>
+          </a:lnRef>
+          <a:fillRef idx="1">
+            <a:schemeClr val="lt1"/>
+          </a:fillRef>
+          <a:effectRef idx="0">
+            <a:schemeClr val="accent5"/>
+          </a:effectRef>
+          <a:fontRef idx="minor">
+            <a:schemeClr val="dk1"/>
+          </a:fontRef>
+        </p:style>
+        <p:txBody>
+          <a:bodyPr rtlCol="0" anchor="ctr"/>
+          <a:lstStyle/>
+          <a:p>
+            <a:pPr algn="ctr"/>
+            <a:endParaRPr lang="zh-TW" altLang="en-US"/>
+          </a:p>
+        </p:txBody>
+      </p:sp>
+      <p:sp>
+        <p:nvSpPr>
+          <p:cNvPr id="12" name="橢圓 11"/>
+          <p:cNvSpPr/>
+          <p:nvPr/>
+        </p:nvSpPr>
+        <p:spPr>
+          <a:xfrm>
+            <a:off x="9636371" y="4972051"/>
+            <a:ext cx="536330" cy="506728"/>
+          </a:xfrm>
+          <a:prstGeom prst="ellipse">
+            <a:avLst/>
+          </a:prstGeom>
+          <a:solidFill>
+            <a:srgbClr val="7F7F7F">
+              <a:alpha val="10196"/>
+            </a:srgbClr>
+          </a:solidFill>
+        </p:spPr>
+        <p:style>
+          <a:lnRef idx="2">
+            <a:schemeClr val="accent5"/>
+          </a:lnRef>
+          <a:fillRef idx="1">
+            <a:schemeClr val="lt1"/>
+          </a:fillRef>
+          <a:effectRef idx="0">
+            <a:schemeClr val="accent5"/>
+          </a:effectRef>
+          <a:fontRef idx="minor">
+            <a:schemeClr val="dk1"/>
+          </a:fontRef>
+        </p:style>
+        <p:txBody>
+          <a:bodyPr rtlCol="0" anchor="ctr"/>
+          <a:lstStyle/>
+          <a:p>
+            <a:pPr algn="ctr"/>
+            <a:endParaRPr lang="zh-TW" altLang="en-US"/>
+          </a:p>
+        </p:txBody>
+      </p:sp>
+      <p:sp>
+        <p:nvSpPr>
+          <p:cNvPr id="3" name="圓角矩形 2"/>
+          <p:cNvSpPr/>
+          <p:nvPr/>
+        </p:nvSpPr>
+        <p:spPr>
+          <a:xfrm>
+            <a:off x="5034224" y="2009670"/>
+            <a:ext cx="1155561" cy="733530"/>
+          </a:xfrm>
+          <a:prstGeom prst="roundRect">
+            <a:avLst/>
+          </a:prstGeom>
+        </p:spPr>
+        <p:style>
+          <a:lnRef idx="2">
+            <a:schemeClr val="accent5"/>
+          </a:lnRef>
+          <a:fillRef idx="1">
+            <a:schemeClr val="lt1"/>
+          </a:fillRef>
+          <a:effectRef idx="0">
+            <a:schemeClr val="accent5"/>
+          </a:effectRef>
+          <a:fontRef idx="minor">
+            <a:schemeClr val="dk1"/>
+          </a:fontRef>
+        </p:style>
+        <p:txBody>
+          <a:bodyPr rtlCol="0" anchor="ctr"/>
+          <a:lstStyle/>
+          <a:p>
+            <a:pPr algn="ctr"/>
+            <a:r>
+              <a:rPr lang="en-US" altLang="zh-TW" dirty="0" smtClean="0"/>
+              <a:t>API</a:t>
+            </a:r>
+            <a:endParaRPr lang="zh-TW" altLang="en-US" dirty="0"/>
+          </a:p>
+        </p:txBody>
+      </p:sp>
+      <p:sp>
+        <p:nvSpPr>
+          <p:cNvPr id="15" name="圓角矩形 14"/>
+          <p:cNvSpPr/>
+          <p:nvPr/>
+        </p:nvSpPr>
+        <p:spPr>
+          <a:xfrm>
+            <a:off x="5034224" y="3348607"/>
+            <a:ext cx="1155561" cy="733530"/>
+          </a:xfrm>
+          <a:prstGeom prst="roundRect">
+            <a:avLst/>
+          </a:prstGeom>
+        </p:spPr>
+        <p:style>
+          <a:lnRef idx="2">
+            <a:schemeClr val="accent5"/>
+          </a:lnRef>
+          <a:fillRef idx="1">
+            <a:schemeClr val="lt1"/>
+          </a:fillRef>
+          <a:effectRef idx="0">
+            <a:schemeClr val="accent5"/>
+          </a:effectRef>
+          <a:fontRef idx="minor">
+            <a:schemeClr val="dk1"/>
+          </a:fontRef>
+        </p:style>
+        <p:txBody>
+          <a:bodyPr rtlCol="0" anchor="ctr"/>
+          <a:lstStyle/>
+          <a:p>
+            <a:pPr algn="ctr"/>
+            <a:r>
+              <a:rPr lang="en-US" altLang="zh-TW" dirty="0" smtClean="0"/>
+              <a:t>TEST</a:t>
+            </a:r>
+            <a:endParaRPr lang="zh-TW" altLang="en-US" dirty="0"/>
+          </a:p>
+        </p:txBody>
+      </p:sp>
+      <p:sp>
+        <p:nvSpPr>
+          <p:cNvPr id="16" name="圓角矩形 15"/>
+          <p:cNvSpPr/>
+          <p:nvPr/>
+        </p:nvSpPr>
+        <p:spPr>
+          <a:xfrm>
+            <a:off x="7536264" y="2009670"/>
+            <a:ext cx="1155561" cy="733530"/>
+          </a:xfrm>
+          <a:prstGeom prst="roundRect">
+            <a:avLst/>
+          </a:prstGeom>
+        </p:spPr>
+        <p:style>
+          <a:lnRef idx="2">
+            <a:schemeClr val="accent5"/>
+          </a:lnRef>
+          <a:fillRef idx="1">
+            <a:schemeClr val="lt1"/>
+          </a:fillRef>
+          <a:effectRef idx="0">
+            <a:schemeClr val="accent5"/>
+          </a:effectRef>
+          <a:fontRef idx="minor">
+            <a:schemeClr val="dk1"/>
+          </a:fontRef>
+        </p:style>
+        <p:txBody>
+          <a:bodyPr rtlCol="0" anchor="ctr"/>
+          <a:lstStyle/>
+          <a:p>
+            <a:pPr algn="ctr"/>
+            <a:r>
+              <a:rPr lang="en-US" altLang="zh-TW" dirty="0" smtClean="0"/>
+              <a:t>API</a:t>
+            </a:r>
+            <a:endParaRPr lang="zh-TW" altLang="en-US" dirty="0"/>
+          </a:p>
+        </p:txBody>
+      </p:sp>
+      <p:sp>
+        <p:nvSpPr>
+          <p:cNvPr id="17" name="圓角矩形 16"/>
+          <p:cNvSpPr/>
+          <p:nvPr/>
+        </p:nvSpPr>
+        <p:spPr>
+          <a:xfrm>
+            <a:off x="7536264" y="3348607"/>
+            <a:ext cx="1155561" cy="733530"/>
+          </a:xfrm>
+          <a:prstGeom prst="roundRect">
+            <a:avLst/>
+          </a:prstGeom>
+        </p:spPr>
+        <p:style>
+          <a:lnRef idx="2">
+            <a:schemeClr val="accent5"/>
+          </a:lnRef>
+          <a:fillRef idx="1">
+            <a:schemeClr val="lt1"/>
+          </a:fillRef>
+          <a:effectRef idx="0">
+            <a:schemeClr val="accent5"/>
+          </a:effectRef>
+          <a:fontRef idx="minor">
+            <a:schemeClr val="dk1"/>
+          </a:fontRef>
+        </p:style>
+        <p:txBody>
+          <a:bodyPr rtlCol="0" anchor="ctr"/>
+          <a:lstStyle/>
+          <a:p>
+            <a:pPr algn="ctr"/>
+            <a:r>
+              <a:rPr lang="en-US" altLang="zh-TW" dirty="0" smtClean="0"/>
+              <a:t>TEST</a:t>
+            </a:r>
+            <a:endParaRPr lang="zh-TW" altLang="en-US" dirty="0"/>
+          </a:p>
+        </p:txBody>
+      </p:sp>
+      <p:sp>
+        <p:nvSpPr>
+          <p:cNvPr id="18" name="圓角矩形 17"/>
+          <p:cNvSpPr/>
+          <p:nvPr/>
+        </p:nvSpPr>
+        <p:spPr>
+          <a:xfrm>
+            <a:off x="9294725" y="2009670"/>
+            <a:ext cx="1155561" cy="733530"/>
+          </a:xfrm>
+          <a:prstGeom prst="roundRect">
+            <a:avLst/>
+          </a:prstGeom>
+        </p:spPr>
+        <p:style>
+          <a:lnRef idx="2">
+            <a:schemeClr val="accent5"/>
+          </a:lnRef>
+          <a:fillRef idx="1">
+            <a:schemeClr val="lt1"/>
+          </a:fillRef>
+          <a:effectRef idx="0">
+            <a:schemeClr val="accent5"/>
+          </a:effectRef>
+          <a:fontRef idx="minor">
+            <a:schemeClr val="dk1"/>
+          </a:fontRef>
+        </p:style>
+        <p:txBody>
+          <a:bodyPr rtlCol="0" anchor="ctr"/>
+          <a:lstStyle/>
+          <a:p>
+            <a:pPr algn="ctr"/>
+            <a:r>
+              <a:rPr lang="en-US" altLang="zh-TW" dirty="0" smtClean="0"/>
+              <a:t>API</a:t>
+            </a:r>
+            <a:endParaRPr lang="zh-TW" altLang="en-US" dirty="0"/>
+          </a:p>
+        </p:txBody>
+      </p:sp>
+      <p:sp>
+        <p:nvSpPr>
+          <p:cNvPr id="19" name="圓角矩形 18"/>
+          <p:cNvSpPr/>
+          <p:nvPr/>
+        </p:nvSpPr>
+        <p:spPr>
+          <a:xfrm>
+            <a:off x="9294725" y="3348607"/>
+            <a:ext cx="1155561" cy="733530"/>
+          </a:xfrm>
+          <a:prstGeom prst="roundRect">
+            <a:avLst/>
+          </a:prstGeom>
+        </p:spPr>
+        <p:style>
+          <a:lnRef idx="2">
+            <a:schemeClr val="accent5"/>
+          </a:lnRef>
+          <a:fillRef idx="1">
+            <a:schemeClr val="lt1"/>
+          </a:fillRef>
+          <a:effectRef idx="0">
+            <a:schemeClr val="accent5"/>
+          </a:effectRef>
+          <a:fontRef idx="minor">
+            <a:schemeClr val="dk1"/>
+          </a:fontRef>
+        </p:style>
+        <p:txBody>
+          <a:bodyPr rtlCol="0" anchor="ctr"/>
+          <a:lstStyle/>
+          <a:p>
+            <a:pPr algn="ctr"/>
+            <a:r>
+              <a:rPr lang="en-US" altLang="zh-TW" dirty="0" smtClean="0"/>
+              <a:t>TEST</a:t>
+            </a:r>
+            <a:endParaRPr lang="zh-TW" altLang="en-US" dirty="0"/>
+          </a:p>
+        </p:txBody>
+      </p:sp>
+      <p:cxnSp>
+        <p:nvCxnSpPr>
+          <p:cNvPr id="39" name="直線單箭頭接點 38"/>
+          <p:cNvCxnSpPr>
+            <a:stCxn id="15" idx="0"/>
+            <a:endCxn id="3" idx="2"/>
+          </p:cNvCxnSpPr>
+          <p:nvPr/>
+        </p:nvCxnSpPr>
+        <p:spPr>
+          <a:xfrm flipV="1">
+            <a:off x="5612005" y="2743200"/>
+            <a:ext cx="0" cy="605407"/>
+          </a:xfrm>
+          <a:prstGeom prst="straightConnector1">
+            <a:avLst/>
+          </a:prstGeom>
+          <a:ln w="38100">
+            <a:tailEnd type="triangle"/>
+          </a:ln>
+        </p:spPr>
+        <p:style>
+          <a:lnRef idx="1">
+            <a:schemeClr val="accent1"/>
+          </a:lnRef>
+          <a:fillRef idx="0">
+            <a:schemeClr val="accent1"/>
+          </a:fillRef>
+          <a:effectRef idx="0">
+            <a:schemeClr val="accent1"/>
+          </a:effectRef>
+          <a:fontRef idx="minor">
+            <a:schemeClr val="tx1"/>
+          </a:fontRef>
+        </p:style>
+      </p:cxnSp>
+      <p:cxnSp>
+        <p:nvCxnSpPr>
+          <p:cNvPr id="41" name="直線單箭頭接點 40"/>
+          <p:cNvCxnSpPr>
+            <a:stCxn id="15" idx="0"/>
+            <a:endCxn id="16" idx="2"/>
+          </p:cNvCxnSpPr>
+          <p:nvPr/>
+        </p:nvCxnSpPr>
+        <p:spPr>
+          <a:xfrm flipV="1">
+            <a:off x="5612005" y="2743200"/>
+            <a:ext cx="2502040" cy="605407"/>
+          </a:xfrm>
+          <a:prstGeom prst="straightConnector1">
+            <a:avLst/>
+          </a:prstGeom>
+          <a:ln w="38100">
+            <a:tailEnd type="triangle"/>
+          </a:ln>
+        </p:spPr>
+        <p:style>
+          <a:lnRef idx="1">
+            <a:schemeClr val="accent1"/>
+          </a:lnRef>
+          <a:fillRef idx="0">
+            <a:schemeClr val="accent1"/>
+          </a:fillRef>
+          <a:effectRef idx="0">
+            <a:schemeClr val="accent1"/>
+          </a:effectRef>
+          <a:fontRef idx="minor">
+            <a:schemeClr val="tx1"/>
+          </a:fontRef>
+        </p:style>
+      </p:cxnSp>
+      <p:cxnSp>
+        <p:nvCxnSpPr>
+          <p:cNvPr id="43" name="直線單箭頭接點 42"/>
+          <p:cNvCxnSpPr>
+            <a:stCxn id="17" idx="0"/>
+            <a:endCxn id="16" idx="2"/>
+          </p:cNvCxnSpPr>
+          <p:nvPr/>
+        </p:nvCxnSpPr>
+        <p:spPr>
+          <a:xfrm flipV="1">
+            <a:off x="8114045" y="2743200"/>
+            <a:ext cx="0" cy="605407"/>
+          </a:xfrm>
+          <a:prstGeom prst="straightConnector1">
+            <a:avLst/>
+          </a:prstGeom>
+          <a:ln w="38100">
+            <a:tailEnd type="triangle"/>
+          </a:ln>
+        </p:spPr>
+        <p:style>
+          <a:lnRef idx="1">
+            <a:schemeClr val="accent1"/>
+          </a:lnRef>
+          <a:fillRef idx="0">
+            <a:schemeClr val="accent1"/>
+          </a:fillRef>
+          <a:effectRef idx="0">
+            <a:schemeClr val="accent1"/>
+          </a:effectRef>
+          <a:fontRef idx="minor">
+            <a:schemeClr val="tx1"/>
+          </a:fontRef>
+        </p:style>
+      </p:cxnSp>
+      <p:cxnSp>
+        <p:nvCxnSpPr>
+          <p:cNvPr id="45" name="直線單箭頭接點 44"/>
+          <p:cNvCxnSpPr>
+            <a:stCxn id="15" idx="0"/>
+            <a:endCxn id="18" idx="2"/>
+          </p:cNvCxnSpPr>
+          <p:nvPr/>
+        </p:nvCxnSpPr>
+        <p:spPr>
+          <a:xfrm flipV="1">
+            <a:off x="5612005" y="2743200"/>
+            <a:ext cx="4260501" cy="605407"/>
+          </a:xfrm>
+          <a:prstGeom prst="straightConnector1">
+            <a:avLst/>
+          </a:prstGeom>
+          <a:ln w="38100">
+            <a:tailEnd type="triangle"/>
+          </a:ln>
+        </p:spPr>
+        <p:style>
+          <a:lnRef idx="1">
+            <a:schemeClr val="accent1"/>
+          </a:lnRef>
+          <a:fillRef idx="0">
+            <a:schemeClr val="accent1"/>
+          </a:fillRef>
+          <a:effectRef idx="0">
+            <a:schemeClr val="accent1"/>
+          </a:effectRef>
+          <a:fontRef idx="minor">
+            <a:schemeClr val="tx1"/>
+          </a:fontRef>
+        </p:style>
+      </p:cxnSp>
+      <p:cxnSp>
+        <p:nvCxnSpPr>
+          <p:cNvPr id="47" name="直線單箭頭接點 46"/>
+          <p:cNvCxnSpPr>
+            <a:stCxn id="17" idx="0"/>
+            <a:endCxn id="18" idx="2"/>
+          </p:cNvCxnSpPr>
+          <p:nvPr/>
+        </p:nvCxnSpPr>
+        <p:spPr>
+          <a:xfrm flipV="1">
+            <a:off x="8114045" y="2743200"/>
+            <a:ext cx="1758461" cy="605407"/>
+          </a:xfrm>
+          <a:prstGeom prst="straightConnector1">
+            <a:avLst/>
+          </a:prstGeom>
+          <a:ln w="38100">
+            <a:tailEnd type="triangle"/>
+          </a:ln>
+        </p:spPr>
+        <p:style>
+          <a:lnRef idx="1">
+            <a:schemeClr val="accent1"/>
+          </a:lnRef>
+          <a:fillRef idx="0">
+            <a:schemeClr val="accent1"/>
+          </a:fillRef>
+          <a:effectRef idx="0">
+            <a:schemeClr val="accent1"/>
+          </a:effectRef>
+          <a:fontRef idx="minor">
+            <a:schemeClr val="tx1"/>
+          </a:fontRef>
+        </p:style>
+      </p:cxnSp>
+      <p:cxnSp>
+        <p:nvCxnSpPr>
+          <p:cNvPr id="49" name="直線單箭頭接點 48"/>
+          <p:cNvCxnSpPr>
+            <a:stCxn id="19" idx="0"/>
+            <a:endCxn id="18" idx="2"/>
+          </p:cNvCxnSpPr>
+          <p:nvPr/>
+        </p:nvCxnSpPr>
+        <p:spPr>
+          <a:xfrm flipV="1">
+            <a:off x="9872506" y="2743200"/>
+            <a:ext cx="0" cy="605407"/>
+          </a:xfrm>
+          <a:prstGeom prst="straightConnector1">
+            <a:avLst/>
+          </a:prstGeom>
+          <a:ln w="38100">
+            <a:prstDash val="sysDash"/>
+            <a:tailEnd type="triangle"/>
+          </a:ln>
+        </p:spPr>
+        <p:style>
+          <a:lnRef idx="1">
+            <a:schemeClr val="accent1"/>
+          </a:lnRef>
+          <a:fillRef idx="0">
+            <a:schemeClr val="accent1"/>
+          </a:fillRef>
+          <a:effectRef idx="0">
+            <a:schemeClr val="accent1"/>
+          </a:effectRef>
+          <a:fontRef idx="minor">
+            <a:schemeClr val="tx1"/>
+          </a:fontRef>
+        </p:style>
+      </p:cxnSp>
+      <p:sp>
+        <p:nvSpPr>
+          <p:cNvPr id="63" name="圓角矩形 62"/>
+          <p:cNvSpPr/>
+          <p:nvPr/>
+        </p:nvSpPr>
+        <p:spPr>
+          <a:xfrm>
+            <a:off x="5034224" y="4198063"/>
+            <a:ext cx="1155561" cy="551904"/>
+          </a:xfrm>
+          <a:prstGeom prst="roundRect">
+            <a:avLst/>
+          </a:prstGeom>
+        </p:spPr>
+        <p:style>
+          <a:lnRef idx="2">
+            <a:schemeClr val="accent5"/>
+          </a:lnRef>
+          <a:fillRef idx="1">
+            <a:schemeClr val="lt1"/>
+          </a:fillRef>
+          <a:effectRef idx="0">
+            <a:schemeClr val="accent5"/>
+          </a:effectRef>
+          <a:fontRef idx="minor">
+            <a:schemeClr val="dk1"/>
+          </a:fontRef>
+        </p:style>
+        <p:txBody>
+          <a:bodyPr rtlCol="0" anchor="ctr"/>
+          <a:lstStyle/>
+          <a:p>
+            <a:pPr algn="ctr"/>
+            <a:r>
+              <a:rPr lang="en-US" altLang="zh-TW" dirty="0" smtClean="0"/>
+              <a:t>SDK</a:t>
+            </a:r>
+            <a:endParaRPr lang="zh-TW" altLang="en-US" dirty="0"/>
+          </a:p>
+        </p:txBody>
+      </p:sp>
+      <p:sp>
+        <p:nvSpPr>
+          <p:cNvPr id="64" name="圓角矩形 63"/>
+          <p:cNvSpPr/>
+          <p:nvPr/>
+        </p:nvSpPr>
+        <p:spPr>
+          <a:xfrm>
+            <a:off x="7536263" y="4198063"/>
+            <a:ext cx="1155561" cy="551904"/>
+          </a:xfrm>
+          <a:prstGeom prst="roundRect">
+            <a:avLst/>
+          </a:prstGeom>
+        </p:spPr>
+        <p:style>
+          <a:lnRef idx="2">
+            <a:schemeClr val="accent5"/>
+          </a:lnRef>
+          <a:fillRef idx="1">
+            <a:schemeClr val="lt1"/>
+          </a:fillRef>
+          <a:effectRef idx="0">
+            <a:schemeClr val="accent5"/>
+          </a:effectRef>
+          <a:fontRef idx="minor">
+            <a:schemeClr val="dk1"/>
+          </a:fontRef>
+        </p:style>
+        <p:txBody>
+          <a:bodyPr rtlCol="0" anchor="ctr"/>
+          <a:lstStyle/>
+          <a:p>
+            <a:pPr algn="ctr"/>
+            <a:r>
+              <a:rPr lang="en-US" altLang="zh-TW" dirty="0" smtClean="0"/>
+              <a:t>SDK</a:t>
+            </a:r>
+            <a:endParaRPr lang="zh-TW" altLang="en-US" dirty="0"/>
+          </a:p>
+        </p:txBody>
+      </p:sp>
+      <p:sp>
+        <p:nvSpPr>
+          <p:cNvPr id="65" name="圓角矩形 64"/>
+          <p:cNvSpPr/>
+          <p:nvPr/>
+        </p:nvSpPr>
+        <p:spPr>
+          <a:xfrm>
+            <a:off x="9326755" y="4198063"/>
+            <a:ext cx="1155561" cy="551904"/>
+          </a:xfrm>
+          <a:prstGeom prst="roundRect">
+            <a:avLst/>
+          </a:prstGeom>
+        </p:spPr>
+        <p:style>
+          <a:lnRef idx="2">
+            <a:schemeClr val="accent5"/>
+          </a:lnRef>
+          <a:fillRef idx="1">
+            <a:schemeClr val="lt1"/>
+          </a:fillRef>
+          <a:effectRef idx="0">
+            <a:schemeClr val="accent5"/>
+          </a:effectRef>
+          <a:fontRef idx="minor">
+            <a:schemeClr val="dk1"/>
+          </a:fontRef>
+        </p:style>
+        <p:txBody>
+          <a:bodyPr rtlCol="0" anchor="ctr"/>
+          <a:lstStyle/>
+          <a:p>
+            <a:pPr algn="ctr"/>
+            <a:r>
+              <a:rPr lang="en-US" altLang="zh-TW" dirty="0" smtClean="0"/>
+              <a:t>SDK</a:t>
+            </a:r>
+            <a:endParaRPr lang="zh-TW" altLang="en-US" dirty="0"/>
+          </a:p>
+        </p:txBody>
+      </p:sp>
+      <p:sp>
+        <p:nvSpPr>
+          <p:cNvPr id="62" name="圓角矩形圖說文字 61"/>
+          <p:cNvSpPr/>
+          <p:nvPr/>
+        </p:nvSpPr>
+        <p:spPr>
+          <a:xfrm>
+            <a:off x="1547446" y="1939332"/>
+            <a:ext cx="3054699" cy="874206"/>
+          </a:xfrm>
+          <a:prstGeom prst="wedgeRoundRectCallout">
+            <a:avLst>
+              <a:gd name="adj1" fmla="val 59936"/>
+              <a:gd name="adj2" fmla="val -13362"/>
+              <a:gd name="adj3" fmla="val 16667"/>
+            </a:avLst>
+          </a:prstGeom>
+        </p:spPr>
+        <p:style>
+          <a:lnRef idx="2">
+            <a:schemeClr val="accent5"/>
+          </a:lnRef>
+          <a:fillRef idx="1">
+            <a:schemeClr val="lt1"/>
+          </a:fillRef>
+          <a:effectRef idx="0">
+            <a:schemeClr val="accent5"/>
+          </a:effectRef>
+          <a:fontRef idx="minor">
+            <a:schemeClr val="dk1"/>
+          </a:fontRef>
+        </p:style>
+        <p:txBody>
+          <a:bodyPr rtlCol="0" anchor="ctr"/>
+          <a:lstStyle/>
+          <a:p>
+            <a:pPr algn="ctr"/>
+            <a:r>
+              <a:rPr lang="en-US" altLang="zh-TW" dirty="0" smtClean="0"/>
+              <a:t>API</a:t>
+            </a:r>
+            <a:r>
+              <a:rPr lang="zh-TW" altLang="en-US" dirty="0" smtClean="0"/>
+              <a:t> </a:t>
+            </a:r>
+            <a:r>
+              <a:rPr lang="en-US" altLang="zh-TW" dirty="0" smtClean="0"/>
+              <a:t>(server) </a:t>
+            </a:r>
+            <a:r>
+              <a:rPr lang="zh-TW" altLang="en-US" dirty="0" smtClean="0"/>
+              <a:t>可以容器化</a:t>
+            </a:r>
+            <a:endParaRPr lang="zh-TW" altLang="en-US" dirty="0"/>
+          </a:p>
+        </p:txBody>
+      </p:sp>
+      <p:sp>
+        <p:nvSpPr>
+          <p:cNvPr id="68" name="圓角矩形圖說文字 67"/>
+          <p:cNvSpPr/>
+          <p:nvPr/>
+        </p:nvSpPr>
+        <p:spPr>
+          <a:xfrm>
+            <a:off x="1547446" y="3344086"/>
+            <a:ext cx="3054699" cy="874206"/>
+          </a:xfrm>
+          <a:prstGeom prst="wedgeRoundRectCallout">
+            <a:avLst>
+              <a:gd name="adj1" fmla="val 59936"/>
+              <a:gd name="adj2" fmla="val -13362"/>
+              <a:gd name="adj3" fmla="val 16667"/>
+            </a:avLst>
+          </a:prstGeom>
+        </p:spPr>
+        <p:style>
+          <a:lnRef idx="2">
+            <a:schemeClr val="accent5"/>
+          </a:lnRef>
+          <a:fillRef idx="1">
+            <a:schemeClr val="lt1"/>
+          </a:fillRef>
+          <a:effectRef idx="0">
+            <a:schemeClr val="accent5"/>
+          </a:effectRef>
+          <a:fontRef idx="minor">
+            <a:schemeClr val="dk1"/>
+          </a:fontRef>
+        </p:style>
+        <p:txBody>
+          <a:bodyPr rtlCol="0" anchor="ctr"/>
+          <a:lstStyle/>
+          <a:p>
+            <a:pPr algn="ctr"/>
+            <a:r>
+              <a:rPr lang="zh-TW" altLang="en-US" dirty="0" smtClean="0"/>
+              <a:t>測試程式也可以</a:t>
+            </a:r>
+            <a:r>
+              <a:rPr lang="en-US" altLang="zh-TW" dirty="0" smtClean="0"/>
+              <a:t>!</a:t>
+            </a:r>
+            <a:endParaRPr lang="zh-TW" altLang="en-US" dirty="0"/>
+          </a:p>
+        </p:txBody>
+      </p:sp>
+    </p:spTree>
+    <p:extLst>
+      <p:ext uri="{BB962C8B-B14F-4D97-AF65-F5344CB8AC3E}">
+        <p14:creationId xmlns:p14="http://schemas.microsoft.com/office/powerpoint/2010/main" val="3491785229"/>
+      </p:ext>
+    </p:extLst>
+  </p:cSld>
+  <p:clrMapOvr>
+    <a:masterClrMapping/>
+  </p:clrMapOvr>
+  <p:timing>
+    <p:tnLst>
+      <p:par>
+        <p:cTn id="1" dur="indefinite" restart="never" nodeType="tmRoot">
+          <p:childTnLst>
+            <p:seq concurrent="1" nextAc="seek">
+              <p:cTn id="2" dur="indefinite" nodeType="mainSeq">
+                <p:childTnLst>
+                  <p:par>
+                    <p:cTn id="3" fill="hold">
+                      <p:stCondLst>
+                        <p:cond delay="indefinite"/>
+                      </p:stCondLst>
+                      <p:childTnLst>
+                        <p:par>
+                          <p:cTn id="4" fill="hold">
+                            <p:stCondLst>
+                              <p:cond delay="0"/>
+                            </p:stCondLst>
+                            <p:childTnLst>
+                              <p:par>
+                                <p:cTn id="5" presetID="10" presetClass="entr" presetSubtype="0" fill="hold" nodeType="clickEffect">
+                                  <p:stCondLst>
+                                    <p:cond delay="0"/>
+                                  </p:stCondLst>
+                                  <p:childTnLst>
+                                    <p:set>
+                                      <p:cBhvr>
+                                        <p:cTn id="6" dur="1" fill="hold">
+                                          <p:stCondLst>
+                                            <p:cond delay="0"/>
+                                          </p:stCondLst>
+                                        </p:cTn>
+                                        <p:tgtEl>
+                                          <p:spTgt spid="39"/>
+                                        </p:tgtEl>
+                                        <p:attrNameLst>
+                                          <p:attrName>style.visibility</p:attrName>
+                                        </p:attrNameLst>
+                                      </p:cBhvr>
+                                      <p:to>
+                                        <p:strVal val="visible"/>
+                                      </p:to>
+                                    </p:set>
+                                    <p:animEffect transition="in" filter="fade">
+                                      <p:cBhvr>
+                                        <p:cTn id="7" dur="500"/>
+                                        <p:tgtEl>
+                                          <p:spTgt spid="39"/>
+                                        </p:tgtEl>
+                                      </p:cBhvr>
+                                    </p:animEffect>
+                                  </p:childTnLst>
+                                </p:cTn>
+                              </p:par>
+                            </p:childTnLst>
+                          </p:cTn>
+                        </p:par>
+                      </p:childTnLst>
+                    </p:cTn>
+                  </p:par>
+                  <p:par>
+                    <p:cTn id="8" fill="hold">
+                      <p:stCondLst>
+                        <p:cond delay="indefinite"/>
+                      </p:stCondLst>
+                      <p:childTnLst>
+                        <p:par>
+                          <p:cTn id="9" fill="hold">
+                            <p:stCondLst>
+                              <p:cond delay="0"/>
+                            </p:stCondLst>
+                            <p:childTnLst>
+                              <p:par>
+                                <p:cTn id="10" presetID="10" presetClass="exit" presetSubtype="0" fill="hold" nodeType="clickEffect">
+                                  <p:stCondLst>
+                                    <p:cond delay="0"/>
+                                  </p:stCondLst>
+                                  <p:childTnLst>
+                                    <p:animEffect transition="out" filter="fade">
+                                      <p:cBhvr>
+                                        <p:cTn id="11" dur="500"/>
+                                        <p:tgtEl>
+                                          <p:spTgt spid="39"/>
+                                        </p:tgtEl>
+                                      </p:cBhvr>
+                                    </p:animEffect>
+                                    <p:set>
+                                      <p:cBhvr>
+                                        <p:cTn id="12" dur="1" fill="hold">
+                                          <p:stCondLst>
+                                            <p:cond delay="499"/>
+                                          </p:stCondLst>
+                                        </p:cTn>
+                                        <p:tgtEl>
+                                          <p:spTgt spid="39"/>
+                                        </p:tgtEl>
+                                        <p:attrNameLst>
+                                          <p:attrName>style.visibility</p:attrName>
+                                        </p:attrNameLst>
+                                      </p:cBhvr>
+                                      <p:to>
+                                        <p:strVal val="hidden"/>
+                                      </p:to>
+                                    </p:set>
+                                  </p:childTnLst>
+                                </p:cTn>
+                              </p:par>
+                            </p:childTnLst>
+                          </p:cTn>
+                        </p:par>
+                      </p:childTnLst>
+                    </p:cTn>
+                  </p:par>
+                  <p:par>
+                    <p:cTn id="13" fill="hold">
+                      <p:stCondLst>
+                        <p:cond delay="indefinite"/>
+                      </p:stCondLst>
+                      <p:childTnLst>
+                        <p:par>
+                          <p:cTn id="14" fill="hold">
+                            <p:stCondLst>
+                              <p:cond delay="0"/>
+                            </p:stCondLst>
+                            <p:childTnLst>
+                              <p:par>
+                                <p:cTn id="15" presetID="10" presetClass="entr" presetSubtype="0" fill="hold" nodeType="clickEffect">
+                                  <p:stCondLst>
+                                    <p:cond delay="0"/>
+                                  </p:stCondLst>
+                                  <p:childTnLst>
+                                    <p:set>
+                                      <p:cBhvr>
+                                        <p:cTn id="16" dur="1" fill="hold">
+                                          <p:stCondLst>
+                                            <p:cond delay="0"/>
+                                          </p:stCondLst>
+                                        </p:cTn>
+                                        <p:tgtEl>
+                                          <p:spTgt spid="41"/>
+                                        </p:tgtEl>
+                                        <p:attrNameLst>
+                                          <p:attrName>style.visibility</p:attrName>
+                                        </p:attrNameLst>
+                                      </p:cBhvr>
+                                      <p:to>
+                                        <p:strVal val="visible"/>
+                                      </p:to>
+                                    </p:set>
+                                    <p:animEffect transition="in" filter="fade">
+                                      <p:cBhvr>
+                                        <p:cTn id="17" dur="500"/>
+                                        <p:tgtEl>
+                                          <p:spTgt spid="41"/>
+                                        </p:tgtEl>
+                                      </p:cBhvr>
+                                    </p:animEffect>
+                                  </p:childTnLst>
+                                </p:cTn>
+                              </p:par>
+                              <p:par>
+                                <p:cTn id="18" presetID="10" presetClass="entr" presetSubtype="0" fill="hold" nodeType="withEffect">
+                                  <p:stCondLst>
+                                    <p:cond delay="0"/>
+                                  </p:stCondLst>
+                                  <p:childTnLst>
+                                    <p:set>
+                                      <p:cBhvr>
+                                        <p:cTn id="19" dur="1" fill="hold">
+                                          <p:stCondLst>
+                                            <p:cond delay="0"/>
+                                          </p:stCondLst>
+                                        </p:cTn>
+                                        <p:tgtEl>
+                                          <p:spTgt spid="43"/>
+                                        </p:tgtEl>
+                                        <p:attrNameLst>
+                                          <p:attrName>style.visibility</p:attrName>
+                                        </p:attrNameLst>
+                                      </p:cBhvr>
+                                      <p:to>
+                                        <p:strVal val="visible"/>
+                                      </p:to>
+                                    </p:set>
+                                    <p:animEffect transition="in" filter="fade">
+                                      <p:cBhvr>
+                                        <p:cTn id="20" dur="500"/>
+                                        <p:tgtEl>
+                                          <p:spTgt spid="43"/>
+                                        </p:tgtEl>
+                                      </p:cBhvr>
+                                    </p:animEffect>
+                                  </p:childTnLst>
+                                </p:cTn>
+                              </p:par>
+                            </p:childTnLst>
+                          </p:cTn>
+                        </p:par>
+                      </p:childTnLst>
+                    </p:cTn>
+                  </p:par>
+                  <p:par>
+                    <p:cTn id="21" fill="hold">
+                      <p:stCondLst>
+                        <p:cond delay="indefinite"/>
+                      </p:stCondLst>
+                      <p:childTnLst>
+                        <p:par>
+                          <p:cTn id="22" fill="hold">
+                            <p:stCondLst>
+                              <p:cond delay="0"/>
+                            </p:stCondLst>
+                            <p:childTnLst>
+                              <p:par>
+                                <p:cTn id="23" presetID="10" presetClass="exit" presetSubtype="0" fill="hold" nodeType="clickEffect">
+                                  <p:stCondLst>
+                                    <p:cond delay="0"/>
+                                  </p:stCondLst>
+                                  <p:childTnLst>
+                                    <p:animEffect transition="out" filter="fade">
+                                      <p:cBhvr>
+                                        <p:cTn id="24" dur="500"/>
+                                        <p:tgtEl>
+                                          <p:spTgt spid="41"/>
+                                        </p:tgtEl>
+                                      </p:cBhvr>
+                                    </p:animEffect>
+                                    <p:set>
+                                      <p:cBhvr>
+                                        <p:cTn id="25" dur="1" fill="hold">
+                                          <p:stCondLst>
+                                            <p:cond delay="499"/>
+                                          </p:stCondLst>
+                                        </p:cTn>
+                                        <p:tgtEl>
+                                          <p:spTgt spid="41"/>
+                                        </p:tgtEl>
+                                        <p:attrNameLst>
+                                          <p:attrName>style.visibility</p:attrName>
+                                        </p:attrNameLst>
+                                      </p:cBhvr>
+                                      <p:to>
+                                        <p:strVal val="hidden"/>
+                                      </p:to>
+                                    </p:set>
+                                  </p:childTnLst>
+                                </p:cTn>
+                              </p:par>
+                              <p:par>
+                                <p:cTn id="26" presetID="10" presetClass="exit" presetSubtype="0" fill="hold" nodeType="withEffect">
+                                  <p:stCondLst>
+                                    <p:cond delay="0"/>
+                                  </p:stCondLst>
+                                  <p:childTnLst>
+                                    <p:animEffect transition="out" filter="fade">
+                                      <p:cBhvr>
+                                        <p:cTn id="27" dur="500"/>
+                                        <p:tgtEl>
+                                          <p:spTgt spid="43"/>
+                                        </p:tgtEl>
+                                      </p:cBhvr>
+                                    </p:animEffect>
+                                    <p:set>
+                                      <p:cBhvr>
+                                        <p:cTn id="28" dur="1" fill="hold">
+                                          <p:stCondLst>
+                                            <p:cond delay="499"/>
+                                          </p:stCondLst>
+                                        </p:cTn>
+                                        <p:tgtEl>
+                                          <p:spTgt spid="43"/>
+                                        </p:tgtEl>
+                                        <p:attrNameLst>
+                                          <p:attrName>style.visibility</p:attrName>
+                                        </p:attrNameLst>
+                                      </p:cBhvr>
+                                      <p:to>
+                                        <p:strVal val="hidden"/>
+                                      </p:to>
+                                    </p:set>
+                                  </p:childTnLst>
+                                </p:cTn>
+                              </p:par>
+                            </p:childTnLst>
+                          </p:cTn>
+                        </p:par>
+                      </p:childTnLst>
+                    </p:cTn>
+                  </p:par>
+                  <p:par>
+                    <p:cTn id="29" fill="hold">
+                      <p:stCondLst>
+                        <p:cond delay="indefinite"/>
+                      </p:stCondLst>
+                      <p:childTnLst>
+                        <p:par>
+                          <p:cTn id="30" fill="hold">
+                            <p:stCondLst>
+                              <p:cond delay="0"/>
+                            </p:stCondLst>
+                            <p:childTnLst>
+                              <p:par>
+                                <p:cTn id="31" presetID="10" presetClass="entr" presetSubtype="0" fill="hold" nodeType="clickEffect">
+                                  <p:stCondLst>
+                                    <p:cond delay="0"/>
+                                  </p:stCondLst>
+                                  <p:childTnLst>
+                                    <p:set>
+                                      <p:cBhvr>
+                                        <p:cTn id="32" dur="1" fill="hold">
+                                          <p:stCondLst>
+                                            <p:cond delay="0"/>
+                                          </p:stCondLst>
+                                        </p:cTn>
+                                        <p:tgtEl>
+                                          <p:spTgt spid="45"/>
+                                        </p:tgtEl>
+                                        <p:attrNameLst>
+                                          <p:attrName>style.visibility</p:attrName>
+                                        </p:attrNameLst>
+                                      </p:cBhvr>
+                                      <p:to>
+                                        <p:strVal val="visible"/>
+                                      </p:to>
+                                    </p:set>
+                                    <p:animEffect transition="in" filter="fade">
+                                      <p:cBhvr>
+                                        <p:cTn id="33" dur="500"/>
+                                        <p:tgtEl>
+                                          <p:spTgt spid="45"/>
+                                        </p:tgtEl>
+                                      </p:cBhvr>
+                                    </p:animEffect>
+                                  </p:childTnLst>
+                                </p:cTn>
+                              </p:par>
+                              <p:par>
+                                <p:cTn id="34" presetID="10" presetClass="entr" presetSubtype="0" fill="hold" nodeType="withEffect">
+                                  <p:stCondLst>
+                                    <p:cond delay="0"/>
+                                  </p:stCondLst>
+                                  <p:childTnLst>
+                                    <p:set>
+                                      <p:cBhvr>
+                                        <p:cTn id="35" dur="1" fill="hold">
+                                          <p:stCondLst>
+                                            <p:cond delay="0"/>
+                                          </p:stCondLst>
+                                        </p:cTn>
+                                        <p:tgtEl>
+                                          <p:spTgt spid="47"/>
+                                        </p:tgtEl>
+                                        <p:attrNameLst>
+                                          <p:attrName>style.visibility</p:attrName>
+                                        </p:attrNameLst>
+                                      </p:cBhvr>
+                                      <p:to>
+                                        <p:strVal val="visible"/>
+                                      </p:to>
+                                    </p:set>
+                                    <p:animEffect transition="in" filter="fade">
+                                      <p:cBhvr>
+                                        <p:cTn id="36" dur="500"/>
+                                        <p:tgtEl>
+                                          <p:spTgt spid="47"/>
+                                        </p:tgtEl>
+                                      </p:cBhvr>
+                                    </p:animEffect>
+                                  </p:childTnLst>
+                                </p:cTn>
+                              </p:par>
+                              <p:par>
+                                <p:cTn id="37" presetID="10" presetClass="entr" presetSubtype="0" fill="hold" nodeType="withEffect">
+                                  <p:stCondLst>
+                                    <p:cond delay="0"/>
+                                  </p:stCondLst>
+                                  <p:childTnLst>
+                                    <p:set>
+                                      <p:cBhvr>
+                                        <p:cTn id="38" dur="1" fill="hold">
+                                          <p:stCondLst>
+                                            <p:cond delay="0"/>
+                                          </p:stCondLst>
+                                        </p:cTn>
+                                        <p:tgtEl>
+                                          <p:spTgt spid="49"/>
+                                        </p:tgtEl>
+                                        <p:attrNameLst>
+                                          <p:attrName>style.visibility</p:attrName>
+                                        </p:attrNameLst>
+                                      </p:cBhvr>
+                                      <p:to>
+                                        <p:strVal val="visible"/>
+                                      </p:to>
+                                    </p:set>
+                                    <p:animEffect transition="in" filter="fade">
+                                      <p:cBhvr>
+                                        <p:cTn id="39" dur="500"/>
+                                        <p:tgtEl>
+                                          <p:spTgt spid="49"/>
+                                        </p:tgtEl>
+                                      </p:cBhvr>
+                                    </p:animEffect>
+                                  </p:childTnLst>
+                                </p:cTn>
+                              </p:par>
+                            </p:childTnLst>
+                          </p:cTn>
+                        </p:par>
+                      </p:childTnLst>
+                    </p:cTn>
+                  </p:par>
+                  <p:par>
+                    <p:cTn id="40" fill="hold">
+                      <p:stCondLst>
+                        <p:cond delay="indefinite"/>
+                      </p:stCondLst>
+                      <p:childTnLst>
+                        <p:par>
+                          <p:cTn id="41" fill="hold">
+                            <p:stCondLst>
+                              <p:cond delay="0"/>
+                            </p:stCondLst>
+                            <p:childTnLst>
+                              <p:par>
+                                <p:cTn id="42" presetID="10" presetClass="exit" presetSubtype="0" fill="hold" nodeType="clickEffect">
+                                  <p:stCondLst>
+                                    <p:cond delay="0"/>
+                                  </p:stCondLst>
+                                  <p:childTnLst>
+                                    <p:animEffect transition="out" filter="fade">
+                                      <p:cBhvr>
+                                        <p:cTn id="43" dur="500"/>
+                                        <p:tgtEl>
+                                          <p:spTgt spid="45"/>
+                                        </p:tgtEl>
+                                      </p:cBhvr>
+                                    </p:animEffect>
+                                    <p:set>
+                                      <p:cBhvr>
+                                        <p:cTn id="44" dur="1" fill="hold">
+                                          <p:stCondLst>
+                                            <p:cond delay="499"/>
+                                          </p:stCondLst>
+                                        </p:cTn>
+                                        <p:tgtEl>
+                                          <p:spTgt spid="45"/>
+                                        </p:tgtEl>
+                                        <p:attrNameLst>
+                                          <p:attrName>style.visibility</p:attrName>
+                                        </p:attrNameLst>
+                                      </p:cBhvr>
+                                      <p:to>
+                                        <p:strVal val="hidden"/>
+                                      </p:to>
+                                    </p:set>
+                                  </p:childTnLst>
+                                </p:cTn>
+                              </p:par>
+                              <p:par>
+                                <p:cTn id="45" presetID="10" presetClass="exit" presetSubtype="0" fill="hold" nodeType="withEffect">
+                                  <p:stCondLst>
+                                    <p:cond delay="0"/>
+                                  </p:stCondLst>
+                                  <p:childTnLst>
+                                    <p:animEffect transition="out" filter="fade">
+                                      <p:cBhvr>
+                                        <p:cTn id="46" dur="500"/>
+                                        <p:tgtEl>
+                                          <p:spTgt spid="47"/>
+                                        </p:tgtEl>
+                                      </p:cBhvr>
+                                    </p:animEffect>
+                                    <p:set>
+                                      <p:cBhvr>
+                                        <p:cTn id="47" dur="1" fill="hold">
+                                          <p:stCondLst>
+                                            <p:cond delay="499"/>
+                                          </p:stCondLst>
+                                        </p:cTn>
+                                        <p:tgtEl>
+                                          <p:spTgt spid="47"/>
+                                        </p:tgtEl>
+                                        <p:attrNameLst>
+                                          <p:attrName>style.visibility</p:attrName>
+                                        </p:attrNameLst>
+                                      </p:cBhvr>
+                                      <p:to>
+                                        <p:strVal val="hidden"/>
+                                      </p:to>
+                                    </p:set>
+                                  </p:childTnLst>
+                                </p:cTn>
+                              </p:par>
+                              <p:par>
+                                <p:cTn id="48" presetID="10" presetClass="exit" presetSubtype="0" fill="hold" nodeType="withEffect">
+                                  <p:stCondLst>
+                                    <p:cond delay="0"/>
+                                  </p:stCondLst>
+                                  <p:childTnLst>
+                                    <p:animEffect transition="out" filter="fade">
+                                      <p:cBhvr>
+                                        <p:cTn id="49" dur="500"/>
+                                        <p:tgtEl>
+                                          <p:spTgt spid="49"/>
+                                        </p:tgtEl>
+                                      </p:cBhvr>
+                                    </p:animEffect>
+                                    <p:set>
+                                      <p:cBhvr>
+                                        <p:cTn id="50" dur="1" fill="hold">
+                                          <p:stCondLst>
+                                            <p:cond delay="499"/>
+                                          </p:stCondLst>
+                                        </p:cTn>
+                                        <p:tgtEl>
+                                          <p:spTgt spid="49"/>
+                                        </p:tgtEl>
+                                        <p:attrNameLst>
+                                          <p:attrName>style.visibility</p:attrName>
+                                        </p:attrNameLst>
+                                      </p:cBhvr>
+                                      <p:to>
+                                        <p:strVal val="hidden"/>
+                                      </p:to>
+                                    </p:set>
+                                  </p:childTnLst>
+                                </p:cTn>
+                              </p:par>
+                            </p:childTnLst>
+                          </p:cTn>
+                        </p:par>
+                      </p:childTnLst>
+                    </p:cTn>
+                  </p:par>
+                  <p:par>
+                    <p:cTn id="51" fill="hold">
+                      <p:stCondLst>
+                        <p:cond delay="indefinite"/>
+                      </p:stCondLst>
+                      <p:childTnLst>
+                        <p:par>
+                          <p:cTn id="52" fill="hold">
+                            <p:stCondLst>
+                              <p:cond delay="0"/>
+                            </p:stCondLst>
+                            <p:childTnLst>
+                              <p:par>
+                                <p:cTn id="53" presetID="10" presetClass="entr" presetSubtype="0" fill="hold" grpId="0" nodeType="clickEffect">
+                                  <p:stCondLst>
+                                    <p:cond delay="0"/>
+                                  </p:stCondLst>
+                                  <p:childTnLst>
+                                    <p:set>
+                                      <p:cBhvr>
+                                        <p:cTn id="54" dur="1" fill="hold">
+                                          <p:stCondLst>
+                                            <p:cond delay="0"/>
+                                          </p:stCondLst>
+                                        </p:cTn>
+                                        <p:tgtEl>
+                                          <p:spTgt spid="62"/>
+                                        </p:tgtEl>
+                                        <p:attrNameLst>
+                                          <p:attrName>style.visibility</p:attrName>
+                                        </p:attrNameLst>
+                                      </p:cBhvr>
+                                      <p:to>
+                                        <p:strVal val="visible"/>
+                                      </p:to>
+                                    </p:set>
+                                    <p:animEffect transition="in" filter="fade">
+                                      <p:cBhvr>
+                                        <p:cTn id="55" dur="500"/>
+                                        <p:tgtEl>
+                                          <p:spTgt spid="62"/>
+                                        </p:tgtEl>
+                                      </p:cBhvr>
+                                    </p:animEffect>
+                                  </p:childTnLst>
+                                </p:cTn>
+                              </p:par>
+                            </p:childTnLst>
+                          </p:cTn>
+                        </p:par>
+                      </p:childTnLst>
+                    </p:cTn>
+                  </p:par>
+                  <p:par>
+                    <p:cTn id="56" fill="hold">
+                      <p:stCondLst>
+                        <p:cond delay="indefinite"/>
+                      </p:stCondLst>
+                      <p:childTnLst>
+                        <p:par>
+                          <p:cTn id="57" fill="hold">
+                            <p:stCondLst>
+                              <p:cond delay="0"/>
+                            </p:stCondLst>
+                            <p:childTnLst>
+                              <p:par>
+                                <p:cTn id="58" presetID="10" presetClass="entr" presetSubtype="0" fill="hold" grpId="0" nodeType="clickEffect">
+                                  <p:stCondLst>
+                                    <p:cond delay="0"/>
+                                  </p:stCondLst>
+                                  <p:childTnLst>
+                                    <p:set>
+                                      <p:cBhvr>
+                                        <p:cTn id="59" dur="1" fill="hold">
+                                          <p:stCondLst>
+                                            <p:cond delay="0"/>
+                                          </p:stCondLst>
+                                        </p:cTn>
+                                        <p:tgtEl>
+                                          <p:spTgt spid="68"/>
+                                        </p:tgtEl>
+                                        <p:attrNameLst>
+                                          <p:attrName>style.visibility</p:attrName>
+                                        </p:attrNameLst>
+                                      </p:cBhvr>
+                                      <p:to>
+                                        <p:strVal val="visible"/>
+                                      </p:to>
+                                    </p:set>
+                                    <p:animEffect transition="in" filter="fade">
+                                      <p:cBhvr>
+                                        <p:cTn id="60" dur="500"/>
+                                        <p:tgtEl>
+                                          <p:spTgt spid="68"/>
+                                        </p:tgtEl>
+                                      </p:cBhvr>
+                                    </p:animEffect>
+                                  </p:childTnLst>
+                                </p:cTn>
+                              </p:par>
+                            </p:childTnLst>
+                          </p:cTn>
+                        </p:par>
+                      </p:childTnLst>
+                    </p:cTn>
+                  </p:par>
+                </p:childTnLst>
+              </p:cTn>
+              <p:prevCondLst>
+                <p:cond evt="onPrev" delay="0">
+                  <p:tgtEl>
+                    <p:sldTgt/>
+                  </p:tgtEl>
+                </p:cond>
+              </p:prevCondLst>
+              <p:nextCondLst>
+                <p:cond evt="onNext" delay="0">
+                  <p:tgtEl>
+                    <p:sldTgt/>
+                  </p:tgtEl>
+                </p:cond>
+              </p:nextCondLst>
+            </p:seq>
+          </p:childTnLst>
+        </p:cTn>
+      </p:par>
+    </p:tnLst>
+    <p:bldLst>
+      <p:bldP spid="62" grpId="0" animBg="1"/>
+      <p:bldP spid="68" grpId="0" animBg="1"/>
+    </p:bldLst>
+  </p:timing>
+</p:sld>
+</file>
+
+<file path=ppt/slides/slide4.xml><?xml version="1.0" encoding="utf-8"?>
+<p:sld xmlns:a="http://schemas.openxmlformats.org/drawingml/2006/main" xmlns:r="http://schemas.openxmlformats.org/officeDocument/2006/relationships" xmlns:p="http://schemas.openxmlformats.org/presentationml/2006/main">
+  <p:cSld>
+    <p:spTree>
+      <p:nvGrpSpPr>
+        <p:cNvPr id="1" name=""/>
+        <p:cNvGrpSpPr/>
+        <p:nvPr/>
+      </p:nvGrpSpPr>
+      <p:grpSpPr>
+        <a:xfrm>
+          <a:off x="0" y="0"/>
+          <a:ext cx="0" cy="0"/>
+          <a:chOff x="0" y="0"/>
+          <a:chExt cx="0" cy="0"/>
+        </a:xfrm>
+      </p:grpSpPr>
+      <p:sp>
+        <p:nvSpPr>
+          <p:cNvPr id="2" name="標題 1"/>
+          <p:cNvSpPr>
+            <a:spLocks noGrp="1"/>
+          </p:cNvSpPr>
+          <p:nvPr>
+            <p:ph type="title"/>
+          </p:nvPr>
+        </p:nvSpPr>
+        <p:spPr/>
+        <p:txBody>
+          <a:bodyPr/>
+          <a:lstStyle/>
+          <a:p>
+            <a:r>
+              <a:rPr lang="zh-TW" altLang="en-US" dirty="0" smtClean="0"/>
+              <a:t>傳統的開發方式</a:t>
+            </a:r>
+            <a:r>
+              <a:rPr lang="en-US" altLang="zh-TW" dirty="0" smtClean="0"/>
+              <a:t>…</a:t>
+            </a:r>
+            <a:endParaRPr lang="zh-TW" altLang="en-US" dirty="0"/>
+          </a:p>
+        </p:txBody>
+      </p:sp>
+      <p:pic>
+        <p:nvPicPr>
+          <p:cNvPr id="4" name="圖片 3"/>
+          <p:cNvPicPr>
+            <a:picLocks noChangeAspect="1"/>
+          </p:cNvPicPr>
+          <p:nvPr/>
+        </p:nvPicPr>
+        <p:blipFill>
+          <a:blip r:embed="rId2"/>
+          <a:stretch>
+            <a:fillRect/>
+          </a:stretch>
+        </p:blipFill>
+        <p:spPr>
+          <a:xfrm>
+            <a:off x="1097280" y="1737359"/>
+            <a:ext cx="6087291" cy="4570393"/>
+          </a:xfrm>
+          <a:prstGeom prst="rect">
+            <a:avLst/>
+          </a:prstGeom>
+        </p:spPr>
+      </p:pic>
+      <p:sp>
+        <p:nvSpPr>
+          <p:cNvPr id="5" name="圓角矩形圖說文字 4"/>
+          <p:cNvSpPr/>
+          <p:nvPr/>
+        </p:nvSpPr>
+        <p:spPr>
+          <a:xfrm>
+            <a:off x="712520" y="2339438"/>
+            <a:ext cx="2280062" cy="748146"/>
+          </a:xfrm>
+          <a:prstGeom prst="wedgeRoundRectCallout">
+            <a:avLst>
+              <a:gd name="adj1" fmla="val -17187"/>
+              <a:gd name="adj2" fmla="val 82415"/>
+              <a:gd name="adj3" fmla="val 16667"/>
+            </a:avLst>
+          </a:prstGeom>
+        </p:spPr>
+        <p:style>
+          <a:lnRef idx="2">
+            <a:schemeClr val="accent5"/>
+          </a:lnRef>
+          <a:fillRef idx="1">
+            <a:schemeClr val="lt1"/>
+          </a:fillRef>
+          <a:effectRef idx="0">
+            <a:schemeClr val="accent5"/>
+          </a:effectRef>
+          <a:fontRef idx="minor">
+            <a:schemeClr val="dk1"/>
+          </a:fontRef>
+        </p:style>
+        <p:txBody>
+          <a:bodyPr rtlCol="0" anchor="ctr"/>
+          <a:lstStyle/>
+          <a:p>
+            <a:pPr algn="ctr"/>
+            <a:r>
+              <a:rPr lang="zh-TW" altLang="en-US" dirty="0" smtClean="0"/>
+              <a:t>建立 </a:t>
+            </a:r>
+            <a:r>
+              <a:rPr lang="en-US" altLang="zh-TW" dirty="0" smtClean="0"/>
+              <a:t>IP2C</a:t>
+            </a:r>
+            <a:r>
+              <a:rPr lang="zh-TW" altLang="en-US" dirty="0" smtClean="0"/>
+              <a:t> </a:t>
+            </a:r>
+            <a:r>
+              <a:rPr lang="en-US" altLang="zh-TW" dirty="0" smtClean="0"/>
+              <a:t>solution</a:t>
+            </a:r>
+            <a:endParaRPr lang="zh-TW" altLang="en-US" dirty="0"/>
+          </a:p>
+        </p:txBody>
+      </p:sp>
+      <p:sp>
+        <p:nvSpPr>
+          <p:cNvPr id="6" name="圓角矩形圖說文字 5"/>
+          <p:cNvSpPr/>
+          <p:nvPr/>
+        </p:nvSpPr>
+        <p:spPr>
+          <a:xfrm>
+            <a:off x="2474818" y="2973371"/>
+            <a:ext cx="2382190" cy="748146"/>
+          </a:xfrm>
+          <a:prstGeom prst="wedgeRoundRectCallout">
+            <a:avLst>
+              <a:gd name="adj1" fmla="val -40625"/>
+              <a:gd name="adj2" fmla="val 98288"/>
+              <a:gd name="adj3" fmla="val 16667"/>
+            </a:avLst>
+          </a:prstGeom>
+        </p:spPr>
+        <p:style>
+          <a:lnRef idx="2">
+            <a:schemeClr val="accent5"/>
+          </a:lnRef>
+          <a:fillRef idx="1">
+            <a:schemeClr val="lt1"/>
+          </a:fillRef>
+          <a:effectRef idx="0">
+            <a:schemeClr val="accent5"/>
+          </a:effectRef>
+          <a:fontRef idx="minor">
+            <a:schemeClr val="dk1"/>
+          </a:fontRef>
+        </p:style>
+        <p:txBody>
+          <a:bodyPr rtlCol="0" anchor="ctr"/>
+          <a:lstStyle/>
+          <a:p>
+            <a:pPr algn="ctr"/>
+            <a:r>
+              <a:rPr lang="zh-TW" altLang="en-US" dirty="0" smtClean="0"/>
+              <a:t>處理 </a:t>
+            </a:r>
+            <a:r>
+              <a:rPr lang="en-US" altLang="zh-TW" dirty="0" smtClean="0"/>
+              <a:t>IP</a:t>
+            </a:r>
+            <a:r>
+              <a:rPr lang="zh-TW" altLang="en-US" dirty="0" smtClean="0"/>
+              <a:t> 資料庫的 </a:t>
+            </a:r>
+            <a:r>
+              <a:rPr lang="en-US" altLang="zh-TW" dirty="0" smtClean="0"/>
+              <a:t>LIB</a:t>
+            </a:r>
+            <a:endParaRPr lang="zh-TW" altLang="en-US" dirty="0"/>
+          </a:p>
+        </p:txBody>
+      </p:sp>
+      <p:sp>
+        <p:nvSpPr>
+          <p:cNvPr id="7" name="圓角矩形圖說文字 6"/>
+          <p:cNvSpPr/>
+          <p:nvPr/>
+        </p:nvSpPr>
+        <p:spPr>
+          <a:xfrm>
+            <a:off x="3543597" y="3519635"/>
+            <a:ext cx="2845328" cy="748146"/>
+          </a:xfrm>
+          <a:prstGeom prst="wedgeRoundRectCallout">
+            <a:avLst>
+              <a:gd name="adj1" fmla="val -53088"/>
+              <a:gd name="adj2" fmla="val 93526"/>
+              <a:gd name="adj3" fmla="val 16667"/>
+            </a:avLst>
+          </a:prstGeom>
+        </p:spPr>
+        <p:style>
+          <a:lnRef idx="2">
+            <a:schemeClr val="accent5"/>
+          </a:lnRef>
+          <a:fillRef idx="1">
+            <a:schemeClr val="lt1"/>
+          </a:fillRef>
+          <a:effectRef idx="0">
+            <a:schemeClr val="accent5"/>
+          </a:effectRef>
+          <a:fontRef idx="minor">
+            <a:schemeClr val="dk1"/>
+          </a:fontRef>
+        </p:style>
+        <p:txBody>
+          <a:bodyPr rtlCol="0" anchor="ctr"/>
+          <a:lstStyle/>
+          <a:p>
+            <a:pPr algn="ctr"/>
+            <a:r>
+              <a:rPr lang="zh-TW" altLang="en-US" dirty="0" smtClean="0"/>
+              <a:t>存取遠端 </a:t>
+            </a:r>
+            <a:r>
+              <a:rPr lang="en-US" altLang="zh-TW" dirty="0" smtClean="0"/>
+              <a:t>IP2C</a:t>
+            </a:r>
+            <a:r>
+              <a:rPr lang="zh-TW" altLang="en-US" dirty="0" smtClean="0"/>
+              <a:t> </a:t>
+            </a:r>
+            <a:r>
+              <a:rPr lang="en-US" altLang="zh-TW" dirty="0" smtClean="0"/>
+              <a:t>API</a:t>
+            </a:r>
+            <a:r>
+              <a:rPr lang="zh-TW" altLang="en-US" dirty="0" smtClean="0"/>
+              <a:t> 的 </a:t>
+            </a:r>
+            <a:r>
+              <a:rPr lang="en-US" altLang="zh-TW" dirty="0" smtClean="0"/>
+              <a:t>Client</a:t>
+            </a:r>
+            <a:r>
+              <a:rPr lang="zh-TW" altLang="en-US" dirty="0" smtClean="0"/>
+              <a:t> </a:t>
+            </a:r>
+            <a:r>
+              <a:rPr lang="en-US" altLang="zh-TW" dirty="0" smtClean="0"/>
+              <a:t>SDK</a:t>
+            </a:r>
+            <a:endParaRPr lang="zh-TW" altLang="en-US" dirty="0"/>
+          </a:p>
+        </p:txBody>
+      </p:sp>
+      <p:sp>
+        <p:nvSpPr>
+          <p:cNvPr id="8" name="圓角矩形圖說文字 7"/>
+          <p:cNvSpPr/>
+          <p:nvPr/>
+        </p:nvSpPr>
+        <p:spPr>
+          <a:xfrm>
+            <a:off x="5336770" y="4489150"/>
+            <a:ext cx="3177837" cy="748146"/>
+          </a:xfrm>
+          <a:prstGeom prst="wedgeRoundRectCallout">
+            <a:avLst>
+              <a:gd name="adj1" fmla="val -94843"/>
+              <a:gd name="adj2" fmla="val 4637"/>
+              <a:gd name="adj3" fmla="val 16667"/>
+            </a:avLst>
+          </a:prstGeom>
+        </p:spPr>
+        <p:style>
+          <a:lnRef idx="2">
+            <a:schemeClr val="accent5"/>
+          </a:lnRef>
+          <a:fillRef idx="1">
+            <a:schemeClr val="lt1"/>
+          </a:fillRef>
+          <a:effectRef idx="0">
+            <a:schemeClr val="accent5"/>
+          </a:effectRef>
+          <a:fontRef idx="minor">
+            <a:schemeClr val="dk1"/>
+          </a:fontRef>
+        </p:style>
+        <p:txBody>
+          <a:bodyPr rtlCol="0" anchor="ctr"/>
+          <a:lstStyle/>
+          <a:p>
+            <a:pPr algn="ctr"/>
+            <a:r>
+              <a:rPr lang="zh-TW" altLang="en-US" dirty="0" smtClean="0"/>
+              <a:t>提供</a:t>
+            </a:r>
+            <a:r>
+              <a:rPr lang="zh-TW" altLang="en-US" dirty="0"/>
+              <a:t> </a:t>
+            </a:r>
+            <a:r>
+              <a:rPr lang="en-US" altLang="zh-TW" dirty="0" smtClean="0"/>
+              <a:t>IP2C</a:t>
+            </a:r>
+            <a:r>
+              <a:rPr lang="zh-TW" altLang="en-US" dirty="0"/>
+              <a:t> </a:t>
+            </a:r>
+            <a:r>
+              <a:rPr lang="en-US" altLang="zh-TW" dirty="0" smtClean="0"/>
+              <a:t>API</a:t>
+            </a:r>
+            <a:r>
+              <a:rPr lang="zh-TW" altLang="en-US" dirty="0" smtClean="0"/>
+              <a:t> 的</a:t>
+            </a:r>
+            <a:r>
+              <a:rPr lang="zh-TW" altLang="en-US" dirty="0"/>
+              <a:t> </a:t>
+            </a:r>
+            <a:r>
+              <a:rPr lang="en-US" altLang="zh-TW" dirty="0" smtClean="0"/>
+              <a:t>Web</a:t>
+            </a:r>
+            <a:r>
+              <a:rPr lang="zh-TW" altLang="en-US" dirty="0"/>
+              <a:t> </a:t>
+            </a:r>
+            <a:r>
+              <a:rPr lang="en-US" altLang="zh-TW" dirty="0" smtClean="0"/>
+              <a:t>App</a:t>
+            </a:r>
+            <a:r>
+              <a:rPr lang="en-US" altLang="zh-TW" dirty="0"/>
+              <a:t>s</a:t>
+            </a:r>
+            <a:endParaRPr lang="zh-TW" altLang="en-US" dirty="0"/>
+          </a:p>
+        </p:txBody>
+      </p:sp>
+      <p:sp>
+        <p:nvSpPr>
+          <p:cNvPr id="9" name="圓角矩形圖說文字 8"/>
+          <p:cNvSpPr/>
+          <p:nvPr/>
+        </p:nvSpPr>
+        <p:spPr>
+          <a:xfrm>
+            <a:off x="4140925" y="5458665"/>
+            <a:ext cx="3791792" cy="748146"/>
+          </a:xfrm>
+          <a:prstGeom prst="wedgeRoundRectCallout">
+            <a:avLst>
+              <a:gd name="adj1" fmla="val -67190"/>
+              <a:gd name="adj2" fmla="val -65204"/>
+              <a:gd name="adj3" fmla="val 16667"/>
+            </a:avLst>
+          </a:prstGeom>
+        </p:spPr>
+        <p:style>
+          <a:lnRef idx="2">
+            <a:schemeClr val="accent5"/>
+          </a:lnRef>
+          <a:fillRef idx="1">
+            <a:schemeClr val="lt1"/>
+          </a:fillRef>
+          <a:effectRef idx="0">
+            <a:schemeClr val="accent5"/>
+          </a:effectRef>
+          <a:fontRef idx="minor">
+            <a:schemeClr val="dk1"/>
+          </a:fontRef>
+        </p:style>
+        <p:txBody>
+          <a:bodyPr rtlCol="0" anchor="ctr"/>
+          <a:lstStyle/>
+          <a:p>
+            <a:pPr algn="ctr"/>
+            <a:r>
+              <a:rPr lang="zh-TW" altLang="en-US" dirty="0" smtClean="0"/>
+              <a:t>到 </a:t>
+            </a:r>
+            <a:r>
+              <a:rPr lang="en-US" altLang="zh-TW" dirty="0" smtClean="0"/>
+              <a:t>IP2C.org </a:t>
+            </a:r>
+            <a:r>
+              <a:rPr lang="zh-TW" altLang="en-US" dirty="0" smtClean="0"/>
+              <a:t>更新資料檔的 </a:t>
+            </a:r>
+            <a:r>
+              <a:rPr lang="en-US" altLang="zh-TW" dirty="0" smtClean="0"/>
+              <a:t>Worker</a:t>
+            </a:r>
+            <a:endParaRPr lang="zh-TW" altLang="en-US" dirty="0"/>
+          </a:p>
+        </p:txBody>
+      </p:sp>
+      <p:sp>
+        <p:nvSpPr>
+          <p:cNvPr id="10" name="圓角矩形圖說文字 9"/>
+          <p:cNvSpPr/>
+          <p:nvPr/>
+        </p:nvSpPr>
+        <p:spPr>
+          <a:xfrm>
+            <a:off x="1647700" y="6099234"/>
+            <a:ext cx="4626100" cy="748146"/>
+          </a:xfrm>
+          <a:prstGeom prst="wedgeRoundRectCallout">
+            <a:avLst>
+              <a:gd name="adj1" fmla="val -33362"/>
+              <a:gd name="adj2" fmla="val -83877"/>
+              <a:gd name="adj3" fmla="val 16667"/>
+            </a:avLst>
+          </a:prstGeom>
+        </p:spPr>
+        <p:style>
+          <a:lnRef idx="2">
+            <a:schemeClr val="accent5"/>
+          </a:lnRef>
+          <a:fillRef idx="1">
+            <a:schemeClr val="lt1"/>
+          </a:fillRef>
+          <a:effectRef idx="0">
+            <a:schemeClr val="accent5"/>
+          </a:effectRef>
+          <a:fontRef idx="minor">
+            <a:schemeClr val="dk1"/>
+          </a:fontRef>
+        </p:style>
+        <p:txBody>
+          <a:bodyPr rtlCol="0" anchor="ctr"/>
+          <a:lstStyle/>
+          <a:p>
+            <a:pPr algn="ctr"/>
+            <a:r>
+              <a:rPr lang="zh-TW" altLang="en-US" dirty="0" smtClean="0"/>
+              <a:t>測試 </a:t>
+            </a:r>
+            <a:r>
+              <a:rPr lang="en-US" altLang="zh-TW" dirty="0" smtClean="0"/>
+              <a:t>IP2C.SDK, IP2C.NET </a:t>
+            </a:r>
+            <a:r>
+              <a:rPr lang="zh-TW" altLang="en-US" dirty="0" smtClean="0"/>
+              <a:t>的單元測試案例</a:t>
+            </a:r>
+            <a:endParaRPr lang="zh-TW" altLang="en-US" dirty="0"/>
+          </a:p>
+        </p:txBody>
+      </p:sp>
+    </p:spTree>
+    <p:extLst>
+      <p:ext uri="{BB962C8B-B14F-4D97-AF65-F5344CB8AC3E}">
+        <p14:creationId xmlns:p14="http://schemas.microsoft.com/office/powerpoint/2010/main" val="3928890305"/>
+      </p:ext>
+    </p:extLst>
+  </p:cSld>
+  <p:clrMapOvr>
+    <a:masterClrMapping/>
+  </p:clrMapOvr>
+  <p:timing>
+    <p:tnLst>
+      <p:par>
+        <p:cTn id="1" dur="indefinite" restart="never" nodeType="tmRoot">
+          <p:childTnLst>
+            <p:seq concurrent="1" nextAc="seek">
+              <p:cTn id="2" dur="indefinite" nodeType="mainSeq">
+                <p:childTnLst>
+                  <p:par>
+                    <p:cTn id="3" fill="hold">
+                      <p:stCondLst>
+                        <p:cond delay="indefinite"/>
+                      </p:stCondLst>
+                      <p:childTnLst>
+                        <p:par>
+                          <p:cTn id="4" fill="hold">
+                            <p:stCondLst>
+                              <p:cond delay="0"/>
+                            </p:stCondLst>
+                            <p:childTnLst>
+                              <p:par>
+                                <p:cTn id="5" presetID="10" presetClass="entr" presetSubtype="0" fill="hold" grpId="0" nodeType="clickEffect">
+                                  <p:stCondLst>
+                                    <p:cond delay="0"/>
+                                  </p:stCondLst>
+                                  <p:childTnLst>
+                                    <p:set>
+                                      <p:cBhvr>
+                                        <p:cTn id="6" dur="1" fill="hold">
+                                          <p:stCondLst>
+                                            <p:cond delay="0"/>
+                                          </p:stCondLst>
+                                        </p:cTn>
+                                        <p:tgtEl>
+                                          <p:spTgt spid="5"/>
+                                        </p:tgtEl>
+                                        <p:attrNameLst>
+                                          <p:attrName>style.visibility</p:attrName>
+                                        </p:attrNameLst>
+                                      </p:cBhvr>
+                                      <p:to>
+                                        <p:strVal val="visible"/>
+                                      </p:to>
+                                    </p:set>
+                                    <p:animEffect transition="in" filter="fade">
+                                      <p:cBhvr>
+                                        <p:cTn id="7" dur="500"/>
+                                        <p:tgtEl>
+                                          <p:spTgt spid="5"/>
+                                        </p:tgtEl>
+                                      </p:cBhvr>
+                                    </p:animEffect>
+                                  </p:childTnLst>
+                                </p:cTn>
+                              </p:par>
+                            </p:childTnLst>
+                          </p:cTn>
+                        </p:par>
+                      </p:childTnLst>
+                    </p:cTn>
+                  </p:par>
+                  <p:par>
+                    <p:cTn id="8" fill="hold">
+                      <p:stCondLst>
+                        <p:cond delay="indefinite"/>
+                      </p:stCondLst>
+                      <p:childTnLst>
+                        <p:par>
+                          <p:cTn id="9" fill="hold">
+                            <p:stCondLst>
+                              <p:cond delay="0"/>
+                            </p:stCondLst>
+                            <p:childTnLst>
+                              <p:par>
+                                <p:cTn id="10" presetID="10" presetClass="entr" presetSubtype="0" fill="hold" grpId="0" nodeType="clickEffect">
+                                  <p:stCondLst>
+                                    <p:cond delay="0"/>
+                                  </p:stCondLst>
+                                  <p:childTnLst>
+                                    <p:set>
+                                      <p:cBhvr>
+                                        <p:cTn id="11" dur="1" fill="hold">
+                                          <p:stCondLst>
+                                            <p:cond delay="0"/>
+                                          </p:stCondLst>
+                                        </p:cTn>
+                                        <p:tgtEl>
+                                          <p:spTgt spid="6"/>
+                                        </p:tgtEl>
+                                        <p:attrNameLst>
+                                          <p:attrName>style.visibility</p:attrName>
+                                        </p:attrNameLst>
+                                      </p:cBhvr>
+                                      <p:to>
+                                        <p:strVal val="visible"/>
+                                      </p:to>
+                                    </p:set>
+                                    <p:animEffect transition="in" filter="fade">
+                                      <p:cBhvr>
+                                        <p:cTn id="12" dur="500"/>
+                                        <p:tgtEl>
+                                          <p:spTgt spid="6"/>
+                                        </p:tgtEl>
+                                      </p:cBhvr>
+                                    </p:animEffect>
+                                  </p:childTnLst>
+                                </p:cTn>
+                              </p:par>
+                            </p:childTnLst>
+                          </p:cTn>
+                        </p:par>
+                      </p:childTnLst>
+                    </p:cTn>
+                  </p:par>
+                  <p:par>
+                    <p:cTn id="13" fill="hold">
+                      <p:stCondLst>
+                        <p:cond delay="indefinite"/>
+                      </p:stCondLst>
+                      <p:childTnLst>
+                        <p:par>
+                          <p:cTn id="14" fill="hold">
+                            <p:stCondLst>
+                              <p:cond delay="0"/>
+                            </p:stCondLst>
+                            <p:childTnLst>
+                              <p:par>
+                                <p:cTn id="15" presetID="10" presetClass="entr" presetSubtype="0" fill="hold" grpId="0" nodeType="clickEffect">
+                                  <p:stCondLst>
+                                    <p:cond delay="0"/>
+                                  </p:stCondLst>
+                                  <p:childTnLst>
+                                    <p:set>
+                                      <p:cBhvr>
+                                        <p:cTn id="16" dur="1" fill="hold">
+                                          <p:stCondLst>
+                                            <p:cond delay="0"/>
+                                          </p:stCondLst>
+                                        </p:cTn>
+                                        <p:tgtEl>
+                                          <p:spTgt spid="8"/>
+                                        </p:tgtEl>
+                                        <p:attrNameLst>
+                                          <p:attrName>style.visibility</p:attrName>
+                                        </p:attrNameLst>
+                                      </p:cBhvr>
+                                      <p:to>
+                                        <p:strVal val="visible"/>
+                                      </p:to>
+                                    </p:set>
+                                    <p:animEffect transition="in" filter="fade">
+                                      <p:cBhvr>
+                                        <p:cTn id="17" dur="500"/>
+                                        <p:tgtEl>
+                                          <p:spTgt spid="8"/>
+                                        </p:tgtEl>
+                                      </p:cBhvr>
+                                    </p:animEffect>
+                                  </p:childTnLst>
+                                </p:cTn>
+                              </p:par>
+                            </p:childTnLst>
+                          </p:cTn>
+                        </p:par>
+                      </p:childTnLst>
+                    </p:cTn>
+                  </p:par>
+                  <p:par>
+                    <p:cTn id="18" fill="hold">
+                      <p:stCondLst>
+                        <p:cond delay="indefinite"/>
+                      </p:stCondLst>
+                      <p:childTnLst>
+                        <p:par>
+                          <p:cTn id="19" fill="hold">
+                            <p:stCondLst>
+                              <p:cond delay="0"/>
+                            </p:stCondLst>
+                            <p:childTnLst>
+                              <p:par>
+                                <p:cTn id="20" presetID="10" presetClass="entr" presetSubtype="0" fill="hold" grpId="0" nodeType="clickEffect">
+                                  <p:stCondLst>
+                                    <p:cond delay="0"/>
+                                  </p:stCondLst>
+                                  <p:childTnLst>
+                                    <p:set>
+                                      <p:cBhvr>
+                                        <p:cTn id="21" dur="1" fill="hold">
+                                          <p:stCondLst>
+                                            <p:cond delay="0"/>
+                                          </p:stCondLst>
+                                        </p:cTn>
+                                        <p:tgtEl>
+                                          <p:spTgt spid="7"/>
+                                        </p:tgtEl>
+                                        <p:attrNameLst>
+                                          <p:attrName>style.visibility</p:attrName>
+                                        </p:attrNameLst>
+                                      </p:cBhvr>
+                                      <p:to>
+                                        <p:strVal val="visible"/>
+                                      </p:to>
+                                    </p:set>
+                                    <p:animEffect transition="in" filter="fade">
+                                      <p:cBhvr>
+                                        <p:cTn id="22" dur="500"/>
+                                        <p:tgtEl>
+                                          <p:spTgt spid="7"/>
+                                        </p:tgtEl>
+                                      </p:cBhvr>
+                                    </p:animEffect>
+                                  </p:childTnLst>
+                                </p:cTn>
+                              </p:par>
+                            </p:childTnLst>
+                          </p:cTn>
+                        </p:par>
+                      </p:childTnLst>
+                    </p:cTn>
+                  </p:par>
+                  <p:par>
+                    <p:cTn id="23" fill="hold">
+                      <p:stCondLst>
+                        <p:cond delay="indefinite"/>
+                      </p:stCondLst>
+                      <p:childTnLst>
+                        <p:par>
+                          <p:cTn id="24" fill="hold">
+                            <p:stCondLst>
+                              <p:cond delay="0"/>
+                            </p:stCondLst>
+                            <p:childTnLst>
+                              <p:par>
+                                <p:cTn id="25" presetID="10" presetClass="entr" presetSubtype="0" fill="hold" grpId="0" nodeType="clickEffect">
+                                  <p:stCondLst>
+                                    <p:cond delay="0"/>
+                                  </p:stCondLst>
+                                  <p:childTnLst>
+                                    <p:set>
+                                      <p:cBhvr>
+                                        <p:cTn id="26" dur="1" fill="hold">
+                                          <p:stCondLst>
+                                            <p:cond delay="0"/>
+                                          </p:stCondLst>
+                                        </p:cTn>
+                                        <p:tgtEl>
+                                          <p:spTgt spid="10"/>
+                                        </p:tgtEl>
+                                        <p:attrNameLst>
+                                          <p:attrName>style.visibility</p:attrName>
+                                        </p:attrNameLst>
+                                      </p:cBhvr>
+                                      <p:to>
+                                        <p:strVal val="visible"/>
+                                      </p:to>
+                                    </p:set>
+                                    <p:animEffect transition="in" filter="fade">
+                                      <p:cBhvr>
+                                        <p:cTn id="27" dur="500"/>
+                                        <p:tgtEl>
+                                          <p:spTgt spid="10"/>
+                                        </p:tgtEl>
+                                      </p:cBhvr>
+                                    </p:animEffect>
+                                  </p:childTnLst>
+                                </p:cTn>
+                              </p:par>
+                            </p:childTnLst>
+                          </p:cTn>
+                        </p:par>
+                      </p:childTnLst>
+                    </p:cTn>
+                  </p:par>
+                  <p:par>
+                    <p:cTn id="28" fill="hold">
+                      <p:stCondLst>
+                        <p:cond delay="indefinite"/>
+                      </p:stCondLst>
+                      <p:childTnLst>
+                        <p:par>
+                          <p:cTn id="29" fill="hold">
+                            <p:stCondLst>
+                              <p:cond delay="0"/>
+                            </p:stCondLst>
+                            <p:childTnLst>
+                              <p:par>
+                                <p:cTn id="30" presetID="10" presetClass="entr" presetSubtype="0" fill="hold" grpId="0" nodeType="clickEffect">
+                                  <p:stCondLst>
+                                    <p:cond delay="0"/>
+                                  </p:stCondLst>
+                                  <p:childTnLst>
+                                    <p:set>
+                                      <p:cBhvr>
+                                        <p:cTn id="31" dur="1" fill="hold">
+                                          <p:stCondLst>
+                                            <p:cond delay="0"/>
+                                          </p:stCondLst>
+                                        </p:cTn>
+                                        <p:tgtEl>
+                                          <p:spTgt spid="9"/>
+                                        </p:tgtEl>
+                                        <p:attrNameLst>
+                                          <p:attrName>style.visibility</p:attrName>
+                                        </p:attrNameLst>
+                                      </p:cBhvr>
+                                      <p:to>
+                                        <p:strVal val="visible"/>
+                                      </p:to>
+                                    </p:set>
+                                    <p:animEffect transition="in" filter="fade">
+                                      <p:cBhvr>
+                                        <p:cTn id="32" dur="500"/>
+                                        <p:tgtEl>
+                                          <p:spTgt spid="9"/>
+                                        </p:tgtEl>
+                                      </p:cBhvr>
+                                    </p:animEffect>
+                                  </p:childTnLst>
+                                </p:cTn>
+                              </p:par>
+                            </p:childTnLst>
+                          </p:cTn>
+                        </p:par>
+                      </p:childTnLst>
+                    </p:cTn>
+                  </p:par>
+                </p:childTnLst>
+              </p:cTn>
+              <p:prevCondLst>
+                <p:cond evt="onPrev" delay="0">
+                  <p:tgtEl>
+                    <p:sldTgt/>
+                  </p:tgtEl>
+                </p:cond>
+              </p:prevCondLst>
+              <p:nextCondLst>
+                <p:cond evt="onNext" delay="0">
+                  <p:tgtEl>
+                    <p:sldTgt/>
+                  </p:tgtEl>
+                </p:cond>
+              </p:nextCondLst>
+            </p:seq>
+          </p:childTnLst>
+        </p:cTn>
+      </p:par>
+    </p:tnLst>
+    <p:bldLst>
+      <p:bldP spid="5" grpId="0" animBg="1"/>
+      <p:bldP spid="6" grpId="0" animBg="1"/>
+      <p:bldP spid="7" grpId="0" animBg="1"/>
+      <p:bldP spid="8" grpId="0" animBg="1"/>
+      <p:bldP spid="9" grpId="0" animBg="1"/>
+      <p:bldP spid="10" grpId="0" animBg="1"/>
+    </p:bldLst>
+  </p:timing>
+</p:sld>
+</file>
+
+<file path=ppt/slides/slide40.xml><?xml version="1.0" encoding="utf-8"?>
+<p:sld xmlns:a="http://schemas.openxmlformats.org/drawingml/2006/main" xmlns:r="http://schemas.openxmlformats.org/officeDocument/2006/relationships" xmlns:p="http://schemas.openxmlformats.org/presentationml/2006/main">
+  <p:cSld>
+    <p:spTree>
+      <p:nvGrpSpPr>
+        <p:cNvPr id="1" name=""/>
+        <p:cNvGrpSpPr/>
+        <p:nvPr/>
+      </p:nvGrpSpPr>
+      <p:grpSpPr>
+        <a:xfrm>
+          <a:off x="0" y="0"/>
+          <a:ext cx="0" cy="0"/>
+          <a:chOff x="0" y="0"/>
+          <a:chExt cx="0" cy="0"/>
+        </a:xfrm>
+      </p:grpSpPr>
+      <p:sp>
+        <p:nvSpPr>
+          <p:cNvPr id="2" name="標題 1"/>
+          <p:cNvSpPr>
+            <a:spLocks noGrp="1"/>
+          </p:cNvSpPr>
+          <p:nvPr>
             <p:ph type="ctrTitle"/>
           </p:nvPr>
         </p:nvSpPr>
@@ -17205,7 +20536,11 @@
           <a:p>
             <a:r>
               <a:rPr lang="en-US" altLang="zh-TW" dirty="0" smtClean="0"/>
-              <a:t>#4. References</a:t>
+              <a:t>#5. </a:t>
+            </a:r>
+            <a:r>
+              <a:rPr lang="en-US" altLang="zh-TW" dirty="0" smtClean="0"/>
+              <a:t>References</a:t>
             </a:r>
             <a:endParaRPr lang="zh-TW" altLang="en-US" dirty="0"/>
           </a:p>
@@ -17276,7 +20611,7 @@
 </p:sld>
 </file>
 
-<file path=ppt/slides/slide36.xml><?xml version="1.0" encoding="utf-8"?>
+<file path=ppt/slides/slide41.xml><?xml version="1.0" encoding="utf-8"?>
 <p:sld xmlns:a="http://schemas.openxmlformats.org/drawingml/2006/main" xmlns:r="http://schemas.openxmlformats.org/officeDocument/2006/relationships" xmlns:p="http://schemas.openxmlformats.org/presentationml/2006/main">
   <p:cSld>
     <p:spTree>
@@ -17416,7 +20751,7 @@
 </p:sld>
 </file>
 
-<file path=ppt/slides/slide37.xml><?xml version="1.0" encoding="utf-8"?>
+<file path=ppt/slides/slide42.xml><?xml version="1.0" encoding="utf-8"?>
 <p:sld xmlns:a="http://schemas.openxmlformats.org/drawingml/2006/main" xmlns:r="http://schemas.openxmlformats.org/officeDocument/2006/relationships" xmlns:p="http://schemas.openxmlformats.org/presentationml/2006/main">
   <p:cSld>
     <p:spTree>
@@ -18273,7 +21608,7 @@
 </p:sld>
 </file>
 
-<file path=ppt/slides/slide38.xml><?xml version="1.0" encoding="utf-8"?>
+<file path=ppt/slides/slide43.xml><?xml version="1.0" encoding="utf-8"?>
 <p:sld xmlns:a="http://schemas.openxmlformats.org/drawingml/2006/main" xmlns:r="http://schemas.openxmlformats.org/officeDocument/2006/relationships" xmlns:p="http://schemas.openxmlformats.org/presentationml/2006/main">
   <p:cSld>
     <p:spTree>
@@ -18515,7 +21850,7 @@
 </p:sld>
 </file>
 
-<file path=ppt/slides/slide39.xml><?xml version="1.0" encoding="utf-8"?>
+<file path=ppt/slides/slide44.xml><?xml version="1.0" encoding="utf-8"?>
 <p:sld xmlns:a="http://schemas.openxmlformats.org/drawingml/2006/main" xmlns:r="http://schemas.openxmlformats.org/officeDocument/2006/relationships" xmlns:p="http://schemas.openxmlformats.org/presentationml/2006/main">
   <p:cSld>
     <p:spTree>
@@ -20038,832 +23373,7 @@
 </p:sld>
 </file>
 
-<file path=ppt/slides/slide4.xml><?xml version="1.0" encoding="utf-8"?>
-<p:sld xmlns:a="http://schemas.openxmlformats.org/drawingml/2006/main" xmlns:r="http://schemas.openxmlformats.org/officeDocument/2006/relationships" xmlns:p="http://schemas.openxmlformats.org/presentationml/2006/main">
-  <p:cSld>
-    <p:spTree>
-      <p:nvGrpSpPr>
-        <p:cNvPr id="1" name=""/>
-        <p:cNvGrpSpPr/>
-        <p:nvPr/>
-      </p:nvGrpSpPr>
-      <p:grpSpPr>
-        <a:xfrm>
-          <a:off x="0" y="0"/>
-          <a:ext cx="0" cy="0"/>
-          <a:chOff x="0" y="0"/>
-          <a:chExt cx="0" cy="0"/>
-        </a:xfrm>
-      </p:grpSpPr>
-      <p:sp>
-        <p:nvSpPr>
-          <p:cNvPr id="2" name="標題 1"/>
-          <p:cNvSpPr>
-            <a:spLocks noGrp="1"/>
-          </p:cNvSpPr>
-          <p:nvPr>
-            <p:ph type="title"/>
-          </p:nvPr>
-        </p:nvSpPr>
-        <p:spPr/>
-        <p:txBody>
-          <a:bodyPr/>
-          <a:lstStyle/>
-          <a:p>
-            <a:r>
-              <a:rPr lang="zh-TW" altLang="en-US" dirty="0" smtClean="0"/>
-              <a:t>傳統的開發方式</a:t>
-            </a:r>
-            <a:r>
-              <a:rPr lang="en-US" altLang="zh-TW" dirty="0" smtClean="0"/>
-              <a:t>…</a:t>
-            </a:r>
-            <a:endParaRPr lang="zh-TW" altLang="en-US" dirty="0"/>
-          </a:p>
-        </p:txBody>
-      </p:sp>
-      <p:pic>
-        <p:nvPicPr>
-          <p:cNvPr id="4" name="圖片 3"/>
-          <p:cNvPicPr>
-            <a:picLocks noChangeAspect="1"/>
-          </p:cNvPicPr>
-          <p:nvPr/>
-        </p:nvPicPr>
-        <p:blipFill>
-          <a:blip r:embed="rId2"/>
-          <a:stretch>
-            <a:fillRect/>
-          </a:stretch>
-        </p:blipFill>
-        <p:spPr>
-          <a:xfrm>
-            <a:off x="1097280" y="1737359"/>
-            <a:ext cx="6087291" cy="4570393"/>
-          </a:xfrm>
-          <a:prstGeom prst="rect">
-            <a:avLst/>
-          </a:prstGeom>
-        </p:spPr>
-      </p:pic>
-      <p:sp>
-        <p:nvSpPr>
-          <p:cNvPr id="5" name="圓角矩形圖說文字 4"/>
-          <p:cNvSpPr/>
-          <p:nvPr/>
-        </p:nvSpPr>
-        <p:spPr>
-          <a:xfrm>
-            <a:off x="712520" y="2339438"/>
-            <a:ext cx="2280062" cy="748146"/>
-          </a:xfrm>
-          <a:prstGeom prst="wedgeRoundRectCallout">
-            <a:avLst>
-              <a:gd name="adj1" fmla="val -17187"/>
-              <a:gd name="adj2" fmla="val 82415"/>
-              <a:gd name="adj3" fmla="val 16667"/>
-            </a:avLst>
-          </a:prstGeom>
-        </p:spPr>
-        <p:style>
-          <a:lnRef idx="2">
-            <a:schemeClr val="accent5"/>
-          </a:lnRef>
-          <a:fillRef idx="1">
-            <a:schemeClr val="lt1"/>
-          </a:fillRef>
-          <a:effectRef idx="0">
-            <a:schemeClr val="accent5"/>
-          </a:effectRef>
-          <a:fontRef idx="minor">
-            <a:schemeClr val="dk1"/>
-          </a:fontRef>
-        </p:style>
-        <p:txBody>
-          <a:bodyPr rtlCol="0" anchor="ctr"/>
-          <a:lstStyle/>
-          <a:p>
-            <a:pPr algn="ctr"/>
-            <a:r>
-              <a:rPr lang="zh-TW" altLang="en-US" dirty="0" smtClean="0"/>
-              <a:t>建立 </a:t>
-            </a:r>
-            <a:r>
-              <a:rPr lang="en-US" altLang="zh-TW" dirty="0" smtClean="0"/>
-              <a:t>IP2C</a:t>
-            </a:r>
-            <a:r>
-              <a:rPr lang="zh-TW" altLang="en-US" dirty="0" smtClean="0"/>
-              <a:t> </a:t>
-            </a:r>
-            <a:r>
-              <a:rPr lang="en-US" altLang="zh-TW" dirty="0" smtClean="0"/>
-              <a:t>solution</a:t>
-            </a:r>
-            <a:endParaRPr lang="zh-TW" altLang="en-US" dirty="0"/>
-          </a:p>
-        </p:txBody>
-      </p:sp>
-      <p:sp>
-        <p:nvSpPr>
-          <p:cNvPr id="6" name="圓角矩形圖說文字 5"/>
-          <p:cNvSpPr/>
-          <p:nvPr/>
-        </p:nvSpPr>
-        <p:spPr>
-          <a:xfrm>
-            <a:off x="2474818" y="2973371"/>
-            <a:ext cx="2382190" cy="748146"/>
-          </a:xfrm>
-          <a:prstGeom prst="wedgeRoundRectCallout">
-            <a:avLst>
-              <a:gd name="adj1" fmla="val -40625"/>
-              <a:gd name="adj2" fmla="val 98288"/>
-              <a:gd name="adj3" fmla="val 16667"/>
-            </a:avLst>
-          </a:prstGeom>
-        </p:spPr>
-        <p:style>
-          <a:lnRef idx="2">
-            <a:schemeClr val="accent5"/>
-          </a:lnRef>
-          <a:fillRef idx="1">
-            <a:schemeClr val="lt1"/>
-          </a:fillRef>
-          <a:effectRef idx="0">
-            <a:schemeClr val="accent5"/>
-          </a:effectRef>
-          <a:fontRef idx="minor">
-            <a:schemeClr val="dk1"/>
-          </a:fontRef>
-        </p:style>
-        <p:txBody>
-          <a:bodyPr rtlCol="0" anchor="ctr"/>
-          <a:lstStyle/>
-          <a:p>
-            <a:pPr algn="ctr"/>
-            <a:r>
-              <a:rPr lang="zh-TW" altLang="en-US" dirty="0" smtClean="0"/>
-              <a:t>處理 </a:t>
-            </a:r>
-            <a:r>
-              <a:rPr lang="en-US" altLang="zh-TW" dirty="0" smtClean="0"/>
-              <a:t>IP</a:t>
-            </a:r>
-            <a:r>
-              <a:rPr lang="zh-TW" altLang="en-US" dirty="0" smtClean="0"/>
-              <a:t> 資料庫的 </a:t>
-            </a:r>
-            <a:r>
-              <a:rPr lang="en-US" altLang="zh-TW" dirty="0" smtClean="0"/>
-              <a:t>LIB</a:t>
-            </a:r>
-            <a:endParaRPr lang="zh-TW" altLang="en-US" dirty="0"/>
-          </a:p>
-        </p:txBody>
-      </p:sp>
-      <p:sp>
-        <p:nvSpPr>
-          <p:cNvPr id="7" name="圓角矩形圖說文字 6"/>
-          <p:cNvSpPr/>
-          <p:nvPr/>
-        </p:nvSpPr>
-        <p:spPr>
-          <a:xfrm>
-            <a:off x="3543597" y="3519635"/>
-            <a:ext cx="2845328" cy="748146"/>
-          </a:xfrm>
-          <a:prstGeom prst="wedgeRoundRectCallout">
-            <a:avLst>
-              <a:gd name="adj1" fmla="val -53088"/>
-              <a:gd name="adj2" fmla="val 93526"/>
-              <a:gd name="adj3" fmla="val 16667"/>
-            </a:avLst>
-          </a:prstGeom>
-        </p:spPr>
-        <p:style>
-          <a:lnRef idx="2">
-            <a:schemeClr val="accent5"/>
-          </a:lnRef>
-          <a:fillRef idx="1">
-            <a:schemeClr val="lt1"/>
-          </a:fillRef>
-          <a:effectRef idx="0">
-            <a:schemeClr val="accent5"/>
-          </a:effectRef>
-          <a:fontRef idx="minor">
-            <a:schemeClr val="dk1"/>
-          </a:fontRef>
-        </p:style>
-        <p:txBody>
-          <a:bodyPr rtlCol="0" anchor="ctr"/>
-          <a:lstStyle/>
-          <a:p>
-            <a:pPr algn="ctr"/>
-            <a:r>
-              <a:rPr lang="zh-TW" altLang="en-US" dirty="0" smtClean="0"/>
-              <a:t>存取遠端 </a:t>
-            </a:r>
-            <a:r>
-              <a:rPr lang="en-US" altLang="zh-TW" dirty="0" smtClean="0"/>
-              <a:t>IP2C</a:t>
-            </a:r>
-            <a:r>
-              <a:rPr lang="zh-TW" altLang="en-US" dirty="0" smtClean="0"/>
-              <a:t> </a:t>
-            </a:r>
-            <a:r>
-              <a:rPr lang="en-US" altLang="zh-TW" dirty="0" smtClean="0"/>
-              <a:t>API</a:t>
-            </a:r>
-            <a:r>
-              <a:rPr lang="zh-TW" altLang="en-US" dirty="0" smtClean="0"/>
-              <a:t> 的 </a:t>
-            </a:r>
-            <a:r>
-              <a:rPr lang="en-US" altLang="zh-TW" dirty="0" smtClean="0"/>
-              <a:t>Client</a:t>
-            </a:r>
-            <a:r>
-              <a:rPr lang="zh-TW" altLang="en-US" dirty="0" smtClean="0"/>
-              <a:t> </a:t>
-            </a:r>
-            <a:r>
-              <a:rPr lang="en-US" altLang="zh-TW" dirty="0" smtClean="0"/>
-              <a:t>SDK</a:t>
-            </a:r>
-            <a:endParaRPr lang="zh-TW" altLang="en-US" dirty="0"/>
-          </a:p>
-        </p:txBody>
-      </p:sp>
-      <p:sp>
-        <p:nvSpPr>
-          <p:cNvPr id="8" name="圓角矩形圖說文字 7"/>
-          <p:cNvSpPr/>
-          <p:nvPr/>
-        </p:nvSpPr>
-        <p:spPr>
-          <a:xfrm>
-            <a:off x="5336770" y="4489150"/>
-            <a:ext cx="3177837" cy="748146"/>
-          </a:xfrm>
-          <a:prstGeom prst="wedgeRoundRectCallout">
-            <a:avLst>
-              <a:gd name="adj1" fmla="val -94843"/>
-              <a:gd name="adj2" fmla="val 4637"/>
-              <a:gd name="adj3" fmla="val 16667"/>
-            </a:avLst>
-          </a:prstGeom>
-        </p:spPr>
-        <p:style>
-          <a:lnRef idx="2">
-            <a:schemeClr val="accent5"/>
-          </a:lnRef>
-          <a:fillRef idx="1">
-            <a:schemeClr val="lt1"/>
-          </a:fillRef>
-          <a:effectRef idx="0">
-            <a:schemeClr val="accent5"/>
-          </a:effectRef>
-          <a:fontRef idx="minor">
-            <a:schemeClr val="dk1"/>
-          </a:fontRef>
-        </p:style>
-        <p:txBody>
-          <a:bodyPr rtlCol="0" anchor="ctr"/>
-          <a:lstStyle/>
-          <a:p>
-            <a:pPr algn="ctr"/>
-            <a:r>
-              <a:rPr lang="zh-TW" altLang="en-US" dirty="0" smtClean="0"/>
-              <a:t>提供</a:t>
-            </a:r>
-            <a:r>
-              <a:rPr lang="zh-TW" altLang="en-US" dirty="0"/>
-              <a:t> </a:t>
-            </a:r>
-            <a:r>
-              <a:rPr lang="en-US" altLang="zh-TW" dirty="0" smtClean="0"/>
-              <a:t>IP2C</a:t>
-            </a:r>
-            <a:r>
-              <a:rPr lang="zh-TW" altLang="en-US" dirty="0"/>
-              <a:t> </a:t>
-            </a:r>
-            <a:r>
-              <a:rPr lang="en-US" altLang="zh-TW" dirty="0" smtClean="0"/>
-              <a:t>API</a:t>
-            </a:r>
-            <a:r>
-              <a:rPr lang="zh-TW" altLang="en-US" dirty="0" smtClean="0"/>
-              <a:t> 的</a:t>
-            </a:r>
-            <a:r>
-              <a:rPr lang="zh-TW" altLang="en-US" dirty="0"/>
-              <a:t> </a:t>
-            </a:r>
-            <a:r>
-              <a:rPr lang="en-US" altLang="zh-TW" dirty="0" smtClean="0"/>
-              <a:t>Web</a:t>
-            </a:r>
-            <a:r>
-              <a:rPr lang="zh-TW" altLang="en-US" dirty="0"/>
-              <a:t> </a:t>
-            </a:r>
-            <a:r>
-              <a:rPr lang="en-US" altLang="zh-TW" dirty="0" smtClean="0"/>
-              <a:t>App</a:t>
-            </a:r>
-            <a:r>
-              <a:rPr lang="en-US" altLang="zh-TW" dirty="0"/>
-              <a:t>s</a:t>
-            </a:r>
-            <a:endParaRPr lang="zh-TW" altLang="en-US" dirty="0"/>
-          </a:p>
-        </p:txBody>
-      </p:sp>
-      <p:sp>
-        <p:nvSpPr>
-          <p:cNvPr id="9" name="圓角矩形圖說文字 8"/>
-          <p:cNvSpPr/>
-          <p:nvPr/>
-        </p:nvSpPr>
-        <p:spPr>
-          <a:xfrm>
-            <a:off x="4140925" y="5458665"/>
-            <a:ext cx="3791792" cy="748146"/>
-          </a:xfrm>
-          <a:prstGeom prst="wedgeRoundRectCallout">
-            <a:avLst>
-              <a:gd name="adj1" fmla="val -67190"/>
-              <a:gd name="adj2" fmla="val -65204"/>
-              <a:gd name="adj3" fmla="val 16667"/>
-            </a:avLst>
-          </a:prstGeom>
-        </p:spPr>
-        <p:style>
-          <a:lnRef idx="2">
-            <a:schemeClr val="accent5"/>
-          </a:lnRef>
-          <a:fillRef idx="1">
-            <a:schemeClr val="lt1"/>
-          </a:fillRef>
-          <a:effectRef idx="0">
-            <a:schemeClr val="accent5"/>
-          </a:effectRef>
-          <a:fontRef idx="minor">
-            <a:schemeClr val="dk1"/>
-          </a:fontRef>
-        </p:style>
-        <p:txBody>
-          <a:bodyPr rtlCol="0" anchor="ctr"/>
-          <a:lstStyle/>
-          <a:p>
-            <a:pPr algn="ctr"/>
-            <a:r>
-              <a:rPr lang="zh-TW" altLang="en-US" dirty="0" smtClean="0"/>
-              <a:t>到 </a:t>
-            </a:r>
-            <a:r>
-              <a:rPr lang="en-US" altLang="zh-TW" dirty="0" smtClean="0"/>
-              <a:t>IP2C.org </a:t>
-            </a:r>
-            <a:r>
-              <a:rPr lang="zh-TW" altLang="en-US" dirty="0" smtClean="0"/>
-              <a:t>更新資料檔的 </a:t>
-            </a:r>
-            <a:r>
-              <a:rPr lang="en-US" altLang="zh-TW" dirty="0" smtClean="0"/>
-              <a:t>Worker</a:t>
-            </a:r>
-            <a:endParaRPr lang="zh-TW" altLang="en-US" dirty="0"/>
-          </a:p>
-        </p:txBody>
-      </p:sp>
-      <p:sp>
-        <p:nvSpPr>
-          <p:cNvPr id="10" name="圓角矩形圖說文字 9"/>
-          <p:cNvSpPr/>
-          <p:nvPr/>
-        </p:nvSpPr>
-        <p:spPr>
-          <a:xfrm>
-            <a:off x="1647700" y="6099234"/>
-            <a:ext cx="4626100" cy="748146"/>
-          </a:xfrm>
-          <a:prstGeom prst="wedgeRoundRectCallout">
-            <a:avLst>
-              <a:gd name="adj1" fmla="val -33362"/>
-              <a:gd name="adj2" fmla="val -83877"/>
-              <a:gd name="adj3" fmla="val 16667"/>
-            </a:avLst>
-          </a:prstGeom>
-        </p:spPr>
-        <p:style>
-          <a:lnRef idx="2">
-            <a:schemeClr val="accent5"/>
-          </a:lnRef>
-          <a:fillRef idx="1">
-            <a:schemeClr val="lt1"/>
-          </a:fillRef>
-          <a:effectRef idx="0">
-            <a:schemeClr val="accent5"/>
-          </a:effectRef>
-          <a:fontRef idx="minor">
-            <a:schemeClr val="dk1"/>
-          </a:fontRef>
-        </p:style>
-        <p:txBody>
-          <a:bodyPr rtlCol="0" anchor="ctr"/>
-          <a:lstStyle/>
-          <a:p>
-            <a:pPr algn="ctr"/>
-            <a:r>
-              <a:rPr lang="zh-TW" altLang="en-US" dirty="0" smtClean="0"/>
-              <a:t>測試 </a:t>
-            </a:r>
-            <a:r>
-              <a:rPr lang="en-US" altLang="zh-TW" dirty="0" smtClean="0"/>
-              <a:t>IP2C.SDK, IP2C.NET </a:t>
-            </a:r>
-            <a:r>
-              <a:rPr lang="zh-TW" altLang="en-US" dirty="0" smtClean="0"/>
-              <a:t>的單元測試案例</a:t>
-            </a:r>
-            <a:endParaRPr lang="zh-TW" altLang="en-US" dirty="0"/>
-          </a:p>
-        </p:txBody>
-      </p:sp>
-    </p:spTree>
-    <p:extLst>
-      <p:ext uri="{BB962C8B-B14F-4D97-AF65-F5344CB8AC3E}">
-        <p14:creationId xmlns:p14="http://schemas.microsoft.com/office/powerpoint/2010/main" val="3928890305"/>
-      </p:ext>
-    </p:extLst>
-  </p:cSld>
-  <p:clrMapOvr>
-    <a:masterClrMapping/>
-  </p:clrMapOvr>
-  <p:timing>
-    <p:tnLst>
-      <p:par>
-        <p:cTn id="1" dur="indefinite" restart="never" nodeType="tmRoot">
-          <p:childTnLst>
-            <p:seq concurrent="1" nextAc="seek">
-              <p:cTn id="2" dur="indefinite" nodeType="mainSeq">
-                <p:childTnLst>
-                  <p:par>
-                    <p:cTn id="3" fill="hold">
-                      <p:stCondLst>
-                        <p:cond delay="indefinite"/>
-                      </p:stCondLst>
-                      <p:childTnLst>
-                        <p:par>
-                          <p:cTn id="4" fill="hold">
-                            <p:stCondLst>
-                              <p:cond delay="0"/>
-                            </p:stCondLst>
-                            <p:childTnLst>
-                              <p:par>
-                                <p:cTn id="5" presetID="10" presetClass="entr" presetSubtype="0" fill="hold" grpId="0" nodeType="clickEffect">
-                                  <p:stCondLst>
-                                    <p:cond delay="0"/>
-                                  </p:stCondLst>
-                                  <p:childTnLst>
-                                    <p:set>
-                                      <p:cBhvr>
-                                        <p:cTn id="6" dur="1" fill="hold">
-                                          <p:stCondLst>
-                                            <p:cond delay="0"/>
-                                          </p:stCondLst>
-                                        </p:cTn>
-                                        <p:tgtEl>
-                                          <p:spTgt spid="5"/>
-                                        </p:tgtEl>
-                                        <p:attrNameLst>
-                                          <p:attrName>style.visibility</p:attrName>
-                                        </p:attrNameLst>
-                                      </p:cBhvr>
-                                      <p:to>
-                                        <p:strVal val="visible"/>
-                                      </p:to>
-                                    </p:set>
-                                    <p:animEffect transition="in" filter="fade">
-                                      <p:cBhvr>
-                                        <p:cTn id="7" dur="500"/>
-                                        <p:tgtEl>
-                                          <p:spTgt spid="5"/>
-                                        </p:tgtEl>
-                                      </p:cBhvr>
-                                    </p:animEffect>
-                                  </p:childTnLst>
-                                </p:cTn>
-                              </p:par>
-                            </p:childTnLst>
-                          </p:cTn>
-                        </p:par>
-                      </p:childTnLst>
-                    </p:cTn>
-                  </p:par>
-                  <p:par>
-                    <p:cTn id="8" fill="hold">
-                      <p:stCondLst>
-                        <p:cond delay="indefinite"/>
-                      </p:stCondLst>
-                      <p:childTnLst>
-                        <p:par>
-                          <p:cTn id="9" fill="hold">
-                            <p:stCondLst>
-                              <p:cond delay="0"/>
-                            </p:stCondLst>
-                            <p:childTnLst>
-                              <p:par>
-                                <p:cTn id="10" presetID="10" presetClass="entr" presetSubtype="0" fill="hold" grpId="0" nodeType="clickEffect">
-                                  <p:stCondLst>
-                                    <p:cond delay="0"/>
-                                  </p:stCondLst>
-                                  <p:childTnLst>
-                                    <p:set>
-                                      <p:cBhvr>
-                                        <p:cTn id="11" dur="1" fill="hold">
-                                          <p:stCondLst>
-                                            <p:cond delay="0"/>
-                                          </p:stCondLst>
-                                        </p:cTn>
-                                        <p:tgtEl>
-                                          <p:spTgt spid="6"/>
-                                        </p:tgtEl>
-                                        <p:attrNameLst>
-                                          <p:attrName>style.visibility</p:attrName>
-                                        </p:attrNameLst>
-                                      </p:cBhvr>
-                                      <p:to>
-                                        <p:strVal val="visible"/>
-                                      </p:to>
-                                    </p:set>
-                                    <p:animEffect transition="in" filter="fade">
-                                      <p:cBhvr>
-                                        <p:cTn id="12" dur="500"/>
-                                        <p:tgtEl>
-                                          <p:spTgt spid="6"/>
-                                        </p:tgtEl>
-                                      </p:cBhvr>
-                                    </p:animEffect>
-                                  </p:childTnLst>
-                                </p:cTn>
-                              </p:par>
-                            </p:childTnLst>
-                          </p:cTn>
-                        </p:par>
-                      </p:childTnLst>
-                    </p:cTn>
-                  </p:par>
-                  <p:par>
-                    <p:cTn id="13" fill="hold">
-                      <p:stCondLst>
-                        <p:cond delay="indefinite"/>
-                      </p:stCondLst>
-                      <p:childTnLst>
-                        <p:par>
-                          <p:cTn id="14" fill="hold">
-                            <p:stCondLst>
-                              <p:cond delay="0"/>
-                            </p:stCondLst>
-                            <p:childTnLst>
-                              <p:par>
-                                <p:cTn id="15" presetID="10" presetClass="entr" presetSubtype="0" fill="hold" grpId="0" nodeType="clickEffect">
-                                  <p:stCondLst>
-                                    <p:cond delay="0"/>
-                                  </p:stCondLst>
-                                  <p:childTnLst>
-                                    <p:set>
-                                      <p:cBhvr>
-                                        <p:cTn id="16" dur="1" fill="hold">
-                                          <p:stCondLst>
-                                            <p:cond delay="0"/>
-                                          </p:stCondLst>
-                                        </p:cTn>
-                                        <p:tgtEl>
-                                          <p:spTgt spid="8"/>
-                                        </p:tgtEl>
-                                        <p:attrNameLst>
-                                          <p:attrName>style.visibility</p:attrName>
-                                        </p:attrNameLst>
-                                      </p:cBhvr>
-                                      <p:to>
-                                        <p:strVal val="visible"/>
-                                      </p:to>
-                                    </p:set>
-                                    <p:animEffect transition="in" filter="fade">
-                                      <p:cBhvr>
-                                        <p:cTn id="17" dur="500"/>
-                                        <p:tgtEl>
-                                          <p:spTgt spid="8"/>
-                                        </p:tgtEl>
-                                      </p:cBhvr>
-                                    </p:animEffect>
-                                  </p:childTnLst>
-                                </p:cTn>
-                              </p:par>
-                            </p:childTnLst>
-                          </p:cTn>
-                        </p:par>
-                      </p:childTnLst>
-                    </p:cTn>
-                  </p:par>
-                  <p:par>
-                    <p:cTn id="18" fill="hold">
-                      <p:stCondLst>
-                        <p:cond delay="indefinite"/>
-                      </p:stCondLst>
-                      <p:childTnLst>
-                        <p:par>
-                          <p:cTn id="19" fill="hold">
-                            <p:stCondLst>
-                              <p:cond delay="0"/>
-                            </p:stCondLst>
-                            <p:childTnLst>
-                              <p:par>
-                                <p:cTn id="20" presetID="10" presetClass="entr" presetSubtype="0" fill="hold" grpId="0" nodeType="clickEffect">
-                                  <p:stCondLst>
-                                    <p:cond delay="0"/>
-                                  </p:stCondLst>
-                                  <p:childTnLst>
-                                    <p:set>
-                                      <p:cBhvr>
-                                        <p:cTn id="21" dur="1" fill="hold">
-                                          <p:stCondLst>
-                                            <p:cond delay="0"/>
-                                          </p:stCondLst>
-                                        </p:cTn>
-                                        <p:tgtEl>
-                                          <p:spTgt spid="7"/>
-                                        </p:tgtEl>
-                                        <p:attrNameLst>
-                                          <p:attrName>style.visibility</p:attrName>
-                                        </p:attrNameLst>
-                                      </p:cBhvr>
-                                      <p:to>
-                                        <p:strVal val="visible"/>
-                                      </p:to>
-                                    </p:set>
-                                    <p:animEffect transition="in" filter="fade">
-                                      <p:cBhvr>
-                                        <p:cTn id="22" dur="500"/>
-                                        <p:tgtEl>
-                                          <p:spTgt spid="7"/>
-                                        </p:tgtEl>
-                                      </p:cBhvr>
-                                    </p:animEffect>
-                                  </p:childTnLst>
-                                </p:cTn>
-                              </p:par>
-                            </p:childTnLst>
-                          </p:cTn>
-                        </p:par>
-                      </p:childTnLst>
-                    </p:cTn>
-                  </p:par>
-                  <p:par>
-                    <p:cTn id="23" fill="hold">
-                      <p:stCondLst>
-                        <p:cond delay="indefinite"/>
-                      </p:stCondLst>
-                      <p:childTnLst>
-                        <p:par>
-                          <p:cTn id="24" fill="hold">
-                            <p:stCondLst>
-                              <p:cond delay="0"/>
-                            </p:stCondLst>
-                            <p:childTnLst>
-                              <p:par>
-                                <p:cTn id="25" presetID="10" presetClass="entr" presetSubtype="0" fill="hold" grpId="0" nodeType="clickEffect">
-                                  <p:stCondLst>
-                                    <p:cond delay="0"/>
-                                  </p:stCondLst>
-                                  <p:childTnLst>
-                                    <p:set>
-                                      <p:cBhvr>
-                                        <p:cTn id="26" dur="1" fill="hold">
-                                          <p:stCondLst>
-                                            <p:cond delay="0"/>
-                                          </p:stCondLst>
-                                        </p:cTn>
-                                        <p:tgtEl>
-                                          <p:spTgt spid="10"/>
-                                        </p:tgtEl>
-                                        <p:attrNameLst>
-                                          <p:attrName>style.visibility</p:attrName>
-                                        </p:attrNameLst>
-                                      </p:cBhvr>
-                                      <p:to>
-                                        <p:strVal val="visible"/>
-                                      </p:to>
-                                    </p:set>
-                                    <p:animEffect transition="in" filter="fade">
-                                      <p:cBhvr>
-                                        <p:cTn id="27" dur="500"/>
-                                        <p:tgtEl>
-                                          <p:spTgt spid="10"/>
-                                        </p:tgtEl>
-                                      </p:cBhvr>
-                                    </p:animEffect>
-                                  </p:childTnLst>
-                                </p:cTn>
-                              </p:par>
-                            </p:childTnLst>
-                          </p:cTn>
-                        </p:par>
-                      </p:childTnLst>
-                    </p:cTn>
-                  </p:par>
-                  <p:par>
-                    <p:cTn id="28" fill="hold">
-                      <p:stCondLst>
-                        <p:cond delay="indefinite"/>
-                      </p:stCondLst>
-                      <p:childTnLst>
-                        <p:par>
-                          <p:cTn id="29" fill="hold">
-                            <p:stCondLst>
-                              <p:cond delay="0"/>
-                            </p:stCondLst>
-                            <p:childTnLst>
-                              <p:par>
-                                <p:cTn id="30" presetID="10" presetClass="entr" presetSubtype="0" fill="hold" grpId="0" nodeType="clickEffect">
-                                  <p:stCondLst>
-                                    <p:cond delay="0"/>
-                                  </p:stCondLst>
-                                  <p:childTnLst>
-                                    <p:set>
-                                      <p:cBhvr>
-                                        <p:cTn id="31" dur="1" fill="hold">
-                                          <p:stCondLst>
-                                            <p:cond delay="0"/>
-                                          </p:stCondLst>
-                                        </p:cTn>
-                                        <p:tgtEl>
-                                          <p:spTgt spid="9"/>
-                                        </p:tgtEl>
-                                        <p:attrNameLst>
-                                          <p:attrName>style.visibility</p:attrName>
-                                        </p:attrNameLst>
-                                      </p:cBhvr>
-                                      <p:to>
-                                        <p:strVal val="visible"/>
-                                      </p:to>
-                                    </p:set>
-                                    <p:animEffect transition="in" filter="fade">
-                                      <p:cBhvr>
-                                        <p:cTn id="32" dur="500"/>
-                                        <p:tgtEl>
-                                          <p:spTgt spid="9"/>
-                                        </p:tgtEl>
-                                      </p:cBhvr>
-                                    </p:animEffect>
-                                  </p:childTnLst>
-                                </p:cTn>
-                              </p:par>
-                            </p:childTnLst>
-                          </p:cTn>
-                        </p:par>
-                      </p:childTnLst>
-                    </p:cTn>
-                  </p:par>
-                </p:childTnLst>
-              </p:cTn>
-              <p:prevCondLst>
-                <p:cond evt="onPrev" delay="0">
-                  <p:tgtEl>
-                    <p:sldTgt/>
-                  </p:tgtEl>
-                </p:cond>
-              </p:prevCondLst>
-              <p:nextCondLst>
-                <p:cond evt="onNext" delay="0">
-                  <p:tgtEl>
-                    <p:sldTgt/>
-                  </p:tgtEl>
-                </p:cond>
-              </p:nextCondLst>
-            </p:seq>
-          </p:childTnLst>
-        </p:cTn>
-      </p:par>
-    </p:tnLst>
-    <p:bldLst>
-      <p:bldP spid="5" grpId="0" animBg="1"/>
-      <p:bldP spid="6" grpId="0" animBg="1"/>
-      <p:bldP spid="7" grpId="0" animBg="1"/>
-      <p:bldP spid="8" grpId="0" animBg="1"/>
-      <p:bldP spid="9" grpId="0" animBg="1"/>
-      <p:bldP spid="10" grpId="0" animBg="1"/>
-    </p:bldLst>
-  </p:timing>
-</p:sld>
-</file>
-
-<file path=ppt/slides/slide40.xml><?xml version="1.0" encoding="utf-8"?>
+<file path=ppt/slides/slide45.xml><?xml version="1.0" encoding="utf-8"?>
 <p:sld xmlns:a="http://schemas.openxmlformats.org/drawingml/2006/main" xmlns:r="http://schemas.openxmlformats.org/officeDocument/2006/relationships" xmlns:p="http://schemas.openxmlformats.org/presentationml/2006/main">
   <p:cSld>
     <p:spTree>
@@ -20958,7 +23468,7 @@
 </p:sld>
 </file>
 
-<file path=ppt/slides/slide41.xml><?xml version="1.0" encoding="utf-8"?>
+<file path=ppt/slides/slide46.xml><?xml version="1.0" encoding="utf-8"?>
 <p:sld xmlns:a="http://schemas.openxmlformats.org/drawingml/2006/main" xmlns:r="http://schemas.openxmlformats.org/officeDocument/2006/relationships" xmlns:p="http://schemas.openxmlformats.org/presentationml/2006/main">
   <p:cSld>
     <p:spTree>
@@ -21037,7 +23547,7 @@
 </p:sld>
 </file>
 
-<file path=ppt/slides/slide42.xml><?xml version="1.0" encoding="utf-8"?>
+<file path=ppt/slides/slide47.xml><?xml version="1.0" encoding="utf-8"?>
 <p:sld xmlns:a="http://schemas.openxmlformats.org/drawingml/2006/main" xmlns:r="http://schemas.openxmlformats.org/officeDocument/2006/relationships" xmlns:p="http://schemas.openxmlformats.org/presentationml/2006/main">
   <p:cSld>
     <p:spTree>
@@ -21243,7 +23753,7 @@
 </p:sld>
 </file>
 
-<file path=ppt/slides/slide43.xml><?xml version="1.0" encoding="utf-8"?>
+<file path=ppt/slides/slide48.xml><?xml version="1.0" encoding="utf-8"?>
 <p:sld xmlns:a="http://schemas.openxmlformats.org/drawingml/2006/main" xmlns:r="http://schemas.openxmlformats.org/officeDocument/2006/relationships" xmlns:p="http://schemas.openxmlformats.org/presentationml/2006/main">
   <p:cSld>
     <p:spTree>
@@ -21537,15 +24047,7 @@
             </a:r>
             <a:r>
               <a:rPr lang="zh-TW" altLang="en-US" sz="3200" dirty="0" smtClean="0"/>
-              <a:t> 的</a:t>
-            </a:r>
-            <a:r>
-              <a:rPr lang="zh-TW" altLang="en-US" sz="3200" dirty="0" smtClean="0"/>
-              <a:t>建置本機測試</a:t>
-            </a:r>
-            <a:r>
-              <a:rPr lang="zh-TW" altLang="en-US" sz="3200" dirty="0" smtClean="0"/>
-              <a:t>環境</a:t>
+              <a:t> 的建置本機測試環境</a:t>
             </a:r>
             <a:r>
               <a:rPr lang="en-US" altLang="zh-TW" sz="3200" dirty="0" smtClean="0"/>
@@ -21579,17 +24081,12 @@
             </a:r>
             <a:r>
               <a:rPr lang="zh-TW" altLang="en-US" sz="3200" dirty="0" smtClean="0"/>
-              <a:t> 的</a:t>
-            </a:r>
-            <a:r>
-              <a:rPr lang="zh-TW" altLang="en-US" sz="3200" dirty="0" smtClean="0"/>
-              <a:t>部署及更新</a:t>
+              <a:t> 的部署及更新</a:t>
             </a:r>
             <a:r>
               <a:rPr lang="en-US" altLang="zh-TW" sz="3200" dirty="0" smtClean="0"/>
               <a:t>?</a:t>
             </a:r>
-            <a:endParaRPr lang="en-US" altLang="zh-TW" sz="3200" dirty="0" smtClean="0"/>
           </a:p>
           <a:p>
             <a:pPr marL="514350" indent="-514350">
@@ -21612,11 +24109,7 @@
             </a:pPr>
             <a:r>
               <a:rPr lang="zh-TW" altLang="en-US" sz="3200" dirty="0" smtClean="0"/>
-              <a:t>我</a:t>
-            </a:r>
-            <a:r>
-              <a:rPr lang="zh-TW" altLang="en-US" sz="3200" dirty="0" smtClean="0"/>
-              <a:t>該將 </a:t>
+              <a:t>我該將 </a:t>
             </a:r>
             <a:r>
               <a:rPr lang="en-US" altLang="zh-TW" sz="3200" dirty="0" smtClean="0"/>
@@ -21685,11 +24178,7 @@
             </a:pPr>
             <a:r>
               <a:rPr lang="zh-TW" altLang="en-US" sz="3200" dirty="0" smtClean="0"/>
-              <a:t>我</a:t>
-            </a:r>
-            <a:r>
-              <a:rPr lang="zh-TW" altLang="en-US" sz="3200" dirty="0" smtClean="0"/>
-              <a:t>該怎麼處理 </a:t>
+              <a:t>我該怎麼處理 </a:t>
             </a:r>
             <a:r>
               <a:rPr lang="en-US" altLang="zh-TW" sz="3200" dirty="0" smtClean="0"/>
@@ -21705,7 +24194,6 @@
               <a:rPr lang="en-US" altLang="zh-TW" sz="3200" dirty="0" smtClean="0"/>
               <a:t>…</a:t>
             </a:r>
-            <a:endParaRPr lang="en-US" altLang="zh-TW" sz="3200" dirty="0" smtClean="0"/>
           </a:p>
           <a:p>
             <a:pPr marL="514350" indent="-514350">
@@ -21737,7 +24225,7 @@
 </file>
 
 <file path=ppt/slides/slide6.xml><?xml version="1.0" encoding="utf-8"?>
-<p:sld xmlns:a="http://schemas.openxmlformats.org/drawingml/2006/main" xmlns:r="http://schemas.openxmlformats.org/officeDocument/2006/relationships" xmlns:p="http://schemas.openxmlformats.org/presentationml/2006/main" show="0">
+<p:sld xmlns:a="http://schemas.openxmlformats.org/drawingml/2006/main" xmlns:r="http://schemas.openxmlformats.org/officeDocument/2006/relationships" xmlns:p="http://schemas.openxmlformats.org/presentationml/2006/main">
   <p:cSld>
     <p:spTree>
       <p:nvGrpSpPr>
@@ -21755,12 +24243,12 @@
       </p:grpSpPr>
       <p:sp>
         <p:nvSpPr>
-          <p:cNvPr id="2" name="標題 1"/>
+          <p:cNvPr id="4" name="標題 3"/>
           <p:cNvSpPr>
             <a:spLocks noGrp="1"/>
           </p:cNvSpPr>
           <p:nvPr>
-            <p:ph type="title"/>
+            <p:ph type="ctrTitle"/>
           </p:nvPr>
         </p:nvSpPr>
         <p:spPr/>
@@ -21770,28 +24258,27 @@
           <a:p>
             <a:r>
               <a:rPr lang="en-US" altLang="zh-TW" dirty="0" smtClean="0"/>
-              <a:t>Unit Test Web API </a:t>
+              <a:t>#1. </a:t>
             </a:r>
             <a:r>
               <a:rPr lang="zh-TW" altLang="en-US" dirty="0" smtClean="0"/>
-              <a:t>的困擾</a:t>
-            </a:r>
-            <a:r>
-              <a:rPr lang="en-US" altLang="zh-TW" dirty="0" smtClean="0"/>
-              <a:t>…</a:t>
-            </a:r>
-            <a:endParaRPr lang="zh-TW" altLang="en-US" dirty="0"/>
-          </a:p>
-        </p:txBody>
-      </p:sp>
-      <p:sp>
-        <p:nvSpPr>
-          <p:cNvPr id="3" name="內容版面配置區 2"/>
+              <a:t>容器化的</a:t>
+            </a:r>
+            <a:r>
+              <a:rPr lang="zh-TW" altLang="en-US" dirty="0"/>
+              <a:t>封裝</a:t>
+            </a:r>
+          </a:p>
+        </p:txBody>
+      </p:sp>
+      <p:sp>
+        <p:nvSpPr>
+          <p:cNvPr id="5" name="副標題 4"/>
           <p:cNvSpPr>
             <a:spLocks noGrp="1"/>
           </p:cNvSpPr>
           <p:nvPr>
-            <p:ph idx="1"/>
+            <p:ph type="subTitle" idx="1"/>
           </p:nvPr>
         </p:nvSpPr>
         <p:spPr/>
@@ -21799,107 +24286,20 @@
           <a:bodyPr/>
           <a:lstStyle/>
           <a:p>
-            <a:endParaRPr lang="zh-TW" altLang="en-US"/>
-          </a:p>
-        </p:txBody>
-      </p:sp>
-      <p:pic>
-        <p:nvPicPr>
-          <p:cNvPr id="4" name="圖片 3"/>
-          <p:cNvPicPr>
-            <a:picLocks noChangeAspect="1"/>
-          </p:cNvPicPr>
-          <p:nvPr/>
-        </p:nvPicPr>
-        <p:blipFill>
-          <a:blip r:embed="rId2"/>
-          <a:stretch>
-            <a:fillRect/>
-          </a:stretch>
-        </p:blipFill>
-        <p:spPr>
-          <a:xfrm>
-            <a:off x="681643" y="1845734"/>
-            <a:ext cx="10737264" cy="4023360"/>
-          </a:xfrm>
-          <a:prstGeom prst="rect">
-            <a:avLst/>
-          </a:prstGeom>
-        </p:spPr>
-      </p:pic>
-      <p:sp>
-        <p:nvSpPr>
-          <p:cNvPr id="5" name="雲朵形圖說文字 4"/>
-          <p:cNvSpPr/>
-          <p:nvPr/>
-        </p:nvSpPr>
-        <p:spPr>
-          <a:xfrm>
-            <a:off x="6050275" y="1737359"/>
-            <a:ext cx="5368632" cy="2894017"/>
-          </a:xfrm>
-          <a:prstGeom prst="cloudCallout">
-            <a:avLst>
-              <a:gd name="adj1" fmla="val -30787"/>
-              <a:gd name="adj2" fmla="val 59628"/>
-            </a:avLst>
-          </a:prstGeom>
-        </p:spPr>
-        <p:style>
-          <a:lnRef idx="2">
-            <a:schemeClr val="dk1"/>
-          </a:lnRef>
-          <a:fillRef idx="1">
-            <a:schemeClr val="lt1"/>
-          </a:fillRef>
-          <a:effectRef idx="0">
-            <a:schemeClr val="dk1"/>
-          </a:effectRef>
-          <a:fontRef idx="minor">
-            <a:schemeClr val="dk1"/>
-          </a:fontRef>
-        </p:style>
-        <p:txBody>
-          <a:bodyPr rtlCol="0" anchor="ctr"/>
-          <a:lstStyle/>
-          <a:p>
-            <a:r>
-              <a:rPr lang="zh-TW" altLang="en-US" sz="3200" dirty="0" smtClean="0"/>
-              <a:t>該怎麼測試 </a:t>
-            </a:r>
-            <a:r>
-              <a:rPr lang="en-US" altLang="zh-TW" sz="3200" dirty="0" smtClean="0"/>
-              <a:t>Load Balance </a:t>
-            </a:r>
-            <a:r>
-              <a:rPr lang="zh-TW" altLang="en-US" sz="3200" dirty="0" smtClean="0"/>
-              <a:t>的組態下，執行是否正確</a:t>
-            </a:r>
-            <a:r>
-              <a:rPr lang="en-US" altLang="zh-TW" sz="3200" dirty="0" smtClean="0"/>
-              <a:t>?</a:t>
-            </a:r>
+            <a:endParaRPr lang="zh-TW" altLang="en-US" dirty="0"/>
           </a:p>
         </p:txBody>
       </p:sp>
     </p:spTree>
     <p:extLst>
       <p:ext uri="{BB962C8B-B14F-4D97-AF65-F5344CB8AC3E}">
-        <p14:creationId xmlns:p14="http://schemas.microsoft.com/office/powerpoint/2010/main" val="17712388"/>
+        <p14:creationId xmlns:p14="http://schemas.microsoft.com/office/powerpoint/2010/main" val="2704055122"/>
       </p:ext>
     </p:extLst>
   </p:cSld>
   <p:clrMapOvr>
     <a:masterClrMapping/>
   </p:clrMapOvr>
-  <mc:AlternateContent xmlns:mc="http://schemas.openxmlformats.org/markup-compatibility/2006" xmlns:p14="http://schemas.microsoft.com/office/powerpoint/2010/main">
-    <mc:Choice Requires="p14">
-      <p:transition spd="slow" p14:dur="2000"/>
-    </mc:Choice>
-    <mc:Fallback xmlns="">
-      <p:transition spd="slow"/>
-    </mc:Fallback>
-  </mc:AlternateContent>
   <p:timing>
     <p:tnLst>
       <p:par>
@@ -21929,92 +24329,6 @@
       </p:grpSpPr>
       <p:sp>
         <p:nvSpPr>
-          <p:cNvPr id="4" name="標題 3"/>
-          <p:cNvSpPr>
-            <a:spLocks noGrp="1"/>
-          </p:cNvSpPr>
-          <p:nvPr>
-            <p:ph type="ctrTitle"/>
-          </p:nvPr>
-        </p:nvSpPr>
-        <p:spPr/>
-        <p:txBody>
-          <a:bodyPr/>
-          <a:lstStyle/>
-          <a:p>
-            <a:r>
-              <a:rPr lang="en-US" altLang="zh-TW" dirty="0" smtClean="0"/>
-              <a:t>#1. </a:t>
-            </a:r>
-            <a:r>
-              <a:rPr lang="zh-TW" altLang="en-US" dirty="0" smtClean="0"/>
-              <a:t>容器化的</a:t>
-            </a:r>
-            <a:r>
-              <a:rPr lang="zh-TW" altLang="en-US" dirty="0"/>
-              <a:t>封裝</a:t>
-            </a:r>
-          </a:p>
-        </p:txBody>
-      </p:sp>
-      <p:sp>
-        <p:nvSpPr>
-          <p:cNvPr id="5" name="副標題 4"/>
-          <p:cNvSpPr>
-            <a:spLocks noGrp="1"/>
-          </p:cNvSpPr>
-          <p:nvPr>
-            <p:ph type="subTitle" idx="1"/>
-          </p:nvPr>
-        </p:nvSpPr>
-        <p:spPr/>
-        <p:txBody>
-          <a:bodyPr/>
-          <a:lstStyle/>
-          <a:p>
-            <a:endParaRPr lang="zh-TW" altLang="en-US" dirty="0"/>
-          </a:p>
-        </p:txBody>
-      </p:sp>
-    </p:spTree>
-    <p:extLst>
-      <p:ext uri="{BB962C8B-B14F-4D97-AF65-F5344CB8AC3E}">
-        <p14:creationId xmlns:p14="http://schemas.microsoft.com/office/powerpoint/2010/main" val="2704055122"/>
-      </p:ext>
-    </p:extLst>
-  </p:cSld>
-  <p:clrMapOvr>
-    <a:masterClrMapping/>
-  </p:clrMapOvr>
-  <p:timing>
-    <p:tnLst>
-      <p:par>
-        <p:cTn id="1" dur="indefinite" restart="never" nodeType="tmRoot"/>
-      </p:par>
-    </p:tnLst>
-  </p:timing>
-</p:sld>
-</file>
-
-<file path=ppt/slides/slide8.xml><?xml version="1.0" encoding="utf-8"?>
-<p:sld xmlns:a="http://schemas.openxmlformats.org/drawingml/2006/main" xmlns:r="http://schemas.openxmlformats.org/officeDocument/2006/relationships" xmlns:p="http://schemas.openxmlformats.org/presentationml/2006/main">
-  <p:cSld>
-    <p:spTree>
-      <p:nvGrpSpPr>
-        <p:cNvPr id="1" name=""/>
-        <p:cNvGrpSpPr/>
-        <p:nvPr/>
-      </p:nvGrpSpPr>
-      <p:grpSpPr>
-        <a:xfrm>
-          <a:off x="0" y="0"/>
-          <a:ext cx="0" cy="0"/>
-          <a:chOff x="0" y="0"/>
-          <a:chExt cx="0" cy="0"/>
-        </a:xfrm>
-      </p:grpSpPr>
-      <p:sp>
-        <p:nvSpPr>
           <p:cNvPr id="2" name="標題 1"/>
           <p:cNvSpPr>
             <a:spLocks noGrp="1"/>
@@ -22129,11 +24443,7 @@
           <a:p>
             <a:r>
               <a:rPr lang="en-US" altLang="zh-TW" dirty="0" smtClean="0"/>
-              <a:t>Virtual </a:t>
-            </a:r>
-            <a:r>
-              <a:rPr lang="en-US" altLang="zh-TW" dirty="0" smtClean="0"/>
-              <a:t>Machine (Manual or </a:t>
+              <a:t>Virtual Machine (Manual or </a:t>
             </a:r>
             <a:r>
               <a:rPr lang="en-US" altLang="zh-TW" dirty="0" err="1" smtClean="0"/>
@@ -23644,7 +25954,7 @@
 </p:sld>
 </file>
 
-<file path=ppt/slides/slide9.xml><?xml version="1.0" encoding="utf-8"?>
+<file path=ppt/slides/slide8.xml><?xml version="1.0" encoding="utf-8"?>
 <p:sld xmlns:a="http://schemas.openxmlformats.org/drawingml/2006/main" xmlns:r="http://schemas.openxmlformats.org/officeDocument/2006/relationships" xmlns:p="http://schemas.openxmlformats.org/presentationml/2006/main">
   <p:cSld>
     <p:spTree>
@@ -23789,6 +26099,205 @@
     <p:extLst>
       <p:ext uri="{BB962C8B-B14F-4D97-AF65-F5344CB8AC3E}">
         <p14:creationId xmlns:p14="http://schemas.microsoft.com/office/powerpoint/2010/main" val="1030633444"/>
+      </p:ext>
+    </p:extLst>
+  </p:cSld>
+  <p:clrMapOvr>
+    <a:masterClrMapping/>
+  </p:clrMapOvr>
+  <p:timing>
+    <p:tnLst>
+      <p:par>
+        <p:cTn id="1" dur="indefinite" restart="never" nodeType="tmRoot"/>
+      </p:par>
+    </p:tnLst>
+  </p:timing>
+</p:sld>
+</file>
+
+<file path=ppt/slides/slide9.xml><?xml version="1.0" encoding="utf-8"?>
+<p:sld xmlns:a="http://schemas.openxmlformats.org/drawingml/2006/main" xmlns:r="http://schemas.openxmlformats.org/officeDocument/2006/relationships" xmlns:p="http://schemas.openxmlformats.org/presentationml/2006/main">
+  <p:cSld>
+    <p:spTree>
+      <p:nvGrpSpPr>
+        <p:cNvPr id="1" name=""/>
+        <p:cNvGrpSpPr/>
+        <p:nvPr/>
+      </p:nvGrpSpPr>
+      <p:grpSpPr>
+        <a:xfrm>
+          <a:off x="0" y="0"/>
+          <a:ext cx="0" cy="0"/>
+          <a:chOff x="0" y="0"/>
+          <a:chExt cx="0" cy="0"/>
+        </a:xfrm>
+      </p:grpSpPr>
+      <p:sp>
+        <p:nvSpPr>
+          <p:cNvPr id="2" name="標題 1"/>
+          <p:cNvSpPr>
+            <a:spLocks noGrp="1"/>
+          </p:cNvSpPr>
+          <p:nvPr>
+            <p:ph type="title"/>
+          </p:nvPr>
+        </p:nvSpPr>
+        <p:spPr/>
+        <p:txBody>
+          <a:bodyPr/>
+          <a:lstStyle/>
+          <a:p>
+            <a:r>
+              <a:rPr lang="zh-TW" altLang="en-US" dirty="0" smtClean="0"/>
+              <a:t>如何封裝 </a:t>
+            </a:r>
+            <a:r>
+              <a:rPr lang="en-US" altLang="zh-TW" dirty="0" smtClean="0"/>
+              <a:t>Job / Windows Service?</a:t>
+            </a:r>
+            <a:endParaRPr lang="zh-TW" altLang="en-US" dirty="0"/>
+          </a:p>
+        </p:txBody>
+      </p:sp>
+      <p:sp>
+        <p:nvSpPr>
+          <p:cNvPr id="3" name="內容版面配置區 2"/>
+          <p:cNvSpPr>
+            <a:spLocks noGrp="1"/>
+          </p:cNvSpPr>
+          <p:nvPr>
+            <p:ph idx="1"/>
+          </p:nvPr>
+        </p:nvSpPr>
+        <p:spPr/>
+        <p:txBody>
+          <a:bodyPr>
+            <a:normAutofit/>
+          </a:bodyPr>
+          <a:lstStyle/>
+          <a:p>
+            <a:pPr marL="514350" indent="-514350">
+              <a:buFont typeface="+mj-lt"/>
+              <a:buAutoNum type="arabicPeriod"/>
+            </a:pPr>
+            <a:r>
+              <a:rPr lang="zh-TW" altLang="en-US" sz="2800" dirty="0" smtClean="0"/>
+              <a:t>開發階段，直接簡化成 </a:t>
+            </a:r>
+            <a:r>
+              <a:rPr lang="en-US" altLang="zh-TW" sz="2800" dirty="0" smtClean="0"/>
+              <a:t>Console Application </a:t>
+            </a:r>
+            <a:r>
+              <a:rPr lang="zh-TW" altLang="en-US" sz="2800" dirty="0" smtClean="0"/>
+              <a:t>即可。</a:t>
+            </a:r>
+            <a:endParaRPr lang="en-US" altLang="zh-TW" sz="2800" dirty="0" smtClean="0"/>
+          </a:p>
+          <a:p>
+            <a:pPr marL="514350" indent="-514350">
+              <a:buFont typeface="+mj-lt"/>
+              <a:buAutoNum type="arabicPeriod"/>
+            </a:pPr>
+            <a:r>
+              <a:rPr lang="zh-TW" altLang="en-US" sz="2800" dirty="0" smtClean="0"/>
+              <a:t>透過 </a:t>
+            </a:r>
+            <a:r>
+              <a:rPr lang="en-US" altLang="zh-TW" sz="2800" dirty="0" smtClean="0"/>
+              <a:t>container </a:t>
+            </a:r>
+            <a:r>
+              <a:rPr lang="zh-TW" altLang="en-US" sz="2800" dirty="0" smtClean="0"/>
+              <a:t>的封裝，</a:t>
+            </a:r>
+            <a:r>
+              <a:rPr lang="en-US" altLang="zh-TW" sz="2800" dirty="0" smtClean="0"/>
+              <a:t>container</a:t>
+            </a:r>
+            <a:r>
+              <a:rPr lang="zh-TW" altLang="en-US" sz="2800" dirty="0"/>
+              <a:t> </a:t>
+            </a:r>
+            <a:r>
+              <a:rPr lang="zh-TW" altLang="en-US" sz="2800" dirty="0" smtClean="0"/>
+              <a:t>已經直接提供</a:t>
+            </a:r>
+            <a:r>
+              <a:rPr lang="zh-TW" altLang="en-US" sz="2800" dirty="0"/>
+              <a:t> </a:t>
+            </a:r>
+            <a:r>
+              <a:rPr lang="en-US" altLang="zh-TW" sz="2800" dirty="0" smtClean="0"/>
+              <a:t>start | stop | continue | pause | restart </a:t>
+            </a:r>
+            <a:r>
+              <a:rPr lang="zh-TW" altLang="en-US" sz="2800" dirty="0" smtClean="0"/>
+              <a:t>等等控制機制。</a:t>
+            </a:r>
+            <a:endParaRPr lang="en-US" altLang="zh-TW" sz="2800" dirty="0" smtClean="0"/>
+          </a:p>
+          <a:p>
+            <a:pPr marL="514350" indent="-514350">
+              <a:buFont typeface="+mj-lt"/>
+              <a:buAutoNum type="arabicPeriod"/>
+            </a:pPr>
+            <a:r>
+              <a:rPr lang="en-US" altLang="zh-TW" sz="2800" dirty="0" smtClean="0"/>
+              <a:t>Console </a:t>
+            </a:r>
+            <a:r>
+              <a:rPr lang="zh-TW" altLang="en-US" sz="2800" dirty="0" smtClean="0"/>
+              <a:t>的 </a:t>
+            </a:r>
+            <a:r>
+              <a:rPr lang="en-US" altLang="zh-TW" sz="2800" dirty="0" smtClean="0"/>
+              <a:t>STDOUT, </a:t>
+            </a:r>
+            <a:r>
+              <a:rPr lang="zh-TW" altLang="en-US" sz="2800" dirty="0" smtClean="0"/>
+              <a:t>已經被 </a:t>
+            </a:r>
+            <a:r>
+              <a:rPr lang="en-US" altLang="zh-TW" sz="2800" dirty="0" smtClean="0"/>
+              <a:t>container</a:t>
+            </a:r>
+            <a:r>
+              <a:rPr lang="zh-TW" altLang="en-US" sz="2800" dirty="0" smtClean="0"/>
+              <a:t> </a:t>
+            </a:r>
+            <a:r>
+              <a:rPr lang="en-US" altLang="zh-TW" sz="2800" dirty="0" smtClean="0"/>
+              <a:t>engine</a:t>
+            </a:r>
+            <a:r>
+              <a:rPr lang="zh-TW" altLang="en-US" sz="2800" dirty="0" smtClean="0"/>
+              <a:t> 統一管理。日誌型態的訊息直接輸出到 </a:t>
+            </a:r>
+            <a:r>
+              <a:rPr lang="en-US" altLang="zh-TW" sz="2800" dirty="0" smtClean="0"/>
+              <a:t>console</a:t>
+            </a:r>
+            <a:r>
+              <a:rPr lang="zh-TW" altLang="en-US" sz="2800" dirty="0" smtClean="0"/>
+              <a:t> 即可，不須額外定義其他的 </a:t>
+            </a:r>
+            <a:r>
+              <a:rPr lang="en-US" altLang="zh-TW" sz="2800" dirty="0" smtClean="0"/>
+              <a:t>log</a:t>
+            </a:r>
+            <a:r>
+              <a:rPr lang="zh-TW" altLang="en-US" sz="2800" dirty="0" smtClean="0"/>
+              <a:t> 機制。</a:t>
+            </a:r>
+            <a:endParaRPr lang="zh-TW" altLang="en-US" sz="2800" dirty="0"/>
+          </a:p>
+        </p:txBody>
+      </p:sp>
+    </p:spTree>
+    <p:extLst>
+      <p:ext uri="{BB962C8B-B14F-4D97-AF65-F5344CB8AC3E}">
+        <p14:creationId xmlns:p14="http://schemas.microsoft.com/office/powerpoint/2010/main" val="1149563496"/>
       </p:ext>
     </p:extLst>
   </p:cSld>

--- a/20170916.ContainerDrivenDevelop/slides.pptx
+++ b/20170916.ContainerDrivenDevelop/slides.pptx
@@ -2962,7 +2962,7 @@
           <a:p>
             <a:fld id="{E021E510-D267-4A48-98B8-37CAB08698A1}" type="datetimeFigureOut">
               <a:rPr lang="zh-TW" altLang="en-US" smtClean="0"/>
-              <a:t>2017/9/13</a:t>
+              <a:t>2017/9/17</a:t>
             </a:fld>
             <a:endParaRPr lang="zh-TW" altLang="en-US"/>
           </a:p>
@@ -4070,7 +4070,7 @@
           <a:p>
             <a:fld id="{B07EFE10-B13D-43B6-9F5E-D0DE056FAF9A}" type="datetimeFigureOut">
               <a:rPr lang="zh-TW" altLang="en-US" smtClean="0"/>
-              <a:t>2017/9/13</a:t>
+              <a:t>2017/9/17</a:t>
             </a:fld>
             <a:endParaRPr lang="zh-TW" altLang="en-US"/>
           </a:p>
@@ -4278,7 +4278,7 @@
           <a:p>
             <a:fld id="{B07EFE10-B13D-43B6-9F5E-D0DE056FAF9A}" type="datetimeFigureOut">
               <a:rPr lang="zh-TW" altLang="en-US" smtClean="0"/>
-              <a:t>2017/9/13</a:t>
+              <a:t>2017/9/17</a:t>
             </a:fld>
             <a:endParaRPr lang="zh-TW" altLang="en-US"/>
           </a:p>
@@ -4534,7 +4534,7 @@
           <a:p>
             <a:fld id="{B07EFE10-B13D-43B6-9F5E-D0DE056FAF9A}" type="datetimeFigureOut">
               <a:rPr lang="zh-TW" altLang="en-US" smtClean="0"/>
-              <a:t>2017/9/13</a:t>
+              <a:t>2017/9/17</a:t>
             </a:fld>
             <a:endParaRPr lang="zh-TW" altLang="en-US"/>
           </a:p>
@@ -4708,7 +4708,7 @@
           <a:p>
             <a:fld id="{B07EFE10-B13D-43B6-9F5E-D0DE056FAF9A}" type="datetimeFigureOut">
               <a:rPr lang="zh-TW" altLang="en-US" smtClean="0"/>
-              <a:t>2017/9/13</a:t>
+              <a:t>2017/9/17</a:t>
             </a:fld>
             <a:endParaRPr lang="zh-TW" altLang="en-US"/>
           </a:p>
@@ -5051,7 +5051,7 @@
           <a:p>
             <a:fld id="{B07EFE10-B13D-43B6-9F5E-D0DE056FAF9A}" type="datetimeFigureOut">
               <a:rPr lang="zh-TW" altLang="en-US" smtClean="0"/>
-              <a:t>2017/9/13</a:t>
+              <a:t>2017/9/17</a:t>
             </a:fld>
             <a:endParaRPr lang="zh-TW" altLang="en-US"/>
           </a:p>
@@ -5326,7 +5326,7 @@
           <a:p>
             <a:fld id="{B07EFE10-B13D-43B6-9F5E-D0DE056FAF9A}" type="datetimeFigureOut">
               <a:rPr lang="zh-TW" altLang="en-US" smtClean="0"/>
-              <a:t>2017/9/13</a:t>
+              <a:t>2017/9/17</a:t>
             </a:fld>
             <a:endParaRPr lang="zh-TW" altLang="en-US"/>
           </a:p>
@@ -5705,7 +5705,7 @@
           <a:p>
             <a:fld id="{B07EFE10-B13D-43B6-9F5E-D0DE056FAF9A}" type="datetimeFigureOut">
               <a:rPr lang="zh-TW" altLang="en-US" smtClean="0"/>
-              <a:t>2017/9/13</a:t>
+              <a:t>2017/9/17</a:t>
             </a:fld>
             <a:endParaRPr lang="zh-TW" altLang="en-US"/>
           </a:p>
@@ -5823,7 +5823,7 @@
           <a:p>
             <a:fld id="{B07EFE10-B13D-43B6-9F5E-D0DE056FAF9A}" type="datetimeFigureOut">
               <a:rPr lang="zh-TW" altLang="en-US" smtClean="0"/>
-              <a:t>2017/9/13</a:t>
+              <a:t>2017/9/17</a:t>
             </a:fld>
             <a:endParaRPr lang="zh-TW" altLang="en-US"/>
           </a:p>
@@ -5994,7 +5994,7 @@
           <a:p>
             <a:fld id="{B07EFE10-B13D-43B6-9F5E-D0DE056FAF9A}" type="datetimeFigureOut">
               <a:rPr lang="zh-TW" altLang="en-US" smtClean="0"/>
-              <a:t>2017/9/13</a:t>
+              <a:t>2017/9/17</a:t>
             </a:fld>
             <a:endParaRPr lang="zh-TW" altLang="en-US"/>
           </a:p>
@@ -6348,7 +6348,7 @@
           <a:p>
             <a:fld id="{B07EFE10-B13D-43B6-9F5E-D0DE056FAF9A}" type="datetimeFigureOut">
               <a:rPr lang="zh-TW" altLang="en-US" smtClean="0"/>
-              <a:t>2017/9/13</a:t>
+              <a:t>2017/9/17</a:t>
             </a:fld>
             <a:endParaRPr lang="zh-TW" altLang="en-US"/>
           </a:p>
@@ -6730,7 +6730,7 @@
           <a:p>
             <a:fld id="{B07EFE10-B13D-43B6-9F5E-D0DE056FAF9A}" type="datetimeFigureOut">
               <a:rPr lang="zh-TW" altLang="en-US" smtClean="0"/>
-              <a:t>2017/9/13</a:t>
+              <a:t>2017/9/17</a:t>
             </a:fld>
             <a:endParaRPr lang="zh-TW" altLang="en-US"/>
           </a:p>
@@ -7017,7 +7017,7 @@
           <a:p>
             <a:fld id="{B07EFE10-B13D-43B6-9F5E-D0DE056FAF9A}" type="datetimeFigureOut">
               <a:rPr lang="zh-TW" altLang="en-US" smtClean="0"/>
-              <a:t>2017/9/13</a:t>
+              <a:t>2017/9/17</a:t>
             </a:fld>
             <a:endParaRPr lang="zh-TW" altLang="en-US"/>
           </a:p>
@@ -17575,11 +17575,7 @@
             </a:r>
             <a:r>
               <a:rPr lang="zh-TW" altLang="en-US" sz="3200" dirty="0" smtClean="0"/>
-              <a:t>的組</a:t>
-            </a:r>
-            <a:r>
-              <a:rPr lang="zh-TW" altLang="en-US" sz="3200" dirty="0" smtClean="0"/>
-              <a:t>態</a:t>
+              <a:t>的組態</a:t>
             </a:r>
             <a:r>
               <a:rPr lang="en-US" altLang="zh-TW" sz="3200" dirty="0" smtClean="0"/>
@@ -17625,11 +17621,11 @@
   <p:clrMapOvr>
     <a:masterClrMapping/>
   </p:clrMapOvr>
-  <mc:AlternateContent xmlns:mc="http://schemas.openxmlformats.org/markup-compatibility/2006">
-    <mc:Choice xmlns:p14="http://schemas.microsoft.com/office/powerpoint/2010/main" Requires="p14">
+  <mc:AlternateContent xmlns:mc="http://schemas.openxmlformats.org/markup-compatibility/2006" xmlns:p14="http://schemas.microsoft.com/office/powerpoint/2010/main">
+    <mc:Choice Requires="p14">
       <p:transition spd="slow" p14:dur="2000"/>
     </mc:Choice>
-    <mc:Fallback>
+    <mc:Fallback xmlns="">
       <p:transition spd="slow"/>
     </mc:Fallback>
   </mc:AlternateContent>
@@ -20536,11 +20532,7 @@
           <a:p>
             <a:r>
               <a:rPr lang="en-US" altLang="zh-TW" dirty="0" smtClean="0"/>
-              <a:t>#5. </a:t>
-            </a:r>
-            <a:r>
-              <a:rPr lang="en-US" altLang="zh-TW" dirty="0" smtClean="0"/>
-              <a:t>References</a:t>
+              <a:t>#5. References</a:t>
             </a:r>
             <a:endParaRPr lang="zh-TW" altLang="en-US" dirty="0"/>
           </a:p>
